--- a/로스트아크 역분석/경로 이미지/경로.pptx
+++ b/로스트아크 역분석/경로 이미지/경로.pptx
@@ -6,6 +6,7 @@
   </p:sldMasterIdLst>
   <p:sldIdLst>
     <p:sldId id="256" r:id="rId2"/>
+    <p:sldId id="257" r:id="rId3"/>
   </p:sldIdLst>
   <p:sldSz cx="12192000" cy="6858000"/>
   <p:notesSz cx="6858000" cy="9144000"/>
@@ -259,7 +260,7 @@
           <a:p>
             <a:fld id="{4D7E4FF9-DD0C-4A0A-8926-BD89F5ED8463}" type="datetimeFigureOut">
               <a:rPr lang="ko-KR" altLang="en-US" smtClean="0"/>
-              <a:t>2022-02-07</a:t>
+              <a:t>2022-02-10</a:t>
             </a:fld>
             <a:endParaRPr lang="ko-KR" altLang="en-US"/>
           </a:p>
@@ -457,7 +458,7 @@
           <a:p>
             <a:fld id="{4D7E4FF9-DD0C-4A0A-8926-BD89F5ED8463}" type="datetimeFigureOut">
               <a:rPr lang="ko-KR" altLang="en-US" smtClean="0"/>
-              <a:t>2022-02-07</a:t>
+              <a:t>2022-02-10</a:t>
             </a:fld>
             <a:endParaRPr lang="ko-KR" altLang="en-US"/>
           </a:p>
@@ -665,7 +666,7 @@
           <a:p>
             <a:fld id="{4D7E4FF9-DD0C-4A0A-8926-BD89F5ED8463}" type="datetimeFigureOut">
               <a:rPr lang="ko-KR" altLang="en-US" smtClean="0"/>
-              <a:t>2022-02-07</a:t>
+              <a:t>2022-02-10</a:t>
             </a:fld>
             <a:endParaRPr lang="ko-KR" altLang="en-US"/>
           </a:p>
@@ -863,7 +864,7 @@
           <a:p>
             <a:fld id="{4D7E4FF9-DD0C-4A0A-8926-BD89F5ED8463}" type="datetimeFigureOut">
               <a:rPr lang="ko-KR" altLang="en-US" smtClean="0"/>
-              <a:t>2022-02-07</a:t>
+              <a:t>2022-02-10</a:t>
             </a:fld>
             <a:endParaRPr lang="ko-KR" altLang="en-US"/>
           </a:p>
@@ -1138,7 +1139,7 @@
           <a:p>
             <a:fld id="{4D7E4FF9-DD0C-4A0A-8926-BD89F5ED8463}" type="datetimeFigureOut">
               <a:rPr lang="ko-KR" altLang="en-US" smtClean="0"/>
-              <a:t>2022-02-07</a:t>
+              <a:t>2022-02-10</a:t>
             </a:fld>
             <a:endParaRPr lang="ko-KR" altLang="en-US"/>
           </a:p>
@@ -1403,7 +1404,7 @@
           <a:p>
             <a:fld id="{4D7E4FF9-DD0C-4A0A-8926-BD89F5ED8463}" type="datetimeFigureOut">
               <a:rPr lang="ko-KR" altLang="en-US" smtClean="0"/>
-              <a:t>2022-02-07</a:t>
+              <a:t>2022-02-10</a:t>
             </a:fld>
             <a:endParaRPr lang="ko-KR" altLang="en-US"/>
           </a:p>
@@ -1815,7 +1816,7 @@
           <a:p>
             <a:fld id="{4D7E4FF9-DD0C-4A0A-8926-BD89F5ED8463}" type="datetimeFigureOut">
               <a:rPr lang="ko-KR" altLang="en-US" smtClean="0"/>
-              <a:t>2022-02-07</a:t>
+              <a:t>2022-02-10</a:t>
             </a:fld>
             <a:endParaRPr lang="ko-KR" altLang="en-US"/>
           </a:p>
@@ -1956,7 +1957,7 @@
           <a:p>
             <a:fld id="{4D7E4FF9-DD0C-4A0A-8926-BD89F5ED8463}" type="datetimeFigureOut">
               <a:rPr lang="ko-KR" altLang="en-US" smtClean="0"/>
-              <a:t>2022-02-07</a:t>
+              <a:t>2022-02-10</a:t>
             </a:fld>
             <a:endParaRPr lang="ko-KR" altLang="en-US"/>
           </a:p>
@@ -2069,7 +2070,7 @@
           <a:p>
             <a:fld id="{4D7E4FF9-DD0C-4A0A-8926-BD89F5ED8463}" type="datetimeFigureOut">
               <a:rPr lang="ko-KR" altLang="en-US" smtClean="0"/>
-              <a:t>2022-02-07</a:t>
+              <a:t>2022-02-10</a:t>
             </a:fld>
             <a:endParaRPr lang="ko-KR" altLang="en-US"/>
           </a:p>
@@ -2380,7 +2381,7 @@
           <a:p>
             <a:fld id="{4D7E4FF9-DD0C-4A0A-8926-BD89F5ED8463}" type="datetimeFigureOut">
               <a:rPr lang="ko-KR" altLang="en-US" smtClean="0"/>
-              <a:t>2022-02-07</a:t>
+              <a:t>2022-02-10</a:t>
             </a:fld>
             <a:endParaRPr lang="ko-KR" altLang="en-US"/>
           </a:p>
@@ -2668,7 +2669,7 @@
           <a:p>
             <a:fld id="{4D7E4FF9-DD0C-4A0A-8926-BD89F5ED8463}" type="datetimeFigureOut">
               <a:rPr lang="ko-KR" altLang="en-US" smtClean="0"/>
-              <a:t>2022-02-07</a:t>
+              <a:t>2022-02-10</a:t>
             </a:fld>
             <a:endParaRPr lang="ko-KR" altLang="en-US"/>
           </a:p>
@@ -2909,7 +2910,7 @@
           <a:p>
             <a:fld id="{4D7E4FF9-DD0C-4A0A-8926-BD89F5ED8463}" type="datetimeFigureOut">
               <a:rPr lang="ko-KR" altLang="en-US" smtClean="0"/>
-              <a:t>2022-02-07</a:t>
+              <a:t>2022-02-10</a:t>
             </a:fld>
             <a:endParaRPr lang="ko-KR" altLang="en-US"/>
           </a:p>
@@ -13206,6 +13207,9231 @@
 </p:sld>
 </file>
 
+<file path=ppt/slides/slide2.xml><?xml version="1.0" encoding="utf-8"?>
+<p:sld xmlns:a="http://schemas.openxmlformats.org/drawingml/2006/main" xmlns:r="http://schemas.openxmlformats.org/officeDocument/2006/relationships" xmlns:p="http://schemas.openxmlformats.org/presentationml/2006/main">
+  <p:cSld>
+    <p:spTree>
+      <p:nvGrpSpPr>
+        <p:cNvPr id="1" name=""/>
+        <p:cNvGrpSpPr/>
+        <p:nvPr/>
+      </p:nvGrpSpPr>
+      <p:grpSpPr>
+        <a:xfrm>
+          <a:off x="0" y="0"/>
+          <a:ext cx="0" cy="0"/>
+          <a:chOff x="0" y="0"/>
+          <a:chExt cx="0" cy="0"/>
+        </a:xfrm>
+      </p:grpSpPr>
+      <p:graphicFrame>
+        <p:nvGraphicFramePr>
+          <p:cNvPr id="35" name="표 35">
+            <a:extLst>
+              <a:ext uri="{FF2B5EF4-FFF2-40B4-BE49-F238E27FC236}">
+                <a16:creationId xmlns:a16="http://schemas.microsoft.com/office/drawing/2014/main" id="{312E9E12-2E7B-4A46-80F2-19A463ADF672}"/>
+              </a:ext>
+            </a:extLst>
+          </p:cNvPr>
+          <p:cNvGraphicFramePr>
+            <a:graphicFrameLocks noGrp="1"/>
+          </p:cNvGraphicFramePr>
+          <p:nvPr/>
+        </p:nvGraphicFramePr>
+        <p:xfrm>
+          <a:off x="3504539" y="-53538"/>
+          <a:ext cx="6243456" cy="5587439"/>
+        </p:xfrm>
+        <a:graphic>
+          <a:graphicData uri="http://schemas.openxmlformats.org/drawingml/2006/table">
+            <a:tbl>
+              <a:tblPr firstRow="1" bandRow="1">
+                <a:tableStyleId>{5940675A-B579-460E-94D1-54222C63F5DA}</a:tableStyleId>
+              </a:tblPr>
+              <a:tblGrid>
+                <a:gridCol w="520288">
+                  <a:extLst>
+                    <a:ext uri="{9D8B030D-6E8A-4147-A177-3AD203B41FA5}">
+                      <a16:colId xmlns:a16="http://schemas.microsoft.com/office/drawing/2014/main" val="2809021443"/>
+                    </a:ext>
+                  </a:extLst>
+                </a:gridCol>
+                <a:gridCol w="520288">
+                  <a:extLst>
+                    <a:ext uri="{9D8B030D-6E8A-4147-A177-3AD203B41FA5}">
+                      <a16:colId xmlns:a16="http://schemas.microsoft.com/office/drawing/2014/main" val="1178426147"/>
+                    </a:ext>
+                  </a:extLst>
+                </a:gridCol>
+                <a:gridCol w="520288">
+                  <a:extLst>
+                    <a:ext uri="{9D8B030D-6E8A-4147-A177-3AD203B41FA5}">
+                      <a16:colId xmlns:a16="http://schemas.microsoft.com/office/drawing/2014/main" val="2452972850"/>
+                    </a:ext>
+                  </a:extLst>
+                </a:gridCol>
+                <a:gridCol w="520288">
+                  <a:extLst>
+                    <a:ext uri="{9D8B030D-6E8A-4147-A177-3AD203B41FA5}">
+                      <a16:colId xmlns:a16="http://schemas.microsoft.com/office/drawing/2014/main" val="3377265037"/>
+                    </a:ext>
+                  </a:extLst>
+                </a:gridCol>
+                <a:gridCol w="520288">
+                  <a:extLst>
+                    <a:ext uri="{9D8B030D-6E8A-4147-A177-3AD203B41FA5}">
+                      <a16:colId xmlns:a16="http://schemas.microsoft.com/office/drawing/2014/main" val="2676094137"/>
+                    </a:ext>
+                  </a:extLst>
+                </a:gridCol>
+                <a:gridCol w="520288">
+                  <a:extLst>
+                    <a:ext uri="{9D8B030D-6E8A-4147-A177-3AD203B41FA5}">
+                      <a16:colId xmlns:a16="http://schemas.microsoft.com/office/drawing/2014/main" val="2290630443"/>
+                    </a:ext>
+                  </a:extLst>
+                </a:gridCol>
+                <a:gridCol w="520288">
+                  <a:extLst>
+                    <a:ext uri="{9D8B030D-6E8A-4147-A177-3AD203B41FA5}">
+                      <a16:colId xmlns:a16="http://schemas.microsoft.com/office/drawing/2014/main" val="3891618832"/>
+                    </a:ext>
+                  </a:extLst>
+                </a:gridCol>
+                <a:gridCol w="520288">
+                  <a:extLst>
+                    <a:ext uri="{9D8B030D-6E8A-4147-A177-3AD203B41FA5}">
+                      <a16:colId xmlns:a16="http://schemas.microsoft.com/office/drawing/2014/main" val="523851963"/>
+                    </a:ext>
+                  </a:extLst>
+                </a:gridCol>
+                <a:gridCol w="520288">
+                  <a:extLst>
+                    <a:ext uri="{9D8B030D-6E8A-4147-A177-3AD203B41FA5}">
+                      <a16:colId xmlns:a16="http://schemas.microsoft.com/office/drawing/2014/main" val="2260490160"/>
+                    </a:ext>
+                  </a:extLst>
+                </a:gridCol>
+                <a:gridCol w="520288">
+                  <a:extLst>
+                    <a:ext uri="{9D8B030D-6E8A-4147-A177-3AD203B41FA5}">
+                      <a16:colId xmlns:a16="http://schemas.microsoft.com/office/drawing/2014/main" val="979310258"/>
+                    </a:ext>
+                  </a:extLst>
+                </a:gridCol>
+                <a:gridCol w="520288">
+                  <a:extLst>
+                    <a:ext uri="{9D8B030D-6E8A-4147-A177-3AD203B41FA5}">
+                      <a16:colId xmlns:a16="http://schemas.microsoft.com/office/drawing/2014/main" val="2246459742"/>
+                    </a:ext>
+                  </a:extLst>
+                </a:gridCol>
+                <a:gridCol w="520288">
+                  <a:extLst>
+                    <a:ext uri="{9D8B030D-6E8A-4147-A177-3AD203B41FA5}">
+                      <a16:colId xmlns:a16="http://schemas.microsoft.com/office/drawing/2014/main" val="394424289"/>
+                    </a:ext>
+                  </a:extLst>
+                </a:gridCol>
+              </a:tblGrid>
+              <a:tr h="507949">
+                <a:tc>
+                  <a:txBody>
+                    <a:bodyPr/>
+                    <a:lstStyle/>
+                    <a:p>
+                      <a:pPr latinLnBrk="1"/>
+                      <a:endParaRPr lang="ko-KR" altLang="en-US" dirty="0"/>
+                    </a:p>
+                  </a:txBody>
+                  <a:tcPr>
+                    <a:lnL w="12700" cap="flat" cmpd="sng" algn="ctr">
+                      <a:solidFill>
+                        <a:schemeClr val="bg2">
+                          <a:lumMod val="50000"/>
+                        </a:schemeClr>
+                      </a:solidFill>
+                      <a:prstDash val="solid"/>
+                      <a:round/>
+                      <a:headEnd type="none" w="med" len="med"/>
+                      <a:tailEnd type="none" w="med" len="med"/>
+                    </a:lnL>
+                    <a:lnR w="12700" cap="flat" cmpd="sng" algn="ctr">
+                      <a:solidFill>
+                        <a:schemeClr val="bg2">
+                          <a:lumMod val="50000"/>
+                        </a:schemeClr>
+                      </a:solidFill>
+                      <a:prstDash val="solid"/>
+                      <a:round/>
+                      <a:headEnd type="none" w="med" len="med"/>
+                      <a:tailEnd type="none" w="med" len="med"/>
+                    </a:lnR>
+                    <a:lnT w="12700" cap="flat" cmpd="sng" algn="ctr">
+                      <a:solidFill>
+                        <a:schemeClr val="bg2">
+                          <a:lumMod val="50000"/>
+                        </a:schemeClr>
+                      </a:solidFill>
+                      <a:prstDash val="solid"/>
+                      <a:round/>
+                      <a:headEnd type="none" w="med" len="med"/>
+                      <a:tailEnd type="none" w="med" len="med"/>
+                    </a:lnT>
+                    <a:lnB w="12700" cap="flat" cmpd="sng" algn="ctr">
+                      <a:solidFill>
+                        <a:schemeClr val="bg2">
+                          <a:lumMod val="50000"/>
+                        </a:schemeClr>
+                      </a:solidFill>
+                      <a:prstDash val="solid"/>
+                      <a:round/>
+                      <a:headEnd type="none" w="med" len="med"/>
+                      <a:tailEnd type="none" w="med" len="med"/>
+                    </a:lnB>
+                    <a:lnTlToBr w="12700" cmpd="sng">
+                      <a:noFill/>
+                      <a:prstDash val="solid"/>
+                    </a:lnTlToBr>
+                    <a:lnBlToTr w="12700" cmpd="sng">
+                      <a:noFill/>
+                      <a:prstDash val="solid"/>
+                    </a:lnBlToTr>
+                    <a:noFill/>
+                  </a:tcPr>
+                </a:tc>
+                <a:tc>
+                  <a:txBody>
+                    <a:bodyPr/>
+                    <a:lstStyle/>
+                    <a:p>
+                      <a:pPr latinLnBrk="1"/>
+                      <a:endParaRPr lang="ko-KR" altLang="en-US" dirty="0"/>
+                    </a:p>
+                  </a:txBody>
+                  <a:tcPr>
+                    <a:lnL w="12700" cap="flat" cmpd="sng" algn="ctr">
+                      <a:solidFill>
+                        <a:schemeClr val="bg2">
+                          <a:lumMod val="50000"/>
+                        </a:schemeClr>
+                      </a:solidFill>
+                      <a:prstDash val="solid"/>
+                      <a:round/>
+                      <a:headEnd type="none" w="med" len="med"/>
+                      <a:tailEnd type="none" w="med" len="med"/>
+                    </a:lnL>
+                    <a:lnR w="12700" cap="flat" cmpd="sng" algn="ctr">
+                      <a:solidFill>
+                        <a:schemeClr val="bg2">
+                          <a:lumMod val="50000"/>
+                        </a:schemeClr>
+                      </a:solidFill>
+                      <a:prstDash val="solid"/>
+                      <a:round/>
+                      <a:headEnd type="none" w="med" len="med"/>
+                      <a:tailEnd type="none" w="med" len="med"/>
+                    </a:lnR>
+                    <a:lnT w="12700" cap="flat" cmpd="sng" algn="ctr">
+                      <a:solidFill>
+                        <a:schemeClr val="bg2">
+                          <a:lumMod val="50000"/>
+                        </a:schemeClr>
+                      </a:solidFill>
+                      <a:prstDash val="solid"/>
+                      <a:round/>
+                      <a:headEnd type="none" w="med" len="med"/>
+                      <a:tailEnd type="none" w="med" len="med"/>
+                    </a:lnT>
+                    <a:lnB w="12700" cap="flat" cmpd="sng" algn="ctr">
+                      <a:solidFill>
+                        <a:schemeClr val="bg2">
+                          <a:lumMod val="50000"/>
+                        </a:schemeClr>
+                      </a:solidFill>
+                      <a:prstDash val="solid"/>
+                      <a:round/>
+                      <a:headEnd type="none" w="med" len="med"/>
+                      <a:tailEnd type="none" w="med" len="med"/>
+                    </a:lnB>
+                    <a:lnTlToBr w="12700" cmpd="sng">
+                      <a:noFill/>
+                      <a:prstDash val="solid"/>
+                    </a:lnTlToBr>
+                    <a:lnBlToTr w="12700" cmpd="sng">
+                      <a:noFill/>
+                      <a:prstDash val="solid"/>
+                    </a:lnBlToTr>
+                    <a:noFill/>
+                  </a:tcPr>
+                </a:tc>
+                <a:tc>
+                  <a:txBody>
+                    <a:bodyPr/>
+                    <a:lstStyle/>
+                    <a:p>
+                      <a:pPr latinLnBrk="1"/>
+                      <a:endParaRPr lang="ko-KR" altLang="en-US" dirty="0"/>
+                    </a:p>
+                  </a:txBody>
+                  <a:tcPr>
+                    <a:lnL w="12700" cap="flat" cmpd="sng" algn="ctr">
+                      <a:solidFill>
+                        <a:schemeClr val="bg2">
+                          <a:lumMod val="50000"/>
+                        </a:schemeClr>
+                      </a:solidFill>
+                      <a:prstDash val="solid"/>
+                      <a:round/>
+                      <a:headEnd type="none" w="med" len="med"/>
+                      <a:tailEnd type="none" w="med" len="med"/>
+                    </a:lnL>
+                    <a:lnR w="12700" cap="flat" cmpd="sng" algn="ctr">
+                      <a:solidFill>
+                        <a:schemeClr val="bg2">
+                          <a:lumMod val="50000"/>
+                        </a:schemeClr>
+                      </a:solidFill>
+                      <a:prstDash val="solid"/>
+                      <a:round/>
+                      <a:headEnd type="none" w="med" len="med"/>
+                      <a:tailEnd type="none" w="med" len="med"/>
+                    </a:lnR>
+                    <a:lnT w="12700" cap="flat" cmpd="sng" algn="ctr">
+                      <a:solidFill>
+                        <a:schemeClr val="bg2">
+                          <a:lumMod val="50000"/>
+                        </a:schemeClr>
+                      </a:solidFill>
+                      <a:prstDash val="solid"/>
+                      <a:round/>
+                      <a:headEnd type="none" w="med" len="med"/>
+                      <a:tailEnd type="none" w="med" len="med"/>
+                    </a:lnT>
+                    <a:lnB w="12700" cap="flat" cmpd="sng" algn="ctr">
+                      <a:solidFill>
+                        <a:schemeClr val="bg2">
+                          <a:lumMod val="50000"/>
+                        </a:schemeClr>
+                      </a:solidFill>
+                      <a:prstDash val="solid"/>
+                      <a:round/>
+                      <a:headEnd type="none" w="med" len="med"/>
+                      <a:tailEnd type="none" w="med" len="med"/>
+                    </a:lnB>
+                    <a:lnTlToBr w="12700" cmpd="sng">
+                      <a:noFill/>
+                      <a:prstDash val="solid"/>
+                    </a:lnTlToBr>
+                    <a:lnBlToTr w="12700" cmpd="sng">
+                      <a:noFill/>
+                      <a:prstDash val="solid"/>
+                    </a:lnBlToTr>
+                    <a:noFill/>
+                  </a:tcPr>
+                </a:tc>
+                <a:tc>
+                  <a:txBody>
+                    <a:bodyPr/>
+                    <a:lstStyle/>
+                    <a:p>
+                      <a:pPr latinLnBrk="1"/>
+                      <a:endParaRPr lang="ko-KR" altLang="en-US"/>
+                    </a:p>
+                  </a:txBody>
+                  <a:tcPr>
+                    <a:lnL w="12700" cap="flat" cmpd="sng" algn="ctr">
+                      <a:solidFill>
+                        <a:schemeClr val="bg2">
+                          <a:lumMod val="50000"/>
+                        </a:schemeClr>
+                      </a:solidFill>
+                      <a:prstDash val="solid"/>
+                      <a:round/>
+                      <a:headEnd type="none" w="med" len="med"/>
+                      <a:tailEnd type="none" w="med" len="med"/>
+                    </a:lnL>
+                    <a:lnR w="12700" cap="flat" cmpd="sng" algn="ctr">
+                      <a:solidFill>
+                        <a:schemeClr val="bg2">
+                          <a:lumMod val="50000"/>
+                        </a:schemeClr>
+                      </a:solidFill>
+                      <a:prstDash val="solid"/>
+                      <a:round/>
+                      <a:headEnd type="none" w="med" len="med"/>
+                      <a:tailEnd type="none" w="med" len="med"/>
+                    </a:lnR>
+                    <a:lnT w="12700" cap="flat" cmpd="sng" algn="ctr">
+                      <a:solidFill>
+                        <a:schemeClr val="bg2">
+                          <a:lumMod val="50000"/>
+                        </a:schemeClr>
+                      </a:solidFill>
+                      <a:prstDash val="solid"/>
+                      <a:round/>
+                      <a:headEnd type="none" w="med" len="med"/>
+                      <a:tailEnd type="none" w="med" len="med"/>
+                    </a:lnT>
+                    <a:lnB w="12700" cap="flat" cmpd="sng" algn="ctr">
+                      <a:solidFill>
+                        <a:schemeClr val="bg2">
+                          <a:lumMod val="50000"/>
+                        </a:schemeClr>
+                      </a:solidFill>
+                      <a:prstDash val="solid"/>
+                      <a:round/>
+                      <a:headEnd type="none" w="med" len="med"/>
+                      <a:tailEnd type="none" w="med" len="med"/>
+                    </a:lnB>
+                    <a:lnTlToBr w="12700" cmpd="sng">
+                      <a:noFill/>
+                      <a:prstDash val="solid"/>
+                    </a:lnTlToBr>
+                    <a:lnBlToTr w="12700" cmpd="sng">
+                      <a:noFill/>
+                      <a:prstDash val="solid"/>
+                    </a:lnBlToTr>
+                    <a:noFill/>
+                  </a:tcPr>
+                </a:tc>
+                <a:tc>
+                  <a:txBody>
+                    <a:bodyPr/>
+                    <a:lstStyle/>
+                    <a:p>
+                      <a:pPr latinLnBrk="1"/>
+                      <a:endParaRPr lang="ko-KR" altLang="en-US"/>
+                    </a:p>
+                  </a:txBody>
+                  <a:tcPr>
+                    <a:lnL w="12700" cap="flat" cmpd="sng" algn="ctr">
+                      <a:solidFill>
+                        <a:schemeClr val="bg2">
+                          <a:lumMod val="50000"/>
+                        </a:schemeClr>
+                      </a:solidFill>
+                      <a:prstDash val="solid"/>
+                      <a:round/>
+                      <a:headEnd type="none" w="med" len="med"/>
+                      <a:tailEnd type="none" w="med" len="med"/>
+                    </a:lnL>
+                    <a:lnR w="12700" cap="flat" cmpd="sng" algn="ctr">
+                      <a:solidFill>
+                        <a:schemeClr val="bg2">
+                          <a:lumMod val="50000"/>
+                        </a:schemeClr>
+                      </a:solidFill>
+                      <a:prstDash val="solid"/>
+                      <a:round/>
+                      <a:headEnd type="none" w="med" len="med"/>
+                      <a:tailEnd type="none" w="med" len="med"/>
+                    </a:lnR>
+                    <a:lnT w="12700" cap="flat" cmpd="sng" algn="ctr">
+                      <a:solidFill>
+                        <a:schemeClr val="bg2">
+                          <a:lumMod val="50000"/>
+                        </a:schemeClr>
+                      </a:solidFill>
+                      <a:prstDash val="solid"/>
+                      <a:round/>
+                      <a:headEnd type="none" w="med" len="med"/>
+                      <a:tailEnd type="none" w="med" len="med"/>
+                    </a:lnT>
+                    <a:lnB w="12700" cap="flat" cmpd="sng" algn="ctr">
+                      <a:solidFill>
+                        <a:schemeClr val="bg2">
+                          <a:lumMod val="50000"/>
+                        </a:schemeClr>
+                      </a:solidFill>
+                      <a:prstDash val="solid"/>
+                      <a:round/>
+                      <a:headEnd type="none" w="med" len="med"/>
+                      <a:tailEnd type="none" w="med" len="med"/>
+                    </a:lnB>
+                    <a:lnTlToBr w="12700" cmpd="sng">
+                      <a:noFill/>
+                      <a:prstDash val="solid"/>
+                    </a:lnTlToBr>
+                    <a:lnBlToTr w="12700" cmpd="sng">
+                      <a:noFill/>
+                      <a:prstDash val="solid"/>
+                    </a:lnBlToTr>
+                    <a:noFill/>
+                  </a:tcPr>
+                </a:tc>
+                <a:tc>
+                  <a:txBody>
+                    <a:bodyPr/>
+                    <a:lstStyle/>
+                    <a:p>
+                      <a:pPr latinLnBrk="1"/>
+                      <a:endParaRPr lang="ko-KR" altLang="en-US"/>
+                    </a:p>
+                  </a:txBody>
+                  <a:tcPr>
+                    <a:lnL w="12700" cap="flat" cmpd="sng" algn="ctr">
+                      <a:solidFill>
+                        <a:schemeClr val="bg2">
+                          <a:lumMod val="50000"/>
+                        </a:schemeClr>
+                      </a:solidFill>
+                      <a:prstDash val="solid"/>
+                      <a:round/>
+                      <a:headEnd type="none" w="med" len="med"/>
+                      <a:tailEnd type="none" w="med" len="med"/>
+                    </a:lnL>
+                    <a:lnR w="12700" cap="flat" cmpd="sng" algn="ctr">
+                      <a:solidFill>
+                        <a:schemeClr val="bg2">
+                          <a:lumMod val="50000"/>
+                        </a:schemeClr>
+                      </a:solidFill>
+                      <a:prstDash val="solid"/>
+                      <a:round/>
+                      <a:headEnd type="none" w="med" len="med"/>
+                      <a:tailEnd type="none" w="med" len="med"/>
+                    </a:lnR>
+                    <a:lnT w="12700" cap="flat" cmpd="sng" algn="ctr">
+                      <a:solidFill>
+                        <a:schemeClr val="bg2">
+                          <a:lumMod val="50000"/>
+                        </a:schemeClr>
+                      </a:solidFill>
+                      <a:prstDash val="solid"/>
+                      <a:round/>
+                      <a:headEnd type="none" w="med" len="med"/>
+                      <a:tailEnd type="none" w="med" len="med"/>
+                    </a:lnT>
+                    <a:lnB w="12700" cap="flat" cmpd="sng" algn="ctr">
+                      <a:solidFill>
+                        <a:schemeClr val="bg2">
+                          <a:lumMod val="50000"/>
+                        </a:schemeClr>
+                      </a:solidFill>
+                      <a:prstDash val="solid"/>
+                      <a:round/>
+                      <a:headEnd type="none" w="med" len="med"/>
+                      <a:tailEnd type="none" w="med" len="med"/>
+                    </a:lnB>
+                    <a:lnTlToBr w="12700" cmpd="sng">
+                      <a:noFill/>
+                      <a:prstDash val="solid"/>
+                    </a:lnTlToBr>
+                    <a:lnBlToTr w="12700" cmpd="sng">
+                      <a:noFill/>
+                      <a:prstDash val="solid"/>
+                    </a:lnBlToTr>
+                    <a:noFill/>
+                  </a:tcPr>
+                </a:tc>
+                <a:tc>
+                  <a:txBody>
+                    <a:bodyPr/>
+                    <a:lstStyle/>
+                    <a:p>
+                      <a:pPr latinLnBrk="1"/>
+                      <a:endParaRPr lang="ko-KR" altLang="en-US" dirty="0"/>
+                    </a:p>
+                  </a:txBody>
+                  <a:tcPr>
+                    <a:lnL w="12700" cap="flat" cmpd="sng" algn="ctr">
+                      <a:solidFill>
+                        <a:schemeClr val="bg2">
+                          <a:lumMod val="50000"/>
+                        </a:schemeClr>
+                      </a:solidFill>
+                      <a:prstDash val="solid"/>
+                      <a:round/>
+                      <a:headEnd type="none" w="med" len="med"/>
+                      <a:tailEnd type="none" w="med" len="med"/>
+                    </a:lnL>
+                    <a:lnR w="12700" cap="flat" cmpd="sng" algn="ctr">
+                      <a:solidFill>
+                        <a:schemeClr val="bg2">
+                          <a:lumMod val="50000"/>
+                        </a:schemeClr>
+                      </a:solidFill>
+                      <a:prstDash val="solid"/>
+                      <a:round/>
+                      <a:headEnd type="none" w="med" len="med"/>
+                      <a:tailEnd type="none" w="med" len="med"/>
+                    </a:lnR>
+                    <a:lnT w="12700" cap="flat" cmpd="sng" algn="ctr">
+                      <a:solidFill>
+                        <a:schemeClr val="bg2">
+                          <a:lumMod val="50000"/>
+                        </a:schemeClr>
+                      </a:solidFill>
+                      <a:prstDash val="solid"/>
+                      <a:round/>
+                      <a:headEnd type="none" w="med" len="med"/>
+                      <a:tailEnd type="none" w="med" len="med"/>
+                    </a:lnT>
+                    <a:lnB w="12700" cap="flat" cmpd="sng" algn="ctr">
+                      <a:solidFill>
+                        <a:schemeClr val="bg2">
+                          <a:lumMod val="50000"/>
+                        </a:schemeClr>
+                      </a:solidFill>
+                      <a:prstDash val="solid"/>
+                      <a:round/>
+                      <a:headEnd type="none" w="med" len="med"/>
+                      <a:tailEnd type="none" w="med" len="med"/>
+                    </a:lnB>
+                    <a:lnTlToBr w="12700" cmpd="sng">
+                      <a:noFill/>
+                      <a:prstDash val="solid"/>
+                    </a:lnTlToBr>
+                    <a:lnBlToTr w="12700" cmpd="sng">
+                      <a:noFill/>
+                      <a:prstDash val="solid"/>
+                    </a:lnBlToTr>
+                    <a:noFill/>
+                  </a:tcPr>
+                </a:tc>
+                <a:tc>
+                  <a:txBody>
+                    <a:bodyPr/>
+                    <a:lstStyle/>
+                    <a:p>
+                      <a:pPr latinLnBrk="1"/>
+                      <a:endParaRPr lang="ko-KR" altLang="en-US"/>
+                    </a:p>
+                  </a:txBody>
+                  <a:tcPr>
+                    <a:lnL w="12700" cap="flat" cmpd="sng" algn="ctr">
+                      <a:solidFill>
+                        <a:schemeClr val="bg2">
+                          <a:lumMod val="50000"/>
+                        </a:schemeClr>
+                      </a:solidFill>
+                      <a:prstDash val="solid"/>
+                      <a:round/>
+                      <a:headEnd type="none" w="med" len="med"/>
+                      <a:tailEnd type="none" w="med" len="med"/>
+                    </a:lnL>
+                    <a:lnR w="12700" cap="flat" cmpd="sng" algn="ctr">
+                      <a:solidFill>
+                        <a:schemeClr val="bg2">
+                          <a:lumMod val="50000"/>
+                        </a:schemeClr>
+                      </a:solidFill>
+                      <a:prstDash val="solid"/>
+                      <a:round/>
+                      <a:headEnd type="none" w="med" len="med"/>
+                      <a:tailEnd type="none" w="med" len="med"/>
+                    </a:lnR>
+                    <a:lnT w="12700" cap="flat" cmpd="sng" algn="ctr">
+                      <a:solidFill>
+                        <a:schemeClr val="bg2">
+                          <a:lumMod val="50000"/>
+                        </a:schemeClr>
+                      </a:solidFill>
+                      <a:prstDash val="solid"/>
+                      <a:round/>
+                      <a:headEnd type="none" w="med" len="med"/>
+                      <a:tailEnd type="none" w="med" len="med"/>
+                    </a:lnT>
+                    <a:lnB w="12700" cap="flat" cmpd="sng" algn="ctr">
+                      <a:solidFill>
+                        <a:schemeClr val="bg2">
+                          <a:lumMod val="50000"/>
+                        </a:schemeClr>
+                      </a:solidFill>
+                      <a:prstDash val="solid"/>
+                      <a:round/>
+                      <a:headEnd type="none" w="med" len="med"/>
+                      <a:tailEnd type="none" w="med" len="med"/>
+                    </a:lnB>
+                    <a:lnTlToBr w="12700" cmpd="sng">
+                      <a:noFill/>
+                      <a:prstDash val="solid"/>
+                    </a:lnTlToBr>
+                    <a:lnBlToTr w="12700" cmpd="sng">
+                      <a:noFill/>
+                      <a:prstDash val="solid"/>
+                    </a:lnBlToTr>
+                    <a:noFill/>
+                  </a:tcPr>
+                </a:tc>
+                <a:tc>
+                  <a:txBody>
+                    <a:bodyPr/>
+                    <a:lstStyle/>
+                    <a:p>
+                      <a:pPr latinLnBrk="1"/>
+                      <a:endParaRPr lang="ko-KR" altLang="en-US"/>
+                    </a:p>
+                  </a:txBody>
+                  <a:tcPr>
+                    <a:lnL w="12700" cap="flat" cmpd="sng" algn="ctr">
+                      <a:solidFill>
+                        <a:schemeClr val="bg2">
+                          <a:lumMod val="50000"/>
+                        </a:schemeClr>
+                      </a:solidFill>
+                      <a:prstDash val="solid"/>
+                      <a:round/>
+                      <a:headEnd type="none" w="med" len="med"/>
+                      <a:tailEnd type="none" w="med" len="med"/>
+                    </a:lnL>
+                    <a:lnR w="12700" cap="flat" cmpd="sng" algn="ctr">
+                      <a:solidFill>
+                        <a:schemeClr val="bg2">
+                          <a:lumMod val="50000"/>
+                        </a:schemeClr>
+                      </a:solidFill>
+                      <a:prstDash val="solid"/>
+                      <a:round/>
+                      <a:headEnd type="none" w="med" len="med"/>
+                      <a:tailEnd type="none" w="med" len="med"/>
+                    </a:lnR>
+                    <a:lnT w="12700" cap="flat" cmpd="sng" algn="ctr">
+                      <a:solidFill>
+                        <a:schemeClr val="bg2">
+                          <a:lumMod val="50000"/>
+                        </a:schemeClr>
+                      </a:solidFill>
+                      <a:prstDash val="solid"/>
+                      <a:round/>
+                      <a:headEnd type="none" w="med" len="med"/>
+                      <a:tailEnd type="none" w="med" len="med"/>
+                    </a:lnT>
+                    <a:lnB w="12700" cap="flat" cmpd="sng" algn="ctr">
+                      <a:solidFill>
+                        <a:schemeClr val="bg2">
+                          <a:lumMod val="50000"/>
+                        </a:schemeClr>
+                      </a:solidFill>
+                      <a:prstDash val="solid"/>
+                      <a:round/>
+                      <a:headEnd type="none" w="med" len="med"/>
+                      <a:tailEnd type="none" w="med" len="med"/>
+                    </a:lnB>
+                    <a:lnTlToBr w="12700" cmpd="sng">
+                      <a:noFill/>
+                      <a:prstDash val="solid"/>
+                    </a:lnTlToBr>
+                    <a:lnBlToTr w="12700" cmpd="sng">
+                      <a:noFill/>
+                      <a:prstDash val="solid"/>
+                    </a:lnBlToTr>
+                    <a:noFill/>
+                  </a:tcPr>
+                </a:tc>
+                <a:tc>
+                  <a:txBody>
+                    <a:bodyPr/>
+                    <a:lstStyle/>
+                    <a:p>
+                      <a:pPr latinLnBrk="1"/>
+                      <a:endParaRPr lang="ko-KR" altLang="en-US" dirty="0"/>
+                    </a:p>
+                  </a:txBody>
+                  <a:tcPr>
+                    <a:lnL w="12700" cap="flat" cmpd="sng" algn="ctr">
+                      <a:solidFill>
+                        <a:schemeClr val="bg2">
+                          <a:lumMod val="50000"/>
+                        </a:schemeClr>
+                      </a:solidFill>
+                      <a:prstDash val="solid"/>
+                      <a:round/>
+                      <a:headEnd type="none" w="med" len="med"/>
+                      <a:tailEnd type="none" w="med" len="med"/>
+                    </a:lnL>
+                    <a:lnR w="12700" cap="flat" cmpd="sng" algn="ctr">
+                      <a:solidFill>
+                        <a:schemeClr val="bg2">
+                          <a:lumMod val="50000"/>
+                        </a:schemeClr>
+                      </a:solidFill>
+                      <a:prstDash val="solid"/>
+                      <a:round/>
+                      <a:headEnd type="none" w="med" len="med"/>
+                      <a:tailEnd type="none" w="med" len="med"/>
+                    </a:lnR>
+                    <a:lnT w="12700" cap="flat" cmpd="sng" algn="ctr">
+                      <a:solidFill>
+                        <a:schemeClr val="bg2">
+                          <a:lumMod val="50000"/>
+                        </a:schemeClr>
+                      </a:solidFill>
+                      <a:prstDash val="solid"/>
+                      <a:round/>
+                      <a:headEnd type="none" w="med" len="med"/>
+                      <a:tailEnd type="none" w="med" len="med"/>
+                    </a:lnT>
+                    <a:lnB w="12700" cap="flat" cmpd="sng" algn="ctr">
+                      <a:solidFill>
+                        <a:schemeClr val="bg2">
+                          <a:lumMod val="50000"/>
+                        </a:schemeClr>
+                      </a:solidFill>
+                      <a:prstDash val="solid"/>
+                      <a:round/>
+                      <a:headEnd type="none" w="med" len="med"/>
+                      <a:tailEnd type="none" w="med" len="med"/>
+                    </a:lnB>
+                    <a:lnTlToBr w="12700" cmpd="sng">
+                      <a:noFill/>
+                      <a:prstDash val="solid"/>
+                    </a:lnTlToBr>
+                    <a:lnBlToTr w="12700" cmpd="sng">
+                      <a:noFill/>
+                      <a:prstDash val="solid"/>
+                    </a:lnBlToTr>
+                    <a:noFill/>
+                  </a:tcPr>
+                </a:tc>
+                <a:tc>
+                  <a:txBody>
+                    <a:bodyPr/>
+                    <a:lstStyle/>
+                    <a:p>
+                      <a:pPr latinLnBrk="1"/>
+                      <a:endParaRPr lang="ko-KR" altLang="en-US" dirty="0"/>
+                    </a:p>
+                  </a:txBody>
+                  <a:tcPr>
+                    <a:lnL w="12700" cap="flat" cmpd="sng" algn="ctr">
+                      <a:solidFill>
+                        <a:schemeClr val="bg2">
+                          <a:lumMod val="50000"/>
+                        </a:schemeClr>
+                      </a:solidFill>
+                      <a:prstDash val="solid"/>
+                      <a:round/>
+                      <a:headEnd type="none" w="med" len="med"/>
+                      <a:tailEnd type="none" w="med" len="med"/>
+                    </a:lnL>
+                    <a:lnR w="12700" cap="flat" cmpd="sng" algn="ctr">
+                      <a:solidFill>
+                        <a:schemeClr val="bg2">
+                          <a:lumMod val="50000"/>
+                        </a:schemeClr>
+                      </a:solidFill>
+                      <a:prstDash val="solid"/>
+                      <a:round/>
+                      <a:headEnd type="none" w="med" len="med"/>
+                      <a:tailEnd type="none" w="med" len="med"/>
+                    </a:lnR>
+                    <a:lnT w="12700" cap="flat" cmpd="sng" algn="ctr">
+                      <a:solidFill>
+                        <a:schemeClr val="bg2">
+                          <a:lumMod val="50000"/>
+                        </a:schemeClr>
+                      </a:solidFill>
+                      <a:prstDash val="solid"/>
+                      <a:round/>
+                      <a:headEnd type="none" w="med" len="med"/>
+                      <a:tailEnd type="none" w="med" len="med"/>
+                    </a:lnT>
+                    <a:lnB w="12700" cap="flat" cmpd="sng" algn="ctr">
+                      <a:solidFill>
+                        <a:schemeClr val="bg2">
+                          <a:lumMod val="50000"/>
+                        </a:schemeClr>
+                      </a:solidFill>
+                      <a:prstDash val="solid"/>
+                      <a:round/>
+                      <a:headEnd type="none" w="med" len="med"/>
+                      <a:tailEnd type="none" w="med" len="med"/>
+                    </a:lnB>
+                    <a:lnTlToBr w="12700" cmpd="sng">
+                      <a:noFill/>
+                      <a:prstDash val="solid"/>
+                    </a:lnTlToBr>
+                    <a:lnBlToTr w="12700" cmpd="sng">
+                      <a:noFill/>
+                      <a:prstDash val="solid"/>
+                    </a:lnBlToTr>
+                    <a:noFill/>
+                  </a:tcPr>
+                </a:tc>
+                <a:tc>
+                  <a:txBody>
+                    <a:bodyPr/>
+                    <a:lstStyle/>
+                    <a:p>
+                      <a:pPr latinLnBrk="1"/>
+                      <a:endParaRPr lang="ko-KR" altLang="en-US" dirty="0"/>
+                    </a:p>
+                  </a:txBody>
+                  <a:tcPr>
+                    <a:lnL w="12700" cap="flat" cmpd="sng" algn="ctr">
+                      <a:solidFill>
+                        <a:schemeClr val="bg2">
+                          <a:lumMod val="50000"/>
+                        </a:schemeClr>
+                      </a:solidFill>
+                      <a:prstDash val="solid"/>
+                      <a:round/>
+                      <a:headEnd type="none" w="med" len="med"/>
+                      <a:tailEnd type="none" w="med" len="med"/>
+                    </a:lnL>
+                    <a:lnR w="12700" cap="flat" cmpd="sng" algn="ctr">
+                      <a:solidFill>
+                        <a:schemeClr val="bg2">
+                          <a:lumMod val="50000"/>
+                        </a:schemeClr>
+                      </a:solidFill>
+                      <a:prstDash val="solid"/>
+                      <a:round/>
+                      <a:headEnd type="none" w="med" len="med"/>
+                      <a:tailEnd type="none" w="med" len="med"/>
+                    </a:lnR>
+                    <a:lnT w="12700" cap="flat" cmpd="sng" algn="ctr">
+                      <a:solidFill>
+                        <a:schemeClr val="bg2">
+                          <a:lumMod val="50000"/>
+                        </a:schemeClr>
+                      </a:solidFill>
+                      <a:prstDash val="solid"/>
+                      <a:round/>
+                      <a:headEnd type="none" w="med" len="med"/>
+                      <a:tailEnd type="none" w="med" len="med"/>
+                    </a:lnT>
+                    <a:lnB w="12700" cap="flat" cmpd="sng" algn="ctr">
+                      <a:solidFill>
+                        <a:schemeClr val="bg2">
+                          <a:lumMod val="50000"/>
+                        </a:schemeClr>
+                      </a:solidFill>
+                      <a:prstDash val="solid"/>
+                      <a:round/>
+                      <a:headEnd type="none" w="med" len="med"/>
+                      <a:tailEnd type="none" w="med" len="med"/>
+                    </a:lnB>
+                    <a:lnTlToBr w="12700" cmpd="sng">
+                      <a:noFill/>
+                      <a:prstDash val="solid"/>
+                    </a:lnTlToBr>
+                    <a:lnBlToTr w="12700" cmpd="sng">
+                      <a:noFill/>
+                      <a:prstDash val="solid"/>
+                    </a:lnBlToTr>
+                    <a:noFill/>
+                  </a:tcPr>
+                </a:tc>
+                <a:extLst>
+                  <a:ext uri="{0D108BD9-81ED-4DB2-BD59-A6C34878D82A}">
+                    <a16:rowId xmlns:a16="http://schemas.microsoft.com/office/drawing/2014/main" val="3325170750"/>
+                  </a:ext>
+                </a:extLst>
+              </a:tr>
+              <a:tr h="507949">
+                <a:tc>
+                  <a:txBody>
+                    <a:bodyPr/>
+                    <a:lstStyle/>
+                    <a:p>
+                      <a:pPr latinLnBrk="1"/>
+                      <a:endParaRPr lang="ko-KR" altLang="en-US" dirty="0"/>
+                    </a:p>
+                  </a:txBody>
+                  <a:tcPr>
+                    <a:lnL w="12700" cap="flat" cmpd="sng" algn="ctr">
+                      <a:solidFill>
+                        <a:schemeClr val="bg2">
+                          <a:lumMod val="50000"/>
+                        </a:schemeClr>
+                      </a:solidFill>
+                      <a:prstDash val="solid"/>
+                      <a:round/>
+                      <a:headEnd type="none" w="med" len="med"/>
+                      <a:tailEnd type="none" w="med" len="med"/>
+                    </a:lnL>
+                    <a:lnR w="12700" cap="flat" cmpd="sng" algn="ctr">
+                      <a:solidFill>
+                        <a:schemeClr val="bg2">
+                          <a:lumMod val="50000"/>
+                        </a:schemeClr>
+                      </a:solidFill>
+                      <a:prstDash val="solid"/>
+                      <a:round/>
+                      <a:headEnd type="none" w="med" len="med"/>
+                      <a:tailEnd type="none" w="med" len="med"/>
+                    </a:lnR>
+                    <a:lnT w="12700" cap="flat" cmpd="sng" algn="ctr">
+                      <a:solidFill>
+                        <a:schemeClr val="bg2">
+                          <a:lumMod val="50000"/>
+                        </a:schemeClr>
+                      </a:solidFill>
+                      <a:prstDash val="solid"/>
+                      <a:round/>
+                      <a:headEnd type="none" w="med" len="med"/>
+                      <a:tailEnd type="none" w="med" len="med"/>
+                    </a:lnT>
+                    <a:lnB w="12700" cap="flat" cmpd="sng" algn="ctr">
+                      <a:solidFill>
+                        <a:schemeClr val="bg2">
+                          <a:lumMod val="50000"/>
+                        </a:schemeClr>
+                      </a:solidFill>
+                      <a:prstDash val="solid"/>
+                      <a:round/>
+                      <a:headEnd type="none" w="med" len="med"/>
+                      <a:tailEnd type="none" w="med" len="med"/>
+                    </a:lnB>
+                    <a:lnTlToBr w="12700" cmpd="sng">
+                      <a:noFill/>
+                      <a:prstDash val="solid"/>
+                    </a:lnTlToBr>
+                    <a:lnBlToTr w="12700" cmpd="sng">
+                      <a:noFill/>
+                      <a:prstDash val="solid"/>
+                    </a:lnBlToTr>
+                    <a:noFill/>
+                  </a:tcPr>
+                </a:tc>
+                <a:tc>
+                  <a:txBody>
+                    <a:bodyPr/>
+                    <a:lstStyle/>
+                    <a:p>
+                      <a:pPr latinLnBrk="1"/>
+                      <a:endParaRPr lang="ko-KR" altLang="en-US" dirty="0"/>
+                    </a:p>
+                  </a:txBody>
+                  <a:tcPr>
+                    <a:lnL w="12700" cap="flat" cmpd="sng" algn="ctr">
+                      <a:solidFill>
+                        <a:schemeClr val="bg2">
+                          <a:lumMod val="50000"/>
+                        </a:schemeClr>
+                      </a:solidFill>
+                      <a:prstDash val="solid"/>
+                      <a:round/>
+                      <a:headEnd type="none" w="med" len="med"/>
+                      <a:tailEnd type="none" w="med" len="med"/>
+                    </a:lnL>
+                    <a:lnR w="12700" cap="flat" cmpd="sng" algn="ctr">
+                      <a:solidFill>
+                        <a:schemeClr val="bg2">
+                          <a:lumMod val="50000"/>
+                        </a:schemeClr>
+                      </a:solidFill>
+                      <a:prstDash val="solid"/>
+                      <a:round/>
+                      <a:headEnd type="none" w="med" len="med"/>
+                      <a:tailEnd type="none" w="med" len="med"/>
+                    </a:lnR>
+                    <a:lnT w="12700" cap="flat" cmpd="sng" algn="ctr">
+                      <a:solidFill>
+                        <a:schemeClr val="bg2">
+                          <a:lumMod val="50000"/>
+                        </a:schemeClr>
+                      </a:solidFill>
+                      <a:prstDash val="solid"/>
+                      <a:round/>
+                      <a:headEnd type="none" w="med" len="med"/>
+                      <a:tailEnd type="none" w="med" len="med"/>
+                    </a:lnT>
+                    <a:lnB w="12700" cap="flat" cmpd="sng" algn="ctr">
+                      <a:solidFill>
+                        <a:schemeClr val="bg2">
+                          <a:lumMod val="50000"/>
+                        </a:schemeClr>
+                      </a:solidFill>
+                      <a:prstDash val="solid"/>
+                      <a:round/>
+                      <a:headEnd type="none" w="med" len="med"/>
+                      <a:tailEnd type="none" w="med" len="med"/>
+                    </a:lnB>
+                    <a:lnTlToBr w="12700" cmpd="sng">
+                      <a:noFill/>
+                      <a:prstDash val="solid"/>
+                    </a:lnTlToBr>
+                    <a:lnBlToTr w="12700" cmpd="sng">
+                      <a:noFill/>
+                      <a:prstDash val="solid"/>
+                    </a:lnBlToTr>
+                    <a:noFill/>
+                  </a:tcPr>
+                </a:tc>
+                <a:tc>
+                  <a:txBody>
+                    <a:bodyPr/>
+                    <a:lstStyle/>
+                    <a:p>
+                      <a:pPr latinLnBrk="1"/>
+                      <a:endParaRPr lang="ko-KR" altLang="en-US" dirty="0"/>
+                    </a:p>
+                  </a:txBody>
+                  <a:tcPr>
+                    <a:lnL w="12700" cap="flat" cmpd="sng" algn="ctr">
+                      <a:solidFill>
+                        <a:schemeClr val="bg2">
+                          <a:lumMod val="50000"/>
+                        </a:schemeClr>
+                      </a:solidFill>
+                      <a:prstDash val="solid"/>
+                      <a:round/>
+                      <a:headEnd type="none" w="med" len="med"/>
+                      <a:tailEnd type="none" w="med" len="med"/>
+                    </a:lnL>
+                    <a:lnR w="12700" cap="flat" cmpd="sng" algn="ctr">
+                      <a:solidFill>
+                        <a:schemeClr val="bg2">
+                          <a:lumMod val="50000"/>
+                        </a:schemeClr>
+                      </a:solidFill>
+                      <a:prstDash val="solid"/>
+                      <a:round/>
+                      <a:headEnd type="none" w="med" len="med"/>
+                      <a:tailEnd type="none" w="med" len="med"/>
+                    </a:lnR>
+                    <a:lnT w="12700" cap="flat" cmpd="sng" algn="ctr">
+                      <a:solidFill>
+                        <a:schemeClr val="bg2">
+                          <a:lumMod val="50000"/>
+                        </a:schemeClr>
+                      </a:solidFill>
+                      <a:prstDash val="solid"/>
+                      <a:round/>
+                      <a:headEnd type="none" w="med" len="med"/>
+                      <a:tailEnd type="none" w="med" len="med"/>
+                    </a:lnT>
+                    <a:lnB w="12700" cap="flat" cmpd="sng" algn="ctr">
+                      <a:solidFill>
+                        <a:schemeClr val="bg2">
+                          <a:lumMod val="50000"/>
+                        </a:schemeClr>
+                      </a:solidFill>
+                      <a:prstDash val="solid"/>
+                      <a:round/>
+                      <a:headEnd type="none" w="med" len="med"/>
+                      <a:tailEnd type="none" w="med" len="med"/>
+                    </a:lnB>
+                    <a:lnTlToBr w="12700" cmpd="sng">
+                      <a:noFill/>
+                      <a:prstDash val="solid"/>
+                    </a:lnTlToBr>
+                    <a:lnBlToTr w="12700" cmpd="sng">
+                      <a:noFill/>
+                      <a:prstDash val="solid"/>
+                    </a:lnBlToTr>
+                    <a:noFill/>
+                  </a:tcPr>
+                </a:tc>
+                <a:tc>
+                  <a:txBody>
+                    <a:bodyPr/>
+                    <a:lstStyle/>
+                    <a:p>
+                      <a:pPr latinLnBrk="1"/>
+                      <a:endParaRPr lang="ko-KR" altLang="en-US"/>
+                    </a:p>
+                  </a:txBody>
+                  <a:tcPr>
+                    <a:lnL w="12700" cap="flat" cmpd="sng" algn="ctr">
+                      <a:solidFill>
+                        <a:schemeClr val="bg2">
+                          <a:lumMod val="50000"/>
+                        </a:schemeClr>
+                      </a:solidFill>
+                      <a:prstDash val="solid"/>
+                      <a:round/>
+                      <a:headEnd type="none" w="med" len="med"/>
+                      <a:tailEnd type="none" w="med" len="med"/>
+                    </a:lnL>
+                    <a:lnR w="12700" cap="flat" cmpd="sng" algn="ctr">
+                      <a:solidFill>
+                        <a:schemeClr val="bg2">
+                          <a:lumMod val="50000"/>
+                        </a:schemeClr>
+                      </a:solidFill>
+                      <a:prstDash val="solid"/>
+                      <a:round/>
+                      <a:headEnd type="none" w="med" len="med"/>
+                      <a:tailEnd type="none" w="med" len="med"/>
+                    </a:lnR>
+                    <a:lnT w="12700" cap="flat" cmpd="sng" algn="ctr">
+                      <a:solidFill>
+                        <a:schemeClr val="bg2">
+                          <a:lumMod val="50000"/>
+                        </a:schemeClr>
+                      </a:solidFill>
+                      <a:prstDash val="solid"/>
+                      <a:round/>
+                      <a:headEnd type="none" w="med" len="med"/>
+                      <a:tailEnd type="none" w="med" len="med"/>
+                    </a:lnT>
+                    <a:lnB w="12700" cap="flat" cmpd="sng" algn="ctr">
+                      <a:solidFill>
+                        <a:schemeClr val="bg2">
+                          <a:lumMod val="50000"/>
+                        </a:schemeClr>
+                      </a:solidFill>
+                      <a:prstDash val="solid"/>
+                      <a:round/>
+                      <a:headEnd type="none" w="med" len="med"/>
+                      <a:tailEnd type="none" w="med" len="med"/>
+                    </a:lnB>
+                    <a:lnTlToBr w="12700" cmpd="sng">
+                      <a:noFill/>
+                      <a:prstDash val="solid"/>
+                    </a:lnTlToBr>
+                    <a:lnBlToTr w="12700" cmpd="sng">
+                      <a:noFill/>
+                      <a:prstDash val="solid"/>
+                    </a:lnBlToTr>
+                    <a:noFill/>
+                  </a:tcPr>
+                </a:tc>
+                <a:tc>
+                  <a:txBody>
+                    <a:bodyPr/>
+                    <a:lstStyle/>
+                    <a:p>
+                      <a:pPr latinLnBrk="1"/>
+                      <a:endParaRPr lang="ko-KR" altLang="en-US" dirty="0"/>
+                    </a:p>
+                  </a:txBody>
+                  <a:tcPr>
+                    <a:lnL w="12700" cap="flat" cmpd="sng" algn="ctr">
+                      <a:solidFill>
+                        <a:schemeClr val="bg2">
+                          <a:lumMod val="50000"/>
+                        </a:schemeClr>
+                      </a:solidFill>
+                      <a:prstDash val="solid"/>
+                      <a:round/>
+                      <a:headEnd type="none" w="med" len="med"/>
+                      <a:tailEnd type="none" w="med" len="med"/>
+                    </a:lnL>
+                    <a:lnR w="12700" cap="flat" cmpd="sng" algn="ctr">
+                      <a:solidFill>
+                        <a:schemeClr val="bg2">
+                          <a:lumMod val="50000"/>
+                        </a:schemeClr>
+                      </a:solidFill>
+                      <a:prstDash val="solid"/>
+                      <a:round/>
+                      <a:headEnd type="none" w="med" len="med"/>
+                      <a:tailEnd type="none" w="med" len="med"/>
+                    </a:lnR>
+                    <a:lnT w="12700" cap="flat" cmpd="sng" algn="ctr">
+                      <a:solidFill>
+                        <a:schemeClr val="bg2">
+                          <a:lumMod val="50000"/>
+                        </a:schemeClr>
+                      </a:solidFill>
+                      <a:prstDash val="solid"/>
+                      <a:round/>
+                      <a:headEnd type="none" w="med" len="med"/>
+                      <a:tailEnd type="none" w="med" len="med"/>
+                    </a:lnT>
+                    <a:lnB w="12700" cap="flat" cmpd="sng" algn="ctr">
+                      <a:solidFill>
+                        <a:schemeClr val="bg2">
+                          <a:lumMod val="50000"/>
+                        </a:schemeClr>
+                      </a:solidFill>
+                      <a:prstDash val="solid"/>
+                      <a:round/>
+                      <a:headEnd type="none" w="med" len="med"/>
+                      <a:tailEnd type="none" w="med" len="med"/>
+                    </a:lnB>
+                    <a:lnTlToBr w="12700" cmpd="sng">
+                      <a:noFill/>
+                      <a:prstDash val="solid"/>
+                    </a:lnTlToBr>
+                    <a:lnBlToTr w="12700" cmpd="sng">
+                      <a:noFill/>
+                      <a:prstDash val="solid"/>
+                    </a:lnBlToTr>
+                    <a:noFill/>
+                  </a:tcPr>
+                </a:tc>
+                <a:tc>
+                  <a:txBody>
+                    <a:bodyPr/>
+                    <a:lstStyle/>
+                    <a:p>
+                      <a:pPr latinLnBrk="1"/>
+                      <a:endParaRPr lang="ko-KR" altLang="en-US"/>
+                    </a:p>
+                  </a:txBody>
+                  <a:tcPr>
+                    <a:lnL w="12700" cap="flat" cmpd="sng" algn="ctr">
+                      <a:solidFill>
+                        <a:schemeClr val="bg2">
+                          <a:lumMod val="50000"/>
+                        </a:schemeClr>
+                      </a:solidFill>
+                      <a:prstDash val="solid"/>
+                      <a:round/>
+                      <a:headEnd type="none" w="med" len="med"/>
+                      <a:tailEnd type="none" w="med" len="med"/>
+                    </a:lnL>
+                    <a:lnR w="12700" cap="flat" cmpd="sng" algn="ctr">
+                      <a:solidFill>
+                        <a:schemeClr val="bg2">
+                          <a:lumMod val="50000"/>
+                        </a:schemeClr>
+                      </a:solidFill>
+                      <a:prstDash val="solid"/>
+                      <a:round/>
+                      <a:headEnd type="none" w="med" len="med"/>
+                      <a:tailEnd type="none" w="med" len="med"/>
+                    </a:lnR>
+                    <a:lnT w="12700" cap="flat" cmpd="sng" algn="ctr">
+                      <a:solidFill>
+                        <a:schemeClr val="bg2">
+                          <a:lumMod val="50000"/>
+                        </a:schemeClr>
+                      </a:solidFill>
+                      <a:prstDash val="solid"/>
+                      <a:round/>
+                      <a:headEnd type="none" w="med" len="med"/>
+                      <a:tailEnd type="none" w="med" len="med"/>
+                    </a:lnT>
+                    <a:lnB w="12700" cap="flat" cmpd="sng" algn="ctr">
+                      <a:solidFill>
+                        <a:schemeClr val="bg2">
+                          <a:lumMod val="50000"/>
+                        </a:schemeClr>
+                      </a:solidFill>
+                      <a:prstDash val="solid"/>
+                      <a:round/>
+                      <a:headEnd type="none" w="med" len="med"/>
+                      <a:tailEnd type="none" w="med" len="med"/>
+                    </a:lnB>
+                    <a:lnTlToBr w="12700" cmpd="sng">
+                      <a:noFill/>
+                      <a:prstDash val="solid"/>
+                    </a:lnTlToBr>
+                    <a:lnBlToTr w="12700" cmpd="sng">
+                      <a:noFill/>
+                      <a:prstDash val="solid"/>
+                    </a:lnBlToTr>
+                    <a:noFill/>
+                  </a:tcPr>
+                </a:tc>
+                <a:tc>
+                  <a:txBody>
+                    <a:bodyPr/>
+                    <a:lstStyle/>
+                    <a:p>
+                      <a:pPr latinLnBrk="1"/>
+                      <a:endParaRPr lang="ko-KR" altLang="en-US" dirty="0"/>
+                    </a:p>
+                  </a:txBody>
+                  <a:tcPr>
+                    <a:lnL w="12700" cap="flat" cmpd="sng" algn="ctr">
+                      <a:solidFill>
+                        <a:schemeClr val="bg2">
+                          <a:lumMod val="50000"/>
+                        </a:schemeClr>
+                      </a:solidFill>
+                      <a:prstDash val="solid"/>
+                      <a:round/>
+                      <a:headEnd type="none" w="med" len="med"/>
+                      <a:tailEnd type="none" w="med" len="med"/>
+                    </a:lnL>
+                    <a:lnR w="12700" cap="flat" cmpd="sng" algn="ctr">
+                      <a:solidFill>
+                        <a:schemeClr val="bg2">
+                          <a:lumMod val="50000"/>
+                        </a:schemeClr>
+                      </a:solidFill>
+                      <a:prstDash val="solid"/>
+                      <a:round/>
+                      <a:headEnd type="none" w="med" len="med"/>
+                      <a:tailEnd type="none" w="med" len="med"/>
+                    </a:lnR>
+                    <a:lnT w="12700" cap="flat" cmpd="sng" algn="ctr">
+                      <a:solidFill>
+                        <a:schemeClr val="bg2">
+                          <a:lumMod val="50000"/>
+                        </a:schemeClr>
+                      </a:solidFill>
+                      <a:prstDash val="solid"/>
+                      <a:round/>
+                      <a:headEnd type="none" w="med" len="med"/>
+                      <a:tailEnd type="none" w="med" len="med"/>
+                    </a:lnT>
+                    <a:lnB w="12700" cap="flat" cmpd="sng" algn="ctr">
+                      <a:solidFill>
+                        <a:schemeClr val="bg2">
+                          <a:lumMod val="50000"/>
+                        </a:schemeClr>
+                      </a:solidFill>
+                      <a:prstDash val="solid"/>
+                      <a:round/>
+                      <a:headEnd type="none" w="med" len="med"/>
+                      <a:tailEnd type="none" w="med" len="med"/>
+                    </a:lnB>
+                    <a:lnTlToBr w="12700" cmpd="sng">
+                      <a:noFill/>
+                      <a:prstDash val="solid"/>
+                    </a:lnTlToBr>
+                    <a:lnBlToTr w="12700" cmpd="sng">
+                      <a:noFill/>
+                      <a:prstDash val="solid"/>
+                    </a:lnBlToTr>
+                    <a:noFill/>
+                  </a:tcPr>
+                </a:tc>
+                <a:tc>
+                  <a:txBody>
+                    <a:bodyPr/>
+                    <a:lstStyle/>
+                    <a:p>
+                      <a:pPr latinLnBrk="1"/>
+                      <a:endParaRPr lang="ko-KR" altLang="en-US"/>
+                    </a:p>
+                  </a:txBody>
+                  <a:tcPr>
+                    <a:lnL w="12700" cap="flat" cmpd="sng" algn="ctr">
+                      <a:solidFill>
+                        <a:schemeClr val="bg2">
+                          <a:lumMod val="50000"/>
+                        </a:schemeClr>
+                      </a:solidFill>
+                      <a:prstDash val="solid"/>
+                      <a:round/>
+                      <a:headEnd type="none" w="med" len="med"/>
+                      <a:tailEnd type="none" w="med" len="med"/>
+                    </a:lnL>
+                    <a:lnR w="12700" cap="flat" cmpd="sng" algn="ctr">
+                      <a:solidFill>
+                        <a:schemeClr val="bg2">
+                          <a:lumMod val="50000"/>
+                        </a:schemeClr>
+                      </a:solidFill>
+                      <a:prstDash val="solid"/>
+                      <a:round/>
+                      <a:headEnd type="none" w="med" len="med"/>
+                      <a:tailEnd type="none" w="med" len="med"/>
+                    </a:lnR>
+                    <a:lnT w="12700" cap="flat" cmpd="sng" algn="ctr">
+                      <a:solidFill>
+                        <a:schemeClr val="bg2">
+                          <a:lumMod val="50000"/>
+                        </a:schemeClr>
+                      </a:solidFill>
+                      <a:prstDash val="solid"/>
+                      <a:round/>
+                      <a:headEnd type="none" w="med" len="med"/>
+                      <a:tailEnd type="none" w="med" len="med"/>
+                    </a:lnT>
+                    <a:lnB w="12700" cap="flat" cmpd="sng" algn="ctr">
+                      <a:solidFill>
+                        <a:schemeClr val="bg2">
+                          <a:lumMod val="50000"/>
+                        </a:schemeClr>
+                      </a:solidFill>
+                      <a:prstDash val="solid"/>
+                      <a:round/>
+                      <a:headEnd type="none" w="med" len="med"/>
+                      <a:tailEnd type="none" w="med" len="med"/>
+                    </a:lnB>
+                    <a:lnTlToBr w="12700" cmpd="sng">
+                      <a:noFill/>
+                      <a:prstDash val="solid"/>
+                    </a:lnTlToBr>
+                    <a:lnBlToTr w="12700" cmpd="sng">
+                      <a:noFill/>
+                      <a:prstDash val="solid"/>
+                    </a:lnBlToTr>
+                    <a:noFill/>
+                  </a:tcPr>
+                </a:tc>
+                <a:tc>
+                  <a:txBody>
+                    <a:bodyPr/>
+                    <a:lstStyle/>
+                    <a:p>
+                      <a:pPr latinLnBrk="1"/>
+                      <a:endParaRPr lang="ko-KR" altLang="en-US"/>
+                    </a:p>
+                  </a:txBody>
+                  <a:tcPr>
+                    <a:lnL w="12700" cap="flat" cmpd="sng" algn="ctr">
+                      <a:solidFill>
+                        <a:schemeClr val="bg2">
+                          <a:lumMod val="50000"/>
+                        </a:schemeClr>
+                      </a:solidFill>
+                      <a:prstDash val="solid"/>
+                      <a:round/>
+                      <a:headEnd type="none" w="med" len="med"/>
+                      <a:tailEnd type="none" w="med" len="med"/>
+                    </a:lnL>
+                    <a:lnR w="12700" cap="flat" cmpd="sng" algn="ctr">
+                      <a:solidFill>
+                        <a:schemeClr val="bg2">
+                          <a:lumMod val="50000"/>
+                        </a:schemeClr>
+                      </a:solidFill>
+                      <a:prstDash val="solid"/>
+                      <a:round/>
+                      <a:headEnd type="none" w="med" len="med"/>
+                      <a:tailEnd type="none" w="med" len="med"/>
+                    </a:lnR>
+                    <a:lnT w="12700" cap="flat" cmpd="sng" algn="ctr">
+                      <a:solidFill>
+                        <a:schemeClr val="bg2">
+                          <a:lumMod val="50000"/>
+                        </a:schemeClr>
+                      </a:solidFill>
+                      <a:prstDash val="solid"/>
+                      <a:round/>
+                      <a:headEnd type="none" w="med" len="med"/>
+                      <a:tailEnd type="none" w="med" len="med"/>
+                    </a:lnT>
+                    <a:lnB w="12700" cap="flat" cmpd="sng" algn="ctr">
+                      <a:solidFill>
+                        <a:schemeClr val="bg2">
+                          <a:lumMod val="50000"/>
+                        </a:schemeClr>
+                      </a:solidFill>
+                      <a:prstDash val="solid"/>
+                      <a:round/>
+                      <a:headEnd type="none" w="med" len="med"/>
+                      <a:tailEnd type="none" w="med" len="med"/>
+                    </a:lnB>
+                    <a:lnTlToBr w="12700" cmpd="sng">
+                      <a:noFill/>
+                      <a:prstDash val="solid"/>
+                    </a:lnTlToBr>
+                    <a:lnBlToTr w="12700" cmpd="sng">
+                      <a:noFill/>
+                      <a:prstDash val="solid"/>
+                    </a:lnBlToTr>
+                    <a:noFill/>
+                  </a:tcPr>
+                </a:tc>
+                <a:tc>
+                  <a:txBody>
+                    <a:bodyPr/>
+                    <a:lstStyle/>
+                    <a:p>
+                      <a:pPr latinLnBrk="1"/>
+                      <a:endParaRPr lang="ko-KR" altLang="en-US" dirty="0"/>
+                    </a:p>
+                  </a:txBody>
+                  <a:tcPr>
+                    <a:lnL w="12700" cap="flat" cmpd="sng" algn="ctr">
+                      <a:solidFill>
+                        <a:schemeClr val="bg2">
+                          <a:lumMod val="50000"/>
+                        </a:schemeClr>
+                      </a:solidFill>
+                      <a:prstDash val="solid"/>
+                      <a:round/>
+                      <a:headEnd type="none" w="med" len="med"/>
+                      <a:tailEnd type="none" w="med" len="med"/>
+                    </a:lnL>
+                    <a:lnR w="12700" cap="flat" cmpd="sng" algn="ctr">
+                      <a:solidFill>
+                        <a:schemeClr val="bg2">
+                          <a:lumMod val="50000"/>
+                        </a:schemeClr>
+                      </a:solidFill>
+                      <a:prstDash val="solid"/>
+                      <a:round/>
+                      <a:headEnd type="none" w="med" len="med"/>
+                      <a:tailEnd type="none" w="med" len="med"/>
+                    </a:lnR>
+                    <a:lnT w="12700" cap="flat" cmpd="sng" algn="ctr">
+                      <a:solidFill>
+                        <a:schemeClr val="bg2">
+                          <a:lumMod val="50000"/>
+                        </a:schemeClr>
+                      </a:solidFill>
+                      <a:prstDash val="solid"/>
+                      <a:round/>
+                      <a:headEnd type="none" w="med" len="med"/>
+                      <a:tailEnd type="none" w="med" len="med"/>
+                    </a:lnT>
+                    <a:lnB w="12700" cap="flat" cmpd="sng" algn="ctr">
+                      <a:solidFill>
+                        <a:schemeClr val="bg2">
+                          <a:lumMod val="50000"/>
+                        </a:schemeClr>
+                      </a:solidFill>
+                      <a:prstDash val="solid"/>
+                      <a:round/>
+                      <a:headEnd type="none" w="med" len="med"/>
+                      <a:tailEnd type="none" w="med" len="med"/>
+                    </a:lnB>
+                    <a:lnTlToBr w="12700" cmpd="sng">
+                      <a:noFill/>
+                      <a:prstDash val="solid"/>
+                    </a:lnTlToBr>
+                    <a:lnBlToTr w="12700" cmpd="sng">
+                      <a:noFill/>
+                      <a:prstDash val="solid"/>
+                    </a:lnBlToTr>
+                    <a:noFill/>
+                  </a:tcPr>
+                </a:tc>
+                <a:tc>
+                  <a:txBody>
+                    <a:bodyPr/>
+                    <a:lstStyle/>
+                    <a:p>
+                      <a:pPr latinLnBrk="1"/>
+                      <a:endParaRPr lang="ko-KR" altLang="en-US" dirty="0"/>
+                    </a:p>
+                  </a:txBody>
+                  <a:tcPr>
+                    <a:lnL w="12700" cap="flat" cmpd="sng" algn="ctr">
+                      <a:solidFill>
+                        <a:schemeClr val="bg2">
+                          <a:lumMod val="50000"/>
+                        </a:schemeClr>
+                      </a:solidFill>
+                      <a:prstDash val="solid"/>
+                      <a:round/>
+                      <a:headEnd type="none" w="med" len="med"/>
+                      <a:tailEnd type="none" w="med" len="med"/>
+                    </a:lnL>
+                    <a:lnR w="12700" cap="flat" cmpd="sng" algn="ctr">
+                      <a:solidFill>
+                        <a:schemeClr val="bg2">
+                          <a:lumMod val="50000"/>
+                        </a:schemeClr>
+                      </a:solidFill>
+                      <a:prstDash val="solid"/>
+                      <a:round/>
+                      <a:headEnd type="none" w="med" len="med"/>
+                      <a:tailEnd type="none" w="med" len="med"/>
+                    </a:lnR>
+                    <a:lnT w="12700" cap="flat" cmpd="sng" algn="ctr">
+                      <a:solidFill>
+                        <a:schemeClr val="bg2">
+                          <a:lumMod val="50000"/>
+                        </a:schemeClr>
+                      </a:solidFill>
+                      <a:prstDash val="solid"/>
+                      <a:round/>
+                      <a:headEnd type="none" w="med" len="med"/>
+                      <a:tailEnd type="none" w="med" len="med"/>
+                    </a:lnT>
+                    <a:lnB w="12700" cap="flat" cmpd="sng" algn="ctr">
+                      <a:solidFill>
+                        <a:schemeClr val="bg2">
+                          <a:lumMod val="50000"/>
+                        </a:schemeClr>
+                      </a:solidFill>
+                      <a:prstDash val="solid"/>
+                      <a:round/>
+                      <a:headEnd type="none" w="med" len="med"/>
+                      <a:tailEnd type="none" w="med" len="med"/>
+                    </a:lnB>
+                    <a:lnTlToBr w="12700" cmpd="sng">
+                      <a:noFill/>
+                      <a:prstDash val="solid"/>
+                    </a:lnTlToBr>
+                    <a:lnBlToTr w="12700" cmpd="sng">
+                      <a:noFill/>
+                      <a:prstDash val="solid"/>
+                    </a:lnBlToTr>
+                    <a:noFill/>
+                  </a:tcPr>
+                </a:tc>
+                <a:tc>
+                  <a:txBody>
+                    <a:bodyPr/>
+                    <a:lstStyle/>
+                    <a:p>
+                      <a:pPr latinLnBrk="1"/>
+                      <a:endParaRPr lang="ko-KR" altLang="en-US" dirty="0"/>
+                    </a:p>
+                  </a:txBody>
+                  <a:tcPr>
+                    <a:lnL w="12700" cap="flat" cmpd="sng" algn="ctr">
+                      <a:solidFill>
+                        <a:schemeClr val="bg2">
+                          <a:lumMod val="50000"/>
+                        </a:schemeClr>
+                      </a:solidFill>
+                      <a:prstDash val="solid"/>
+                      <a:round/>
+                      <a:headEnd type="none" w="med" len="med"/>
+                      <a:tailEnd type="none" w="med" len="med"/>
+                    </a:lnL>
+                    <a:lnR w="12700" cap="flat" cmpd="sng" algn="ctr">
+                      <a:solidFill>
+                        <a:schemeClr val="bg2">
+                          <a:lumMod val="50000"/>
+                        </a:schemeClr>
+                      </a:solidFill>
+                      <a:prstDash val="solid"/>
+                      <a:round/>
+                      <a:headEnd type="none" w="med" len="med"/>
+                      <a:tailEnd type="none" w="med" len="med"/>
+                    </a:lnR>
+                    <a:lnT w="12700" cap="flat" cmpd="sng" algn="ctr">
+                      <a:solidFill>
+                        <a:schemeClr val="bg2">
+                          <a:lumMod val="50000"/>
+                        </a:schemeClr>
+                      </a:solidFill>
+                      <a:prstDash val="solid"/>
+                      <a:round/>
+                      <a:headEnd type="none" w="med" len="med"/>
+                      <a:tailEnd type="none" w="med" len="med"/>
+                    </a:lnT>
+                    <a:lnB w="12700" cap="flat" cmpd="sng" algn="ctr">
+                      <a:solidFill>
+                        <a:schemeClr val="bg2">
+                          <a:lumMod val="50000"/>
+                        </a:schemeClr>
+                      </a:solidFill>
+                      <a:prstDash val="solid"/>
+                      <a:round/>
+                      <a:headEnd type="none" w="med" len="med"/>
+                      <a:tailEnd type="none" w="med" len="med"/>
+                    </a:lnB>
+                    <a:lnTlToBr w="12700" cmpd="sng">
+                      <a:noFill/>
+                      <a:prstDash val="solid"/>
+                    </a:lnTlToBr>
+                    <a:lnBlToTr w="12700" cmpd="sng">
+                      <a:noFill/>
+                      <a:prstDash val="solid"/>
+                    </a:lnBlToTr>
+                    <a:noFill/>
+                  </a:tcPr>
+                </a:tc>
+                <a:extLst>
+                  <a:ext uri="{0D108BD9-81ED-4DB2-BD59-A6C34878D82A}">
+                    <a16:rowId xmlns:a16="http://schemas.microsoft.com/office/drawing/2014/main" val="1289606421"/>
+                  </a:ext>
+                </a:extLst>
+              </a:tr>
+              <a:tr h="507949">
+                <a:tc>
+                  <a:txBody>
+                    <a:bodyPr/>
+                    <a:lstStyle/>
+                    <a:p>
+                      <a:pPr latinLnBrk="1"/>
+                      <a:endParaRPr lang="ko-KR" altLang="en-US" dirty="0"/>
+                    </a:p>
+                  </a:txBody>
+                  <a:tcPr>
+                    <a:lnL w="12700" cap="flat" cmpd="sng" algn="ctr">
+                      <a:solidFill>
+                        <a:schemeClr val="bg2">
+                          <a:lumMod val="50000"/>
+                        </a:schemeClr>
+                      </a:solidFill>
+                      <a:prstDash val="solid"/>
+                      <a:round/>
+                      <a:headEnd type="none" w="med" len="med"/>
+                      <a:tailEnd type="none" w="med" len="med"/>
+                    </a:lnL>
+                    <a:lnR w="12700" cap="flat" cmpd="sng" algn="ctr">
+                      <a:solidFill>
+                        <a:schemeClr val="bg2">
+                          <a:lumMod val="50000"/>
+                        </a:schemeClr>
+                      </a:solidFill>
+                      <a:prstDash val="solid"/>
+                      <a:round/>
+                      <a:headEnd type="none" w="med" len="med"/>
+                      <a:tailEnd type="none" w="med" len="med"/>
+                    </a:lnR>
+                    <a:lnT w="12700" cap="flat" cmpd="sng" algn="ctr">
+                      <a:solidFill>
+                        <a:schemeClr val="bg2">
+                          <a:lumMod val="50000"/>
+                        </a:schemeClr>
+                      </a:solidFill>
+                      <a:prstDash val="solid"/>
+                      <a:round/>
+                      <a:headEnd type="none" w="med" len="med"/>
+                      <a:tailEnd type="none" w="med" len="med"/>
+                    </a:lnT>
+                    <a:lnB w="12700" cap="flat" cmpd="sng" algn="ctr">
+                      <a:solidFill>
+                        <a:schemeClr val="bg2">
+                          <a:lumMod val="50000"/>
+                        </a:schemeClr>
+                      </a:solidFill>
+                      <a:prstDash val="solid"/>
+                      <a:round/>
+                      <a:headEnd type="none" w="med" len="med"/>
+                      <a:tailEnd type="none" w="med" len="med"/>
+                    </a:lnB>
+                    <a:lnTlToBr w="12700" cmpd="sng">
+                      <a:noFill/>
+                      <a:prstDash val="solid"/>
+                    </a:lnTlToBr>
+                    <a:lnBlToTr w="12700" cmpd="sng">
+                      <a:noFill/>
+                      <a:prstDash val="solid"/>
+                    </a:lnBlToTr>
+                    <a:noFill/>
+                  </a:tcPr>
+                </a:tc>
+                <a:tc>
+                  <a:txBody>
+                    <a:bodyPr/>
+                    <a:lstStyle/>
+                    <a:p>
+                      <a:pPr latinLnBrk="1"/>
+                      <a:endParaRPr lang="ko-KR" altLang="en-US" dirty="0"/>
+                    </a:p>
+                  </a:txBody>
+                  <a:tcPr>
+                    <a:lnL w="12700" cap="flat" cmpd="sng" algn="ctr">
+                      <a:solidFill>
+                        <a:schemeClr val="bg2">
+                          <a:lumMod val="50000"/>
+                        </a:schemeClr>
+                      </a:solidFill>
+                      <a:prstDash val="solid"/>
+                      <a:round/>
+                      <a:headEnd type="none" w="med" len="med"/>
+                      <a:tailEnd type="none" w="med" len="med"/>
+                    </a:lnL>
+                    <a:lnR w="12700" cap="flat" cmpd="sng" algn="ctr">
+                      <a:solidFill>
+                        <a:schemeClr val="bg2">
+                          <a:lumMod val="50000"/>
+                        </a:schemeClr>
+                      </a:solidFill>
+                      <a:prstDash val="solid"/>
+                      <a:round/>
+                      <a:headEnd type="none" w="med" len="med"/>
+                      <a:tailEnd type="none" w="med" len="med"/>
+                    </a:lnR>
+                    <a:lnT w="12700" cap="flat" cmpd="sng" algn="ctr">
+                      <a:solidFill>
+                        <a:schemeClr val="bg2">
+                          <a:lumMod val="50000"/>
+                        </a:schemeClr>
+                      </a:solidFill>
+                      <a:prstDash val="solid"/>
+                      <a:round/>
+                      <a:headEnd type="none" w="med" len="med"/>
+                      <a:tailEnd type="none" w="med" len="med"/>
+                    </a:lnT>
+                    <a:lnB w="12700" cap="flat" cmpd="sng" algn="ctr">
+                      <a:solidFill>
+                        <a:schemeClr val="bg2">
+                          <a:lumMod val="50000"/>
+                        </a:schemeClr>
+                      </a:solidFill>
+                      <a:prstDash val="solid"/>
+                      <a:round/>
+                      <a:headEnd type="none" w="med" len="med"/>
+                      <a:tailEnd type="none" w="med" len="med"/>
+                    </a:lnB>
+                    <a:lnTlToBr w="12700" cmpd="sng">
+                      <a:noFill/>
+                      <a:prstDash val="solid"/>
+                    </a:lnTlToBr>
+                    <a:lnBlToTr w="12700" cmpd="sng">
+                      <a:noFill/>
+                      <a:prstDash val="solid"/>
+                    </a:lnBlToTr>
+                    <a:noFill/>
+                  </a:tcPr>
+                </a:tc>
+                <a:tc>
+                  <a:txBody>
+                    <a:bodyPr/>
+                    <a:lstStyle/>
+                    <a:p>
+                      <a:pPr latinLnBrk="1"/>
+                      <a:endParaRPr lang="ko-KR" altLang="en-US" dirty="0"/>
+                    </a:p>
+                  </a:txBody>
+                  <a:tcPr>
+                    <a:lnL w="12700" cap="flat" cmpd="sng" algn="ctr">
+                      <a:solidFill>
+                        <a:schemeClr val="bg2">
+                          <a:lumMod val="50000"/>
+                        </a:schemeClr>
+                      </a:solidFill>
+                      <a:prstDash val="solid"/>
+                      <a:round/>
+                      <a:headEnd type="none" w="med" len="med"/>
+                      <a:tailEnd type="none" w="med" len="med"/>
+                    </a:lnL>
+                    <a:lnR w="12700" cap="flat" cmpd="sng" algn="ctr">
+                      <a:solidFill>
+                        <a:schemeClr val="bg2">
+                          <a:lumMod val="50000"/>
+                        </a:schemeClr>
+                      </a:solidFill>
+                      <a:prstDash val="solid"/>
+                      <a:round/>
+                      <a:headEnd type="none" w="med" len="med"/>
+                      <a:tailEnd type="none" w="med" len="med"/>
+                    </a:lnR>
+                    <a:lnT w="12700" cap="flat" cmpd="sng" algn="ctr">
+                      <a:solidFill>
+                        <a:schemeClr val="bg2">
+                          <a:lumMod val="50000"/>
+                        </a:schemeClr>
+                      </a:solidFill>
+                      <a:prstDash val="solid"/>
+                      <a:round/>
+                      <a:headEnd type="none" w="med" len="med"/>
+                      <a:tailEnd type="none" w="med" len="med"/>
+                    </a:lnT>
+                    <a:lnB w="12700" cap="flat" cmpd="sng" algn="ctr">
+                      <a:solidFill>
+                        <a:schemeClr val="bg2">
+                          <a:lumMod val="50000"/>
+                        </a:schemeClr>
+                      </a:solidFill>
+                      <a:prstDash val="solid"/>
+                      <a:round/>
+                      <a:headEnd type="none" w="med" len="med"/>
+                      <a:tailEnd type="none" w="med" len="med"/>
+                    </a:lnB>
+                    <a:lnTlToBr w="12700" cmpd="sng">
+                      <a:noFill/>
+                      <a:prstDash val="solid"/>
+                    </a:lnTlToBr>
+                    <a:lnBlToTr w="12700" cmpd="sng">
+                      <a:noFill/>
+                      <a:prstDash val="solid"/>
+                    </a:lnBlToTr>
+                    <a:noFill/>
+                  </a:tcPr>
+                </a:tc>
+                <a:tc>
+                  <a:txBody>
+                    <a:bodyPr/>
+                    <a:lstStyle/>
+                    <a:p>
+                      <a:pPr latinLnBrk="1"/>
+                      <a:endParaRPr lang="ko-KR" altLang="en-US"/>
+                    </a:p>
+                  </a:txBody>
+                  <a:tcPr>
+                    <a:lnL w="12700" cap="flat" cmpd="sng" algn="ctr">
+                      <a:solidFill>
+                        <a:schemeClr val="bg2">
+                          <a:lumMod val="50000"/>
+                        </a:schemeClr>
+                      </a:solidFill>
+                      <a:prstDash val="solid"/>
+                      <a:round/>
+                      <a:headEnd type="none" w="med" len="med"/>
+                      <a:tailEnd type="none" w="med" len="med"/>
+                    </a:lnL>
+                    <a:lnR w="12700" cap="flat" cmpd="sng" algn="ctr">
+                      <a:solidFill>
+                        <a:schemeClr val="bg2">
+                          <a:lumMod val="50000"/>
+                        </a:schemeClr>
+                      </a:solidFill>
+                      <a:prstDash val="solid"/>
+                      <a:round/>
+                      <a:headEnd type="none" w="med" len="med"/>
+                      <a:tailEnd type="none" w="med" len="med"/>
+                    </a:lnR>
+                    <a:lnT w="12700" cap="flat" cmpd="sng" algn="ctr">
+                      <a:solidFill>
+                        <a:schemeClr val="bg2">
+                          <a:lumMod val="50000"/>
+                        </a:schemeClr>
+                      </a:solidFill>
+                      <a:prstDash val="solid"/>
+                      <a:round/>
+                      <a:headEnd type="none" w="med" len="med"/>
+                      <a:tailEnd type="none" w="med" len="med"/>
+                    </a:lnT>
+                    <a:lnB w="12700" cap="flat" cmpd="sng" algn="ctr">
+                      <a:solidFill>
+                        <a:schemeClr val="bg2">
+                          <a:lumMod val="50000"/>
+                        </a:schemeClr>
+                      </a:solidFill>
+                      <a:prstDash val="solid"/>
+                      <a:round/>
+                      <a:headEnd type="none" w="med" len="med"/>
+                      <a:tailEnd type="none" w="med" len="med"/>
+                    </a:lnB>
+                    <a:lnTlToBr w="12700" cmpd="sng">
+                      <a:noFill/>
+                      <a:prstDash val="solid"/>
+                    </a:lnTlToBr>
+                    <a:lnBlToTr w="12700" cmpd="sng">
+                      <a:noFill/>
+                      <a:prstDash val="solid"/>
+                    </a:lnBlToTr>
+                    <a:noFill/>
+                  </a:tcPr>
+                </a:tc>
+                <a:tc>
+                  <a:txBody>
+                    <a:bodyPr/>
+                    <a:lstStyle/>
+                    <a:p>
+                      <a:pPr latinLnBrk="1"/>
+                      <a:endParaRPr lang="ko-KR" altLang="en-US" dirty="0"/>
+                    </a:p>
+                  </a:txBody>
+                  <a:tcPr>
+                    <a:lnL w="12700" cap="flat" cmpd="sng" algn="ctr">
+                      <a:solidFill>
+                        <a:schemeClr val="bg2">
+                          <a:lumMod val="50000"/>
+                        </a:schemeClr>
+                      </a:solidFill>
+                      <a:prstDash val="solid"/>
+                      <a:round/>
+                      <a:headEnd type="none" w="med" len="med"/>
+                      <a:tailEnd type="none" w="med" len="med"/>
+                    </a:lnL>
+                    <a:lnR w="12700" cap="flat" cmpd="sng" algn="ctr">
+                      <a:solidFill>
+                        <a:schemeClr val="bg2">
+                          <a:lumMod val="50000"/>
+                        </a:schemeClr>
+                      </a:solidFill>
+                      <a:prstDash val="solid"/>
+                      <a:round/>
+                      <a:headEnd type="none" w="med" len="med"/>
+                      <a:tailEnd type="none" w="med" len="med"/>
+                    </a:lnR>
+                    <a:lnT w="12700" cap="flat" cmpd="sng" algn="ctr">
+                      <a:solidFill>
+                        <a:schemeClr val="bg2">
+                          <a:lumMod val="50000"/>
+                        </a:schemeClr>
+                      </a:solidFill>
+                      <a:prstDash val="solid"/>
+                      <a:round/>
+                      <a:headEnd type="none" w="med" len="med"/>
+                      <a:tailEnd type="none" w="med" len="med"/>
+                    </a:lnT>
+                    <a:lnB w="12700" cap="flat" cmpd="sng" algn="ctr">
+                      <a:solidFill>
+                        <a:schemeClr val="bg2">
+                          <a:lumMod val="50000"/>
+                        </a:schemeClr>
+                      </a:solidFill>
+                      <a:prstDash val="solid"/>
+                      <a:round/>
+                      <a:headEnd type="none" w="med" len="med"/>
+                      <a:tailEnd type="none" w="med" len="med"/>
+                    </a:lnB>
+                    <a:lnTlToBr w="12700" cmpd="sng">
+                      <a:noFill/>
+                      <a:prstDash val="solid"/>
+                    </a:lnTlToBr>
+                    <a:lnBlToTr w="12700" cmpd="sng">
+                      <a:noFill/>
+                      <a:prstDash val="solid"/>
+                    </a:lnBlToTr>
+                    <a:noFill/>
+                  </a:tcPr>
+                </a:tc>
+                <a:tc>
+                  <a:txBody>
+                    <a:bodyPr/>
+                    <a:lstStyle/>
+                    <a:p>
+                      <a:pPr latinLnBrk="1"/>
+                      <a:endParaRPr lang="ko-KR" altLang="en-US"/>
+                    </a:p>
+                  </a:txBody>
+                  <a:tcPr>
+                    <a:lnL w="12700" cap="flat" cmpd="sng" algn="ctr">
+                      <a:solidFill>
+                        <a:schemeClr val="bg2">
+                          <a:lumMod val="50000"/>
+                        </a:schemeClr>
+                      </a:solidFill>
+                      <a:prstDash val="solid"/>
+                      <a:round/>
+                      <a:headEnd type="none" w="med" len="med"/>
+                      <a:tailEnd type="none" w="med" len="med"/>
+                    </a:lnL>
+                    <a:lnR w="12700" cap="flat" cmpd="sng" algn="ctr">
+                      <a:solidFill>
+                        <a:schemeClr val="bg2">
+                          <a:lumMod val="50000"/>
+                        </a:schemeClr>
+                      </a:solidFill>
+                      <a:prstDash val="solid"/>
+                      <a:round/>
+                      <a:headEnd type="none" w="med" len="med"/>
+                      <a:tailEnd type="none" w="med" len="med"/>
+                    </a:lnR>
+                    <a:lnT w="12700" cap="flat" cmpd="sng" algn="ctr">
+                      <a:solidFill>
+                        <a:schemeClr val="bg2">
+                          <a:lumMod val="50000"/>
+                        </a:schemeClr>
+                      </a:solidFill>
+                      <a:prstDash val="solid"/>
+                      <a:round/>
+                      <a:headEnd type="none" w="med" len="med"/>
+                      <a:tailEnd type="none" w="med" len="med"/>
+                    </a:lnT>
+                    <a:lnB w="12700" cap="flat" cmpd="sng" algn="ctr">
+                      <a:solidFill>
+                        <a:schemeClr val="bg2">
+                          <a:lumMod val="50000"/>
+                        </a:schemeClr>
+                      </a:solidFill>
+                      <a:prstDash val="solid"/>
+                      <a:round/>
+                      <a:headEnd type="none" w="med" len="med"/>
+                      <a:tailEnd type="none" w="med" len="med"/>
+                    </a:lnB>
+                    <a:lnTlToBr w="12700" cmpd="sng">
+                      <a:noFill/>
+                      <a:prstDash val="solid"/>
+                    </a:lnTlToBr>
+                    <a:lnBlToTr w="12700" cmpd="sng">
+                      <a:noFill/>
+                      <a:prstDash val="solid"/>
+                    </a:lnBlToTr>
+                    <a:noFill/>
+                  </a:tcPr>
+                </a:tc>
+                <a:tc>
+                  <a:txBody>
+                    <a:bodyPr/>
+                    <a:lstStyle/>
+                    <a:p>
+                      <a:pPr latinLnBrk="1"/>
+                      <a:endParaRPr lang="ko-KR" altLang="en-US" dirty="0"/>
+                    </a:p>
+                  </a:txBody>
+                  <a:tcPr>
+                    <a:lnL w="12700" cap="flat" cmpd="sng" algn="ctr">
+                      <a:solidFill>
+                        <a:schemeClr val="bg2">
+                          <a:lumMod val="50000"/>
+                        </a:schemeClr>
+                      </a:solidFill>
+                      <a:prstDash val="solid"/>
+                      <a:round/>
+                      <a:headEnd type="none" w="med" len="med"/>
+                      <a:tailEnd type="none" w="med" len="med"/>
+                    </a:lnL>
+                    <a:lnR w="12700" cap="flat" cmpd="sng" algn="ctr">
+                      <a:solidFill>
+                        <a:schemeClr val="bg2">
+                          <a:lumMod val="50000"/>
+                        </a:schemeClr>
+                      </a:solidFill>
+                      <a:prstDash val="solid"/>
+                      <a:round/>
+                      <a:headEnd type="none" w="med" len="med"/>
+                      <a:tailEnd type="none" w="med" len="med"/>
+                    </a:lnR>
+                    <a:lnT w="12700" cap="flat" cmpd="sng" algn="ctr">
+                      <a:solidFill>
+                        <a:schemeClr val="bg2">
+                          <a:lumMod val="50000"/>
+                        </a:schemeClr>
+                      </a:solidFill>
+                      <a:prstDash val="solid"/>
+                      <a:round/>
+                      <a:headEnd type="none" w="med" len="med"/>
+                      <a:tailEnd type="none" w="med" len="med"/>
+                    </a:lnT>
+                    <a:lnB w="12700" cap="flat" cmpd="sng" algn="ctr">
+                      <a:solidFill>
+                        <a:schemeClr val="bg2">
+                          <a:lumMod val="50000"/>
+                        </a:schemeClr>
+                      </a:solidFill>
+                      <a:prstDash val="solid"/>
+                      <a:round/>
+                      <a:headEnd type="none" w="med" len="med"/>
+                      <a:tailEnd type="none" w="med" len="med"/>
+                    </a:lnB>
+                    <a:lnTlToBr w="12700" cmpd="sng">
+                      <a:noFill/>
+                      <a:prstDash val="solid"/>
+                    </a:lnTlToBr>
+                    <a:lnBlToTr w="12700" cmpd="sng">
+                      <a:noFill/>
+                      <a:prstDash val="solid"/>
+                    </a:lnBlToTr>
+                    <a:noFill/>
+                  </a:tcPr>
+                </a:tc>
+                <a:tc>
+                  <a:txBody>
+                    <a:bodyPr/>
+                    <a:lstStyle/>
+                    <a:p>
+                      <a:pPr latinLnBrk="1"/>
+                      <a:endParaRPr lang="ko-KR" altLang="en-US"/>
+                    </a:p>
+                  </a:txBody>
+                  <a:tcPr>
+                    <a:lnL w="12700" cap="flat" cmpd="sng" algn="ctr">
+                      <a:solidFill>
+                        <a:schemeClr val="bg2">
+                          <a:lumMod val="50000"/>
+                        </a:schemeClr>
+                      </a:solidFill>
+                      <a:prstDash val="solid"/>
+                      <a:round/>
+                      <a:headEnd type="none" w="med" len="med"/>
+                      <a:tailEnd type="none" w="med" len="med"/>
+                    </a:lnL>
+                    <a:lnR w="12700" cap="flat" cmpd="sng" algn="ctr">
+                      <a:solidFill>
+                        <a:schemeClr val="bg2">
+                          <a:lumMod val="50000"/>
+                        </a:schemeClr>
+                      </a:solidFill>
+                      <a:prstDash val="solid"/>
+                      <a:round/>
+                      <a:headEnd type="none" w="med" len="med"/>
+                      <a:tailEnd type="none" w="med" len="med"/>
+                    </a:lnR>
+                    <a:lnT w="12700" cap="flat" cmpd="sng" algn="ctr">
+                      <a:solidFill>
+                        <a:schemeClr val="bg2">
+                          <a:lumMod val="50000"/>
+                        </a:schemeClr>
+                      </a:solidFill>
+                      <a:prstDash val="solid"/>
+                      <a:round/>
+                      <a:headEnd type="none" w="med" len="med"/>
+                      <a:tailEnd type="none" w="med" len="med"/>
+                    </a:lnT>
+                    <a:lnB w="12700" cap="flat" cmpd="sng" algn="ctr">
+                      <a:solidFill>
+                        <a:schemeClr val="bg2">
+                          <a:lumMod val="50000"/>
+                        </a:schemeClr>
+                      </a:solidFill>
+                      <a:prstDash val="solid"/>
+                      <a:round/>
+                      <a:headEnd type="none" w="med" len="med"/>
+                      <a:tailEnd type="none" w="med" len="med"/>
+                    </a:lnB>
+                    <a:lnTlToBr w="12700" cmpd="sng">
+                      <a:noFill/>
+                      <a:prstDash val="solid"/>
+                    </a:lnTlToBr>
+                    <a:lnBlToTr w="12700" cmpd="sng">
+                      <a:noFill/>
+                      <a:prstDash val="solid"/>
+                    </a:lnBlToTr>
+                    <a:noFill/>
+                  </a:tcPr>
+                </a:tc>
+                <a:tc>
+                  <a:txBody>
+                    <a:bodyPr/>
+                    <a:lstStyle/>
+                    <a:p>
+                      <a:pPr latinLnBrk="1"/>
+                      <a:endParaRPr lang="ko-KR" altLang="en-US"/>
+                    </a:p>
+                  </a:txBody>
+                  <a:tcPr>
+                    <a:lnL w="12700" cap="flat" cmpd="sng" algn="ctr">
+                      <a:solidFill>
+                        <a:schemeClr val="bg2">
+                          <a:lumMod val="50000"/>
+                        </a:schemeClr>
+                      </a:solidFill>
+                      <a:prstDash val="solid"/>
+                      <a:round/>
+                      <a:headEnd type="none" w="med" len="med"/>
+                      <a:tailEnd type="none" w="med" len="med"/>
+                    </a:lnL>
+                    <a:lnR w="12700" cap="flat" cmpd="sng" algn="ctr">
+                      <a:solidFill>
+                        <a:schemeClr val="bg2">
+                          <a:lumMod val="50000"/>
+                        </a:schemeClr>
+                      </a:solidFill>
+                      <a:prstDash val="solid"/>
+                      <a:round/>
+                      <a:headEnd type="none" w="med" len="med"/>
+                      <a:tailEnd type="none" w="med" len="med"/>
+                    </a:lnR>
+                    <a:lnT w="12700" cap="flat" cmpd="sng" algn="ctr">
+                      <a:solidFill>
+                        <a:schemeClr val="bg2">
+                          <a:lumMod val="50000"/>
+                        </a:schemeClr>
+                      </a:solidFill>
+                      <a:prstDash val="solid"/>
+                      <a:round/>
+                      <a:headEnd type="none" w="med" len="med"/>
+                      <a:tailEnd type="none" w="med" len="med"/>
+                    </a:lnT>
+                    <a:lnB w="12700" cap="flat" cmpd="sng" algn="ctr">
+                      <a:solidFill>
+                        <a:schemeClr val="bg2">
+                          <a:lumMod val="50000"/>
+                        </a:schemeClr>
+                      </a:solidFill>
+                      <a:prstDash val="solid"/>
+                      <a:round/>
+                      <a:headEnd type="none" w="med" len="med"/>
+                      <a:tailEnd type="none" w="med" len="med"/>
+                    </a:lnB>
+                    <a:lnTlToBr w="12700" cmpd="sng">
+                      <a:noFill/>
+                      <a:prstDash val="solid"/>
+                    </a:lnTlToBr>
+                    <a:lnBlToTr w="12700" cmpd="sng">
+                      <a:noFill/>
+                      <a:prstDash val="solid"/>
+                    </a:lnBlToTr>
+                    <a:noFill/>
+                  </a:tcPr>
+                </a:tc>
+                <a:tc>
+                  <a:txBody>
+                    <a:bodyPr/>
+                    <a:lstStyle/>
+                    <a:p>
+                      <a:pPr latinLnBrk="1"/>
+                      <a:endParaRPr lang="ko-KR" altLang="en-US" dirty="0"/>
+                    </a:p>
+                  </a:txBody>
+                  <a:tcPr>
+                    <a:lnL w="12700" cap="flat" cmpd="sng" algn="ctr">
+                      <a:solidFill>
+                        <a:schemeClr val="bg2">
+                          <a:lumMod val="50000"/>
+                        </a:schemeClr>
+                      </a:solidFill>
+                      <a:prstDash val="solid"/>
+                      <a:round/>
+                      <a:headEnd type="none" w="med" len="med"/>
+                      <a:tailEnd type="none" w="med" len="med"/>
+                    </a:lnL>
+                    <a:lnR w="12700" cap="flat" cmpd="sng" algn="ctr">
+                      <a:solidFill>
+                        <a:schemeClr val="bg2">
+                          <a:lumMod val="50000"/>
+                        </a:schemeClr>
+                      </a:solidFill>
+                      <a:prstDash val="solid"/>
+                      <a:round/>
+                      <a:headEnd type="none" w="med" len="med"/>
+                      <a:tailEnd type="none" w="med" len="med"/>
+                    </a:lnR>
+                    <a:lnT w="12700" cap="flat" cmpd="sng" algn="ctr">
+                      <a:solidFill>
+                        <a:schemeClr val="bg2">
+                          <a:lumMod val="50000"/>
+                        </a:schemeClr>
+                      </a:solidFill>
+                      <a:prstDash val="solid"/>
+                      <a:round/>
+                      <a:headEnd type="none" w="med" len="med"/>
+                      <a:tailEnd type="none" w="med" len="med"/>
+                    </a:lnT>
+                    <a:lnB w="12700" cap="flat" cmpd="sng" algn="ctr">
+                      <a:solidFill>
+                        <a:schemeClr val="bg2">
+                          <a:lumMod val="50000"/>
+                        </a:schemeClr>
+                      </a:solidFill>
+                      <a:prstDash val="solid"/>
+                      <a:round/>
+                      <a:headEnd type="none" w="med" len="med"/>
+                      <a:tailEnd type="none" w="med" len="med"/>
+                    </a:lnB>
+                    <a:lnTlToBr w="12700" cmpd="sng">
+                      <a:noFill/>
+                      <a:prstDash val="solid"/>
+                    </a:lnTlToBr>
+                    <a:lnBlToTr w="12700" cmpd="sng">
+                      <a:noFill/>
+                      <a:prstDash val="solid"/>
+                    </a:lnBlToTr>
+                    <a:noFill/>
+                  </a:tcPr>
+                </a:tc>
+                <a:tc>
+                  <a:txBody>
+                    <a:bodyPr/>
+                    <a:lstStyle/>
+                    <a:p>
+                      <a:pPr latinLnBrk="1"/>
+                      <a:endParaRPr lang="ko-KR" altLang="en-US" dirty="0"/>
+                    </a:p>
+                  </a:txBody>
+                  <a:tcPr>
+                    <a:lnL w="12700" cap="flat" cmpd="sng" algn="ctr">
+                      <a:solidFill>
+                        <a:schemeClr val="bg2">
+                          <a:lumMod val="50000"/>
+                        </a:schemeClr>
+                      </a:solidFill>
+                      <a:prstDash val="solid"/>
+                      <a:round/>
+                      <a:headEnd type="none" w="med" len="med"/>
+                      <a:tailEnd type="none" w="med" len="med"/>
+                    </a:lnL>
+                    <a:lnR w="12700" cap="flat" cmpd="sng" algn="ctr">
+                      <a:solidFill>
+                        <a:schemeClr val="bg2">
+                          <a:lumMod val="50000"/>
+                        </a:schemeClr>
+                      </a:solidFill>
+                      <a:prstDash val="solid"/>
+                      <a:round/>
+                      <a:headEnd type="none" w="med" len="med"/>
+                      <a:tailEnd type="none" w="med" len="med"/>
+                    </a:lnR>
+                    <a:lnT w="12700" cap="flat" cmpd="sng" algn="ctr">
+                      <a:solidFill>
+                        <a:schemeClr val="bg2">
+                          <a:lumMod val="50000"/>
+                        </a:schemeClr>
+                      </a:solidFill>
+                      <a:prstDash val="solid"/>
+                      <a:round/>
+                      <a:headEnd type="none" w="med" len="med"/>
+                      <a:tailEnd type="none" w="med" len="med"/>
+                    </a:lnT>
+                    <a:lnB w="12700" cap="flat" cmpd="sng" algn="ctr">
+                      <a:solidFill>
+                        <a:schemeClr val="bg2">
+                          <a:lumMod val="50000"/>
+                        </a:schemeClr>
+                      </a:solidFill>
+                      <a:prstDash val="solid"/>
+                      <a:round/>
+                      <a:headEnd type="none" w="med" len="med"/>
+                      <a:tailEnd type="none" w="med" len="med"/>
+                    </a:lnB>
+                    <a:lnTlToBr w="12700" cmpd="sng">
+                      <a:noFill/>
+                      <a:prstDash val="solid"/>
+                    </a:lnTlToBr>
+                    <a:lnBlToTr w="12700" cmpd="sng">
+                      <a:noFill/>
+                      <a:prstDash val="solid"/>
+                    </a:lnBlToTr>
+                    <a:noFill/>
+                  </a:tcPr>
+                </a:tc>
+                <a:tc>
+                  <a:txBody>
+                    <a:bodyPr/>
+                    <a:lstStyle/>
+                    <a:p>
+                      <a:pPr latinLnBrk="1"/>
+                      <a:endParaRPr lang="ko-KR" altLang="en-US" dirty="0"/>
+                    </a:p>
+                  </a:txBody>
+                  <a:tcPr>
+                    <a:lnL w="12700" cap="flat" cmpd="sng" algn="ctr">
+                      <a:solidFill>
+                        <a:schemeClr val="bg2">
+                          <a:lumMod val="50000"/>
+                        </a:schemeClr>
+                      </a:solidFill>
+                      <a:prstDash val="solid"/>
+                      <a:round/>
+                      <a:headEnd type="none" w="med" len="med"/>
+                      <a:tailEnd type="none" w="med" len="med"/>
+                    </a:lnL>
+                    <a:lnR w="12700" cap="flat" cmpd="sng" algn="ctr">
+                      <a:solidFill>
+                        <a:schemeClr val="bg2">
+                          <a:lumMod val="50000"/>
+                        </a:schemeClr>
+                      </a:solidFill>
+                      <a:prstDash val="solid"/>
+                      <a:round/>
+                      <a:headEnd type="none" w="med" len="med"/>
+                      <a:tailEnd type="none" w="med" len="med"/>
+                    </a:lnR>
+                    <a:lnT w="12700" cap="flat" cmpd="sng" algn="ctr">
+                      <a:solidFill>
+                        <a:schemeClr val="bg2">
+                          <a:lumMod val="50000"/>
+                        </a:schemeClr>
+                      </a:solidFill>
+                      <a:prstDash val="solid"/>
+                      <a:round/>
+                      <a:headEnd type="none" w="med" len="med"/>
+                      <a:tailEnd type="none" w="med" len="med"/>
+                    </a:lnT>
+                    <a:lnB w="12700" cap="flat" cmpd="sng" algn="ctr">
+                      <a:solidFill>
+                        <a:schemeClr val="bg2">
+                          <a:lumMod val="50000"/>
+                        </a:schemeClr>
+                      </a:solidFill>
+                      <a:prstDash val="solid"/>
+                      <a:round/>
+                      <a:headEnd type="none" w="med" len="med"/>
+                      <a:tailEnd type="none" w="med" len="med"/>
+                    </a:lnB>
+                    <a:lnTlToBr w="12700" cmpd="sng">
+                      <a:noFill/>
+                      <a:prstDash val="solid"/>
+                    </a:lnTlToBr>
+                    <a:lnBlToTr w="12700" cmpd="sng">
+                      <a:noFill/>
+                      <a:prstDash val="solid"/>
+                    </a:lnBlToTr>
+                    <a:noFill/>
+                  </a:tcPr>
+                </a:tc>
+                <a:extLst>
+                  <a:ext uri="{0D108BD9-81ED-4DB2-BD59-A6C34878D82A}">
+                    <a16:rowId xmlns:a16="http://schemas.microsoft.com/office/drawing/2014/main" val="1898761518"/>
+                  </a:ext>
+                </a:extLst>
+              </a:tr>
+              <a:tr h="507949">
+                <a:tc>
+                  <a:txBody>
+                    <a:bodyPr/>
+                    <a:lstStyle/>
+                    <a:p>
+                      <a:pPr latinLnBrk="1"/>
+                      <a:endParaRPr lang="ko-KR" altLang="en-US" dirty="0"/>
+                    </a:p>
+                  </a:txBody>
+                  <a:tcPr>
+                    <a:lnL w="12700" cap="flat" cmpd="sng" algn="ctr">
+                      <a:solidFill>
+                        <a:schemeClr val="bg2">
+                          <a:lumMod val="50000"/>
+                        </a:schemeClr>
+                      </a:solidFill>
+                      <a:prstDash val="solid"/>
+                      <a:round/>
+                      <a:headEnd type="none" w="med" len="med"/>
+                      <a:tailEnd type="none" w="med" len="med"/>
+                    </a:lnL>
+                    <a:lnR w="12700" cap="flat" cmpd="sng" algn="ctr">
+                      <a:solidFill>
+                        <a:schemeClr val="bg2">
+                          <a:lumMod val="50000"/>
+                        </a:schemeClr>
+                      </a:solidFill>
+                      <a:prstDash val="solid"/>
+                      <a:round/>
+                      <a:headEnd type="none" w="med" len="med"/>
+                      <a:tailEnd type="none" w="med" len="med"/>
+                    </a:lnR>
+                    <a:lnT w="12700" cap="flat" cmpd="sng" algn="ctr">
+                      <a:solidFill>
+                        <a:schemeClr val="bg2">
+                          <a:lumMod val="50000"/>
+                        </a:schemeClr>
+                      </a:solidFill>
+                      <a:prstDash val="solid"/>
+                      <a:round/>
+                      <a:headEnd type="none" w="med" len="med"/>
+                      <a:tailEnd type="none" w="med" len="med"/>
+                    </a:lnT>
+                    <a:lnB w="12700" cap="flat" cmpd="sng" algn="ctr">
+                      <a:solidFill>
+                        <a:schemeClr val="bg2">
+                          <a:lumMod val="50000"/>
+                        </a:schemeClr>
+                      </a:solidFill>
+                      <a:prstDash val="solid"/>
+                      <a:round/>
+                      <a:headEnd type="none" w="med" len="med"/>
+                      <a:tailEnd type="none" w="med" len="med"/>
+                    </a:lnB>
+                    <a:lnTlToBr w="12700" cmpd="sng">
+                      <a:noFill/>
+                      <a:prstDash val="solid"/>
+                    </a:lnTlToBr>
+                    <a:lnBlToTr w="12700" cmpd="sng">
+                      <a:noFill/>
+                      <a:prstDash val="solid"/>
+                    </a:lnBlToTr>
+                    <a:noFill/>
+                  </a:tcPr>
+                </a:tc>
+                <a:tc>
+                  <a:txBody>
+                    <a:bodyPr/>
+                    <a:lstStyle/>
+                    <a:p>
+                      <a:pPr latinLnBrk="1"/>
+                      <a:endParaRPr lang="ko-KR" altLang="en-US" dirty="0"/>
+                    </a:p>
+                  </a:txBody>
+                  <a:tcPr>
+                    <a:lnL w="12700" cap="flat" cmpd="sng" algn="ctr">
+                      <a:solidFill>
+                        <a:schemeClr val="bg2">
+                          <a:lumMod val="50000"/>
+                        </a:schemeClr>
+                      </a:solidFill>
+                      <a:prstDash val="solid"/>
+                      <a:round/>
+                      <a:headEnd type="none" w="med" len="med"/>
+                      <a:tailEnd type="none" w="med" len="med"/>
+                    </a:lnL>
+                    <a:lnR w="12700" cap="flat" cmpd="sng" algn="ctr">
+                      <a:solidFill>
+                        <a:schemeClr val="bg2">
+                          <a:lumMod val="50000"/>
+                        </a:schemeClr>
+                      </a:solidFill>
+                      <a:prstDash val="solid"/>
+                      <a:round/>
+                      <a:headEnd type="none" w="med" len="med"/>
+                      <a:tailEnd type="none" w="med" len="med"/>
+                    </a:lnR>
+                    <a:lnT w="12700" cap="flat" cmpd="sng" algn="ctr">
+                      <a:solidFill>
+                        <a:schemeClr val="bg2">
+                          <a:lumMod val="50000"/>
+                        </a:schemeClr>
+                      </a:solidFill>
+                      <a:prstDash val="solid"/>
+                      <a:round/>
+                      <a:headEnd type="none" w="med" len="med"/>
+                      <a:tailEnd type="none" w="med" len="med"/>
+                    </a:lnT>
+                    <a:lnB w="12700" cap="flat" cmpd="sng" algn="ctr">
+                      <a:solidFill>
+                        <a:schemeClr val="bg2">
+                          <a:lumMod val="50000"/>
+                        </a:schemeClr>
+                      </a:solidFill>
+                      <a:prstDash val="solid"/>
+                      <a:round/>
+                      <a:headEnd type="none" w="med" len="med"/>
+                      <a:tailEnd type="none" w="med" len="med"/>
+                    </a:lnB>
+                    <a:lnTlToBr w="12700" cmpd="sng">
+                      <a:noFill/>
+                      <a:prstDash val="solid"/>
+                    </a:lnTlToBr>
+                    <a:lnBlToTr w="12700" cmpd="sng">
+                      <a:noFill/>
+                      <a:prstDash val="solid"/>
+                    </a:lnBlToTr>
+                    <a:noFill/>
+                  </a:tcPr>
+                </a:tc>
+                <a:tc>
+                  <a:txBody>
+                    <a:bodyPr/>
+                    <a:lstStyle/>
+                    <a:p>
+                      <a:pPr latinLnBrk="1"/>
+                      <a:endParaRPr lang="ko-KR" altLang="en-US" dirty="0"/>
+                    </a:p>
+                  </a:txBody>
+                  <a:tcPr>
+                    <a:lnL w="12700" cap="flat" cmpd="sng" algn="ctr">
+                      <a:solidFill>
+                        <a:schemeClr val="bg2">
+                          <a:lumMod val="50000"/>
+                        </a:schemeClr>
+                      </a:solidFill>
+                      <a:prstDash val="solid"/>
+                      <a:round/>
+                      <a:headEnd type="none" w="med" len="med"/>
+                      <a:tailEnd type="none" w="med" len="med"/>
+                    </a:lnL>
+                    <a:lnR w="12700" cap="flat" cmpd="sng" algn="ctr">
+                      <a:solidFill>
+                        <a:schemeClr val="bg2">
+                          <a:lumMod val="50000"/>
+                        </a:schemeClr>
+                      </a:solidFill>
+                      <a:prstDash val="solid"/>
+                      <a:round/>
+                      <a:headEnd type="none" w="med" len="med"/>
+                      <a:tailEnd type="none" w="med" len="med"/>
+                    </a:lnR>
+                    <a:lnT w="12700" cap="flat" cmpd="sng" algn="ctr">
+                      <a:solidFill>
+                        <a:schemeClr val="bg2">
+                          <a:lumMod val="50000"/>
+                        </a:schemeClr>
+                      </a:solidFill>
+                      <a:prstDash val="solid"/>
+                      <a:round/>
+                      <a:headEnd type="none" w="med" len="med"/>
+                      <a:tailEnd type="none" w="med" len="med"/>
+                    </a:lnT>
+                    <a:lnB w="12700" cap="flat" cmpd="sng" algn="ctr">
+                      <a:solidFill>
+                        <a:schemeClr val="bg2">
+                          <a:lumMod val="50000"/>
+                        </a:schemeClr>
+                      </a:solidFill>
+                      <a:prstDash val="solid"/>
+                      <a:round/>
+                      <a:headEnd type="none" w="med" len="med"/>
+                      <a:tailEnd type="none" w="med" len="med"/>
+                    </a:lnB>
+                    <a:lnTlToBr w="12700" cmpd="sng">
+                      <a:noFill/>
+                      <a:prstDash val="solid"/>
+                    </a:lnTlToBr>
+                    <a:lnBlToTr w="12700" cmpd="sng">
+                      <a:noFill/>
+                      <a:prstDash val="solid"/>
+                    </a:lnBlToTr>
+                    <a:noFill/>
+                  </a:tcPr>
+                </a:tc>
+                <a:tc>
+                  <a:txBody>
+                    <a:bodyPr/>
+                    <a:lstStyle/>
+                    <a:p>
+                      <a:pPr latinLnBrk="1"/>
+                      <a:endParaRPr lang="ko-KR" altLang="en-US"/>
+                    </a:p>
+                  </a:txBody>
+                  <a:tcPr>
+                    <a:lnL w="12700" cap="flat" cmpd="sng" algn="ctr">
+                      <a:solidFill>
+                        <a:schemeClr val="bg2">
+                          <a:lumMod val="50000"/>
+                        </a:schemeClr>
+                      </a:solidFill>
+                      <a:prstDash val="solid"/>
+                      <a:round/>
+                      <a:headEnd type="none" w="med" len="med"/>
+                      <a:tailEnd type="none" w="med" len="med"/>
+                    </a:lnL>
+                    <a:lnR w="12700" cap="flat" cmpd="sng" algn="ctr">
+                      <a:solidFill>
+                        <a:schemeClr val="bg2">
+                          <a:lumMod val="50000"/>
+                        </a:schemeClr>
+                      </a:solidFill>
+                      <a:prstDash val="solid"/>
+                      <a:round/>
+                      <a:headEnd type="none" w="med" len="med"/>
+                      <a:tailEnd type="none" w="med" len="med"/>
+                    </a:lnR>
+                    <a:lnT w="12700" cap="flat" cmpd="sng" algn="ctr">
+                      <a:solidFill>
+                        <a:schemeClr val="bg2">
+                          <a:lumMod val="50000"/>
+                        </a:schemeClr>
+                      </a:solidFill>
+                      <a:prstDash val="solid"/>
+                      <a:round/>
+                      <a:headEnd type="none" w="med" len="med"/>
+                      <a:tailEnd type="none" w="med" len="med"/>
+                    </a:lnT>
+                    <a:lnB w="12700" cap="flat" cmpd="sng" algn="ctr">
+                      <a:solidFill>
+                        <a:schemeClr val="bg2">
+                          <a:lumMod val="50000"/>
+                        </a:schemeClr>
+                      </a:solidFill>
+                      <a:prstDash val="solid"/>
+                      <a:round/>
+                      <a:headEnd type="none" w="med" len="med"/>
+                      <a:tailEnd type="none" w="med" len="med"/>
+                    </a:lnB>
+                    <a:lnTlToBr w="12700" cmpd="sng">
+                      <a:noFill/>
+                      <a:prstDash val="solid"/>
+                    </a:lnTlToBr>
+                    <a:lnBlToTr w="12700" cmpd="sng">
+                      <a:noFill/>
+                      <a:prstDash val="solid"/>
+                    </a:lnBlToTr>
+                    <a:noFill/>
+                  </a:tcPr>
+                </a:tc>
+                <a:tc>
+                  <a:txBody>
+                    <a:bodyPr/>
+                    <a:lstStyle/>
+                    <a:p>
+                      <a:pPr latinLnBrk="1"/>
+                      <a:endParaRPr lang="ko-KR" altLang="en-US"/>
+                    </a:p>
+                  </a:txBody>
+                  <a:tcPr>
+                    <a:lnL w="12700" cap="flat" cmpd="sng" algn="ctr">
+                      <a:solidFill>
+                        <a:schemeClr val="bg2">
+                          <a:lumMod val="50000"/>
+                        </a:schemeClr>
+                      </a:solidFill>
+                      <a:prstDash val="solid"/>
+                      <a:round/>
+                      <a:headEnd type="none" w="med" len="med"/>
+                      <a:tailEnd type="none" w="med" len="med"/>
+                    </a:lnL>
+                    <a:lnR w="12700" cap="flat" cmpd="sng" algn="ctr">
+                      <a:solidFill>
+                        <a:schemeClr val="bg2">
+                          <a:lumMod val="50000"/>
+                        </a:schemeClr>
+                      </a:solidFill>
+                      <a:prstDash val="solid"/>
+                      <a:round/>
+                      <a:headEnd type="none" w="med" len="med"/>
+                      <a:tailEnd type="none" w="med" len="med"/>
+                    </a:lnR>
+                    <a:lnT w="12700" cap="flat" cmpd="sng" algn="ctr">
+                      <a:solidFill>
+                        <a:schemeClr val="bg2">
+                          <a:lumMod val="50000"/>
+                        </a:schemeClr>
+                      </a:solidFill>
+                      <a:prstDash val="solid"/>
+                      <a:round/>
+                      <a:headEnd type="none" w="med" len="med"/>
+                      <a:tailEnd type="none" w="med" len="med"/>
+                    </a:lnT>
+                    <a:lnB w="12700" cap="flat" cmpd="sng" algn="ctr">
+                      <a:solidFill>
+                        <a:schemeClr val="bg2">
+                          <a:lumMod val="50000"/>
+                        </a:schemeClr>
+                      </a:solidFill>
+                      <a:prstDash val="solid"/>
+                      <a:round/>
+                      <a:headEnd type="none" w="med" len="med"/>
+                      <a:tailEnd type="none" w="med" len="med"/>
+                    </a:lnB>
+                    <a:lnTlToBr w="12700" cmpd="sng">
+                      <a:noFill/>
+                      <a:prstDash val="solid"/>
+                    </a:lnTlToBr>
+                    <a:lnBlToTr w="12700" cmpd="sng">
+                      <a:noFill/>
+                      <a:prstDash val="solid"/>
+                    </a:lnBlToTr>
+                    <a:noFill/>
+                  </a:tcPr>
+                </a:tc>
+                <a:tc>
+                  <a:txBody>
+                    <a:bodyPr/>
+                    <a:lstStyle/>
+                    <a:p>
+                      <a:pPr latinLnBrk="1"/>
+                      <a:endParaRPr lang="ko-KR" altLang="en-US"/>
+                    </a:p>
+                  </a:txBody>
+                  <a:tcPr>
+                    <a:lnL w="12700" cap="flat" cmpd="sng" algn="ctr">
+                      <a:solidFill>
+                        <a:schemeClr val="bg2">
+                          <a:lumMod val="50000"/>
+                        </a:schemeClr>
+                      </a:solidFill>
+                      <a:prstDash val="solid"/>
+                      <a:round/>
+                      <a:headEnd type="none" w="med" len="med"/>
+                      <a:tailEnd type="none" w="med" len="med"/>
+                    </a:lnL>
+                    <a:lnR w="12700" cap="flat" cmpd="sng" algn="ctr">
+                      <a:solidFill>
+                        <a:schemeClr val="bg2">
+                          <a:lumMod val="50000"/>
+                        </a:schemeClr>
+                      </a:solidFill>
+                      <a:prstDash val="solid"/>
+                      <a:round/>
+                      <a:headEnd type="none" w="med" len="med"/>
+                      <a:tailEnd type="none" w="med" len="med"/>
+                    </a:lnR>
+                    <a:lnT w="12700" cap="flat" cmpd="sng" algn="ctr">
+                      <a:solidFill>
+                        <a:schemeClr val="bg2">
+                          <a:lumMod val="50000"/>
+                        </a:schemeClr>
+                      </a:solidFill>
+                      <a:prstDash val="solid"/>
+                      <a:round/>
+                      <a:headEnd type="none" w="med" len="med"/>
+                      <a:tailEnd type="none" w="med" len="med"/>
+                    </a:lnT>
+                    <a:lnB w="12700" cap="flat" cmpd="sng" algn="ctr">
+                      <a:solidFill>
+                        <a:schemeClr val="bg2">
+                          <a:lumMod val="50000"/>
+                        </a:schemeClr>
+                      </a:solidFill>
+                      <a:prstDash val="solid"/>
+                      <a:round/>
+                      <a:headEnd type="none" w="med" len="med"/>
+                      <a:tailEnd type="none" w="med" len="med"/>
+                    </a:lnB>
+                    <a:lnTlToBr w="12700" cmpd="sng">
+                      <a:noFill/>
+                      <a:prstDash val="solid"/>
+                    </a:lnTlToBr>
+                    <a:lnBlToTr w="12700" cmpd="sng">
+                      <a:noFill/>
+                      <a:prstDash val="solid"/>
+                    </a:lnBlToTr>
+                    <a:noFill/>
+                  </a:tcPr>
+                </a:tc>
+                <a:tc>
+                  <a:txBody>
+                    <a:bodyPr/>
+                    <a:lstStyle/>
+                    <a:p>
+                      <a:pPr latinLnBrk="1"/>
+                      <a:endParaRPr lang="ko-KR" altLang="en-US" dirty="0"/>
+                    </a:p>
+                  </a:txBody>
+                  <a:tcPr>
+                    <a:lnL w="12700" cap="flat" cmpd="sng" algn="ctr">
+                      <a:solidFill>
+                        <a:schemeClr val="bg2">
+                          <a:lumMod val="50000"/>
+                        </a:schemeClr>
+                      </a:solidFill>
+                      <a:prstDash val="solid"/>
+                      <a:round/>
+                      <a:headEnd type="none" w="med" len="med"/>
+                      <a:tailEnd type="none" w="med" len="med"/>
+                    </a:lnL>
+                    <a:lnR w="12700" cap="flat" cmpd="sng" algn="ctr">
+                      <a:solidFill>
+                        <a:schemeClr val="bg2">
+                          <a:lumMod val="50000"/>
+                        </a:schemeClr>
+                      </a:solidFill>
+                      <a:prstDash val="solid"/>
+                      <a:round/>
+                      <a:headEnd type="none" w="med" len="med"/>
+                      <a:tailEnd type="none" w="med" len="med"/>
+                    </a:lnR>
+                    <a:lnT w="12700" cap="flat" cmpd="sng" algn="ctr">
+                      <a:solidFill>
+                        <a:schemeClr val="bg2">
+                          <a:lumMod val="50000"/>
+                        </a:schemeClr>
+                      </a:solidFill>
+                      <a:prstDash val="solid"/>
+                      <a:round/>
+                      <a:headEnd type="none" w="med" len="med"/>
+                      <a:tailEnd type="none" w="med" len="med"/>
+                    </a:lnT>
+                    <a:lnB w="12700" cap="flat" cmpd="sng" algn="ctr">
+                      <a:solidFill>
+                        <a:schemeClr val="bg2">
+                          <a:lumMod val="50000"/>
+                        </a:schemeClr>
+                      </a:solidFill>
+                      <a:prstDash val="solid"/>
+                      <a:round/>
+                      <a:headEnd type="none" w="med" len="med"/>
+                      <a:tailEnd type="none" w="med" len="med"/>
+                    </a:lnB>
+                    <a:lnTlToBr w="12700" cmpd="sng">
+                      <a:noFill/>
+                      <a:prstDash val="solid"/>
+                    </a:lnTlToBr>
+                    <a:lnBlToTr w="12700" cmpd="sng">
+                      <a:noFill/>
+                      <a:prstDash val="solid"/>
+                    </a:lnBlToTr>
+                    <a:noFill/>
+                  </a:tcPr>
+                </a:tc>
+                <a:tc>
+                  <a:txBody>
+                    <a:bodyPr/>
+                    <a:lstStyle/>
+                    <a:p>
+                      <a:pPr latinLnBrk="1"/>
+                      <a:endParaRPr lang="ko-KR" altLang="en-US" dirty="0"/>
+                    </a:p>
+                  </a:txBody>
+                  <a:tcPr>
+                    <a:lnL w="12700" cap="flat" cmpd="sng" algn="ctr">
+                      <a:solidFill>
+                        <a:schemeClr val="bg2">
+                          <a:lumMod val="50000"/>
+                        </a:schemeClr>
+                      </a:solidFill>
+                      <a:prstDash val="solid"/>
+                      <a:round/>
+                      <a:headEnd type="none" w="med" len="med"/>
+                      <a:tailEnd type="none" w="med" len="med"/>
+                    </a:lnL>
+                    <a:lnR w="12700" cap="flat" cmpd="sng" algn="ctr">
+                      <a:solidFill>
+                        <a:schemeClr val="bg2">
+                          <a:lumMod val="50000"/>
+                        </a:schemeClr>
+                      </a:solidFill>
+                      <a:prstDash val="solid"/>
+                      <a:round/>
+                      <a:headEnd type="none" w="med" len="med"/>
+                      <a:tailEnd type="none" w="med" len="med"/>
+                    </a:lnR>
+                    <a:lnT w="12700" cap="flat" cmpd="sng" algn="ctr">
+                      <a:solidFill>
+                        <a:schemeClr val="bg2">
+                          <a:lumMod val="50000"/>
+                        </a:schemeClr>
+                      </a:solidFill>
+                      <a:prstDash val="solid"/>
+                      <a:round/>
+                      <a:headEnd type="none" w="med" len="med"/>
+                      <a:tailEnd type="none" w="med" len="med"/>
+                    </a:lnT>
+                    <a:lnB w="12700" cap="flat" cmpd="sng" algn="ctr">
+                      <a:solidFill>
+                        <a:schemeClr val="bg2">
+                          <a:lumMod val="50000"/>
+                        </a:schemeClr>
+                      </a:solidFill>
+                      <a:prstDash val="solid"/>
+                      <a:round/>
+                      <a:headEnd type="none" w="med" len="med"/>
+                      <a:tailEnd type="none" w="med" len="med"/>
+                    </a:lnB>
+                    <a:lnTlToBr w="12700" cmpd="sng">
+                      <a:noFill/>
+                      <a:prstDash val="solid"/>
+                    </a:lnTlToBr>
+                    <a:lnBlToTr w="12700" cmpd="sng">
+                      <a:noFill/>
+                      <a:prstDash val="solid"/>
+                    </a:lnBlToTr>
+                    <a:noFill/>
+                  </a:tcPr>
+                </a:tc>
+                <a:tc>
+                  <a:txBody>
+                    <a:bodyPr/>
+                    <a:lstStyle/>
+                    <a:p>
+                      <a:pPr latinLnBrk="1"/>
+                      <a:endParaRPr lang="ko-KR" altLang="en-US"/>
+                    </a:p>
+                  </a:txBody>
+                  <a:tcPr>
+                    <a:lnL w="12700" cap="flat" cmpd="sng" algn="ctr">
+                      <a:solidFill>
+                        <a:schemeClr val="bg2">
+                          <a:lumMod val="50000"/>
+                        </a:schemeClr>
+                      </a:solidFill>
+                      <a:prstDash val="solid"/>
+                      <a:round/>
+                      <a:headEnd type="none" w="med" len="med"/>
+                      <a:tailEnd type="none" w="med" len="med"/>
+                    </a:lnL>
+                    <a:lnR w="12700" cap="flat" cmpd="sng" algn="ctr">
+                      <a:solidFill>
+                        <a:schemeClr val="bg2">
+                          <a:lumMod val="50000"/>
+                        </a:schemeClr>
+                      </a:solidFill>
+                      <a:prstDash val="solid"/>
+                      <a:round/>
+                      <a:headEnd type="none" w="med" len="med"/>
+                      <a:tailEnd type="none" w="med" len="med"/>
+                    </a:lnR>
+                    <a:lnT w="12700" cap="flat" cmpd="sng" algn="ctr">
+                      <a:solidFill>
+                        <a:schemeClr val="bg2">
+                          <a:lumMod val="50000"/>
+                        </a:schemeClr>
+                      </a:solidFill>
+                      <a:prstDash val="solid"/>
+                      <a:round/>
+                      <a:headEnd type="none" w="med" len="med"/>
+                      <a:tailEnd type="none" w="med" len="med"/>
+                    </a:lnT>
+                    <a:lnB w="12700" cap="flat" cmpd="sng" algn="ctr">
+                      <a:solidFill>
+                        <a:schemeClr val="bg2">
+                          <a:lumMod val="50000"/>
+                        </a:schemeClr>
+                      </a:solidFill>
+                      <a:prstDash val="solid"/>
+                      <a:round/>
+                      <a:headEnd type="none" w="med" len="med"/>
+                      <a:tailEnd type="none" w="med" len="med"/>
+                    </a:lnB>
+                    <a:lnTlToBr w="12700" cmpd="sng">
+                      <a:noFill/>
+                      <a:prstDash val="solid"/>
+                    </a:lnTlToBr>
+                    <a:lnBlToTr w="12700" cmpd="sng">
+                      <a:noFill/>
+                      <a:prstDash val="solid"/>
+                    </a:lnBlToTr>
+                    <a:noFill/>
+                  </a:tcPr>
+                </a:tc>
+                <a:tc>
+                  <a:txBody>
+                    <a:bodyPr/>
+                    <a:lstStyle/>
+                    <a:p>
+                      <a:pPr latinLnBrk="1"/>
+                      <a:endParaRPr lang="ko-KR" altLang="en-US" dirty="0"/>
+                    </a:p>
+                  </a:txBody>
+                  <a:tcPr>
+                    <a:lnL w="12700" cap="flat" cmpd="sng" algn="ctr">
+                      <a:solidFill>
+                        <a:schemeClr val="bg2">
+                          <a:lumMod val="50000"/>
+                        </a:schemeClr>
+                      </a:solidFill>
+                      <a:prstDash val="solid"/>
+                      <a:round/>
+                      <a:headEnd type="none" w="med" len="med"/>
+                      <a:tailEnd type="none" w="med" len="med"/>
+                    </a:lnL>
+                    <a:lnR w="12700" cap="flat" cmpd="sng" algn="ctr">
+                      <a:solidFill>
+                        <a:schemeClr val="bg2">
+                          <a:lumMod val="50000"/>
+                        </a:schemeClr>
+                      </a:solidFill>
+                      <a:prstDash val="solid"/>
+                      <a:round/>
+                      <a:headEnd type="none" w="med" len="med"/>
+                      <a:tailEnd type="none" w="med" len="med"/>
+                    </a:lnR>
+                    <a:lnT w="12700" cap="flat" cmpd="sng" algn="ctr">
+                      <a:solidFill>
+                        <a:schemeClr val="bg2">
+                          <a:lumMod val="50000"/>
+                        </a:schemeClr>
+                      </a:solidFill>
+                      <a:prstDash val="solid"/>
+                      <a:round/>
+                      <a:headEnd type="none" w="med" len="med"/>
+                      <a:tailEnd type="none" w="med" len="med"/>
+                    </a:lnT>
+                    <a:lnB w="12700" cap="flat" cmpd="sng" algn="ctr">
+                      <a:solidFill>
+                        <a:schemeClr val="bg2">
+                          <a:lumMod val="50000"/>
+                        </a:schemeClr>
+                      </a:solidFill>
+                      <a:prstDash val="solid"/>
+                      <a:round/>
+                      <a:headEnd type="none" w="med" len="med"/>
+                      <a:tailEnd type="none" w="med" len="med"/>
+                    </a:lnB>
+                    <a:lnTlToBr w="12700" cmpd="sng">
+                      <a:noFill/>
+                      <a:prstDash val="solid"/>
+                    </a:lnTlToBr>
+                    <a:lnBlToTr w="12700" cmpd="sng">
+                      <a:noFill/>
+                      <a:prstDash val="solid"/>
+                    </a:lnBlToTr>
+                    <a:noFill/>
+                  </a:tcPr>
+                </a:tc>
+                <a:tc>
+                  <a:txBody>
+                    <a:bodyPr/>
+                    <a:lstStyle/>
+                    <a:p>
+                      <a:pPr latinLnBrk="1"/>
+                      <a:endParaRPr lang="ko-KR" altLang="en-US" dirty="0"/>
+                    </a:p>
+                  </a:txBody>
+                  <a:tcPr>
+                    <a:lnL w="12700" cap="flat" cmpd="sng" algn="ctr">
+                      <a:solidFill>
+                        <a:schemeClr val="bg2">
+                          <a:lumMod val="50000"/>
+                        </a:schemeClr>
+                      </a:solidFill>
+                      <a:prstDash val="solid"/>
+                      <a:round/>
+                      <a:headEnd type="none" w="med" len="med"/>
+                      <a:tailEnd type="none" w="med" len="med"/>
+                    </a:lnL>
+                    <a:lnR w="12700" cap="flat" cmpd="sng" algn="ctr">
+                      <a:solidFill>
+                        <a:schemeClr val="bg2">
+                          <a:lumMod val="50000"/>
+                        </a:schemeClr>
+                      </a:solidFill>
+                      <a:prstDash val="solid"/>
+                      <a:round/>
+                      <a:headEnd type="none" w="med" len="med"/>
+                      <a:tailEnd type="none" w="med" len="med"/>
+                    </a:lnR>
+                    <a:lnT w="12700" cap="flat" cmpd="sng" algn="ctr">
+                      <a:solidFill>
+                        <a:schemeClr val="bg2">
+                          <a:lumMod val="50000"/>
+                        </a:schemeClr>
+                      </a:solidFill>
+                      <a:prstDash val="solid"/>
+                      <a:round/>
+                      <a:headEnd type="none" w="med" len="med"/>
+                      <a:tailEnd type="none" w="med" len="med"/>
+                    </a:lnT>
+                    <a:lnB w="12700" cap="flat" cmpd="sng" algn="ctr">
+                      <a:solidFill>
+                        <a:schemeClr val="bg2">
+                          <a:lumMod val="50000"/>
+                        </a:schemeClr>
+                      </a:solidFill>
+                      <a:prstDash val="solid"/>
+                      <a:round/>
+                      <a:headEnd type="none" w="med" len="med"/>
+                      <a:tailEnd type="none" w="med" len="med"/>
+                    </a:lnB>
+                    <a:lnTlToBr w="12700" cmpd="sng">
+                      <a:noFill/>
+                      <a:prstDash val="solid"/>
+                    </a:lnTlToBr>
+                    <a:lnBlToTr w="12700" cmpd="sng">
+                      <a:noFill/>
+                      <a:prstDash val="solid"/>
+                    </a:lnBlToTr>
+                    <a:noFill/>
+                  </a:tcPr>
+                </a:tc>
+                <a:tc>
+                  <a:txBody>
+                    <a:bodyPr/>
+                    <a:lstStyle/>
+                    <a:p>
+                      <a:pPr latinLnBrk="1"/>
+                      <a:endParaRPr lang="ko-KR" altLang="en-US" dirty="0"/>
+                    </a:p>
+                  </a:txBody>
+                  <a:tcPr>
+                    <a:lnL w="12700" cap="flat" cmpd="sng" algn="ctr">
+                      <a:solidFill>
+                        <a:schemeClr val="bg2">
+                          <a:lumMod val="50000"/>
+                        </a:schemeClr>
+                      </a:solidFill>
+                      <a:prstDash val="solid"/>
+                      <a:round/>
+                      <a:headEnd type="none" w="med" len="med"/>
+                      <a:tailEnd type="none" w="med" len="med"/>
+                    </a:lnL>
+                    <a:lnR w="12700" cap="flat" cmpd="sng" algn="ctr">
+                      <a:solidFill>
+                        <a:schemeClr val="bg2">
+                          <a:lumMod val="50000"/>
+                        </a:schemeClr>
+                      </a:solidFill>
+                      <a:prstDash val="solid"/>
+                      <a:round/>
+                      <a:headEnd type="none" w="med" len="med"/>
+                      <a:tailEnd type="none" w="med" len="med"/>
+                    </a:lnR>
+                    <a:lnT w="12700" cap="flat" cmpd="sng" algn="ctr">
+                      <a:solidFill>
+                        <a:schemeClr val="bg2">
+                          <a:lumMod val="50000"/>
+                        </a:schemeClr>
+                      </a:solidFill>
+                      <a:prstDash val="solid"/>
+                      <a:round/>
+                      <a:headEnd type="none" w="med" len="med"/>
+                      <a:tailEnd type="none" w="med" len="med"/>
+                    </a:lnT>
+                    <a:lnB w="12700" cap="flat" cmpd="sng" algn="ctr">
+                      <a:solidFill>
+                        <a:schemeClr val="bg2">
+                          <a:lumMod val="50000"/>
+                        </a:schemeClr>
+                      </a:solidFill>
+                      <a:prstDash val="solid"/>
+                      <a:round/>
+                      <a:headEnd type="none" w="med" len="med"/>
+                      <a:tailEnd type="none" w="med" len="med"/>
+                    </a:lnB>
+                    <a:lnTlToBr w="12700" cmpd="sng">
+                      <a:noFill/>
+                      <a:prstDash val="solid"/>
+                    </a:lnTlToBr>
+                    <a:lnBlToTr w="12700" cmpd="sng">
+                      <a:noFill/>
+                      <a:prstDash val="solid"/>
+                    </a:lnBlToTr>
+                    <a:noFill/>
+                  </a:tcPr>
+                </a:tc>
+                <a:extLst>
+                  <a:ext uri="{0D108BD9-81ED-4DB2-BD59-A6C34878D82A}">
+                    <a16:rowId xmlns:a16="http://schemas.microsoft.com/office/drawing/2014/main" val="2143776047"/>
+                  </a:ext>
+                </a:extLst>
+              </a:tr>
+              <a:tr h="507949">
+                <a:tc>
+                  <a:txBody>
+                    <a:bodyPr/>
+                    <a:lstStyle/>
+                    <a:p>
+                      <a:pPr latinLnBrk="1"/>
+                      <a:endParaRPr lang="ko-KR" altLang="en-US" dirty="0"/>
+                    </a:p>
+                  </a:txBody>
+                  <a:tcPr>
+                    <a:lnL w="12700" cap="flat" cmpd="sng" algn="ctr">
+                      <a:solidFill>
+                        <a:schemeClr val="bg2">
+                          <a:lumMod val="50000"/>
+                        </a:schemeClr>
+                      </a:solidFill>
+                      <a:prstDash val="solid"/>
+                      <a:round/>
+                      <a:headEnd type="none" w="med" len="med"/>
+                      <a:tailEnd type="none" w="med" len="med"/>
+                    </a:lnL>
+                    <a:lnR w="12700" cap="flat" cmpd="sng" algn="ctr">
+                      <a:solidFill>
+                        <a:schemeClr val="bg2">
+                          <a:lumMod val="50000"/>
+                        </a:schemeClr>
+                      </a:solidFill>
+                      <a:prstDash val="solid"/>
+                      <a:round/>
+                      <a:headEnd type="none" w="med" len="med"/>
+                      <a:tailEnd type="none" w="med" len="med"/>
+                    </a:lnR>
+                    <a:lnT w="12700" cap="flat" cmpd="sng" algn="ctr">
+                      <a:solidFill>
+                        <a:schemeClr val="bg2">
+                          <a:lumMod val="50000"/>
+                        </a:schemeClr>
+                      </a:solidFill>
+                      <a:prstDash val="solid"/>
+                      <a:round/>
+                      <a:headEnd type="none" w="med" len="med"/>
+                      <a:tailEnd type="none" w="med" len="med"/>
+                    </a:lnT>
+                    <a:lnB w="12700" cap="flat" cmpd="sng" algn="ctr">
+                      <a:solidFill>
+                        <a:schemeClr val="bg2">
+                          <a:lumMod val="50000"/>
+                        </a:schemeClr>
+                      </a:solidFill>
+                      <a:prstDash val="solid"/>
+                      <a:round/>
+                      <a:headEnd type="none" w="med" len="med"/>
+                      <a:tailEnd type="none" w="med" len="med"/>
+                    </a:lnB>
+                    <a:lnTlToBr w="12700" cmpd="sng">
+                      <a:noFill/>
+                      <a:prstDash val="solid"/>
+                    </a:lnTlToBr>
+                    <a:lnBlToTr w="12700" cmpd="sng">
+                      <a:noFill/>
+                      <a:prstDash val="solid"/>
+                    </a:lnBlToTr>
+                    <a:noFill/>
+                  </a:tcPr>
+                </a:tc>
+                <a:tc>
+                  <a:txBody>
+                    <a:bodyPr/>
+                    <a:lstStyle/>
+                    <a:p>
+                      <a:pPr latinLnBrk="1"/>
+                      <a:endParaRPr lang="ko-KR" altLang="en-US" dirty="0"/>
+                    </a:p>
+                  </a:txBody>
+                  <a:tcPr>
+                    <a:lnL w="12700" cap="flat" cmpd="sng" algn="ctr">
+                      <a:solidFill>
+                        <a:schemeClr val="bg2">
+                          <a:lumMod val="50000"/>
+                        </a:schemeClr>
+                      </a:solidFill>
+                      <a:prstDash val="solid"/>
+                      <a:round/>
+                      <a:headEnd type="none" w="med" len="med"/>
+                      <a:tailEnd type="none" w="med" len="med"/>
+                    </a:lnL>
+                    <a:lnR w="12700" cap="flat" cmpd="sng" algn="ctr">
+                      <a:solidFill>
+                        <a:schemeClr val="bg2">
+                          <a:lumMod val="50000"/>
+                        </a:schemeClr>
+                      </a:solidFill>
+                      <a:prstDash val="solid"/>
+                      <a:round/>
+                      <a:headEnd type="none" w="med" len="med"/>
+                      <a:tailEnd type="none" w="med" len="med"/>
+                    </a:lnR>
+                    <a:lnT w="12700" cap="flat" cmpd="sng" algn="ctr">
+                      <a:solidFill>
+                        <a:schemeClr val="bg2">
+                          <a:lumMod val="50000"/>
+                        </a:schemeClr>
+                      </a:solidFill>
+                      <a:prstDash val="solid"/>
+                      <a:round/>
+                      <a:headEnd type="none" w="med" len="med"/>
+                      <a:tailEnd type="none" w="med" len="med"/>
+                    </a:lnT>
+                    <a:lnB w="12700" cap="flat" cmpd="sng" algn="ctr">
+                      <a:solidFill>
+                        <a:schemeClr val="bg2">
+                          <a:lumMod val="50000"/>
+                        </a:schemeClr>
+                      </a:solidFill>
+                      <a:prstDash val="solid"/>
+                      <a:round/>
+                      <a:headEnd type="none" w="med" len="med"/>
+                      <a:tailEnd type="none" w="med" len="med"/>
+                    </a:lnB>
+                    <a:lnTlToBr w="12700" cmpd="sng">
+                      <a:noFill/>
+                      <a:prstDash val="solid"/>
+                    </a:lnTlToBr>
+                    <a:lnBlToTr w="12700" cmpd="sng">
+                      <a:noFill/>
+                      <a:prstDash val="solid"/>
+                    </a:lnBlToTr>
+                    <a:noFill/>
+                  </a:tcPr>
+                </a:tc>
+                <a:tc>
+                  <a:txBody>
+                    <a:bodyPr/>
+                    <a:lstStyle/>
+                    <a:p>
+                      <a:pPr latinLnBrk="1"/>
+                      <a:endParaRPr lang="ko-KR" altLang="en-US" dirty="0"/>
+                    </a:p>
+                  </a:txBody>
+                  <a:tcPr>
+                    <a:lnL w="12700" cap="flat" cmpd="sng" algn="ctr">
+                      <a:solidFill>
+                        <a:schemeClr val="bg2">
+                          <a:lumMod val="50000"/>
+                        </a:schemeClr>
+                      </a:solidFill>
+                      <a:prstDash val="solid"/>
+                      <a:round/>
+                      <a:headEnd type="none" w="med" len="med"/>
+                      <a:tailEnd type="none" w="med" len="med"/>
+                    </a:lnL>
+                    <a:lnR w="12700" cap="flat" cmpd="sng" algn="ctr">
+                      <a:solidFill>
+                        <a:schemeClr val="bg2">
+                          <a:lumMod val="50000"/>
+                        </a:schemeClr>
+                      </a:solidFill>
+                      <a:prstDash val="solid"/>
+                      <a:round/>
+                      <a:headEnd type="none" w="med" len="med"/>
+                      <a:tailEnd type="none" w="med" len="med"/>
+                    </a:lnR>
+                    <a:lnT w="12700" cap="flat" cmpd="sng" algn="ctr">
+                      <a:solidFill>
+                        <a:schemeClr val="bg2">
+                          <a:lumMod val="50000"/>
+                        </a:schemeClr>
+                      </a:solidFill>
+                      <a:prstDash val="solid"/>
+                      <a:round/>
+                      <a:headEnd type="none" w="med" len="med"/>
+                      <a:tailEnd type="none" w="med" len="med"/>
+                    </a:lnT>
+                    <a:lnB w="12700" cap="flat" cmpd="sng" algn="ctr">
+                      <a:solidFill>
+                        <a:schemeClr val="bg2">
+                          <a:lumMod val="50000"/>
+                        </a:schemeClr>
+                      </a:solidFill>
+                      <a:prstDash val="solid"/>
+                      <a:round/>
+                      <a:headEnd type="none" w="med" len="med"/>
+                      <a:tailEnd type="none" w="med" len="med"/>
+                    </a:lnB>
+                    <a:lnTlToBr w="12700" cmpd="sng">
+                      <a:noFill/>
+                      <a:prstDash val="solid"/>
+                    </a:lnTlToBr>
+                    <a:lnBlToTr w="12700" cmpd="sng">
+                      <a:noFill/>
+                      <a:prstDash val="solid"/>
+                    </a:lnBlToTr>
+                    <a:noFill/>
+                  </a:tcPr>
+                </a:tc>
+                <a:tc>
+                  <a:txBody>
+                    <a:bodyPr/>
+                    <a:lstStyle/>
+                    <a:p>
+                      <a:pPr latinLnBrk="1"/>
+                      <a:endParaRPr lang="ko-KR" altLang="en-US"/>
+                    </a:p>
+                  </a:txBody>
+                  <a:tcPr>
+                    <a:lnL w="12700" cap="flat" cmpd="sng" algn="ctr">
+                      <a:solidFill>
+                        <a:schemeClr val="bg2">
+                          <a:lumMod val="50000"/>
+                        </a:schemeClr>
+                      </a:solidFill>
+                      <a:prstDash val="solid"/>
+                      <a:round/>
+                      <a:headEnd type="none" w="med" len="med"/>
+                      <a:tailEnd type="none" w="med" len="med"/>
+                    </a:lnL>
+                    <a:lnR w="12700" cap="flat" cmpd="sng" algn="ctr">
+                      <a:solidFill>
+                        <a:schemeClr val="bg2">
+                          <a:lumMod val="50000"/>
+                        </a:schemeClr>
+                      </a:solidFill>
+                      <a:prstDash val="solid"/>
+                      <a:round/>
+                      <a:headEnd type="none" w="med" len="med"/>
+                      <a:tailEnd type="none" w="med" len="med"/>
+                    </a:lnR>
+                    <a:lnT w="12700" cap="flat" cmpd="sng" algn="ctr">
+                      <a:solidFill>
+                        <a:schemeClr val="bg2">
+                          <a:lumMod val="50000"/>
+                        </a:schemeClr>
+                      </a:solidFill>
+                      <a:prstDash val="solid"/>
+                      <a:round/>
+                      <a:headEnd type="none" w="med" len="med"/>
+                      <a:tailEnd type="none" w="med" len="med"/>
+                    </a:lnT>
+                    <a:lnB w="12700" cap="flat" cmpd="sng" algn="ctr">
+                      <a:solidFill>
+                        <a:schemeClr val="bg2">
+                          <a:lumMod val="50000"/>
+                        </a:schemeClr>
+                      </a:solidFill>
+                      <a:prstDash val="solid"/>
+                      <a:round/>
+                      <a:headEnd type="none" w="med" len="med"/>
+                      <a:tailEnd type="none" w="med" len="med"/>
+                    </a:lnB>
+                    <a:lnTlToBr w="12700" cmpd="sng">
+                      <a:noFill/>
+                      <a:prstDash val="solid"/>
+                    </a:lnTlToBr>
+                    <a:lnBlToTr w="12700" cmpd="sng">
+                      <a:noFill/>
+                      <a:prstDash val="solid"/>
+                    </a:lnBlToTr>
+                    <a:noFill/>
+                  </a:tcPr>
+                </a:tc>
+                <a:tc>
+                  <a:txBody>
+                    <a:bodyPr/>
+                    <a:lstStyle/>
+                    <a:p>
+                      <a:pPr latinLnBrk="1"/>
+                      <a:endParaRPr lang="ko-KR" altLang="en-US"/>
+                    </a:p>
+                  </a:txBody>
+                  <a:tcPr>
+                    <a:lnL w="12700" cap="flat" cmpd="sng" algn="ctr">
+                      <a:solidFill>
+                        <a:schemeClr val="bg2">
+                          <a:lumMod val="50000"/>
+                        </a:schemeClr>
+                      </a:solidFill>
+                      <a:prstDash val="solid"/>
+                      <a:round/>
+                      <a:headEnd type="none" w="med" len="med"/>
+                      <a:tailEnd type="none" w="med" len="med"/>
+                    </a:lnL>
+                    <a:lnR w="12700" cap="flat" cmpd="sng" algn="ctr">
+                      <a:solidFill>
+                        <a:schemeClr val="bg2">
+                          <a:lumMod val="50000"/>
+                        </a:schemeClr>
+                      </a:solidFill>
+                      <a:prstDash val="solid"/>
+                      <a:round/>
+                      <a:headEnd type="none" w="med" len="med"/>
+                      <a:tailEnd type="none" w="med" len="med"/>
+                    </a:lnR>
+                    <a:lnT w="12700" cap="flat" cmpd="sng" algn="ctr">
+                      <a:solidFill>
+                        <a:schemeClr val="bg2">
+                          <a:lumMod val="50000"/>
+                        </a:schemeClr>
+                      </a:solidFill>
+                      <a:prstDash val="solid"/>
+                      <a:round/>
+                      <a:headEnd type="none" w="med" len="med"/>
+                      <a:tailEnd type="none" w="med" len="med"/>
+                    </a:lnT>
+                    <a:lnB w="12700" cap="flat" cmpd="sng" algn="ctr">
+                      <a:solidFill>
+                        <a:schemeClr val="bg2">
+                          <a:lumMod val="50000"/>
+                        </a:schemeClr>
+                      </a:solidFill>
+                      <a:prstDash val="solid"/>
+                      <a:round/>
+                      <a:headEnd type="none" w="med" len="med"/>
+                      <a:tailEnd type="none" w="med" len="med"/>
+                    </a:lnB>
+                    <a:lnTlToBr w="12700" cmpd="sng">
+                      <a:noFill/>
+                      <a:prstDash val="solid"/>
+                    </a:lnTlToBr>
+                    <a:lnBlToTr w="12700" cmpd="sng">
+                      <a:noFill/>
+                      <a:prstDash val="solid"/>
+                    </a:lnBlToTr>
+                    <a:noFill/>
+                  </a:tcPr>
+                </a:tc>
+                <a:tc>
+                  <a:txBody>
+                    <a:bodyPr/>
+                    <a:lstStyle/>
+                    <a:p>
+                      <a:pPr latinLnBrk="1"/>
+                      <a:endParaRPr lang="ko-KR" altLang="en-US"/>
+                    </a:p>
+                  </a:txBody>
+                  <a:tcPr>
+                    <a:lnL w="12700" cap="flat" cmpd="sng" algn="ctr">
+                      <a:solidFill>
+                        <a:schemeClr val="bg2">
+                          <a:lumMod val="50000"/>
+                        </a:schemeClr>
+                      </a:solidFill>
+                      <a:prstDash val="solid"/>
+                      <a:round/>
+                      <a:headEnd type="none" w="med" len="med"/>
+                      <a:tailEnd type="none" w="med" len="med"/>
+                    </a:lnL>
+                    <a:lnR w="12700" cap="flat" cmpd="sng" algn="ctr">
+                      <a:solidFill>
+                        <a:schemeClr val="bg2">
+                          <a:lumMod val="50000"/>
+                        </a:schemeClr>
+                      </a:solidFill>
+                      <a:prstDash val="solid"/>
+                      <a:round/>
+                      <a:headEnd type="none" w="med" len="med"/>
+                      <a:tailEnd type="none" w="med" len="med"/>
+                    </a:lnR>
+                    <a:lnT w="12700" cap="flat" cmpd="sng" algn="ctr">
+                      <a:solidFill>
+                        <a:schemeClr val="bg2">
+                          <a:lumMod val="50000"/>
+                        </a:schemeClr>
+                      </a:solidFill>
+                      <a:prstDash val="solid"/>
+                      <a:round/>
+                      <a:headEnd type="none" w="med" len="med"/>
+                      <a:tailEnd type="none" w="med" len="med"/>
+                    </a:lnT>
+                    <a:lnB w="12700" cap="flat" cmpd="sng" algn="ctr">
+                      <a:solidFill>
+                        <a:schemeClr val="bg2">
+                          <a:lumMod val="50000"/>
+                        </a:schemeClr>
+                      </a:solidFill>
+                      <a:prstDash val="solid"/>
+                      <a:round/>
+                      <a:headEnd type="none" w="med" len="med"/>
+                      <a:tailEnd type="none" w="med" len="med"/>
+                    </a:lnB>
+                    <a:lnTlToBr w="12700" cmpd="sng">
+                      <a:noFill/>
+                      <a:prstDash val="solid"/>
+                    </a:lnTlToBr>
+                    <a:lnBlToTr w="12700" cmpd="sng">
+                      <a:noFill/>
+                      <a:prstDash val="solid"/>
+                    </a:lnBlToTr>
+                    <a:noFill/>
+                  </a:tcPr>
+                </a:tc>
+                <a:tc>
+                  <a:txBody>
+                    <a:bodyPr/>
+                    <a:lstStyle/>
+                    <a:p>
+                      <a:pPr latinLnBrk="1"/>
+                      <a:endParaRPr lang="ko-KR" altLang="en-US" dirty="0"/>
+                    </a:p>
+                  </a:txBody>
+                  <a:tcPr>
+                    <a:lnL w="12700" cap="flat" cmpd="sng" algn="ctr">
+                      <a:solidFill>
+                        <a:schemeClr val="bg2">
+                          <a:lumMod val="50000"/>
+                        </a:schemeClr>
+                      </a:solidFill>
+                      <a:prstDash val="solid"/>
+                      <a:round/>
+                      <a:headEnd type="none" w="med" len="med"/>
+                      <a:tailEnd type="none" w="med" len="med"/>
+                    </a:lnL>
+                    <a:lnR w="12700" cap="flat" cmpd="sng" algn="ctr">
+                      <a:solidFill>
+                        <a:schemeClr val="bg2">
+                          <a:lumMod val="50000"/>
+                        </a:schemeClr>
+                      </a:solidFill>
+                      <a:prstDash val="solid"/>
+                      <a:round/>
+                      <a:headEnd type="none" w="med" len="med"/>
+                      <a:tailEnd type="none" w="med" len="med"/>
+                    </a:lnR>
+                    <a:lnT w="12700" cap="flat" cmpd="sng" algn="ctr">
+                      <a:solidFill>
+                        <a:schemeClr val="bg2">
+                          <a:lumMod val="50000"/>
+                        </a:schemeClr>
+                      </a:solidFill>
+                      <a:prstDash val="solid"/>
+                      <a:round/>
+                      <a:headEnd type="none" w="med" len="med"/>
+                      <a:tailEnd type="none" w="med" len="med"/>
+                    </a:lnT>
+                    <a:lnB w="12700" cap="flat" cmpd="sng" algn="ctr">
+                      <a:solidFill>
+                        <a:schemeClr val="bg2">
+                          <a:lumMod val="50000"/>
+                        </a:schemeClr>
+                      </a:solidFill>
+                      <a:prstDash val="solid"/>
+                      <a:round/>
+                      <a:headEnd type="none" w="med" len="med"/>
+                      <a:tailEnd type="none" w="med" len="med"/>
+                    </a:lnB>
+                    <a:lnTlToBr w="12700" cmpd="sng">
+                      <a:noFill/>
+                      <a:prstDash val="solid"/>
+                    </a:lnTlToBr>
+                    <a:lnBlToTr w="12700" cmpd="sng">
+                      <a:noFill/>
+                      <a:prstDash val="solid"/>
+                    </a:lnBlToTr>
+                    <a:noFill/>
+                  </a:tcPr>
+                </a:tc>
+                <a:tc>
+                  <a:txBody>
+                    <a:bodyPr/>
+                    <a:lstStyle/>
+                    <a:p>
+                      <a:pPr latinLnBrk="1"/>
+                      <a:endParaRPr lang="ko-KR" altLang="en-US"/>
+                    </a:p>
+                  </a:txBody>
+                  <a:tcPr>
+                    <a:lnL w="12700" cap="flat" cmpd="sng" algn="ctr">
+                      <a:solidFill>
+                        <a:schemeClr val="bg2">
+                          <a:lumMod val="50000"/>
+                        </a:schemeClr>
+                      </a:solidFill>
+                      <a:prstDash val="solid"/>
+                      <a:round/>
+                      <a:headEnd type="none" w="med" len="med"/>
+                      <a:tailEnd type="none" w="med" len="med"/>
+                    </a:lnL>
+                    <a:lnR w="12700" cap="flat" cmpd="sng" algn="ctr">
+                      <a:solidFill>
+                        <a:schemeClr val="bg2">
+                          <a:lumMod val="50000"/>
+                        </a:schemeClr>
+                      </a:solidFill>
+                      <a:prstDash val="solid"/>
+                      <a:round/>
+                      <a:headEnd type="none" w="med" len="med"/>
+                      <a:tailEnd type="none" w="med" len="med"/>
+                    </a:lnR>
+                    <a:lnT w="12700" cap="flat" cmpd="sng" algn="ctr">
+                      <a:solidFill>
+                        <a:schemeClr val="bg2">
+                          <a:lumMod val="50000"/>
+                        </a:schemeClr>
+                      </a:solidFill>
+                      <a:prstDash val="solid"/>
+                      <a:round/>
+                      <a:headEnd type="none" w="med" len="med"/>
+                      <a:tailEnd type="none" w="med" len="med"/>
+                    </a:lnT>
+                    <a:lnB w="12700" cap="flat" cmpd="sng" algn="ctr">
+                      <a:solidFill>
+                        <a:schemeClr val="bg2">
+                          <a:lumMod val="50000"/>
+                        </a:schemeClr>
+                      </a:solidFill>
+                      <a:prstDash val="solid"/>
+                      <a:round/>
+                      <a:headEnd type="none" w="med" len="med"/>
+                      <a:tailEnd type="none" w="med" len="med"/>
+                    </a:lnB>
+                    <a:lnTlToBr w="12700" cmpd="sng">
+                      <a:noFill/>
+                      <a:prstDash val="solid"/>
+                    </a:lnTlToBr>
+                    <a:lnBlToTr w="12700" cmpd="sng">
+                      <a:noFill/>
+                      <a:prstDash val="solid"/>
+                    </a:lnBlToTr>
+                    <a:noFill/>
+                  </a:tcPr>
+                </a:tc>
+                <a:tc>
+                  <a:txBody>
+                    <a:bodyPr/>
+                    <a:lstStyle/>
+                    <a:p>
+                      <a:pPr latinLnBrk="1"/>
+                      <a:endParaRPr lang="ko-KR" altLang="en-US"/>
+                    </a:p>
+                  </a:txBody>
+                  <a:tcPr>
+                    <a:lnL w="12700" cap="flat" cmpd="sng" algn="ctr">
+                      <a:solidFill>
+                        <a:schemeClr val="bg2">
+                          <a:lumMod val="50000"/>
+                        </a:schemeClr>
+                      </a:solidFill>
+                      <a:prstDash val="solid"/>
+                      <a:round/>
+                      <a:headEnd type="none" w="med" len="med"/>
+                      <a:tailEnd type="none" w="med" len="med"/>
+                    </a:lnL>
+                    <a:lnR w="12700" cap="flat" cmpd="sng" algn="ctr">
+                      <a:solidFill>
+                        <a:schemeClr val="bg2">
+                          <a:lumMod val="50000"/>
+                        </a:schemeClr>
+                      </a:solidFill>
+                      <a:prstDash val="solid"/>
+                      <a:round/>
+                      <a:headEnd type="none" w="med" len="med"/>
+                      <a:tailEnd type="none" w="med" len="med"/>
+                    </a:lnR>
+                    <a:lnT w="12700" cap="flat" cmpd="sng" algn="ctr">
+                      <a:solidFill>
+                        <a:schemeClr val="bg2">
+                          <a:lumMod val="50000"/>
+                        </a:schemeClr>
+                      </a:solidFill>
+                      <a:prstDash val="solid"/>
+                      <a:round/>
+                      <a:headEnd type="none" w="med" len="med"/>
+                      <a:tailEnd type="none" w="med" len="med"/>
+                    </a:lnT>
+                    <a:lnB w="12700" cap="flat" cmpd="sng" algn="ctr">
+                      <a:solidFill>
+                        <a:schemeClr val="bg2">
+                          <a:lumMod val="50000"/>
+                        </a:schemeClr>
+                      </a:solidFill>
+                      <a:prstDash val="solid"/>
+                      <a:round/>
+                      <a:headEnd type="none" w="med" len="med"/>
+                      <a:tailEnd type="none" w="med" len="med"/>
+                    </a:lnB>
+                    <a:lnTlToBr w="12700" cmpd="sng">
+                      <a:noFill/>
+                      <a:prstDash val="solid"/>
+                    </a:lnTlToBr>
+                    <a:lnBlToTr w="12700" cmpd="sng">
+                      <a:noFill/>
+                      <a:prstDash val="solid"/>
+                    </a:lnBlToTr>
+                    <a:noFill/>
+                  </a:tcPr>
+                </a:tc>
+                <a:tc>
+                  <a:txBody>
+                    <a:bodyPr/>
+                    <a:lstStyle/>
+                    <a:p>
+                      <a:pPr latinLnBrk="1"/>
+                      <a:endParaRPr lang="ko-KR" altLang="en-US" dirty="0"/>
+                    </a:p>
+                  </a:txBody>
+                  <a:tcPr>
+                    <a:lnL w="12700" cap="flat" cmpd="sng" algn="ctr">
+                      <a:solidFill>
+                        <a:schemeClr val="bg2">
+                          <a:lumMod val="50000"/>
+                        </a:schemeClr>
+                      </a:solidFill>
+                      <a:prstDash val="solid"/>
+                      <a:round/>
+                      <a:headEnd type="none" w="med" len="med"/>
+                      <a:tailEnd type="none" w="med" len="med"/>
+                    </a:lnL>
+                    <a:lnR w="12700" cap="flat" cmpd="sng" algn="ctr">
+                      <a:solidFill>
+                        <a:schemeClr val="bg2">
+                          <a:lumMod val="50000"/>
+                        </a:schemeClr>
+                      </a:solidFill>
+                      <a:prstDash val="solid"/>
+                      <a:round/>
+                      <a:headEnd type="none" w="med" len="med"/>
+                      <a:tailEnd type="none" w="med" len="med"/>
+                    </a:lnR>
+                    <a:lnT w="12700" cap="flat" cmpd="sng" algn="ctr">
+                      <a:solidFill>
+                        <a:schemeClr val="bg2">
+                          <a:lumMod val="50000"/>
+                        </a:schemeClr>
+                      </a:solidFill>
+                      <a:prstDash val="solid"/>
+                      <a:round/>
+                      <a:headEnd type="none" w="med" len="med"/>
+                      <a:tailEnd type="none" w="med" len="med"/>
+                    </a:lnT>
+                    <a:lnB w="12700" cap="flat" cmpd="sng" algn="ctr">
+                      <a:solidFill>
+                        <a:schemeClr val="bg2">
+                          <a:lumMod val="50000"/>
+                        </a:schemeClr>
+                      </a:solidFill>
+                      <a:prstDash val="solid"/>
+                      <a:round/>
+                      <a:headEnd type="none" w="med" len="med"/>
+                      <a:tailEnd type="none" w="med" len="med"/>
+                    </a:lnB>
+                    <a:lnTlToBr w="12700" cmpd="sng">
+                      <a:noFill/>
+                      <a:prstDash val="solid"/>
+                    </a:lnTlToBr>
+                    <a:lnBlToTr w="12700" cmpd="sng">
+                      <a:noFill/>
+                      <a:prstDash val="solid"/>
+                    </a:lnBlToTr>
+                    <a:noFill/>
+                  </a:tcPr>
+                </a:tc>
+                <a:tc>
+                  <a:txBody>
+                    <a:bodyPr/>
+                    <a:lstStyle/>
+                    <a:p>
+                      <a:pPr latinLnBrk="1"/>
+                      <a:endParaRPr lang="ko-KR" altLang="en-US" dirty="0"/>
+                    </a:p>
+                  </a:txBody>
+                  <a:tcPr>
+                    <a:lnL w="12700" cap="flat" cmpd="sng" algn="ctr">
+                      <a:solidFill>
+                        <a:schemeClr val="bg2">
+                          <a:lumMod val="50000"/>
+                        </a:schemeClr>
+                      </a:solidFill>
+                      <a:prstDash val="solid"/>
+                      <a:round/>
+                      <a:headEnd type="none" w="med" len="med"/>
+                      <a:tailEnd type="none" w="med" len="med"/>
+                    </a:lnL>
+                    <a:lnR w="12700" cap="flat" cmpd="sng" algn="ctr">
+                      <a:solidFill>
+                        <a:schemeClr val="bg2">
+                          <a:lumMod val="50000"/>
+                        </a:schemeClr>
+                      </a:solidFill>
+                      <a:prstDash val="solid"/>
+                      <a:round/>
+                      <a:headEnd type="none" w="med" len="med"/>
+                      <a:tailEnd type="none" w="med" len="med"/>
+                    </a:lnR>
+                    <a:lnT w="12700" cap="flat" cmpd="sng" algn="ctr">
+                      <a:solidFill>
+                        <a:schemeClr val="bg2">
+                          <a:lumMod val="50000"/>
+                        </a:schemeClr>
+                      </a:solidFill>
+                      <a:prstDash val="solid"/>
+                      <a:round/>
+                      <a:headEnd type="none" w="med" len="med"/>
+                      <a:tailEnd type="none" w="med" len="med"/>
+                    </a:lnT>
+                    <a:lnB w="12700" cap="flat" cmpd="sng" algn="ctr">
+                      <a:solidFill>
+                        <a:schemeClr val="bg2">
+                          <a:lumMod val="50000"/>
+                        </a:schemeClr>
+                      </a:solidFill>
+                      <a:prstDash val="solid"/>
+                      <a:round/>
+                      <a:headEnd type="none" w="med" len="med"/>
+                      <a:tailEnd type="none" w="med" len="med"/>
+                    </a:lnB>
+                    <a:lnTlToBr w="12700" cmpd="sng">
+                      <a:noFill/>
+                      <a:prstDash val="solid"/>
+                    </a:lnTlToBr>
+                    <a:lnBlToTr w="12700" cmpd="sng">
+                      <a:noFill/>
+                      <a:prstDash val="solid"/>
+                    </a:lnBlToTr>
+                    <a:noFill/>
+                  </a:tcPr>
+                </a:tc>
+                <a:tc>
+                  <a:txBody>
+                    <a:bodyPr/>
+                    <a:lstStyle/>
+                    <a:p>
+                      <a:pPr latinLnBrk="1"/>
+                      <a:endParaRPr lang="ko-KR" altLang="en-US" dirty="0"/>
+                    </a:p>
+                  </a:txBody>
+                  <a:tcPr>
+                    <a:lnL w="12700" cap="flat" cmpd="sng" algn="ctr">
+                      <a:solidFill>
+                        <a:schemeClr val="bg2">
+                          <a:lumMod val="50000"/>
+                        </a:schemeClr>
+                      </a:solidFill>
+                      <a:prstDash val="solid"/>
+                      <a:round/>
+                      <a:headEnd type="none" w="med" len="med"/>
+                      <a:tailEnd type="none" w="med" len="med"/>
+                    </a:lnL>
+                    <a:lnR w="12700" cap="flat" cmpd="sng" algn="ctr">
+                      <a:solidFill>
+                        <a:schemeClr val="bg2">
+                          <a:lumMod val="50000"/>
+                        </a:schemeClr>
+                      </a:solidFill>
+                      <a:prstDash val="solid"/>
+                      <a:round/>
+                      <a:headEnd type="none" w="med" len="med"/>
+                      <a:tailEnd type="none" w="med" len="med"/>
+                    </a:lnR>
+                    <a:lnT w="12700" cap="flat" cmpd="sng" algn="ctr">
+                      <a:solidFill>
+                        <a:schemeClr val="bg2">
+                          <a:lumMod val="50000"/>
+                        </a:schemeClr>
+                      </a:solidFill>
+                      <a:prstDash val="solid"/>
+                      <a:round/>
+                      <a:headEnd type="none" w="med" len="med"/>
+                      <a:tailEnd type="none" w="med" len="med"/>
+                    </a:lnT>
+                    <a:lnB w="12700" cap="flat" cmpd="sng" algn="ctr">
+                      <a:solidFill>
+                        <a:schemeClr val="bg2">
+                          <a:lumMod val="50000"/>
+                        </a:schemeClr>
+                      </a:solidFill>
+                      <a:prstDash val="solid"/>
+                      <a:round/>
+                      <a:headEnd type="none" w="med" len="med"/>
+                      <a:tailEnd type="none" w="med" len="med"/>
+                    </a:lnB>
+                    <a:lnTlToBr w="12700" cmpd="sng">
+                      <a:noFill/>
+                      <a:prstDash val="solid"/>
+                    </a:lnTlToBr>
+                    <a:lnBlToTr w="12700" cmpd="sng">
+                      <a:noFill/>
+                      <a:prstDash val="solid"/>
+                    </a:lnBlToTr>
+                    <a:noFill/>
+                  </a:tcPr>
+                </a:tc>
+                <a:extLst>
+                  <a:ext uri="{0D108BD9-81ED-4DB2-BD59-A6C34878D82A}">
+                    <a16:rowId xmlns:a16="http://schemas.microsoft.com/office/drawing/2014/main" val="1603269512"/>
+                  </a:ext>
+                </a:extLst>
+              </a:tr>
+              <a:tr h="507949">
+                <a:tc>
+                  <a:txBody>
+                    <a:bodyPr/>
+                    <a:lstStyle/>
+                    <a:p>
+                      <a:pPr latinLnBrk="1"/>
+                      <a:endParaRPr lang="ko-KR" altLang="en-US" dirty="0"/>
+                    </a:p>
+                  </a:txBody>
+                  <a:tcPr>
+                    <a:lnL w="12700" cap="flat" cmpd="sng" algn="ctr">
+                      <a:solidFill>
+                        <a:schemeClr val="bg2">
+                          <a:lumMod val="50000"/>
+                        </a:schemeClr>
+                      </a:solidFill>
+                      <a:prstDash val="solid"/>
+                      <a:round/>
+                      <a:headEnd type="none" w="med" len="med"/>
+                      <a:tailEnd type="none" w="med" len="med"/>
+                    </a:lnL>
+                    <a:lnR w="12700" cap="flat" cmpd="sng" algn="ctr">
+                      <a:solidFill>
+                        <a:schemeClr val="bg2">
+                          <a:lumMod val="50000"/>
+                        </a:schemeClr>
+                      </a:solidFill>
+                      <a:prstDash val="solid"/>
+                      <a:round/>
+                      <a:headEnd type="none" w="med" len="med"/>
+                      <a:tailEnd type="none" w="med" len="med"/>
+                    </a:lnR>
+                    <a:lnT w="12700" cap="flat" cmpd="sng" algn="ctr">
+                      <a:solidFill>
+                        <a:schemeClr val="bg2">
+                          <a:lumMod val="50000"/>
+                        </a:schemeClr>
+                      </a:solidFill>
+                      <a:prstDash val="solid"/>
+                      <a:round/>
+                      <a:headEnd type="none" w="med" len="med"/>
+                      <a:tailEnd type="none" w="med" len="med"/>
+                    </a:lnT>
+                    <a:lnB w="12700" cap="flat" cmpd="sng" algn="ctr">
+                      <a:solidFill>
+                        <a:schemeClr val="bg2">
+                          <a:lumMod val="50000"/>
+                        </a:schemeClr>
+                      </a:solidFill>
+                      <a:prstDash val="solid"/>
+                      <a:round/>
+                      <a:headEnd type="none" w="med" len="med"/>
+                      <a:tailEnd type="none" w="med" len="med"/>
+                    </a:lnB>
+                    <a:lnTlToBr w="12700" cmpd="sng">
+                      <a:noFill/>
+                      <a:prstDash val="solid"/>
+                    </a:lnTlToBr>
+                    <a:lnBlToTr w="12700" cmpd="sng">
+                      <a:noFill/>
+                      <a:prstDash val="solid"/>
+                    </a:lnBlToTr>
+                    <a:noFill/>
+                  </a:tcPr>
+                </a:tc>
+                <a:tc>
+                  <a:txBody>
+                    <a:bodyPr/>
+                    <a:lstStyle/>
+                    <a:p>
+                      <a:pPr latinLnBrk="1"/>
+                      <a:endParaRPr lang="ko-KR" altLang="en-US" dirty="0"/>
+                    </a:p>
+                  </a:txBody>
+                  <a:tcPr>
+                    <a:lnL w="12700" cap="flat" cmpd="sng" algn="ctr">
+                      <a:solidFill>
+                        <a:schemeClr val="bg2">
+                          <a:lumMod val="50000"/>
+                        </a:schemeClr>
+                      </a:solidFill>
+                      <a:prstDash val="solid"/>
+                      <a:round/>
+                      <a:headEnd type="none" w="med" len="med"/>
+                      <a:tailEnd type="none" w="med" len="med"/>
+                    </a:lnL>
+                    <a:lnR w="12700" cap="flat" cmpd="sng" algn="ctr">
+                      <a:solidFill>
+                        <a:schemeClr val="bg2">
+                          <a:lumMod val="50000"/>
+                        </a:schemeClr>
+                      </a:solidFill>
+                      <a:prstDash val="solid"/>
+                      <a:round/>
+                      <a:headEnd type="none" w="med" len="med"/>
+                      <a:tailEnd type="none" w="med" len="med"/>
+                    </a:lnR>
+                    <a:lnT w="12700" cap="flat" cmpd="sng" algn="ctr">
+                      <a:solidFill>
+                        <a:schemeClr val="bg2">
+                          <a:lumMod val="50000"/>
+                        </a:schemeClr>
+                      </a:solidFill>
+                      <a:prstDash val="solid"/>
+                      <a:round/>
+                      <a:headEnd type="none" w="med" len="med"/>
+                      <a:tailEnd type="none" w="med" len="med"/>
+                    </a:lnT>
+                    <a:lnB w="12700" cap="flat" cmpd="sng" algn="ctr">
+                      <a:solidFill>
+                        <a:schemeClr val="bg2">
+                          <a:lumMod val="50000"/>
+                        </a:schemeClr>
+                      </a:solidFill>
+                      <a:prstDash val="solid"/>
+                      <a:round/>
+                      <a:headEnd type="none" w="med" len="med"/>
+                      <a:tailEnd type="none" w="med" len="med"/>
+                    </a:lnB>
+                    <a:lnTlToBr w="12700" cmpd="sng">
+                      <a:noFill/>
+                      <a:prstDash val="solid"/>
+                    </a:lnTlToBr>
+                    <a:lnBlToTr w="12700" cmpd="sng">
+                      <a:noFill/>
+                      <a:prstDash val="solid"/>
+                    </a:lnBlToTr>
+                    <a:noFill/>
+                  </a:tcPr>
+                </a:tc>
+                <a:tc>
+                  <a:txBody>
+                    <a:bodyPr/>
+                    <a:lstStyle/>
+                    <a:p>
+                      <a:pPr latinLnBrk="1"/>
+                      <a:endParaRPr lang="ko-KR" altLang="en-US" dirty="0"/>
+                    </a:p>
+                  </a:txBody>
+                  <a:tcPr>
+                    <a:lnL w="12700" cap="flat" cmpd="sng" algn="ctr">
+                      <a:solidFill>
+                        <a:schemeClr val="bg2">
+                          <a:lumMod val="50000"/>
+                        </a:schemeClr>
+                      </a:solidFill>
+                      <a:prstDash val="solid"/>
+                      <a:round/>
+                      <a:headEnd type="none" w="med" len="med"/>
+                      <a:tailEnd type="none" w="med" len="med"/>
+                    </a:lnL>
+                    <a:lnR w="12700" cap="flat" cmpd="sng" algn="ctr">
+                      <a:solidFill>
+                        <a:schemeClr val="bg2">
+                          <a:lumMod val="50000"/>
+                        </a:schemeClr>
+                      </a:solidFill>
+                      <a:prstDash val="solid"/>
+                      <a:round/>
+                      <a:headEnd type="none" w="med" len="med"/>
+                      <a:tailEnd type="none" w="med" len="med"/>
+                    </a:lnR>
+                    <a:lnT w="12700" cap="flat" cmpd="sng" algn="ctr">
+                      <a:solidFill>
+                        <a:schemeClr val="bg2">
+                          <a:lumMod val="50000"/>
+                        </a:schemeClr>
+                      </a:solidFill>
+                      <a:prstDash val="solid"/>
+                      <a:round/>
+                      <a:headEnd type="none" w="med" len="med"/>
+                      <a:tailEnd type="none" w="med" len="med"/>
+                    </a:lnT>
+                    <a:lnB w="12700" cap="flat" cmpd="sng" algn="ctr">
+                      <a:solidFill>
+                        <a:schemeClr val="bg2">
+                          <a:lumMod val="50000"/>
+                        </a:schemeClr>
+                      </a:solidFill>
+                      <a:prstDash val="solid"/>
+                      <a:round/>
+                      <a:headEnd type="none" w="med" len="med"/>
+                      <a:tailEnd type="none" w="med" len="med"/>
+                    </a:lnB>
+                    <a:lnTlToBr w="12700" cmpd="sng">
+                      <a:noFill/>
+                      <a:prstDash val="solid"/>
+                    </a:lnTlToBr>
+                    <a:lnBlToTr w="12700" cmpd="sng">
+                      <a:noFill/>
+                      <a:prstDash val="solid"/>
+                    </a:lnBlToTr>
+                    <a:noFill/>
+                  </a:tcPr>
+                </a:tc>
+                <a:tc>
+                  <a:txBody>
+                    <a:bodyPr/>
+                    <a:lstStyle/>
+                    <a:p>
+                      <a:pPr latinLnBrk="1"/>
+                      <a:endParaRPr lang="ko-KR" altLang="en-US" dirty="0"/>
+                    </a:p>
+                  </a:txBody>
+                  <a:tcPr>
+                    <a:lnL w="12700" cap="flat" cmpd="sng" algn="ctr">
+                      <a:solidFill>
+                        <a:schemeClr val="bg2">
+                          <a:lumMod val="50000"/>
+                        </a:schemeClr>
+                      </a:solidFill>
+                      <a:prstDash val="solid"/>
+                      <a:round/>
+                      <a:headEnd type="none" w="med" len="med"/>
+                      <a:tailEnd type="none" w="med" len="med"/>
+                    </a:lnL>
+                    <a:lnR w="12700" cap="flat" cmpd="sng" algn="ctr">
+                      <a:solidFill>
+                        <a:schemeClr val="bg2">
+                          <a:lumMod val="50000"/>
+                        </a:schemeClr>
+                      </a:solidFill>
+                      <a:prstDash val="solid"/>
+                      <a:round/>
+                      <a:headEnd type="none" w="med" len="med"/>
+                      <a:tailEnd type="none" w="med" len="med"/>
+                    </a:lnR>
+                    <a:lnT w="12700" cap="flat" cmpd="sng" algn="ctr">
+                      <a:solidFill>
+                        <a:schemeClr val="bg2">
+                          <a:lumMod val="50000"/>
+                        </a:schemeClr>
+                      </a:solidFill>
+                      <a:prstDash val="solid"/>
+                      <a:round/>
+                      <a:headEnd type="none" w="med" len="med"/>
+                      <a:tailEnd type="none" w="med" len="med"/>
+                    </a:lnT>
+                    <a:lnB w="12700" cap="flat" cmpd="sng" algn="ctr">
+                      <a:solidFill>
+                        <a:schemeClr val="bg2">
+                          <a:lumMod val="50000"/>
+                        </a:schemeClr>
+                      </a:solidFill>
+                      <a:prstDash val="solid"/>
+                      <a:round/>
+                      <a:headEnd type="none" w="med" len="med"/>
+                      <a:tailEnd type="none" w="med" len="med"/>
+                    </a:lnB>
+                    <a:lnTlToBr w="12700" cmpd="sng">
+                      <a:noFill/>
+                      <a:prstDash val="solid"/>
+                    </a:lnTlToBr>
+                    <a:lnBlToTr w="12700" cmpd="sng">
+                      <a:noFill/>
+                      <a:prstDash val="solid"/>
+                    </a:lnBlToTr>
+                    <a:noFill/>
+                  </a:tcPr>
+                </a:tc>
+                <a:tc>
+                  <a:txBody>
+                    <a:bodyPr/>
+                    <a:lstStyle/>
+                    <a:p>
+                      <a:pPr latinLnBrk="1"/>
+                      <a:endParaRPr lang="ko-KR" altLang="en-US" dirty="0"/>
+                    </a:p>
+                  </a:txBody>
+                  <a:tcPr>
+                    <a:lnL w="12700" cap="flat" cmpd="sng" algn="ctr">
+                      <a:solidFill>
+                        <a:schemeClr val="bg2">
+                          <a:lumMod val="50000"/>
+                        </a:schemeClr>
+                      </a:solidFill>
+                      <a:prstDash val="solid"/>
+                      <a:round/>
+                      <a:headEnd type="none" w="med" len="med"/>
+                      <a:tailEnd type="none" w="med" len="med"/>
+                    </a:lnL>
+                    <a:lnR w="12700" cap="flat" cmpd="sng" algn="ctr">
+                      <a:solidFill>
+                        <a:schemeClr val="bg2">
+                          <a:lumMod val="50000"/>
+                        </a:schemeClr>
+                      </a:solidFill>
+                      <a:prstDash val="solid"/>
+                      <a:round/>
+                      <a:headEnd type="none" w="med" len="med"/>
+                      <a:tailEnd type="none" w="med" len="med"/>
+                    </a:lnR>
+                    <a:lnT w="12700" cap="flat" cmpd="sng" algn="ctr">
+                      <a:solidFill>
+                        <a:schemeClr val="bg2">
+                          <a:lumMod val="50000"/>
+                        </a:schemeClr>
+                      </a:solidFill>
+                      <a:prstDash val="solid"/>
+                      <a:round/>
+                      <a:headEnd type="none" w="med" len="med"/>
+                      <a:tailEnd type="none" w="med" len="med"/>
+                    </a:lnT>
+                    <a:lnB w="12700" cap="flat" cmpd="sng" algn="ctr">
+                      <a:solidFill>
+                        <a:schemeClr val="bg2">
+                          <a:lumMod val="50000"/>
+                        </a:schemeClr>
+                      </a:solidFill>
+                      <a:prstDash val="solid"/>
+                      <a:round/>
+                      <a:headEnd type="none" w="med" len="med"/>
+                      <a:tailEnd type="none" w="med" len="med"/>
+                    </a:lnB>
+                    <a:lnTlToBr w="12700" cmpd="sng">
+                      <a:noFill/>
+                      <a:prstDash val="solid"/>
+                    </a:lnTlToBr>
+                    <a:lnBlToTr w="12700" cmpd="sng">
+                      <a:noFill/>
+                      <a:prstDash val="solid"/>
+                    </a:lnBlToTr>
+                    <a:noFill/>
+                  </a:tcPr>
+                </a:tc>
+                <a:tc>
+                  <a:txBody>
+                    <a:bodyPr/>
+                    <a:lstStyle/>
+                    <a:p>
+                      <a:pPr latinLnBrk="1"/>
+                      <a:endParaRPr lang="ko-KR" altLang="en-US" dirty="0"/>
+                    </a:p>
+                  </a:txBody>
+                  <a:tcPr>
+                    <a:lnL w="12700" cap="flat" cmpd="sng" algn="ctr">
+                      <a:solidFill>
+                        <a:schemeClr val="bg2">
+                          <a:lumMod val="50000"/>
+                        </a:schemeClr>
+                      </a:solidFill>
+                      <a:prstDash val="solid"/>
+                      <a:round/>
+                      <a:headEnd type="none" w="med" len="med"/>
+                      <a:tailEnd type="none" w="med" len="med"/>
+                    </a:lnL>
+                    <a:lnR w="12700" cap="flat" cmpd="sng" algn="ctr">
+                      <a:solidFill>
+                        <a:schemeClr val="bg2">
+                          <a:lumMod val="50000"/>
+                        </a:schemeClr>
+                      </a:solidFill>
+                      <a:prstDash val="solid"/>
+                      <a:round/>
+                      <a:headEnd type="none" w="med" len="med"/>
+                      <a:tailEnd type="none" w="med" len="med"/>
+                    </a:lnR>
+                    <a:lnT w="12700" cap="flat" cmpd="sng" algn="ctr">
+                      <a:solidFill>
+                        <a:schemeClr val="bg2">
+                          <a:lumMod val="50000"/>
+                        </a:schemeClr>
+                      </a:solidFill>
+                      <a:prstDash val="solid"/>
+                      <a:round/>
+                      <a:headEnd type="none" w="med" len="med"/>
+                      <a:tailEnd type="none" w="med" len="med"/>
+                    </a:lnT>
+                    <a:lnB w="12700" cap="flat" cmpd="sng" algn="ctr">
+                      <a:solidFill>
+                        <a:schemeClr val="bg2">
+                          <a:lumMod val="50000"/>
+                        </a:schemeClr>
+                      </a:solidFill>
+                      <a:prstDash val="solid"/>
+                      <a:round/>
+                      <a:headEnd type="none" w="med" len="med"/>
+                      <a:tailEnd type="none" w="med" len="med"/>
+                    </a:lnB>
+                    <a:lnTlToBr w="12700" cmpd="sng">
+                      <a:noFill/>
+                      <a:prstDash val="solid"/>
+                    </a:lnTlToBr>
+                    <a:lnBlToTr w="12700" cmpd="sng">
+                      <a:noFill/>
+                      <a:prstDash val="solid"/>
+                    </a:lnBlToTr>
+                    <a:noFill/>
+                  </a:tcPr>
+                </a:tc>
+                <a:tc>
+                  <a:txBody>
+                    <a:bodyPr/>
+                    <a:lstStyle/>
+                    <a:p>
+                      <a:pPr latinLnBrk="1"/>
+                      <a:endParaRPr lang="ko-KR" altLang="en-US" dirty="0"/>
+                    </a:p>
+                  </a:txBody>
+                  <a:tcPr>
+                    <a:lnL w="12700" cap="flat" cmpd="sng" algn="ctr">
+                      <a:solidFill>
+                        <a:schemeClr val="bg2">
+                          <a:lumMod val="50000"/>
+                        </a:schemeClr>
+                      </a:solidFill>
+                      <a:prstDash val="solid"/>
+                      <a:round/>
+                      <a:headEnd type="none" w="med" len="med"/>
+                      <a:tailEnd type="none" w="med" len="med"/>
+                    </a:lnL>
+                    <a:lnR w="12700" cap="flat" cmpd="sng" algn="ctr">
+                      <a:solidFill>
+                        <a:schemeClr val="bg2">
+                          <a:lumMod val="50000"/>
+                        </a:schemeClr>
+                      </a:solidFill>
+                      <a:prstDash val="solid"/>
+                      <a:round/>
+                      <a:headEnd type="none" w="med" len="med"/>
+                      <a:tailEnd type="none" w="med" len="med"/>
+                    </a:lnR>
+                    <a:lnT w="12700" cap="flat" cmpd="sng" algn="ctr">
+                      <a:solidFill>
+                        <a:schemeClr val="bg2">
+                          <a:lumMod val="50000"/>
+                        </a:schemeClr>
+                      </a:solidFill>
+                      <a:prstDash val="solid"/>
+                      <a:round/>
+                      <a:headEnd type="none" w="med" len="med"/>
+                      <a:tailEnd type="none" w="med" len="med"/>
+                    </a:lnT>
+                    <a:lnB w="12700" cap="flat" cmpd="sng" algn="ctr">
+                      <a:solidFill>
+                        <a:schemeClr val="bg2">
+                          <a:lumMod val="50000"/>
+                        </a:schemeClr>
+                      </a:solidFill>
+                      <a:prstDash val="solid"/>
+                      <a:round/>
+                      <a:headEnd type="none" w="med" len="med"/>
+                      <a:tailEnd type="none" w="med" len="med"/>
+                    </a:lnB>
+                    <a:lnTlToBr w="12700" cmpd="sng">
+                      <a:noFill/>
+                      <a:prstDash val="solid"/>
+                    </a:lnTlToBr>
+                    <a:lnBlToTr w="12700" cmpd="sng">
+                      <a:noFill/>
+                      <a:prstDash val="solid"/>
+                    </a:lnBlToTr>
+                    <a:noFill/>
+                  </a:tcPr>
+                </a:tc>
+                <a:tc>
+                  <a:txBody>
+                    <a:bodyPr/>
+                    <a:lstStyle/>
+                    <a:p>
+                      <a:pPr latinLnBrk="1"/>
+                      <a:endParaRPr lang="ko-KR" altLang="en-US" dirty="0"/>
+                    </a:p>
+                  </a:txBody>
+                  <a:tcPr>
+                    <a:lnL w="12700" cap="flat" cmpd="sng" algn="ctr">
+                      <a:solidFill>
+                        <a:schemeClr val="bg2">
+                          <a:lumMod val="50000"/>
+                        </a:schemeClr>
+                      </a:solidFill>
+                      <a:prstDash val="solid"/>
+                      <a:round/>
+                      <a:headEnd type="none" w="med" len="med"/>
+                      <a:tailEnd type="none" w="med" len="med"/>
+                    </a:lnL>
+                    <a:lnR w="12700" cap="flat" cmpd="sng" algn="ctr">
+                      <a:solidFill>
+                        <a:schemeClr val="bg2">
+                          <a:lumMod val="50000"/>
+                        </a:schemeClr>
+                      </a:solidFill>
+                      <a:prstDash val="solid"/>
+                      <a:round/>
+                      <a:headEnd type="none" w="med" len="med"/>
+                      <a:tailEnd type="none" w="med" len="med"/>
+                    </a:lnR>
+                    <a:lnT w="12700" cap="flat" cmpd="sng" algn="ctr">
+                      <a:solidFill>
+                        <a:schemeClr val="bg2">
+                          <a:lumMod val="50000"/>
+                        </a:schemeClr>
+                      </a:solidFill>
+                      <a:prstDash val="solid"/>
+                      <a:round/>
+                      <a:headEnd type="none" w="med" len="med"/>
+                      <a:tailEnd type="none" w="med" len="med"/>
+                    </a:lnT>
+                    <a:lnB w="12700" cap="flat" cmpd="sng" algn="ctr">
+                      <a:solidFill>
+                        <a:schemeClr val="bg2">
+                          <a:lumMod val="50000"/>
+                        </a:schemeClr>
+                      </a:solidFill>
+                      <a:prstDash val="solid"/>
+                      <a:round/>
+                      <a:headEnd type="none" w="med" len="med"/>
+                      <a:tailEnd type="none" w="med" len="med"/>
+                    </a:lnB>
+                    <a:lnTlToBr w="12700" cmpd="sng">
+                      <a:noFill/>
+                      <a:prstDash val="solid"/>
+                    </a:lnTlToBr>
+                    <a:lnBlToTr w="12700" cmpd="sng">
+                      <a:noFill/>
+                      <a:prstDash val="solid"/>
+                    </a:lnBlToTr>
+                    <a:noFill/>
+                  </a:tcPr>
+                </a:tc>
+                <a:tc>
+                  <a:txBody>
+                    <a:bodyPr/>
+                    <a:lstStyle/>
+                    <a:p>
+                      <a:pPr latinLnBrk="1"/>
+                      <a:endParaRPr lang="ko-KR" altLang="en-US" dirty="0"/>
+                    </a:p>
+                  </a:txBody>
+                  <a:tcPr>
+                    <a:lnL w="12700" cap="flat" cmpd="sng" algn="ctr">
+                      <a:solidFill>
+                        <a:schemeClr val="bg2">
+                          <a:lumMod val="50000"/>
+                        </a:schemeClr>
+                      </a:solidFill>
+                      <a:prstDash val="solid"/>
+                      <a:round/>
+                      <a:headEnd type="none" w="med" len="med"/>
+                      <a:tailEnd type="none" w="med" len="med"/>
+                    </a:lnL>
+                    <a:lnR w="12700" cap="flat" cmpd="sng" algn="ctr">
+                      <a:solidFill>
+                        <a:schemeClr val="bg2">
+                          <a:lumMod val="50000"/>
+                        </a:schemeClr>
+                      </a:solidFill>
+                      <a:prstDash val="solid"/>
+                      <a:round/>
+                      <a:headEnd type="none" w="med" len="med"/>
+                      <a:tailEnd type="none" w="med" len="med"/>
+                    </a:lnR>
+                    <a:lnT w="12700" cap="flat" cmpd="sng" algn="ctr">
+                      <a:solidFill>
+                        <a:schemeClr val="bg2">
+                          <a:lumMod val="50000"/>
+                        </a:schemeClr>
+                      </a:solidFill>
+                      <a:prstDash val="solid"/>
+                      <a:round/>
+                      <a:headEnd type="none" w="med" len="med"/>
+                      <a:tailEnd type="none" w="med" len="med"/>
+                    </a:lnT>
+                    <a:lnB w="12700" cap="flat" cmpd="sng" algn="ctr">
+                      <a:solidFill>
+                        <a:schemeClr val="bg2">
+                          <a:lumMod val="50000"/>
+                        </a:schemeClr>
+                      </a:solidFill>
+                      <a:prstDash val="solid"/>
+                      <a:round/>
+                      <a:headEnd type="none" w="med" len="med"/>
+                      <a:tailEnd type="none" w="med" len="med"/>
+                    </a:lnB>
+                    <a:lnTlToBr w="12700" cmpd="sng">
+                      <a:noFill/>
+                      <a:prstDash val="solid"/>
+                    </a:lnTlToBr>
+                    <a:lnBlToTr w="12700" cmpd="sng">
+                      <a:noFill/>
+                      <a:prstDash val="solid"/>
+                    </a:lnBlToTr>
+                    <a:noFill/>
+                  </a:tcPr>
+                </a:tc>
+                <a:tc>
+                  <a:txBody>
+                    <a:bodyPr/>
+                    <a:lstStyle/>
+                    <a:p>
+                      <a:pPr latinLnBrk="1"/>
+                      <a:endParaRPr lang="ko-KR" altLang="en-US" dirty="0"/>
+                    </a:p>
+                  </a:txBody>
+                  <a:tcPr>
+                    <a:lnL w="12700" cap="flat" cmpd="sng" algn="ctr">
+                      <a:solidFill>
+                        <a:schemeClr val="bg2">
+                          <a:lumMod val="50000"/>
+                        </a:schemeClr>
+                      </a:solidFill>
+                      <a:prstDash val="solid"/>
+                      <a:round/>
+                      <a:headEnd type="none" w="med" len="med"/>
+                      <a:tailEnd type="none" w="med" len="med"/>
+                    </a:lnL>
+                    <a:lnR w="12700" cap="flat" cmpd="sng" algn="ctr">
+                      <a:solidFill>
+                        <a:schemeClr val="bg2">
+                          <a:lumMod val="50000"/>
+                        </a:schemeClr>
+                      </a:solidFill>
+                      <a:prstDash val="solid"/>
+                      <a:round/>
+                      <a:headEnd type="none" w="med" len="med"/>
+                      <a:tailEnd type="none" w="med" len="med"/>
+                    </a:lnR>
+                    <a:lnT w="12700" cap="flat" cmpd="sng" algn="ctr">
+                      <a:solidFill>
+                        <a:schemeClr val="bg2">
+                          <a:lumMod val="50000"/>
+                        </a:schemeClr>
+                      </a:solidFill>
+                      <a:prstDash val="solid"/>
+                      <a:round/>
+                      <a:headEnd type="none" w="med" len="med"/>
+                      <a:tailEnd type="none" w="med" len="med"/>
+                    </a:lnT>
+                    <a:lnB w="12700" cap="flat" cmpd="sng" algn="ctr">
+                      <a:solidFill>
+                        <a:schemeClr val="bg2">
+                          <a:lumMod val="50000"/>
+                        </a:schemeClr>
+                      </a:solidFill>
+                      <a:prstDash val="solid"/>
+                      <a:round/>
+                      <a:headEnd type="none" w="med" len="med"/>
+                      <a:tailEnd type="none" w="med" len="med"/>
+                    </a:lnB>
+                    <a:lnTlToBr w="12700" cmpd="sng">
+                      <a:noFill/>
+                      <a:prstDash val="solid"/>
+                    </a:lnTlToBr>
+                    <a:lnBlToTr w="12700" cmpd="sng">
+                      <a:noFill/>
+                      <a:prstDash val="solid"/>
+                    </a:lnBlToTr>
+                    <a:noFill/>
+                  </a:tcPr>
+                </a:tc>
+                <a:tc>
+                  <a:txBody>
+                    <a:bodyPr/>
+                    <a:lstStyle/>
+                    <a:p>
+                      <a:pPr latinLnBrk="1"/>
+                      <a:endParaRPr lang="ko-KR" altLang="en-US" dirty="0"/>
+                    </a:p>
+                  </a:txBody>
+                  <a:tcPr>
+                    <a:lnL w="12700" cap="flat" cmpd="sng" algn="ctr">
+                      <a:solidFill>
+                        <a:schemeClr val="bg2">
+                          <a:lumMod val="50000"/>
+                        </a:schemeClr>
+                      </a:solidFill>
+                      <a:prstDash val="solid"/>
+                      <a:round/>
+                      <a:headEnd type="none" w="med" len="med"/>
+                      <a:tailEnd type="none" w="med" len="med"/>
+                    </a:lnL>
+                    <a:lnR w="12700" cap="flat" cmpd="sng" algn="ctr">
+                      <a:solidFill>
+                        <a:schemeClr val="bg2">
+                          <a:lumMod val="50000"/>
+                        </a:schemeClr>
+                      </a:solidFill>
+                      <a:prstDash val="solid"/>
+                      <a:round/>
+                      <a:headEnd type="none" w="med" len="med"/>
+                      <a:tailEnd type="none" w="med" len="med"/>
+                    </a:lnR>
+                    <a:lnT w="12700" cap="flat" cmpd="sng" algn="ctr">
+                      <a:solidFill>
+                        <a:schemeClr val="bg2">
+                          <a:lumMod val="50000"/>
+                        </a:schemeClr>
+                      </a:solidFill>
+                      <a:prstDash val="solid"/>
+                      <a:round/>
+                      <a:headEnd type="none" w="med" len="med"/>
+                      <a:tailEnd type="none" w="med" len="med"/>
+                    </a:lnT>
+                    <a:lnB w="12700" cap="flat" cmpd="sng" algn="ctr">
+                      <a:solidFill>
+                        <a:schemeClr val="bg2">
+                          <a:lumMod val="50000"/>
+                        </a:schemeClr>
+                      </a:solidFill>
+                      <a:prstDash val="solid"/>
+                      <a:round/>
+                      <a:headEnd type="none" w="med" len="med"/>
+                      <a:tailEnd type="none" w="med" len="med"/>
+                    </a:lnB>
+                    <a:lnTlToBr w="12700" cmpd="sng">
+                      <a:noFill/>
+                      <a:prstDash val="solid"/>
+                    </a:lnTlToBr>
+                    <a:lnBlToTr w="12700" cmpd="sng">
+                      <a:noFill/>
+                      <a:prstDash val="solid"/>
+                    </a:lnBlToTr>
+                    <a:noFill/>
+                  </a:tcPr>
+                </a:tc>
+                <a:tc>
+                  <a:txBody>
+                    <a:bodyPr/>
+                    <a:lstStyle/>
+                    <a:p>
+                      <a:pPr latinLnBrk="1"/>
+                      <a:endParaRPr lang="ko-KR" altLang="en-US" dirty="0"/>
+                    </a:p>
+                  </a:txBody>
+                  <a:tcPr>
+                    <a:lnL w="12700" cap="flat" cmpd="sng" algn="ctr">
+                      <a:solidFill>
+                        <a:schemeClr val="bg2">
+                          <a:lumMod val="50000"/>
+                        </a:schemeClr>
+                      </a:solidFill>
+                      <a:prstDash val="solid"/>
+                      <a:round/>
+                      <a:headEnd type="none" w="med" len="med"/>
+                      <a:tailEnd type="none" w="med" len="med"/>
+                    </a:lnL>
+                    <a:lnR w="12700" cap="flat" cmpd="sng" algn="ctr">
+                      <a:solidFill>
+                        <a:schemeClr val="bg2">
+                          <a:lumMod val="50000"/>
+                        </a:schemeClr>
+                      </a:solidFill>
+                      <a:prstDash val="solid"/>
+                      <a:round/>
+                      <a:headEnd type="none" w="med" len="med"/>
+                      <a:tailEnd type="none" w="med" len="med"/>
+                    </a:lnR>
+                    <a:lnT w="12700" cap="flat" cmpd="sng" algn="ctr">
+                      <a:solidFill>
+                        <a:schemeClr val="bg2">
+                          <a:lumMod val="50000"/>
+                        </a:schemeClr>
+                      </a:solidFill>
+                      <a:prstDash val="solid"/>
+                      <a:round/>
+                      <a:headEnd type="none" w="med" len="med"/>
+                      <a:tailEnd type="none" w="med" len="med"/>
+                    </a:lnT>
+                    <a:lnB w="12700" cap="flat" cmpd="sng" algn="ctr">
+                      <a:solidFill>
+                        <a:schemeClr val="bg2">
+                          <a:lumMod val="50000"/>
+                        </a:schemeClr>
+                      </a:solidFill>
+                      <a:prstDash val="solid"/>
+                      <a:round/>
+                      <a:headEnd type="none" w="med" len="med"/>
+                      <a:tailEnd type="none" w="med" len="med"/>
+                    </a:lnB>
+                    <a:lnTlToBr w="12700" cmpd="sng">
+                      <a:noFill/>
+                      <a:prstDash val="solid"/>
+                    </a:lnTlToBr>
+                    <a:lnBlToTr w="12700" cmpd="sng">
+                      <a:noFill/>
+                      <a:prstDash val="solid"/>
+                    </a:lnBlToTr>
+                    <a:noFill/>
+                  </a:tcPr>
+                </a:tc>
+                <a:extLst>
+                  <a:ext uri="{0D108BD9-81ED-4DB2-BD59-A6C34878D82A}">
+                    <a16:rowId xmlns:a16="http://schemas.microsoft.com/office/drawing/2014/main" val="3247771667"/>
+                  </a:ext>
+                </a:extLst>
+              </a:tr>
+              <a:tr h="507949">
+                <a:tc>
+                  <a:txBody>
+                    <a:bodyPr/>
+                    <a:lstStyle/>
+                    <a:p>
+                      <a:pPr latinLnBrk="1"/>
+                      <a:endParaRPr lang="ko-KR" altLang="en-US"/>
+                    </a:p>
+                  </a:txBody>
+                  <a:tcPr>
+                    <a:lnL w="12700" cap="flat" cmpd="sng" algn="ctr">
+                      <a:solidFill>
+                        <a:schemeClr val="bg2">
+                          <a:lumMod val="50000"/>
+                        </a:schemeClr>
+                      </a:solidFill>
+                      <a:prstDash val="solid"/>
+                      <a:round/>
+                      <a:headEnd type="none" w="med" len="med"/>
+                      <a:tailEnd type="none" w="med" len="med"/>
+                    </a:lnL>
+                    <a:lnR w="12700" cap="flat" cmpd="sng" algn="ctr">
+                      <a:solidFill>
+                        <a:schemeClr val="bg2">
+                          <a:lumMod val="50000"/>
+                        </a:schemeClr>
+                      </a:solidFill>
+                      <a:prstDash val="solid"/>
+                      <a:round/>
+                      <a:headEnd type="none" w="med" len="med"/>
+                      <a:tailEnd type="none" w="med" len="med"/>
+                    </a:lnR>
+                    <a:lnT w="12700" cap="flat" cmpd="sng" algn="ctr">
+                      <a:solidFill>
+                        <a:schemeClr val="bg2">
+                          <a:lumMod val="50000"/>
+                        </a:schemeClr>
+                      </a:solidFill>
+                      <a:prstDash val="solid"/>
+                      <a:round/>
+                      <a:headEnd type="none" w="med" len="med"/>
+                      <a:tailEnd type="none" w="med" len="med"/>
+                    </a:lnT>
+                    <a:lnB w="12700" cap="flat" cmpd="sng" algn="ctr">
+                      <a:solidFill>
+                        <a:schemeClr val="bg2">
+                          <a:lumMod val="50000"/>
+                        </a:schemeClr>
+                      </a:solidFill>
+                      <a:prstDash val="solid"/>
+                      <a:round/>
+                      <a:headEnd type="none" w="med" len="med"/>
+                      <a:tailEnd type="none" w="med" len="med"/>
+                    </a:lnB>
+                    <a:lnTlToBr w="12700" cmpd="sng">
+                      <a:noFill/>
+                      <a:prstDash val="solid"/>
+                    </a:lnTlToBr>
+                    <a:lnBlToTr w="12700" cmpd="sng">
+                      <a:noFill/>
+                      <a:prstDash val="solid"/>
+                    </a:lnBlToTr>
+                    <a:noFill/>
+                  </a:tcPr>
+                </a:tc>
+                <a:tc>
+                  <a:txBody>
+                    <a:bodyPr/>
+                    <a:lstStyle/>
+                    <a:p>
+                      <a:pPr latinLnBrk="1"/>
+                      <a:endParaRPr lang="ko-KR" altLang="en-US"/>
+                    </a:p>
+                  </a:txBody>
+                  <a:tcPr>
+                    <a:lnL w="12700" cap="flat" cmpd="sng" algn="ctr">
+                      <a:solidFill>
+                        <a:schemeClr val="bg2">
+                          <a:lumMod val="50000"/>
+                        </a:schemeClr>
+                      </a:solidFill>
+                      <a:prstDash val="solid"/>
+                      <a:round/>
+                      <a:headEnd type="none" w="med" len="med"/>
+                      <a:tailEnd type="none" w="med" len="med"/>
+                    </a:lnL>
+                    <a:lnR w="12700" cap="flat" cmpd="sng" algn="ctr">
+                      <a:solidFill>
+                        <a:schemeClr val="bg2">
+                          <a:lumMod val="50000"/>
+                        </a:schemeClr>
+                      </a:solidFill>
+                      <a:prstDash val="solid"/>
+                      <a:round/>
+                      <a:headEnd type="none" w="med" len="med"/>
+                      <a:tailEnd type="none" w="med" len="med"/>
+                    </a:lnR>
+                    <a:lnT w="12700" cap="flat" cmpd="sng" algn="ctr">
+                      <a:solidFill>
+                        <a:schemeClr val="bg2">
+                          <a:lumMod val="50000"/>
+                        </a:schemeClr>
+                      </a:solidFill>
+                      <a:prstDash val="solid"/>
+                      <a:round/>
+                      <a:headEnd type="none" w="med" len="med"/>
+                      <a:tailEnd type="none" w="med" len="med"/>
+                    </a:lnT>
+                    <a:lnB w="12700" cap="flat" cmpd="sng" algn="ctr">
+                      <a:solidFill>
+                        <a:schemeClr val="bg2">
+                          <a:lumMod val="50000"/>
+                        </a:schemeClr>
+                      </a:solidFill>
+                      <a:prstDash val="solid"/>
+                      <a:round/>
+                      <a:headEnd type="none" w="med" len="med"/>
+                      <a:tailEnd type="none" w="med" len="med"/>
+                    </a:lnB>
+                    <a:lnTlToBr w="12700" cmpd="sng">
+                      <a:noFill/>
+                      <a:prstDash val="solid"/>
+                    </a:lnTlToBr>
+                    <a:lnBlToTr w="12700" cmpd="sng">
+                      <a:noFill/>
+                      <a:prstDash val="solid"/>
+                    </a:lnBlToTr>
+                    <a:noFill/>
+                  </a:tcPr>
+                </a:tc>
+                <a:tc>
+                  <a:txBody>
+                    <a:bodyPr/>
+                    <a:lstStyle/>
+                    <a:p>
+                      <a:pPr latinLnBrk="1"/>
+                      <a:endParaRPr lang="ko-KR" altLang="en-US" dirty="0"/>
+                    </a:p>
+                  </a:txBody>
+                  <a:tcPr>
+                    <a:lnL w="12700" cap="flat" cmpd="sng" algn="ctr">
+                      <a:solidFill>
+                        <a:schemeClr val="bg2">
+                          <a:lumMod val="50000"/>
+                        </a:schemeClr>
+                      </a:solidFill>
+                      <a:prstDash val="solid"/>
+                      <a:round/>
+                      <a:headEnd type="none" w="med" len="med"/>
+                      <a:tailEnd type="none" w="med" len="med"/>
+                    </a:lnL>
+                    <a:lnR w="12700" cap="flat" cmpd="sng" algn="ctr">
+                      <a:solidFill>
+                        <a:schemeClr val="bg2">
+                          <a:lumMod val="50000"/>
+                        </a:schemeClr>
+                      </a:solidFill>
+                      <a:prstDash val="solid"/>
+                      <a:round/>
+                      <a:headEnd type="none" w="med" len="med"/>
+                      <a:tailEnd type="none" w="med" len="med"/>
+                    </a:lnR>
+                    <a:lnT w="12700" cap="flat" cmpd="sng" algn="ctr">
+                      <a:solidFill>
+                        <a:schemeClr val="bg2">
+                          <a:lumMod val="50000"/>
+                        </a:schemeClr>
+                      </a:solidFill>
+                      <a:prstDash val="solid"/>
+                      <a:round/>
+                      <a:headEnd type="none" w="med" len="med"/>
+                      <a:tailEnd type="none" w="med" len="med"/>
+                    </a:lnT>
+                    <a:lnB w="12700" cap="flat" cmpd="sng" algn="ctr">
+                      <a:solidFill>
+                        <a:schemeClr val="bg2">
+                          <a:lumMod val="50000"/>
+                        </a:schemeClr>
+                      </a:solidFill>
+                      <a:prstDash val="solid"/>
+                      <a:round/>
+                      <a:headEnd type="none" w="med" len="med"/>
+                      <a:tailEnd type="none" w="med" len="med"/>
+                    </a:lnB>
+                    <a:lnTlToBr w="12700" cmpd="sng">
+                      <a:noFill/>
+                      <a:prstDash val="solid"/>
+                    </a:lnTlToBr>
+                    <a:lnBlToTr w="12700" cmpd="sng">
+                      <a:noFill/>
+                      <a:prstDash val="solid"/>
+                    </a:lnBlToTr>
+                    <a:noFill/>
+                  </a:tcPr>
+                </a:tc>
+                <a:tc>
+                  <a:txBody>
+                    <a:bodyPr/>
+                    <a:lstStyle/>
+                    <a:p>
+                      <a:pPr latinLnBrk="1"/>
+                      <a:endParaRPr lang="ko-KR" altLang="en-US" dirty="0"/>
+                    </a:p>
+                  </a:txBody>
+                  <a:tcPr>
+                    <a:lnL w="12700" cap="flat" cmpd="sng" algn="ctr">
+                      <a:solidFill>
+                        <a:schemeClr val="bg2">
+                          <a:lumMod val="50000"/>
+                        </a:schemeClr>
+                      </a:solidFill>
+                      <a:prstDash val="solid"/>
+                      <a:round/>
+                      <a:headEnd type="none" w="med" len="med"/>
+                      <a:tailEnd type="none" w="med" len="med"/>
+                    </a:lnL>
+                    <a:lnR w="12700" cap="flat" cmpd="sng" algn="ctr">
+                      <a:solidFill>
+                        <a:schemeClr val="bg2">
+                          <a:lumMod val="50000"/>
+                        </a:schemeClr>
+                      </a:solidFill>
+                      <a:prstDash val="solid"/>
+                      <a:round/>
+                      <a:headEnd type="none" w="med" len="med"/>
+                      <a:tailEnd type="none" w="med" len="med"/>
+                    </a:lnR>
+                    <a:lnT w="12700" cap="flat" cmpd="sng" algn="ctr">
+                      <a:solidFill>
+                        <a:schemeClr val="bg2">
+                          <a:lumMod val="50000"/>
+                        </a:schemeClr>
+                      </a:solidFill>
+                      <a:prstDash val="solid"/>
+                      <a:round/>
+                      <a:headEnd type="none" w="med" len="med"/>
+                      <a:tailEnd type="none" w="med" len="med"/>
+                    </a:lnT>
+                    <a:lnB w="12700" cap="flat" cmpd="sng" algn="ctr">
+                      <a:solidFill>
+                        <a:schemeClr val="bg2">
+                          <a:lumMod val="50000"/>
+                        </a:schemeClr>
+                      </a:solidFill>
+                      <a:prstDash val="solid"/>
+                      <a:round/>
+                      <a:headEnd type="none" w="med" len="med"/>
+                      <a:tailEnd type="none" w="med" len="med"/>
+                    </a:lnB>
+                    <a:lnTlToBr w="12700" cmpd="sng">
+                      <a:noFill/>
+                      <a:prstDash val="solid"/>
+                    </a:lnTlToBr>
+                    <a:lnBlToTr w="12700" cmpd="sng">
+                      <a:noFill/>
+                      <a:prstDash val="solid"/>
+                    </a:lnBlToTr>
+                    <a:noFill/>
+                  </a:tcPr>
+                </a:tc>
+                <a:tc>
+                  <a:txBody>
+                    <a:bodyPr/>
+                    <a:lstStyle/>
+                    <a:p>
+                      <a:pPr latinLnBrk="1"/>
+                      <a:endParaRPr lang="ko-KR" altLang="en-US" dirty="0"/>
+                    </a:p>
+                  </a:txBody>
+                  <a:tcPr>
+                    <a:lnL w="12700" cap="flat" cmpd="sng" algn="ctr">
+                      <a:solidFill>
+                        <a:schemeClr val="bg2">
+                          <a:lumMod val="50000"/>
+                        </a:schemeClr>
+                      </a:solidFill>
+                      <a:prstDash val="solid"/>
+                      <a:round/>
+                      <a:headEnd type="none" w="med" len="med"/>
+                      <a:tailEnd type="none" w="med" len="med"/>
+                    </a:lnL>
+                    <a:lnR w="12700" cap="flat" cmpd="sng" algn="ctr">
+                      <a:solidFill>
+                        <a:schemeClr val="bg2">
+                          <a:lumMod val="50000"/>
+                        </a:schemeClr>
+                      </a:solidFill>
+                      <a:prstDash val="solid"/>
+                      <a:round/>
+                      <a:headEnd type="none" w="med" len="med"/>
+                      <a:tailEnd type="none" w="med" len="med"/>
+                    </a:lnR>
+                    <a:lnT w="12700" cap="flat" cmpd="sng" algn="ctr">
+                      <a:solidFill>
+                        <a:schemeClr val="bg2">
+                          <a:lumMod val="50000"/>
+                        </a:schemeClr>
+                      </a:solidFill>
+                      <a:prstDash val="solid"/>
+                      <a:round/>
+                      <a:headEnd type="none" w="med" len="med"/>
+                      <a:tailEnd type="none" w="med" len="med"/>
+                    </a:lnT>
+                    <a:lnB w="12700" cap="flat" cmpd="sng" algn="ctr">
+                      <a:solidFill>
+                        <a:schemeClr val="bg2">
+                          <a:lumMod val="50000"/>
+                        </a:schemeClr>
+                      </a:solidFill>
+                      <a:prstDash val="solid"/>
+                      <a:round/>
+                      <a:headEnd type="none" w="med" len="med"/>
+                      <a:tailEnd type="none" w="med" len="med"/>
+                    </a:lnB>
+                    <a:lnTlToBr w="12700" cmpd="sng">
+                      <a:noFill/>
+                      <a:prstDash val="solid"/>
+                    </a:lnTlToBr>
+                    <a:lnBlToTr w="12700" cmpd="sng">
+                      <a:noFill/>
+                      <a:prstDash val="solid"/>
+                    </a:lnBlToTr>
+                    <a:noFill/>
+                  </a:tcPr>
+                </a:tc>
+                <a:tc>
+                  <a:txBody>
+                    <a:bodyPr/>
+                    <a:lstStyle/>
+                    <a:p>
+                      <a:pPr latinLnBrk="1"/>
+                      <a:endParaRPr lang="ko-KR" altLang="en-US" dirty="0"/>
+                    </a:p>
+                  </a:txBody>
+                  <a:tcPr>
+                    <a:lnL w="12700" cap="flat" cmpd="sng" algn="ctr">
+                      <a:solidFill>
+                        <a:schemeClr val="bg2">
+                          <a:lumMod val="50000"/>
+                        </a:schemeClr>
+                      </a:solidFill>
+                      <a:prstDash val="solid"/>
+                      <a:round/>
+                      <a:headEnd type="none" w="med" len="med"/>
+                      <a:tailEnd type="none" w="med" len="med"/>
+                    </a:lnL>
+                    <a:lnR w="12700" cap="flat" cmpd="sng" algn="ctr">
+                      <a:solidFill>
+                        <a:schemeClr val="bg2">
+                          <a:lumMod val="50000"/>
+                        </a:schemeClr>
+                      </a:solidFill>
+                      <a:prstDash val="solid"/>
+                      <a:round/>
+                      <a:headEnd type="none" w="med" len="med"/>
+                      <a:tailEnd type="none" w="med" len="med"/>
+                    </a:lnR>
+                    <a:lnT w="12700" cap="flat" cmpd="sng" algn="ctr">
+                      <a:solidFill>
+                        <a:schemeClr val="bg2">
+                          <a:lumMod val="50000"/>
+                        </a:schemeClr>
+                      </a:solidFill>
+                      <a:prstDash val="solid"/>
+                      <a:round/>
+                      <a:headEnd type="none" w="med" len="med"/>
+                      <a:tailEnd type="none" w="med" len="med"/>
+                    </a:lnT>
+                    <a:lnB w="12700" cap="flat" cmpd="sng" algn="ctr">
+                      <a:solidFill>
+                        <a:schemeClr val="bg2">
+                          <a:lumMod val="50000"/>
+                        </a:schemeClr>
+                      </a:solidFill>
+                      <a:prstDash val="solid"/>
+                      <a:round/>
+                      <a:headEnd type="none" w="med" len="med"/>
+                      <a:tailEnd type="none" w="med" len="med"/>
+                    </a:lnB>
+                    <a:lnTlToBr w="12700" cmpd="sng">
+                      <a:noFill/>
+                      <a:prstDash val="solid"/>
+                    </a:lnTlToBr>
+                    <a:lnBlToTr w="12700" cmpd="sng">
+                      <a:noFill/>
+                      <a:prstDash val="solid"/>
+                    </a:lnBlToTr>
+                    <a:noFill/>
+                  </a:tcPr>
+                </a:tc>
+                <a:tc>
+                  <a:txBody>
+                    <a:bodyPr/>
+                    <a:lstStyle/>
+                    <a:p>
+                      <a:pPr latinLnBrk="1"/>
+                      <a:endParaRPr lang="ko-KR" altLang="en-US" dirty="0"/>
+                    </a:p>
+                  </a:txBody>
+                  <a:tcPr>
+                    <a:lnL w="12700" cap="flat" cmpd="sng" algn="ctr">
+                      <a:solidFill>
+                        <a:schemeClr val="bg2">
+                          <a:lumMod val="50000"/>
+                        </a:schemeClr>
+                      </a:solidFill>
+                      <a:prstDash val="solid"/>
+                      <a:round/>
+                      <a:headEnd type="none" w="med" len="med"/>
+                      <a:tailEnd type="none" w="med" len="med"/>
+                    </a:lnL>
+                    <a:lnR w="12700" cap="flat" cmpd="sng" algn="ctr">
+                      <a:solidFill>
+                        <a:schemeClr val="bg2">
+                          <a:lumMod val="50000"/>
+                        </a:schemeClr>
+                      </a:solidFill>
+                      <a:prstDash val="solid"/>
+                      <a:round/>
+                      <a:headEnd type="none" w="med" len="med"/>
+                      <a:tailEnd type="none" w="med" len="med"/>
+                    </a:lnR>
+                    <a:lnT w="12700" cap="flat" cmpd="sng" algn="ctr">
+                      <a:solidFill>
+                        <a:schemeClr val="bg2">
+                          <a:lumMod val="50000"/>
+                        </a:schemeClr>
+                      </a:solidFill>
+                      <a:prstDash val="solid"/>
+                      <a:round/>
+                      <a:headEnd type="none" w="med" len="med"/>
+                      <a:tailEnd type="none" w="med" len="med"/>
+                    </a:lnT>
+                    <a:lnB w="12700" cap="flat" cmpd="sng" algn="ctr">
+                      <a:solidFill>
+                        <a:schemeClr val="bg2">
+                          <a:lumMod val="50000"/>
+                        </a:schemeClr>
+                      </a:solidFill>
+                      <a:prstDash val="solid"/>
+                      <a:round/>
+                      <a:headEnd type="none" w="med" len="med"/>
+                      <a:tailEnd type="none" w="med" len="med"/>
+                    </a:lnB>
+                    <a:lnTlToBr w="12700" cmpd="sng">
+                      <a:noFill/>
+                      <a:prstDash val="solid"/>
+                    </a:lnTlToBr>
+                    <a:lnBlToTr w="12700" cmpd="sng">
+                      <a:noFill/>
+                      <a:prstDash val="solid"/>
+                    </a:lnBlToTr>
+                    <a:noFill/>
+                  </a:tcPr>
+                </a:tc>
+                <a:tc>
+                  <a:txBody>
+                    <a:bodyPr/>
+                    <a:lstStyle/>
+                    <a:p>
+                      <a:pPr latinLnBrk="1"/>
+                      <a:endParaRPr lang="ko-KR" altLang="en-US" dirty="0"/>
+                    </a:p>
+                  </a:txBody>
+                  <a:tcPr>
+                    <a:lnL w="12700" cap="flat" cmpd="sng" algn="ctr">
+                      <a:solidFill>
+                        <a:schemeClr val="bg2">
+                          <a:lumMod val="50000"/>
+                        </a:schemeClr>
+                      </a:solidFill>
+                      <a:prstDash val="solid"/>
+                      <a:round/>
+                      <a:headEnd type="none" w="med" len="med"/>
+                      <a:tailEnd type="none" w="med" len="med"/>
+                    </a:lnL>
+                    <a:lnR w="12700" cap="flat" cmpd="sng" algn="ctr">
+                      <a:solidFill>
+                        <a:schemeClr val="bg2">
+                          <a:lumMod val="50000"/>
+                        </a:schemeClr>
+                      </a:solidFill>
+                      <a:prstDash val="solid"/>
+                      <a:round/>
+                      <a:headEnd type="none" w="med" len="med"/>
+                      <a:tailEnd type="none" w="med" len="med"/>
+                    </a:lnR>
+                    <a:lnT w="12700" cap="flat" cmpd="sng" algn="ctr">
+                      <a:solidFill>
+                        <a:schemeClr val="bg2">
+                          <a:lumMod val="50000"/>
+                        </a:schemeClr>
+                      </a:solidFill>
+                      <a:prstDash val="solid"/>
+                      <a:round/>
+                      <a:headEnd type="none" w="med" len="med"/>
+                      <a:tailEnd type="none" w="med" len="med"/>
+                    </a:lnT>
+                    <a:lnB w="12700" cap="flat" cmpd="sng" algn="ctr">
+                      <a:solidFill>
+                        <a:schemeClr val="bg2">
+                          <a:lumMod val="50000"/>
+                        </a:schemeClr>
+                      </a:solidFill>
+                      <a:prstDash val="solid"/>
+                      <a:round/>
+                      <a:headEnd type="none" w="med" len="med"/>
+                      <a:tailEnd type="none" w="med" len="med"/>
+                    </a:lnB>
+                    <a:lnTlToBr w="12700" cmpd="sng">
+                      <a:noFill/>
+                      <a:prstDash val="solid"/>
+                    </a:lnTlToBr>
+                    <a:lnBlToTr w="12700" cmpd="sng">
+                      <a:noFill/>
+                      <a:prstDash val="solid"/>
+                    </a:lnBlToTr>
+                    <a:noFill/>
+                  </a:tcPr>
+                </a:tc>
+                <a:tc>
+                  <a:txBody>
+                    <a:bodyPr/>
+                    <a:lstStyle/>
+                    <a:p>
+                      <a:pPr latinLnBrk="1"/>
+                      <a:endParaRPr lang="ko-KR" altLang="en-US" dirty="0"/>
+                    </a:p>
+                  </a:txBody>
+                  <a:tcPr>
+                    <a:lnL w="12700" cap="flat" cmpd="sng" algn="ctr">
+                      <a:solidFill>
+                        <a:schemeClr val="bg2">
+                          <a:lumMod val="50000"/>
+                        </a:schemeClr>
+                      </a:solidFill>
+                      <a:prstDash val="solid"/>
+                      <a:round/>
+                      <a:headEnd type="none" w="med" len="med"/>
+                      <a:tailEnd type="none" w="med" len="med"/>
+                    </a:lnL>
+                    <a:lnR w="12700" cap="flat" cmpd="sng" algn="ctr">
+                      <a:solidFill>
+                        <a:schemeClr val="bg2">
+                          <a:lumMod val="50000"/>
+                        </a:schemeClr>
+                      </a:solidFill>
+                      <a:prstDash val="solid"/>
+                      <a:round/>
+                      <a:headEnd type="none" w="med" len="med"/>
+                      <a:tailEnd type="none" w="med" len="med"/>
+                    </a:lnR>
+                    <a:lnT w="12700" cap="flat" cmpd="sng" algn="ctr">
+                      <a:solidFill>
+                        <a:schemeClr val="bg2">
+                          <a:lumMod val="50000"/>
+                        </a:schemeClr>
+                      </a:solidFill>
+                      <a:prstDash val="solid"/>
+                      <a:round/>
+                      <a:headEnd type="none" w="med" len="med"/>
+                      <a:tailEnd type="none" w="med" len="med"/>
+                    </a:lnT>
+                    <a:lnB w="12700" cap="flat" cmpd="sng" algn="ctr">
+                      <a:solidFill>
+                        <a:schemeClr val="bg2">
+                          <a:lumMod val="50000"/>
+                        </a:schemeClr>
+                      </a:solidFill>
+                      <a:prstDash val="solid"/>
+                      <a:round/>
+                      <a:headEnd type="none" w="med" len="med"/>
+                      <a:tailEnd type="none" w="med" len="med"/>
+                    </a:lnB>
+                    <a:lnTlToBr w="12700" cmpd="sng">
+                      <a:noFill/>
+                      <a:prstDash val="solid"/>
+                    </a:lnTlToBr>
+                    <a:lnBlToTr w="12700" cmpd="sng">
+                      <a:noFill/>
+                      <a:prstDash val="solid"/>
+                    </a:lnBlToTr>
+                    <a:noFill/>
+                  </a:tcPr>
+                </a:tc>
+                <a:tc>
+                  <a:txBody>
+                    <a:bodyPr/>
+                    <a:lstStyle/>
+                    <a:p>
+                      <a:pPr latinLnBrk="1"/>
+                      <a:endParaRPr lang="ko-KR" altLang="en-US"/>
+                    </a:p>
+                  </a:txBody>
+                  <a:tcPr>
+                    <a:lnL w="12700" cap="flat" cmpd="sng" algn="ctr">
+                      <a:solidFill>
+                        <a:schemeClr val="bg2">
+                          <a:lumMod val="50000"/>
+                        </a:schemeClr>
+                      </a:solidFill>
+                      <a:prstDash val="solid"/>
+                      <a:round/>
+                      <a:headEnd type="none" w="med" len="med"/>
+                      <a:tailEnd type="none" w="med" len="med"/>
+                    </a:lnL>
+                    <a:lnR w="12700" cap="flat" cmpd="sng" algn="ctr">
+                      <a:solidFill>
+                        <a:schemeClr val="bg2">
+                          <a:lumMod val="50000"/>
+                        </a:schemeClr>
+                      </a:solidFill>
+                      <a:prstDash val="solid"/>
+                      <a:round/>
+                      <a:headEnd type="none" w="med" len="med"/>
+                      <a:tailEnd type="none" w="med" len="med"/>
+                    </a:lnR>
+                    <a:lnT w="12700" cap="flat" cmpd="sng" algn="ctr">
+                      <a:solidFill>
+                        <a:schemeClr val="bg2">
+                          <a:lumMod val="50000"/>
+                        </a:schemeClr>
+                      </a:solidFill>
+                      <a:prstDash val="solid"/>
+                      <a:round/>
+                      <a:headEnd type="none" w="med" len="med"/>
+                      <a:tailEnd type="none" w="med" len="med"/>
+                    </a:lnT>
+                    <a:lnB w="12700" cap="flat" cmpd="sng" algn="ctr">
+                      <a:solidFill>
+                        <a:schemeClr val="bg2">
+                          <a:lumMod val="50000"/>
+                        </a:schemeClr>
+                      </a:solidFill>
+                      <a:prstDash val="solid"/>
+                      <a:round/>
+                      <a:headEnd type="none" w="med" len="med"/>
+                      <a:tailEnd type="none" w="med" len="med"/>
+                    </a:lnB>
+                    <a:lnTlToBr w="12700" cmpd="sng">
+                      <a:noFill/>
+                      <a:prstDash val="solid"/>
+                    </a:lnTlToBr>
+                    <a:lnBlToTr w="12700" cmpd="sng">
+                      <a:noFill/>
+                      <a:prstDash val="solid"/>
+                    </a:lnBlToTr>
+                    <a:noFill/>
+                  </a:tcPr>
+                </a:tc>
+                <a:tc>
+                  <a:txBody>
+                    <a:bodyPr/>
+                    <a:lstStyle/>
+                    <a:p>
+                      <a:pPr latinLnBrk="1"/>
+                      <a:endParaRPr lang="ko-KR" altLang="en-US"/>
+                    </a:p>
+                  </a:txBody>
+                  <a:tcPr>
+                    <a:lnL w="12700" cap="flat" cmpd="sng" algn="ctr">
+                      <a:solidFill>
+                        <a:schemeClr val="bg2">
+                          <a:lumMod val="50000"/>
+                        </a:schemeClr>
+                      </a:solidFill>
+                      <a:prstDash val="solid"/>
+                      <a:round/>
+                      <a:headEnd type="none" w="med" len="med"/>
+                      <a:tailEnd type="none" w="med" len="med"/>
+                    </a:lnL>
+                    <a:lnR w="12700" cap="flat" cmpd="sng" algn="ctr">
+                      <a:solidFill>
+                        <a:schemeClr val="bg2">
+                          <a:lumMod val="50000"/>
+                        </a:schemeClr>
+                      </a:solidFill>
+                      <a:prstDash val="solid"/>
+                      <a:round/>
+                      <a:headEnd type="none" w="med" len="med"/>
+                      <a:tailEnd type="none" w="med" len="med"/>
+                    </a:lnR>
+                    <a:lnT w="12700" cap="flat" cmpd="sng" algn="ctr">
+                      <a:solidFill>
+                        <a:schemeClr val="bg2">
+                          <a:lumMod val="50000"/>
+                        </a:schemeClr>
+                      </a:solidFill>
+                      <a:prstDash val="solid"/>
+                      <a:round/>
+                      <a:headEnd type="none" w="med" len="med"/>
+                      <a:tailEnd type="none" w="med" len="med"/>
+                    </a:lnT>
+                    <a:lnB w="12700" cap="flat" cmpd="sng" algn="ctr">
+                      <a:solidFill>
+                        <a:schemeClr val="bg2">
+                          <a:lumMod val="50000"/>
+                        </a:schemeClr>
+                      </a:solidFill>
+                      <a:prstDash val="solid"/>
+                      <a:round/>
+                      <a:headEnd type="none" w="med" len="med"/>
+                      <a:tailEnd type="none" w="med" len="med"/>
+                    </a:lnB>
+                    <a:lnTlToBr w="12700" cmpd="sng">
+                      <a:noFill/>
+                      <a:prstDash val="solid"/>
+                    </a:lnTlToBr>
+                    <a:lnBlToTr w="12700" cmpd="sng">
+                      <a:noFill/>
+                      <a:prstDash val="solid"/>
+                    </a:lnBlToTr>
+                    <a:noFill/>
+                  </a:tcPr>
+                </a:tc>
+                <a:tc>
+                  <a:txBody>
+                    <a:bodyPr/>
+                    <a:lstStyle/>
+                    <a:p>
+                      <a:pPr latinLnBrk="1"/>
+                      <a:endParaRPr lang="ko-KR" altLang="en-US" dirty="0"/>
+                    </a:p>
+                  </a:txBody>
+                  <a:tcPr>
+                    <a:lnL w="12700" cap="flat" cmpd="sng" algn="ctr">
+                      <a:solidFill>
+                        <a:schemeClr val="bg2">
+                          <a:lumMod val="50000"/>
+                        </a:schemeClr>
+                      </a:solidFill>
+                      <a:prstDash val="solid"/>
+                      <a:round/>
+                      <a:headEnd type="none" w="med" len="med"/>
+                      <a:tailEnd type="none" w="med" len="med"/>
+                    </a:lnL>
+                    <a:lnR w="12700" cap="flat" cmpd="sng" algn="ctr">
+                      <a:solidFill>
+                        <a:schemeClr val="bg2">
+                          <a:lumMod val="50000"/>
+                        </a:schemeClr>
+                      </a:solidFill>
+                      <a:prstDash val="solid"/>
+                      <a:round/>
+                      <a:headEnd type="none" w="med" len="med"/>
+                      <a:tailEnd type="none" w="med" len="med"/>
+                    </a:lnR>
+                    <a:lnT w="12700" cap="flat" cmpd="sng" algn="ctr">
+                      <a:solidFill>
+                        <a:schemeClr val="bg2">
+                          <a:lumMod val="50000"/>
+                        </a:schemeClr>
+                      </a:solidFill>
+                      <a:prstDash val="solid"/>
+                      <a:round/>
+                      <a:headEnd type="none" w="med" len="med"/>
+                      <a:tailEnd type="none" w="med" len="med"/>
+                    </a:lnT>
+                    <a:lnB w="12700" cap="flat" cmpd="sng" algn="ctr">
+                      <a:solidFill>
+                        <a:schemeClr val="bg2">
+                          <a:lumMod val="50000"/>
+                        </a:schemeClr>
+                      </a:solidFill>
+                      <a:prstDash val="solid"/>
+                      <a:round/>
+                      <a:headEnd type="none" w="med" len="med"/>
+                      <a:tailEnd type="none" w="med" len="med"/>
+                    </a:lnB>
+                    <a:lnTlToBr w="12700" cmpd="sng">
+                      <a:noFill/>
+                      <a:prstDash val="solid"/>
+                    </a:lnTlToBr>
+                    <a:lnBlToTr w="12700" cmpd="sng">
+                      <a:noFill/>
+                      <a:prstDash val="solid"/>
+                    </a:lnBlToTr>
+                    <a:noFill/>
+                  </a:tcPr>
+                </a:tc>
+                <a:extLst>
+                  <a:ext uri="{0D108BD9-81ED-4DB2-BD59-A6C34878D82A}">
+                    <a16:rowId xmlns:a16="http://schemas.microsoft.com/office/drawing/2014/main" val="405982906"/>
+                  </a:ext>
+                </a:extLst>
+              </a:tr>
+              <a:tr h="507949">
+                <a:tc>
+                  <a:txBody>
+                    <a:bodyPr/>
+                    <a:lstStyle/>
+                    <a:p>
+                      <a:pPr latinLnBrk="1"/>
+                      <a:endParaRPr lang="ko-KR" altLang="en-US"/>
+                    </a:p>
+                  </a:txBody>
+                  <a:tcPr>
+                    <a:lnL w="12700" cap="flat" cmpd="sng" algn="ctr">
+                      <a:solidFill>
+                        <a:schemeClr val="bg2">
+                          <a:lumMod val="50000"/>
+                        </a:schemeClr>
+                      </a:solidFill>
+                      <a:prstDash val="solid"/>
+                      <a:round/>
+                      <a:headEnd type="none" w="med" len="med"/>
+                      <a:tailEnd type="none" w="med" len="med"/>
+                    </a:lnL>
+                    <a:lnR w="12700" cap="flat" cmpd="sng" algn="ctr">
+                      <a:solidFill>
+                        <a:schemeClr val="bg2">
+                          <a:lumMod val="50000"/>
+                        </a:schemeClr>
+                      </a:solidFill>
+                      <a:prstDash val="solid"/>
+                      <a:round/>
+                      <a:headEnd type="none" w="med" len="med"/>
+                      <a:tailEnd type="none" w="med" len="med"/>
+                    </a:lnR>
+                    <a:lnT w="12700" cap="flat" cmpd="sng" algn="ctr">
+                      <a:solidFill>
+                        <a:schemeClr val="bg2">
+                          <a:lumMod val="50000"/>
+                        </a:schemeClr>
+                      </a:solidFill>
+                      <a:prstDash val="solid"/>
+                      <a:round/>
+                      <a:headEnd type="none" w="med" len="med"/>
+                      <a:tailEnd type="none" w="med" len="med"/>
+                    </a:lnT>
+                    <a:lnB w="12700" cap="flat" cmpd="sng" algn="ctr">
+                      <a:solidFill>
+                        <a:schemeClr val="bg2">
+                          <a:lumMod val="50000"/>
+                        </a:schemeClr>
+                      </a:solidFill>
+                      <a:prstDash val="solid"/>
+                      <a:round/>
+                      <a:headEnd type="none" w="med" len="med"/>
+                      <a:tailEnd type="none" w="med" len="med"/>
+                    </a:lnB>
+                    <a:lnTlToBr w="12700" cmpd="sng">
+                      <a:noFill/>
+                      <a:prstDash val="solid"/>
+                    </a:lnTlToBr>
+                    <a:lnBlToTr w="12700" cmpd="sng">
+                      <a:noFill/>
+                      <a:prstDash val="solid"/>
+                    </a:lnBlToTr>
+                    <a:noFill/>
+                  </a:tcPr>
+                </a:tc>
+                <a:tc>
+                  <a:txBody>
+                    <a:bodyPr/>
+                    <a:lstStyle/>
+                    <a:p>
+                      <a:pPr latinLnBrk="1"/>
+                      <a:endParaRPr lang="ko-KR" altLang="en-US"/>
+                    </a:p>
+                  </a:txBody>
+                  <a:tcPr>
+                    <a:lnL w="12700" cap="flat" cmpd="sng" algn="ctr">
+                      <a:solidFill>
+                        <a:schemeClr val="bg2">
+                          <a:lumMod val="50000"/>
+                        </a:schemeClr>
+                      </a:solidFill>
+                      <a:prstDash val="solid"/>
+                      <a:round/>
+                      <a:headEnd type="none" w="med" len="med"/>
+                      <a:tailEnd type="none" w="med" len="med"/>
+                    </a:lnL>
+                    <a:lnR w="12700" cap="flat" cmpd="sng" algn="ctr">
+                      <a:solidFill>
+                        <a:schemeClr val="bg2">
+                          <a:lumMod val="50000"/>
+                        </a:schemeClr>
+                      </a:solidFill>
+                      <a:prstDash val="solid"/>
+                      <a:round/>
+                      <a:headEnd type="none" w="med" len="med"/>
+                      <a:tailEnd type="none" w="med" len="med"/>
+                    </a:lnR>
+                    <a:lnT w="12700" cap="flat" cmpd="sng" algn="ctr">
+                      <a:solidFill>
+                        <a:schemeClr val="bg2">
+                          <a:lumMod val="50000"/>
+                        </a:schemeClr>
+                      </a:solidFill>
+                      <a:prstDash val="solid"/>
+                      <a:round/>
+                      <a:headEnd type="none" w="med" len="med"/>
+                      <a:tailEnd type="none" w="med" len="med"/>
+                    </a:lnT>
+                    <a:lnB w="12700" cap="flat" cmpd="sng" algn="ctr">
+                      <a:solidFill>
+                        <a:schemeClr val="bg2">
+                          <a:lumMod val="50000"/>
+                        </a:schemeClr>
+                      </a:solidFill>
+                      <a:prstDash val="solid"/>
+                      <a:round/>
+                      <a:headEnd type="none" w="med" len="med"/>
+                      <a:tailEnd type="none" w="med" len="med"/>
+                    </a:lnB>
+                    <a:lnTlToBr w="12700" cmpd="sng">
+                      <a:noFill/>
+                      <a:prstDash val="solid"/>
+                    </a:lnTlToBr>
+                    <a:lnBlToTr w="12700" cmpd="sng">
+                      <a:noFill/>
+                      <a:prstDash val="solid"/>
+                    </a:lnBlToTr>
+                    <a:noFill/>
+                  </a:tcPr>
+                </a:tc>
+                <a:tc>
+                  <a:txBody>
+                    <a:bodyPr/>
+                    <a:lstStyle/>
+                    <a:p>
+                      <a:pPr latinLnBrk="1"/>
+                      <a:endParaRPr lang="ko-KR" altLang="en-US" dirty="0"/>
+                    </a:p>
+                  </a:txBody>
+                  <a:tcPr>
+                    <a:lnL w="12700" cap="flat" cmpd="sng" algn="ctr">
+                      <a:solidFill>
+                        <a:schemeClr val="bg2">
+                          <a:lumMod val="50000"/>
+                        </a:schemeClr>
+                      </a:solidFill>
+                      <a:prstDash val="solid"/>
+                      <a:round/>
+                      <a:headEnd type="none" w="med" len="med"/>
+                      <a:tailEnd type="none" w="med" len="med"/>
+                    </a:lnL>
+                    <a:lnR w="12700" cap="flat" cmpd="sng" algn="ctr">
+                      <a:solidFill>
+                        <a:schemeClr val="bg2">
+                          <a:lumMod val="50000"/>
+                        </a:schemeClr>
+                      </a:solidFill>
+                      <a:prstDash val="solid"/>
+                      <a:round/>
+                      <a:headEnd type="none" w="med" len="med"/>
+                      <a:tailEnd type="none" w="med" len="med"/>
+                    </a:lnR>
+                    <a:lnT w="12700" cap="flat" cmpd="sng" algn="ctr">
+                      <a:solidFill>
+                        <a:schemeClr val="bg2">
+                          <a:lumMod val="50000"/>
+                        </a:schemeClr>
+                      </a:solidFill>
+                      <a:prstDash val="solid"/>
+                      <a:round/>
+                      <a:headEnd type="none" w="med" len="med"/>
+                      <a:tailEnd type="none" w="med" len="med"/>
+                    </a:lnT>
+                    <a:lnB w="12700" cap="flat" cmpd="sng" algn="ctr">
+                      <a:solidFill>
+                        <a:schemeClr val="bg2">
+                          <a:lumMod val="50000"/>
+                        </a:schemeClr>
+                      </a:solidFill>
+                      <a:prstDash val="solid"/>
+                      <a:round/>
+                      <a:headEnd type="none" w="med" len="med"/>
+                      <a:tailEnd type="none" w="med" len="med"/>
+                    </a:lnB>
+                    <a:lnTlToBr w="12700" cmpd="sng">
+                      <a:noFill/>
+                      <a:prstDash val="solid"/>
+                    </a:lnTlToBr>
+                    <a:lnBlToTr w="12700" cmpd="sng">
+                      <a:noFill/>
+                      <a:prstDash val="solid"/>
+                    </a:lnBlToTr>
+                    <a:noFill/>
+                  </a:tcPr>
+                </a:tc>
+                <a:tc>
+                  <a:txBody>
+                    <a:bodyPr/>
+                    <a:lstStyle/>
+                    <a:p>
+                      <a:pPr latinLnBrk="1"/>
+                      <a:endParaRPr lang="ko-KR" altLang="en-US"/>
+                    </a:p>
+                  </a:txBody>
+                  <a:tcPr>
+                    <a:lnL w="12700" cap="flat" cmpd="sng" algn="ctr">
+                      <a:solidFill>
+                        <a:schemeClr val="bg2">
+                          <a:lumMod val="50000"/>
+                        </a:schemeClr>
+                      </a:solidFill>
+                      <a:prstDash val="solid"/>
+                      <a:round/>
+                      <a:headEnd type="none" w="med" len="med"/>
+                      <a:tailEnd type="none" w="med" len="med"/>
+                    </a:lnL>
+                    <a:lnR w="12700" cap="flat" cmpd="sng" algn="ctr">
+                      <a:solidFill>
+                        <a:schemeClr val="bg2">
+                          <a:lumMod val="50000"/>
+                        </a:schemeClr>
+                      </a:solidFill>
+                      <a:prstDash val="solid"/>
+                      <a:round/>
+                      <a:headEnd type="none" w="med" len="med"/>
+                      <a:tailEnd type="none" w="med" len="med"/>
+                    </a:lnR>
+                    <a:lnT w="12700" cap="flat" cmpd="sng" algn="ctr">
+                      <a:solidFill>
+                        <a:schemeClr val="bg2">
+                          <a:lumMod val="50000"/>
+                        </a:schemeClr>
+                      </a:solidFill>
+                      <a:prstDash val="solid"/>
+                      <a:round/>
+                      <a:headEnd type="none" w="med" len="med"/>
+                      <a:tailEnd type="none" w="med" len="med"/>
+                    </a:lnT>
+                    <a:lnB w="12700" cap="flat" cmpd="sng" algn="ctr">
+                      <a:solidFill>
+                        <a:schemeClr val="bg2">
+                          <a:lumMod val="50000"/>
+                        </a:schemeClr>
+                      </a:solidFill>
+                      <a:prstDash val="solid"/>
+                      <a:round/>
+                      <a:headEnd type="none" w="med" len="med"/>
+                      <a:tailEnd type="none" w="med" len="med"/>
+                    </a:lnB>
+                    <a:lnTlToBr w="12700" cmpd="sng">
+                      <a:noFill/>
+                      <a:prstDash val="solid"/>
+                    </a:lnTlToBr>
+                    <a:lnBlToTr w="12700" cmpd="sng">
+                      <a:noFill/>
+                      <a:prstDash val="solid"/>
+                    </a:lnBlToTr>
+                    <a:noFill/>
+                  </a:tcPr>
+                </a:tc>
+                <a:tc>
+                  <a:txBody>
+                    <a:bodyPr/>
+                    <a:lstStyle/>
+                    <a:p>
+                      <a:pPr latinLnBrk="1"/>
+                      <a:endParaRPr lang="ko-KR" altLang="en-US" dirty="0"/>
+                    </a:p>
+                  </a:txBody>
+                  <a:tcPr>
+                    <a:lnL w="12700" cap="flat" cmpd="sng" algn="ctr">
+                      <a:solidFill>
+                        <a:schemeClr val="bg2">
+                          <a:lumMod val="50000"/>
+                        </a:schemeClr>
+                      </a:solidFill>
+                      <a:prstDash val="solid"/>
+                      <a:round/>
+                      <a:headEnd type="none" w="med" len="med"/>
+                      <a:tailEnd type="none" w="med" len="med"/>
+                    </a:lnL>
+                    <a:lnR w="12700" cap="flat" cmpd="sng" algn="ctr">
+                      <a:solidFill>
+                        <a:schemeClr val="bg2">
+                          <a:lumMod val="50000"/>
+                        </a:schemeClr>
+                      </a:solidFill>
+                      <a:prstDash val="solid"/>
+                      <a:round/>
+                      <a:headEnd type="none" w="med" len="med"/>
+                      <a:tailEnd type="none" w="med" len="med"/>
+                    </a:lnR>
+                    <a:lnT w="12700" cap="flat" cmpd="sng" algn="ctr">
+                      <a:solidFill>
+                        <a:schemeClr val="bg2">
+                          <a:lumMod val="50000"/>
+                        </a:schemeClr>
+                      </a:solidFill>
+                      <a:prstDash val="solid"/>
+                      <a:round/>
+                      <a:headEnd type="none" w="med" len="med"/>
+                      <a:tailEnd type="none" w="med" len="med"/>
+                    </a:lnT>
+                    <a:lnB w="12700" cap="flat" cmpd="sng" algn="ctr">
+                      <a:solidFill>
+                        <a:schemeClr val="bg2">
+                          <a:lumMod val="50000"/>
+                        </a:schemeClr>
+                      </a:solidFill>
+                      <a:prstDash val="solid"/>
+                      <a:round/>
+                      <a:headEnd type="none" w="med" len="med"/>
+                      <a:tailEnd type="none" w="med" len="med"/>
+                    </a:lnB>
+                    <a:lnTlToBr w="12700" cmpd="sng">
+                      <a:noFill/>
+                      <a:prstDash val="solid"/>
+                    </a:lnTlToBr>
+                    <a:lnBlToTr w="12700" cmpd="sng">
+                      <a:noFill/>
+                      <a:prstDash val="solid"/>
+                    </a:lnBlToTr>
+                    <a:noFill/>
+                  </a:tcPr>
+                </a:tc>
+                <a:tc>
+                  <a:txBody>
+                    <a:bodyPr/>
+                    <a:lstStyle/>
+                    <a:p>
+                      <a:pPr latinLnBrk="1"/>
+                      <a:endParaRPr lang="ko-KR" altLang="en-US" dirty="0"/>
+                    </a:p>
+                  </a:txBody>
+                  <a:tcPr>
+                    <a:lnL w="12700" cap="flat" cmpd="sng" algn="ctr">
+                      <a:solidFill>
+                        <a:schemeClr val="bg2">
+                          <a:lumMod val="50000"/>
+                        </a:schemeClr>
+                      </a:solidFill>
+                      <a:prstDash val="solid"/>
+                      <a:round/>
+                      <a:headEnd type="none" w="med" len="med"/>
+                      <a:tailEnd type="none" w="med" len="med"/>
+                    </a:lnL>
+                    <a:lnR w="12700" cap="flat" cmpd="sng" algn="ctr">
+                      <a:solidFill>
+                        <a:schemeClr val="bg2">
+                          <a:lumMod val="50000"/>
+                        </a:schemeClr>
+                      </a:solidFill>
+                      <a:prstDash val="solid"/>
+                      <a:round/>
+                      <a:headEnd type="none" w="med" len="med"/>
+                      <a:tailEnd type="none" w="med" len="med"/>
+                    </a:lnR>
+                    <a:lnT w="12700" cap="flat" cmpd="sng" algn="ctr">
+                      <a:solidFill>
+                        <a:schemeClr val="bg2">
+                          <a:lumMod val="50000"/>
+                        </a:schemeClr>
+                      </a:solidFill>
+                      <a:prstDash val="solid"/>
+                      <a:round/>
+                      <a:headEnd type="none" w="med" len="med"/>
+                      <a:tailEnd type="none" w="med" len="med"/>
+                    </a:lnT>
+                    <a:lnB w="12700" cap="flat" cmpd="sng" algn="ctr">
+                      <a:solidFill>
+                        <a:schemeClr val="bg2">
+                          <a:lumMod val="50000"/>
+                        </a:schemeClr>
+                      </a:solidFill>
+                      <a:prstDash val="solid"/>
+                      <a:round/>
+                      <a:headEnd type="none" w="med" len="med"/>
+                      <a:tailEnd type="none" w="med" len="med"/>
+                    </a:lnB>
+                    <a:lnTlToBr w="12700" cmpd="sng">
+                      <a:noFill/>
+                      <a:prstDash val="solid"/>
+                    </a:lnTlToBr>
+                    <a:lnBlToTr w="12700" cmpd="sng">
+                      <a:noFill/>
+                      <a:prstDash val="solid"/>
+                    </a:lnBlToTr>
+                    <a:noFill/>
+                  </a:tcPr>
+                </a:tc>
+                <a:tc>
+                  <a:txBody>
+                    <a:bodyPr/>
+                    <a:lstStyle/>
+                    <a:p>
+                      <a:pPr latinLnBrk="1"/>
+                      <a:endParaRPr lang="ko-KR" altLang="en-US" dirty="0"/>
+                    </a:p>
+                  </a:txBody>
+                  <a:tcPr>
+                    <a:lnL w="12700" cap="flat" cmpd="sng" algn="ctr">
+                      <a:solidFill>
+                        <a:schemeClr val="bg2">
+                          <a:lumMod val="50000"/>
+                        </a:schemeClr>
+                      </a:solidFill>
+                      <a:prstDash val="solid"/>
+                      <a:round/>
+                      <a:headEnd type="none" w="med" len="med"/>
+                      <a:tailEnd type="none" w="med" len="med"/>
+                    </a:lnL>
+                    <a:lnR w="12700" cap="flat" cmpd="sng" algn="ctr">
+                      <a:solidFill>
+                        <a:schemeClr val="bg2">
+                          <a:lumMod val="50000"/>
+                        </a:schemeClr>
+                      </a:solidFill>
+                      <a:prstDash val="solid"/>
+                      <a:round/>
+                      <a:headEnd type="none" w="med" len="med"/>
+                      <a:tailEnd type="none" w="med" len="med"/>
+                    </a:lnR>
+                    <a:lnT w="12700" cap="flat" cmpd="sng" algn="ctr">
+                      <a:solidFill>
+                        <a:schemeClr val="bg2">
+                          <a:lumMod val="50000"/>
+                        </a:schemeClr>
+                      </a:solidFill>
+                      <a:prstDash val="solid"/>
+                      <a:round/>
+                      <a:headEnd type="none" w="med" len="med"/>
+                      <a:tailEnd type="none" w="med" len="med"/>
+                    </a:lnT>
+                    <a:lnB w="12700" cap="flat" cmpd="sng" algn="ctr">
+                      <a:solidFill>
+                        <a:schemeClr val="bg2">
+                          <a:lumMod val="50000"/>
+                        </a:schemeClr>
+                      </a:solidFill>
+                      <a:prstDash val="solid"/>
+                      <a:round/>
+                      <a:headEnd type="none" w="med" len="med"/>
+                      <a:tailEnd type="none" w="med" len="med"/>
+                    </a:lnB>
+                    <a:lnTlToBr w="12700" cmpd="sng">
+                      <a:noFill/>
+                      <a:prstDash val="solid"/>
+                    </a:lnTlToBr>
+                    <a:lnBlToTr w="12700" cmpd="sng">
+                      <a:noFill/>
+                      <a:prstDash val="solid"/>
+                    </a:lnBlToTr>
+                    <a:noFill/>
+                  </a:tcPr>
+                </a:tc>
+                <a:tc>
+                  <a:txBody>
+                    <a:bodyPr/>
+                    <a:lstStyle/>
+                    <a:p>
+                      <a:pPr latinLnBrk="1"/>
+                      <a:endParaRPr lang="ko-KR" altLang="en-US"/>
+                    </a:p>
+                  </a:txBody>
+                  <a:tcPr>
+                    <a:lnL w="12700" cap="flat" cmpd="sng" algn="ctr">
+                      <a:solidFill>
+                        <a:schemeClr val="bg2">
+                          <a:lumMod val="50000"/>
+                        </a:schemeClr>
+                      </a:solidFill>
+                      <a:prstDash val="solid"/>
+                      <a:round/>
+                      <a:headEnd type="none" w="med" len="med"/>
+                      <a:tailEnd type="none" w="med" len="med"/>
+                    </a:lnL>
+                    <a:lnR w="12700" cap="flat" cmpd="sng" algn="ctr">
+                      <a:solidFill>
+                        <a:schemeClr val="bg2">
+                          <a:lumMod val="50000"/>
+                        </a:schemeClr>
+                      </a:solidFill>
+                      <a:prstDash val="solid"/>
+                      <a:round/>
+                      <a:headEnd type="none" w="med" len="med"/>
+                      <a:tailEnd type="none" w="med" len="med"/>
+                    </a:lnR>
+                    <a:lnT w="12700" cap="flat" cmpd="sng" algn="ctr">
+                      <a:solidFill>
+                        <a:schemeClr val="bg2">
+                          <a:lumMod val="50000"/>
+                        </a:schemeClr>
+                      </a:solidFill>
+                      <a:prstDash val="solid"/>
+                      <a:round/>
+                      <a:headEnd type="none" w="med" len="med"/>
+                      <a:tailEnd type="none" w="med" len="med"/>
+                    </a:lnT>
+                    <a:lnB w="12700" cap="flat" cmpd="sng" algn="ctr">
+                      <a:solidFill>
+                        <a:schemeClr val="bg2">
+                          <a:lumMod val="50000"/>
+                        </a:schemeClr>
+                      </a:solidFill>
+                      <a:prstDash val="solid"/>
+                      <a:round/>
+                      <a:headEnd type="none" w="med" len="med"/>
+                      <a:tailEnd type="none" w="med" len="med"/>
+                    </a:lnB>
+                    <a:lnTlToBr w="12700" cmpd="sng">
+                      <a:noFill/>
+                      <a:prstDash val="solid"/>
+                    </a:lnTlToBr>
+                    <a:lnBlToTr w="12700" cmpd="sng">
+                      <a:noFill/>
+                      <a:prstDash val="solid"/>
+                    </a:lnBlToTr>
+                    <a:noFill/>
+                  </a:tcPr>
+                </a:tc>
+                <a:tc>
+                  <a:txBody>
+                    <a:bodyPr/>
+                    <a:lstStyle/>
+                    <a:p>
+                      <a:pPr latinLnBrk="1"/>
+                      <a:endParaRPr lang="ko-KR" altLang="en-US" dirty="0"/>
+                    </a:p>
+                  </a:txBody>
+                  <a:tcPr>
+                    <a:lnL w="12700" cap="flat" cmpd="sng" algn="ctr">
+                      <a:solidFill>
+                        <a:schemeClr val="bg2">
+                          <a:lumMod val="50000"/>
+                        </a:schemeClr>
+                      </a:solidFill>
+                      <a:prstDash val="solid"/>
+                      <a:round/>
+                      <a:headEnd type="none" w="med" len="med"/>
+                      <a:tailEnd type="none" w="med" len="med"/>
+                    </a:lnL>
+                    <a:lnR w="12700" cap="flat" cmpd="sng" algn="ctr">
+                      <a:solidFill>
+                        <a:schemeClr val="bg2">
+                          <a:lumMod val="50000"/>
+                        </a:schemeClr>
+                      </a:solidFill>
+                      <a:prstDash val="solid"/>
+                      <a:round/>
+                      <a:headEnd type="none" w="med" len="med"/>
+                      <a:tailEnd type="none" w="med" len="med"/>
+                    </a:lnR>
+                    <a:lnT w="12700" cap="flat" cmpd="sng" algn="ctr">
+                      <a:solidFill>
+                        <a:schemeClr val="bg2">
+                          <a:lumMod val="50000"/>
+                        </a:schemeClr>
+                      </a:solidFill>
+                      <a:prstDash val="solid"/>
+                      <a:round/>
+                      <a:headEnd type="none" w="med" len="med"/>
+                      <a:tailEnd type="none" w="med" len="med"/>
+                    </a:lnT>
+                    <a:lnB w="12700" cap="flat" cmpd="sng" algn="ctr">
+                      <a:solidFill>
+                        <a:schemeClr val="bg2">
+                          <a:lumMod val="50000"/>
+                        </a:schemeClr>
+                      </a:solidFill>
+                      <a:prstDash val="solid"/>
+                      <a:round/>
+                      <a:headEnd type="none" w="med" len="med"/>
+                      <a:tailEnd type="none" w="med" len="med"/>
+                    </a:lnB>
+                    <a:lnTlToBr w="12700" cmpd="sng">
+                      <a:noFill/>
+                      <a:prstDash val="solid"/>
+                    </a:lnTlToBr>
+                    <a:lnBlToTr w="12700" cmpd="sng">
+                      <a:noFill/>
+                      <a:prstDash val="solid"/>
+                    </a:lnBlToTr>
+                    <a:noFill/>
+                  </a:tcPr>
+                </a:tc>
+                <a:tc>
+                  <a:txBody>
+                    <a:bodyPr/>
+                    <a:lstStyle/>
+                    <a:p>
+                      <a:pPr latinLnBrk="1"/>
+                      <a:endParaRPr lang="ko-KR" altLang="en-US" dirty="0"/>
+                    </a:p>
+                  </a:txBody>
+                  <a:tcPr>
+                    <a:lnL w="12700" cap="flat" cmpd="sng" algn="ctr">
+                      <a:solidFill>
+                        <a:schemeClr val="bg2">
+                          <a:lumMod val="50000"/>
+                        </a:schemeClr>
+                      </a:solidFill>
+                      <a:prstDash val="solid"/>
+                      <a:round/>
+                      <a:headEnd type="none" w="med" len="med"/>
+                      <a:tailEnd type="none" w="med" len="med"/>
+                    </a:lnL>
+                    <a:lnR w="12700" cap="flat" cmpd="sng" algn="ctr">
+                      <a:solidFill>
+                        <a:schemeClr val="bg2">
+                          <a:lumMod val="50000"/>
+                        </a:schemeClr>
+                      </a:solidFill>
+                      <a:prstDash val="solid"/>
+                      <a:round/>
+                      <a:headEnd type="none" w="med" len="med"/>
+                      <a:tailEnd type="none" w="med" len="med"/>
+                    </a:lnR>
+                    <a:lnT w="12700" cap="flat" cmpd="sng" algn="ctr">
+                      <a:solidFill>
+                        <a:schemeClr val="bg2">
+                          <a:lumMod val="50000"/>
+                        </a:schemeClr>
+                      </a:solidFill>
+                      <a:prstDash val="solid"/>
+                      <a:round/>
+                      <a:headEnd type="none" w="med" len="med"/>
+                      <a:tailEnd type="none" w="med" len="med"/>
+                    </a:lnT>
+                    <a:lnB w="12700" cap="flat" cmpd="sng" algn="ctr">
+                      <a:solidFill>
+                        <a:schemeClr val="bg2">
+                          <a:lumMod val="50000"/>
+                        </a:schemeClr>
+                      </a:solidFill>
+                      <a:prstDash val="solid"/>
+                      <a:round/>
+                      <a:headEnd type="none" w="med" len="med"/>
+                      <a:tailEnd type="none" w="med" len="med"/>
+                    </a:lnB>
+                    <a:lnTlToBr w="12700" cmpd="sng">
+                      <a:noFill/>
+                      <a:prstDash val="solid"/>
+                    </a:lnTlToBr>
+                    <a:lnBlToTr w="12700" cmpd="sng">
+                      <a:noFill/>
+                      <a:prstDash val="solid"/>
+                    </a:lnBlToTr>
+                    <a:noFill/>
+                  </a:tcPr>
+                </a:tc>
+                <a:tc>
+                  <a:txBody>
+                    <a:bodyPr/>
+                    <a:lstStyle/>
+                    <a:p>
+                      <a:pPr latinLnBrk="1"/>
+                      <a:endParaRPr lang="ko-KR" altLang="en-US" dirty="0"/>
+                    </a:p>
+                  </a:txBody>
+                  <a:tcPr>
+                    <a:lnL w="12700" cap="flat" cmpd="sng" algn="ctr">
+                      <a:solidFill>
+                        <a:schemeClr val="bg2">
+                          <a:lumMod val="50000"/>
+                        </a:schemeClr>
+                      </a:solidFill>
+                      <a:prstDash val="solid"/>
+                      <a:round/>
+                      <a:headEnd type="none" w="med" len="med"/>
+                      <a:tailEnd type="none" w="med" len="med"/>
+                    </a:lnL>
+                    <a:lnR w="12700" cap="flat" cmpd="sng" algn="ctr">
+                      <a:solidFill>
+                        <a:schemeClr val="bg2">
+                          <a:lumMod val="50000"/>
+                        </a:schemeClr>
+                      </a:solidFill>
+                      <a:prstDash val="solid"/>
+                      <a:round/>
+                      <a:headEnd type="none" w="med" len="med"/>
+                      <a:tailEnd type="none" w="med" len="med"/>
+                    </a:lnR>
+                    <a:lnT w="12700" cap="flat" cmpd="sng" algn="ctr">
+                      <a:solidFill>
+                        <a:schemeClr val="bg2">
+                          <a:lumMod val="50000"/>
+                        </a:schemeClr>
+                      </a:solidFill>
+                      <a:prstDash val="solid"/>
+                      <a:round/>
+                      <a:headEnd type="none" w="med" len="med"/>
+                      <a:tailEnd type="none" w="med" len="med"/>
+                    </a:lnT>
+                    <a:lnB w="12700" cap="flat" cmpd="sng" algn="ctr">
+                      <a:solidFill>
+                        <a:schemeClr val="bg2">
+                          <a:lumMod val="50000"/>
+                        </a:schemeClr>
+                      </a:solidFill>
+                      <a:prstDash val="solid"/>
+                      <a:round/>
+                      <a:headEnd type="none" w="med" len="med"/>
+                      <a:tailEnd type="none" w="med" len="med"/>
+                    </a:lnB>
+                    <a:lnTlToBr w="12700" cmpd="sng">
+                      <a:noFill/>
+                      <a:prstDash val="solid"/>
+                    </a:lnTlToBr>
+                    <a:lnBlToTr w="12700" cmpd="sng">
+                      <a:noFill/>
+                      <a:prstDash val="solid"/>
+                    </a:lnBlToTr>
+                    <a:noFill/>
+                  </a:tcPr>
+                </a:tc>
+                <a:tc>
+                  <a:txBody>
+                    <a:bodyPr/>
+                    <a:lstStyle/>
+                    <a:p>
+                      <a:pPr latinLnBrk="1"/>
+                      <a:endParaRPr lang="ko-KR" altLang="en-US" dirty="0"/>
+                    </a:p>
+                  </a:txBody>
+                  <a:tcPr>
+                    <a:lnL w="12700" cap="flat" cmpd="sng" algn="ctr">
+                      <a:solidFill>
+                        <a:schemeClr val="bg2">
+                          <a:lumMod val="50000"/>
+                        </a:schemeClr>
+                      </a:solidFill>
+                      <a:prstDash val="solid"/>
+                      <a:round/>
+                      <a:headEnd type="none" w="med" len="med"/>
+                      <a:tailEnd type="none" w="med" len="med"/>
+                    </a:lnL>
+                    <a:lnR w="12700" cap="flat" cmpd="sng" algn="ctr">
+                      <a:solidFill>
+                        <a:schemeClr val="bg2">
+                          <a:lumMod val="50000"/>
+                        </a:schemeClr>
+                      </a:solidFill>
+                      <a:prstDash val="solid"/>
+                      <a:round/>
+                      <a:headEnd type="none" w="med" len="med"/>
+                      <a:tailEnd type="none" w="med" len="med"/>
+                    </a:lnR>
+                    <a:lnT w="12700" cap="flat" cmpd="sng" algn="ctr">
+                      <a:solidFill>
+                        <a:schemeClr val="bg2">
+                          <a:lumMod val="50000"/>
+                        </a:schemeClr>
+                      </a:solidFill>
+                      <a:prstDash val="solid"/>
+                      <a:round/>
+                      <a:headEnd type="none" w="med" len="med"/>
+                      <a:tailEnd type="none" w="med" len="med"/>
+                    </a:lnT>
+                    <a:lnB w="12700" cap="flat" cmpd="sng" algn="ctr">
+                      <a:solidFill>
+                        <a:schemeClr val="bg2">
+                          <a:lumMod val="50000"/>
+                        </a:schemeClr>
+                      </a:solidFill>
+                      <a:prstDash val="solid"/>
+                      <a:round/>
+                      <a:headEnd type="none" w="med" len="med"/>
+                      <a:tailEnd type="none" w="med" len="med"/>
+                    </a:lnB>
+                    <a:lnTlToBr w="12700" cmpd="sng">
+                      <a:noFill/>
+                      <a:prstDash val="solid"/>
+                    </a:lnTlToBr>
+                    <a:lnBlToTr w="12700" cmpd="sng">
+                      <a:noFill/>
+                      <a:prstDash val="solid"/>
+                    </a:lnBlToTr>
+                    <a:noFill/>
+                  </a:tcPr>
+                </a:tc>
+                <a:extLst>
+                  <a:ext uri="{0D108BD9-81ED-4DB2-BD59-A6C34878D82A}">
+                    <a16:rowId xmlns:a16="http://schemas.microsoft.com/office/drawing/2014/main" val="3983579445"/>
+                  </a:ext>
+                </a:extLst>
+              </a:tr>
+              <a:tr h="507949">
+                <a:tc>
+                  <a:txBody>
+                    <a:bodyPr/>
+                    <a:lstStyle/>
+                    <a:p>
+                      <a:pPr latinLnBrk="1"/>
+                      <a:endParaRPr lang="ko-KR" altLang="en-US"/>
+                    </a:p>
+                  </a:txBody>
+                  <a:tcPr>
+                    <a:lnL w="12700" cap="flat" cmpd="sng" algn="ctr">
+                      <a:solidFill>
+                        <a:schemeClr val="bg2">
+                          <a:lumMod val="50000"/>
+                        </a:schemeClr>
+                      </a:solidFill>
+                      <a:prstDash val="solid"/>
+                      <a:round/>
+                      <a:headEnd type="none" w="med" len="med"/>
+                      <a:tailEnd type="none" w="med" len="med"/>
+                    </a:lnL>
+                    <a:lnR w="12700" cap="flat" cmpd="sng" algn="ctr">
+                      <a:solidFill>
+                        <a:schemeClr val="bg2">
+                          <a:lumMod val="50000"/>
+                        </a:schemeClr>
+                      </a:solidFill>
+                      <a:prstDash val="solid"/>
+                      <a:round/>
+                      <a:headEnd type="none" w="med" len="med"/>
+                      <a:tailEnd type="none" w="med" len="med"/>
+                    </a:lnR>
+                    <a:lnT w="12700" cap="flat" cmpd="sng" algn="ctr">
+                      <a:solidFill>
+                        <a:schemeClr val="bg2">
+                          <a:lumMod val="50000"/>
+                        </a:schemeClr>
+                      </a:solidFill>
+                      <a:prstDash val="solid"/>
+                      <a:round/>
+                      <a:headEnd type="none" w="med" len="med"/>
+                      <a:tailEnd type="none" w="med" len="med"/>
+                    </a:lnT>
+                    <a:lnB w="12700" cap="flat" cmpd="sng" algn="ctr">
+                      <a:solidFill>
+                        <a:schemeClr val="bg2">
+                          <a:lumMod val="50000"/>
+                        </a:schemeClr>
+                      </a:solidFill>
+                      <a:prstDash val="solid"/>
+                      <a:round/>
+                      <a:headEnd type="none" w="med" len="med"/>
+                      <a:tailEnd type="none" w="med" len="med"/>
+                    </a:lnB>
+                    <a:lnTlToBr w="12700" cmpd="sng">
+                      <a:noFill/>
+                      <a:prstDash val="solid"/>
+                    </a:lnTlToBr>
+                    <a:lnBlToTr w="12700" cmpd="sng">
+                      <a:noFill/>
+                      <a:prstDash val="solid"/>
+                    </a:lnBlToTr>
+                    <a:noFill/>
+                  </a:tcPr>
+                </a:tc>
+                <a:tc>
+                  <a:txBody>
+                    <a:bodyPr/>
+                    <a:lstStyle/>
+                    <a:p>
+                      <a:pPr latinLnBrk="1"/>
+                      <a:endParaRPr lang="ko-KR" altLang="en-US"/>
+                    </a:p>
+                  </a:txBody>
+                  <a:tcPr>
+                    <a:lnL w="12700" cap="flat" cmpd="sng" algn="ctr">
+                      <a:solidFill>
+                        <a:schemeClr val="bg2">
+                          <a:lumMod val="50000"/>
+                        </a:schemeClr>
+                      </a:solidFill>
+                      <a:prstDash val="solid"/>
+                      <a:round/>
+                      <a:headEnd type="none" w="med" len="med"/>
+                      <a:tailEnd type="none" w="med" len="med"/>
+                    </a:lnL>
+                    <a:lnR w="12700" cap="flat" cmpd="sng" algn="ctr">
+                      <a:solidFill>
+                        <a:schemeClr val="bg2">
+                          <a:lumMod val="50000"/>
+                        </a:schemeClr>
+                      </a:solidFill>
+                      <a:prstDash val="solid"/>
+                      <a:round/>
+                      <a:headEnd type="none" w="med" len="med"/>
+                      <a:tailEnd type="none" w="med" len="med"/>
+                    </a:lnR>
+                    <a:lnT w="12700" cap="flat" cmpd="sng" algn="ctr">
+                      <a:solidFill>
+                        <a:schemeClr val="bg2">
+                          <a:lumMod val="50000"/>
+                        </a:schemeClr>
+                      </a:solidFill>
+                      <a:prstDash val="solid"/>
+                      <a:round/>
+                      <a:headEnd type="none" w="med" len="med"/>
+                      <a:tailEnd type="none" w="med" len="med"/>
+                    </a:lnT>
+                    <a:lnB w="12700" cap="flat" cmpd="sng" algn="ctr">
+                      <a:solidFill>
+                        <a:schemeClr val="bg2">
+                          <a:lumMod val="50000"/>
+                        </a:schemeClr>
+                      </a:solidFill>
+                      <a:prstDash val="solid"/>
+                      <a:round/>
+                      <a:headEnd type="none" w="med" len="med"/>
+                      <a:tailEnd type="none" w="med" len="med"/>
+                    </a:lnB>
+                    <a:lnTlToBr w="12700" cmpd="sng">
+                      <a:noFill/>
+                      <a:prstDash val="solid"/>
+                    </a:lnTlToBr>
+                    <a:lnBlToTr w="12700" cmpd="sng">
+                      <a:noFill/>
+                      <a:prstDash val="solid"/>
+                    </a:lnBlToTr>
+                    <a:noFill/>
+                  </a:tcPr>
+                </a:tc>
+                <a:tc>
+                  <a:txBody>
+                    <a:bodyPr/>
+                    <a:lstStyle/>
+                    <a:p>
+                      <a:pPr latinLnBrk="1"/>
+                      <a:endParaRPr lang="ko-KR" altLang="en-US" dirty="0"/>
+                    </a:p>
+                  </a:txBody>
+                  <a:tcPr>
+                    <a:lnL w="12700" cap="flat" cmpd="sng" algn="ctr">
+                      <a:solidFill>
+                        <a:schemeClr val="bg2">
+                          <a:lumMod val="50000"/>
+                        </a:schemeClr>
+                      </a:solidFill>
+                      <a:prstDash val="solid"/>
+                      <a:round/>
+                      <a:headEnd type="none" w="med" len="med"/>
+                      <a:tailEnd type="none" w="med" len="med"/>
+                    </a:lnL>
+                    <a:lnR w="12700" cap="flat" cmpd="sng" algn="ctr">
+                      <a:solidFill>
+                        <a:schemeClr val="bg2">
+                          <a:lumMod val="50000"/>
+                        </a:schemeClr>
+                      </a:solidFill>
+                      <a:prstDash val="solid"/>
+                      <a:round/>
+                      <a:headEnd type="none" w="med" len="med"/>
+                      <a:tailEnd type="none" w="med" len="med"/>
+                    </a:lnR>
+                    <a:lnT w="12700" cap="flat" cmpd="sng" algn="ctr">
+                      <a:solidFill>
+                        <a:schemeClr val="bg2">
+                          <a:lumMod val="50000"/>
+                        </a:schemeClr>
+                      </a:solidFill>
+                      <a:prstDash val="solid"/>
+                      <a:round/>
+                      <a:headEnd type="none" w="med" len="med"/>
+                      <a:tailEnd type="none" w="med" len="med"/>
+                    </a:lnT>
+                    <a:lnB w="12700" cap="flat" cmpd="sng" algn="ctr">
+                      <a:solidFill>
+                        <a:schemeClr val="bg2">
+                          <a:lumMod val="50000"/>
+                        </a:schemeClr>
+                      </a:solidFill>
+                      <a:prstDash val="solid"/>
+                      <a:round/>
+                      <a:headEnd type="none" w="med" len="med"/>
+                      <a:tailEnd type="none" w="med" len="med"/>
+                    </a:lnB>
+                    <a:lnTlToBr w="12700" cmpd="sng">
+                      <a:noFill/>
+                      <a:prstDash val="solid"/>
+                    </a:lnTlToBr>
+                    <a:lnBlToTr w="12700" cmpd="sng">
+                      <a:noFill/>
+                      <a:prstDash val="solid"/>
+                    </a:lnBlToTr>
+                    <a:noFill/>
+                  </a:tcPr>
+                </a:tc>
+                <a:tc>
+                  <a:txBody>
+                    <a:bodyPr/>
+                    <a:lstStyle/>
+                    <a:p>
+                      <a:pPr latinLnBrk="1"/>
+                      <a:endParaRPr lang="ko-KR" altLang="en-US" dirty="0"/>
+                    </a:p>
+                  </a:txBody>
+                  <a:tcPr>
+                    <a:lnL w="12700" cap="flat" cmpd="sng" algn="ctr">
+                      <a:solidFill>
+                        <a:schemeClr val="bg2">
+                          <a:lumMod val="50000"/>
+                        </a:schemeClr>
+                      </a:solidFill>
+                      <a:prstDash val="solid"/>
+                      <a:round/>
+                      <a:headEnd type="none" w="med" len="med"/>
+                      <a:tailEnd type="none" w="med" len="med"/>
+                    </a:lnL>
+                    <a:lnR w="12700" cap="flat" cmpd="sng" algn="ctr">
+                      <a:solidFill>
+                        <a:schemeClr val="bg2">
+                          <a:lumMod val="50000"/>
+                        </a:schemeClr>
+                      </a:solidFill>
+                      <a:prstDash val="solid"/>
+                      <a:round/>
+                      <a:headEnd type="none" w="med" len="med"/>
+                      <a:tailEnd type="none" w="med" len="med"/>
+                    </a:lnR>
+                    <a:lnT w="12700" cap="flat" cmpd="sng" algn="ctr">
+                      <a:solidFill>
+                        <a:schemeClr val="bg2">
+                          <a:lumMod val="50000"/>
+                        </a:schemeClr>
+                      </a:solidFill>
+                      <a:prstDash val="solid"/>
+                      <a:round/>
+                      <a:headEnd type="none" w="med" len="med"/>
+                      <a:tailEnd type="none" w="med" len="med"/>
+                    </a:lnT>
+                    <a:lnB w="12700" cap="flat" cmpd="sng" algn="ctr">
+                      <a:solidFill>
+                        <a:schemeClr val="bg2">
+                          <a:lumMod val="50000"/>
+                        </a:schemeClr>
+                      </a:solidFill>
+                      <a:prstDash val="solid"/>
+                      <a:round/>
+                      <a:headEnd type="none" w="med" len="med"/>
+                      <a:tailEnd type="none" w="med" len="med"/>
+                    </a:lnB>
+                    <a:lnTlToBr w="12700" cmpd="sng">
+                      <a:noFill/>
+                      <a:prstDash val="solid"/>
+                    </a:lnTlToBr>
+                    <a:lnBlToTr w="12700" cmpd="sng">
+                      <a:noFill/>
+                      <a:prstDash val="solid"/>
+                    </a:lnBlToTr>
+                    <a:noFill/>
+                  </a:tcPr>
+                </a:tc>
+                <a:tc>
+                  <a:txBody>
+                    <a:bodyPr/>
+                    <a:lstStyle/>
+                    <a:p>
+                      <a:pPr latinLnBrk="1"/>
+                      <a:endParaRPr lang="ko-KR" altLang="en-US" dirty="0"/>
+                    </a:p>
+                  </a:txBody>
+                  <a:tcPr>
+                    <a:lnL w="12700" cap="flat" cmpd="sng" algn="ctr">
+                      <a:solidFill>
+                        <a:schemeClr val="bg2">
+                          <a:lumMod val="50000"/>
+                        </a:schemeClr>
+                      </a:solidFill>
+                      <a:prstDash val="solid"/>
+                      <a:round/>
+                      <a:headEnd type="none" w="med" len="med"/>
+                      <a:tailEnd type="none" w="med" len="med"/>
+                    </a:lnL>
+                    <a:lnR w="12700" cap="flat" cmpd="sng" algn="ctr">
+                      <a:solidFill>
+                        <a:schemeClr val="bg2">
+                          <a:lumMod val="50000"/>
+                        </a:schemeClr>
+                      </a:solidFill>
+                      <a:prstDash val="solid"/>
+                      <a:round/>
+                      <a:headEnd type="none" w="med" len="med"/>
+                      <a:tailEnd type="none" w="med" len="med"/>
+                    </a:lnR>
+                    <a:lnT w="12700" cap="flat" cmpd="sng" algn="ctr">
+                      <a:solidFill>
+                        <a:schemeClr val="bg2">
+                          <a:lumMod val="50000"/>
+                        </a:schemeClr>
+                      </a:solidFill>
+                      <a:prstDash val="solid"/>
+                      <a:round/>
+                      <a:headEnd type="none" w="med" len="med"/>
+                      <a:tailEnd type="none" w="med" len="med"/>
+                    </a:lnT>
+                    <a:lnB w="12700" cap="flat" cmpd="sng" algn="ctr">
+                      <a:solidFill>
+                        <a:schemeClr val="bg2">
+                          <a:lumMod val="50000"/>
+                        </a:schemeClr>
+                      </a:solidFill>
+                      <a:prstDash val="solid"/>
+                      <a:round/>
+                      <a:headEnd type="none" w="med" len="med"/>
+                      <a:tailEnd type="none" w="med" len="med"/>
+                    </a:lnB>
+                    <a:lnTlToBr w="12700" cmpd="sng">
+                      <a:noFill/>
+                      <a:prstDash val="solid"/>
+                    </a:lnTlToBr>
+                    <a:lnBlToTr w="12700" cmpd="sng">
+                      <a:noFill/>
+                      <a:prstDash val="solid"/>
+                    </a:lnBlToTr>
+                    <a:noFill/>
+                  </a:tcPr>
+                </a:tc>
+                <a:tc>
+                  <a:txBody>
+                    <a:bodyPr/>
+                    <a:lstStyle/>
+                    <a:p>
+                      <a:pPr latinLnBrk="1"/>
+                      <a:endParaRPr lang="ko-KR" altLang="en-US" dirty="0"/>
+                    </a:p>
+                  </a:txBody>
+                  <a:tcPr>
+                    <a:lnL w="12700" cap="flat" cmpd="sng" algn="ctr">
+                      <a:solidFill>
+                        <a:schemeClr val="bg2">
+                          <a:lumMod val="50000"/>
+                        </a:schemeClr>
+                      </a:solidFill>
+                      <a:prstDash val="solid"/>
+                      <a:round/>
+                      <a:headEnd type="none" w="med" len="med"/>
+                      <a:tailEnd type="none" w="med" len="med"/>
+                    </a:lnL>
+                    <a:lnR w="12700" cap="flat" cmpd="sng" algn="ctr">
+                      <a:solidFill>
+                        <a:schemeClr val="bg2">
+                          <a:lumMod val="50000"/>
+                        </a:schemeClr>
+                      </a:solidFill>
+                      <a:prstDash val="solid"/>
+                      <a:round/>
+                      <a:headEnd type="none" w="med" len="med"/>
+                      <a:tailEnd type="none" w="med" len="med"/>
+                    </a:lnR>
+                    <a:lnT w="12700" cap="flat" cmpd="sng" algn="ctr">
+                      <a:solidFill>
+                        <a:schemeClr val="bg2">
+                          <a:lumMod val="50000"/>
+                        </a:schemeClr>
+                      </a:solidFill>
+                      <a:prstDash val="solid"/>
+                      <a:round/>
+                      <a:headEnd type="none" w="med" len="med"/>
+                      <a:tailEnd type="none" w="med" len="med"/>
+                    </a:lnT>
+                    <a:lnB w="12700" cap="flat" cmpd="sng" algn="ctr">
+                      <a:solidFill>
+                        <a:schemeClr val="bg2">
+                          <a:lumMod val="50000"/>
+                        </a:schemeClr>
+                      </a:solidFill>
+                      <a:prstDash val="solid"/>
+                      <a:round/>
+                      <a:headEnd type="none" w="med" len="med"/>
+                      <a:tailEnd type="none" w="med" len="med"/>
+                    </a:lnB>
+                    <a:lnTlToBr w="12700" cmpd="sng">
+                      <a:noFill/>
+                      <a:prstDash val="solid"/>
+                    </a:lnTlToBr>
+                    <a:lnBlToTr w="12700" cmpd="sng">
+                      <a:noFill/>
+                      <a:prstDash val="solid"/>
+                    </a:lnBlToTr>
+                    <a:noFill/>
+                  </a:tcPr>
+                </a:tc>
+                <a:tc>
+                  <a:txBody>
+                    <a:bodyPr/>
+                    <a:lstStyle/>
+                    <a:p>
+                      <a:pPr latinLnBrk="1"/>
+                      <a:endParaRPr lang="ko-KR" altLang="en-US" dirty="0"/>
+                    </a:p>
+                  </a:txBody>
+                  <a:tcPr>
+                    <a:lnL w="12700" cap="flat" cmpd="sng" algn="ctr">
+                      <a:solidFill>
+                        <a:schemeClr val="bg2">
+                          <a:lumMod val="50000"/>
+                        </a:schemeClr>
+                      </a:solidFill>
+                      <a:prstDash val="solid"/>
+                      <a:round/>
+                      <a:headEnd type="none" w="med" len="med"/>
+                      <a:tailEnd type="none" w="med" len="med"/>
+                    </a:lnL>
+                    <a:lnR w="12700" cap="flat" cmpd="sng" algn="ctr">
+                      <a:solidFill>
+                        <a:schemeClr val="bg2">
+                          <a:lumMod val="50000"/>
+                        </a:schemeClr>
+                      </a:solidFill>
+                      <a:prstDash val="solid"/>
+                      <a:round/>
+                      <a:headEnd type="none" w="med" len="med"/>
+                      <a:tailEnd type="none" w="med" len="med"/>
+                    </a:lnR>
+                    <a:lnT w="12700" cap="flat" cmpd="sng" algn="ctr">
+                      <a:solidFill>
+                        <a:schemeClr val="bg2">
+                          <a:lumMod val="50000"/>
+                        </a:schemeClr>
+                      </a:solidFill>
+                      <a:prstDash val="solid"/>
+                      <a:round/>
+                      <a:headEnd type="none" w="med" len="med"/>
+                      <a:tailEnd type="none" w="med" len="med"/>
+                    </a:lnT>
+                    <a:lnB w="12700" cap="flat" cmpd="sng" algn="ctr">
+                      <a:solidFill>
+                        <a:schemeClr val="bg2">
+                          <a:lumMod val="50000"/>
+                        </a:schemeClr>
+                      </a:solidFill>
+                      <a:prstDash val="solid"/>
+                      <a:round/>
+                      <a:headEnd type="none" w="med" len="med"/>
+                      <a:tailEnd type="none" w="med" len="med"/>
+                    </a:lnB>
+                    <a:lnTlToBr w="12700" cmpd="sng">
+                      <a:noFill/>
+                      <a:prstDash val="solid"/>
+                    </a:lnTlToBr>
+                    <a:lnBlToTr w="12700" cmpd="sng">
+                      <a:noFill/>
+                      <a:prstDash val="solid"/>
+                    </a:lnBlToTr>
+                    <a:noFill/>
+                  </a:tcPr>
+                </a:tc>
+                <a:tc>
+                  <a:txBody>
+                    <a:bodyPr/>
+                    <a:lstStyle/>
+                    <a:p>
+                      <a:pPr latinLnBrk="1"/>
+                      <a:endParaRPr lang="ko-KR" altLang="en-US" dirty="0"/>
+                    </a:p>
+                  </a:txBody>
+                  <a:tcPr>
+                    <a:lnL w="12700" cap="flat" cmpd="sng" algn="ctr">
+                      <a:solidFill>
+                        <a:schemeClr val="bg2">
+                          <a:lumMod val="50000"/>
+                        </a:schemeClr>
+                      </a:solidFill>
+                      <a:prstDash val="solid"/>
+                      <a:round/>
+                      <a:headEnd type="none" w="med" len="med"/>
+                      <a:tailEnd type="none" w="med" len="med"/>
+                    </a:lnL>
+                    <a:lnR w="12700" cap="flat" cmpd="sng" algn="ctr">
+                      <a:solidFill>
+                        <a:schemeClr val="bg2">
+                          <a:lumMod val="50000"/>
+                        </a:schemeClr>
+                      </a:solidFill>
+                      <a:prstDash val="solid"/>
+                      <a:round/>
+                      <a:headEnd type="none" w="med" len="med"/>
+                      <a:tailEnd type="none" w="med" len="med"/>
+                    </a:lnR>
+                    <a:lnT w="12700" cap="flat" cmpd="sng" algn="ctr">
+                      <a:solidFill>
+                        <a:schemeClr val="bg2">
+                          <a:lumMod val="50000"/>
+                        </a:schemeClr>
+                      </a:solidFill>
+                      <a:prstDash val="solid"/>
+                      <a:round/>
+                      <a:headEnd type="none" w="med" len="med"/>
+                      <a:tailEnd type="none" w="med" len="med"/>
+                    </a:lnT>
+                    <a:lnB w="12700" cap="flat" cmpd="sng" algn="ctr">
+                      <a:solidFill>
+                        <a:schemeClr val="bg2">
+                          <a:lumMod val="50000"/>
+                        </a:schemeClr>
+                      </a:solidFill>
+                      <a:prstDash val="solid"/>
+                      <a:round/>
+                      <a:headEnd type="none" w="med" len="med"/>
+                      <a:tailEnd type="none" w="med" len="med"/>
+                    </a:lnB>
+                    <a:lnTlToBr w="12700" cmpd="sng">
+                      <a:noFill/>
+                      <a:prstDash val="solid"/>
+                    </a:lnTlToBr>
+                    <a:lnBlToTr w="12700" cmpd="sng">
+                      <a:noFill/>
+                      <a:prstDash val="solid"/>
+                    </a:lnBlToTr>
+                    <a:noFill/>
+                  </a:tcPr>
+                </a:tc>
+                <a:tc>
+                  <a:txBody>
+                    <a:bodyPr/>
+                    <a:lstStyle/>
+                    <a:p>
+                      <a:pPr latinLnBrk="1"/>
+                      <a:endParaRPr lang="ko-KR" altLang="en-US" dirty="0"/>
+                    </a:p>
+                  </a:txBody>
+                  <a:tcPr>
+                    <a:lnL w="12700" cap="flat" cmpd="sng" algn="ctr">
+                      <a:solidFill>
+                        <a:schemeClr val="bg2">
+                          <a:lumMod val="50000"/>
+                        </a:schemeClr>
+                      </a:solidFill>
+                      <a:prstDash val="solid"/>
+                      <a:round/>
+                      <a:headEnd type="none" w="med" len="med"/>
+                      <a:tailEnd type="none" w="med" len="med"/>
+                    </a:lnL>
+                    <a:lnR w="12700" cap="flat" cmpd="sng" algn="ctr">
+                      <a:solidFill>
+                        <a:schemeClr val="bg2">
+                          <a:lumMod val="50000"/>
+                        </a:schemeClr>
+                      </a:solidFill>
+                      <a:prstDash val="solid"/>
+                      <a:round/>
+                      <a:headEnd type="none" w="med" len="med"/>
+                      <a:tailEnd type="none" w="med" len="med"/>
+                    </a:lnR>
+                    <a:lnT w="12700" cap="flat" cmpd="sng" algn="ctr">
+                      <a:solidFill>
+                        <a:schemeClr val="bg2">
+                          <a:lumMod val="50000"/>
+                        </a:schemeClr>
+                      </a:solidFill>
+                      <a:prstDash val="solid"/>
+                      <a:round/>
+                      <a:headEnd type="none" w="med" len="med"/>
+                      <a:tailEnd type="none" w="med" len="med"/>
+                    </a:lnT>
+                    <a:lnB w="12700" cap="flat" cmpd="sng" algn="ctr">
+                      <a:solidFill>
+                        <a:schemeClr val="bg2">
+                          <a:lumMod val="50000"/>
+                        </a:schemeClr>
+                      </a:solidFill>
+                      <a:prstDash val="solid"/>
+                      <a:round/>
+                      <a:headEnd type="none" w="med" len="med"/>
+                      <a:tailEnd type="none" w="med" len="med"/>
+                    </a:lnB>
+                    <a:lnTlToBr w="12700" cmpd="sng">
+                      <a:noFill/>
+                      <a:prstDash val="solid"/>
+                    </a:lnTlToBr>
+                    <a:lnBlToTr w="12700" cmpd="sng">
+                      <a:noFill/>
+                      <a:prstDash val="solid"/>
+                    </a:lnBlToTr>
+                    <a:noFill/>
+                  </a:tcPr>
+                </a:tc>
+                <a:tc>
+                  <a:txBody>
+                    <a:bodyPr/>
+                    <a:lstStyle/>
+                    <a:p>
+                      <a:pPr latinLnBrk="1"/>
+                      <a:endParaRPr lang="ko-KR" altLang="en-US" dirty="0"/>
+                    </a:p>
+                  </a:txBody>
+                  <a:tcPr>
+                    <a:lnL w="12700" cap="flat" cmpd="sng" algn="ctr">
+                      <a:solidFill>
+                        <a:schemeClr val="bg2">
+                          <a:lumMod val="50000"/>
+                        </a:schemeClr>
+                      </a:solidFill>
+                      <a:prstDash val="solid"/>
+                      <a:round/>
+                      <a:headEnd type="none" w="med" len="med"/>
+                      <a:tailEnd type="none" w="med" len="med"/>
+                    </a:lnL>
+                    <a:lnR w="12700" cap="flat" cmpd="sng" algn="ctr">
+                      <a:solidFill>
+                        <a:schemeClr val="bg2">
+                          <a:lumMod val="50000"/>
+                        </a:schemeClr>
+                      </a:solidFill>
+                      <a:prstDash val="solid"/>
+                      <a:round/>
+                      <a:headEnd type="none" w="med" len="med"/>
+                      <a:tailEnd type="none" w="med" len="med"/>
+                    </a:lnR>
+                    <a:lnT w="12700" cap="flat" cmpd="sng" algn="ctr">
+                      <a:solidFill>
+                        <a:schemeClr val="bg2">
+                          <a:lumMod val="50000"/>
+                        </a:schemeClr>
+                      </a:solidFill>
+                      <a:prstDash val="solid"/>
+                      <a:round/>
+                      <a:headEnd type="none" w="med" len="med"/>
+                      <a:tailEnd type="none" w="med" len="med"/>
+                    </a:lnT>
+                    <a:lnB w="12700" cap="flat" cmpd="sng" algn="ctr">
+                      <a:solidFill>
+                        <a:schemeClr val="bg2">
+                          <a:lumMod val="50000"/>
+                        </a:schemeClr>
+                      </a:solidFill>
+                      <a:prstDash val="solid"/>
+                      <a:round/>
+                      <a:headEnd type="none" w="med" len="med"/>
+                      <a:tailEnd type="none" w="med" len="med"/>
+                    </a:lnB>
+                    <a:lnTlToBr w="12700" cmpd="sng">
+                      <a:noFill/>
+                      <a:prstDash val="solid"/>
+                    </a:lnTlToBr>
+                    <a:lnBlToTr w="12700" cmpd="sng">
+                      <a:noFill/>
+                      <a:prstDash val="solid"/>
+                    </a:lnBlToTr>
+                    <a:noFill/>
+                  </a:tcPr>
+                </a:tc>
+                <a:tc>
+                  <a:txBody>
+                    <a:bodyPr/>
+                    <a:lstStyle/>
+                    <a:p>
+                      <a:pPr latinLnBrk="1"/>
+                      <a:endParaRPr lang="ko-KR" altLang="en-US" dirty="0"/>
+                    </a:p>
+                  </a:txBody>
+                  <a:tcPr>
+                    <a:lnL w="12700" cap="flat" cmpd="sng" algn="ctr">
+                      <a:solidFill>
+                        <a:schemeClr val="bg2">
+                          <a:lumMod val="50000"/>
+                        </a:schemeClr>
+                      </a:solidFill>
+                      <a:prstDash val="solid"/>
+                      <a:round/>
+                      <a:headEnd type="none" w="med" len="med"/>
+                      <a:tailEnd type="none" w="med" len="med"/>
+                    </a:lnL>
+                    <a:lnR w="12700" cap="flat" cmpd="sng" algn="ctr">
+                      <a:solidFill>
+                        <a:schemeClr val="bg2">
+                          <a:lumMod val="50000"/>
+                        </a:schemeClr>
+                      </a:solidFill>
+                      <a:prstDash val="solid"/>
+                      <a:round/>
+                      <a:headEnd type="none" w="med" len="med"/>
+                      <a:tailEnd type="none" w="med" len="med"/>
+                    </a:lnR>
+                    <a:lnT w="12700" cap="flat" cmpd="sng" algn="ctr">
+                      <a:solidFill>
+                        <a:schemeClr val="bg2">
+                          <a:lumMod val="50000"/>
+                        </a:schemeClr>
+                      </a:solidFill>
+                      <a:prstDash val="solid"/>
+                      <a:round/>
+                      <a:headEnd type="none" w="med" len="med"/>
+                      <a:tailEnd type="none" w="med" len="med"/>
+                    </a:lnT>
+                    <a:lnB w="12700" cap="flat" cmpd="sng" algn="ctr">
+                      <a:solidFill>
+                        <a:schemeClr val="bg2">
+                          <a:lumMod val="50000"/>
+                        </a:schemeClr>
+                      </a:solidFill>
+                      <a:prstDash val="solid"/>
+                      <a:round/>
+                      <a:headEnd type="none" w="med" len="med"/>
+                      <a:tailEnd type="none" w="med" len="med"/>
+                    </a:lnB>
+                    <a:lnTlToBr w="12700" cmpd="sng">
+                      <a:noFill/>
+                      <a:prstDash val="solid"/>
+                    </a:lnTlToBr>
+                    <a:lnBlToTr w="12700" cmpd="sng">
+                      <a:noFill/>
+                      <a:prstDash val="solid"/>
+                    </a:lnBlToTr>
+                    <a:noFill/>
+                  </a:tcPr>
+                </a:tc>
+                <a:tc>
+                  <a:txBody>
+                    <a:bodyPr/>
+                    <a:lstStyle/>
+                    <a:p>
+                      <a:pPr latinLnBrk="1"/>
+                      <a:endParaRPr lang="ko-KR" altLang="en-US" dirty="0"/>
+                    </a:p>
+                  </a:txBody>
+                  <a:tcPr>
+                    <a:lnL w="12700" cap="flat" cmpd="sng" algn="ctr">
+                      <a:solidFill>
+                        <a:schemeClr val="bg2">
+                          <a:lumMod val="50000"/>
+                        </a:schemeClr>
+                      </a:solidFill>
+                      <a:prstDash val="solid"/>
+                      <a:round/>
+                      <a:headEnd type="none" w="med" len="med"/>
+                      <a:tailEnd type="none" w="med" len="med"/>
+                    </a:lnL>
+                    <a:lnR w="12700" cap="flat" cmpd="sng" algn="ctr">
+                      <a:solidFill>
+                        <a:schemeClr val="bg2">
+                          <a:lumMod val="50000"/>
+                        </a:schemeClr>
+                      </a:solidFill>
+                      <a:prstDash val="solid"/>
+                      <a:round/>
+                      <a:headEnd type="none" w="med" len="med"/>
+                      <a:tailEnd type="none" w="med" len="med"/>
+                    </a:lnR>
+                    <a:lnT w="12700" cap="flat" cmpd="sng" algn="ctr">
+                      <a:solidFill>
+                        <a:schemeClr val="bg2">
+                          <a:lumMod val="50000"/>
+                        </a:schemeClr>
+                      </a:solidFill>
+                      <a:prstDash val="solid"/>
+                      <a:round/>
+                      <a:headEnd type="none" w="med" len="med"/>
+                      <a:tailEnd type="none" w="med" len="med"/>
+                    </a:lnT>
+                    <a:lnB w="12700" cap="flat" cmpd="sng" algn="ctr">
+                      <a:solidFill>
+                        <a:schemeClr val="bg2">
+                          <a:lumMod val="50000"/>
+                        </a:schemeClr>
+                      </a:solidFill>
+                      <a:prstDash val="solid"/>
+                      <a:round/>
+                      <a:headEnd type="none" w="med" len="med"/>
+                      <a:tailEnd type="none" w="med" len="med"/>
+                    </a:lnB>
+                    <a:lnTlToBr w="12700" cmpd="sng">
+                      <a:noFill/>
+                      <a:prstDash val="solid"/>
+                    </a:lnTlToBr>
+                    <a:lnBlToTr w="12700" cmpd="sng">
+                      <a:noFill/>
+                      <a:prstDash val="solid"/>
+                    </a:lnBlToTr>
+                    <a:noFill/>
+                  </a:tcPr>
+                </a:tc>
+                <a:extLst>
+                  <a:ext uri="{0D108BD9-81ED-4DB2-BD59-A6C34878D82A}">
+                    <a16:rowId xmlns:a16="http://schemas.microsoft.com/office/drawing/2014/main" val="973351405"/>
+                  </a:ext>
+                </a:extLst>
+              </a:tr>
+              <a:tr h="507949">
+                <a:tc>
+                  <a:txBody>
+                    <a:bodyPr/>
+                    <a:lstStyle/>
+                    <a:p>
+                      <a:pPr latinLnBrk="1"/>
+                      <a:endParaRPr lang="ko-KR" altLang="en-US"/>
+                    </a:p>
+                  </a:txBody>
+                  <a:tcPr>
+                    <a:lnL w="12700" cap="flat" cmpd="sng" algn="ctr">
+                      <a:solidFill>
+                        <a:schemeClr val="bg2">
+                          <a:lumMod val="50000"/>
+                        </a:schemeClr>
+                      </a:solidFill>
+                      <a:prstDash val="solid"/>
+                      <a:round/>
+                      <a:headEnd type="none" w="med" len="med"/>
+                      <a:tailEnd type="none" w="med" len="med"/>
+                    </a:lnL>
+                    <a:lnR w="12700" cap="flat" cmpd="sng" algn="ctr">
+                      <a:solidFill>
+                        <a:schemeClr val="bg2">
+                          <a:lumMod val="50000"/>
+                        </a:schemeClr>
+                      </a:solidFill>
+                      <a:prstDash val="solid"/>
+                      <a:round/>
+                      <a:headEnd type="none" w="med" len="med"/>
+                      <a:tailEnd type="none" w="med" len="med"/>
+                    </a:lnR>
+                    <a:lnT w="12700" cap="flat" cmpd="sng" algn="ctr">
+                      <a:solidFill>
+                        <a:schemeClr val="bg2">
+                          <a:lumMod val="50000"/>
+                        </a:schemeClr>
+                      </a:solidFill>
+                      <a:prstDash val="solid"/>
+                      <a:round/>
+                      <a:headEnd type="none" w="med" len="med"/>
+                      <a:tailEnd type="none" w="med" len="med"/>
+                    </a:lnT>
+                    <a:lnB w="12700" cap="flat" cmpd="sng" algn="ctr">
+                      <a:solidFill>
+                        <a:schemeClr val="bg2">
+                          <a:lumMod val="50000"/>
+                        </a:schemeClr>
+                      </a:solidFill>
+                      <a:prstDash val="solid"/>
+                      <a:round/>
+                      <a:headEnd type="none" w="med" len="med"/>
+                      <a:tailEnd type="none" w="med" len="med"/>
+                    </a:lnB>
+                    <a:lnTlToBr w="12700" cmpd="sng">
+                      <a:noFill/>
+                      <a:prstDash val="solid"/>
+                    </a:lnTlToBr>
+                    <a:lnBlToTr w="12700" cmpd="sng">
+                      <a:noFill/>
+                      <a:prstDash val="solid"/>
+                    </a:lnBlToTr>
+                    <a:noFill/>
+                  </a:tcPr>
+                </a:tc>
+                <a:tc>
+                  <a:txBody>
+                    <a:bodyPr/>
+                    <a:lstStyle/>
+                    <a:p>
+                      <a:pPr latinLnBrk="1"/>
+                      <a:endParaRPr lang="ko-KR" altLang="en-US"/>
+                    </a:p>
+                  </a:txBody>
+                  <a:tcPr>
+                    <a:lnL w="12700" cap="flat" cmpd="sng" algn="ctr">
+                      <a:solidFill>
+                        <a:schemeClr val="bg2">
+                          <a:lumMod val="50000"/>
+                        </a:schemeClr>
+                      </a:solidFill>
+                      <a:prstDash val="solid"/>
+                      <a:round/>
+                      <a:headEnd type="none" w="med" len="med"/>
+                      <a:tailEnd type="none" w="med" len="med"/>
+                    </a:lnL>
+                    <a:lnR w="12700" cap="flat" cmpd="sng" algn="ctr">
+                      <a:solidFill>
+                        <a:schemeClr val="bg2">
+                          <a:lumMod val="50000"/>
+                        </a:schemeClr>
+                      </a:solidFill>
+                      <a:prstDash val="solid"/>
+                      <a:round/>
+                      <a:headEnd type="none" w="med" len="med"/>
+                      <a:tailEnd type="none" w="med" len="med"/>
+                    </a:lnR>
+                    <a:lnT w="12700" cap="flat" cmpd="sng" algn="ctr">
+                      <a:solidFill>
+                        <a:schemeClr val="bg2">
+                          <a:lumMod val="50000"/>
+                        </a:schemeClr>
+                      </a:solidFill>
+                      <a:prstDash val="solid"/>
+                      <a:round/>
+                      <a:headEnd type="none" w="med" len="med"/>
+                      <a:tailEnd type="none" w="med" len="med"/>
+                    </a:lnT>
+                    <a:lnB w="12700" cap="flat" cmpd="sng" algn="ctr">
+                      <a:solidFill>
+                        <a:schemeClr val="bg2">
+                          <a:lumMod val="50000"/>
+                        </a:schemeClr>
+                      </a:solidFill>
+                      <a:prstDash val="solid"/>
+                      <a:round/>
+                      <a:headEnd type="none" w="med" len="med"/>
+                      <a:tailEnd type="none" w="med" len="med"/>
+                    </a:lnB>
+                    <a:lnTlToBr w="12700" cmpd="sng">
+                      <a:noFill/>
+                      <a:prstDash val="solid"/>
+                    </a:lnTlToBr>
+                    <a:lnBlToTr w="12700" cmpd="sng">
+                      <a:noFill/>
+                      <a:prstDash val="solid"/>
+                    </a:lnBlToTr>
+                    <a:noFill/>
+                  </a:tcPr>
+                </a:tc>
+                <a:tc>
+                  <a:txBody>
+                    <a:bodyPr/>
+                    <a:lstStyle/>
+                    <a:p>
+                      <a:pPr latinLnBrk="1"/>
+                      <a:endParaRPr lang="ko-KR" altLang="en-US" dirty="0"/>
+                    </a:p>
+                  </a:txBody>
+                  <a:tcPr>
+                    <a:lnL w="12700" cap="flat" cmpd="sng" algn="ctr">
+                      <a:solidFill>
+                        <a:schemeClr val="bg2">
+                          <a:lumMod val="50000"/>
+                        </a:schemeClr>
+                      </a:solidFill>
+                      <a:prstDash val="solid"/>
+                      <a:round/>
+                      <a:headEnd type="none" w="med" len="med"/>
+                      <a:tailEnd type="none" w="med" len="med"/>
+                    </a:lnL>
+                    <a:lnR w="12700" cap="flat" cmpd="sng" algn="ctr">
+                      <a:solidFill>
+                        <a:schemeClr val="bg2">
+                          <a:lumMod val="50000"/>
+                        </a:schemeClr>
+                      </a:solidFill>
+                      <a:prstDash val="solid"/>
+                      <a:round/>
+                      <a:headEnd type="none" w="med" len="med"/>
+                      <a:tailEnd type="none" w="med" len="med"/>
+                    </a:lnR>
+                    <a:lnT w="12700" cap="flat" cmpd="sng" algn="ctr">
+                      <a:solidFill>
+                        <a:schemeClr val="bg2">
+                          <a:lumMod val="50000"/>
+                        </a:schemeClr>
+                      </a:solidFill>
+                      <a:prstDash val="solid"/>
+                      <a:round/>
+                      <a:headEnd type="none" w="med" len="med"/>
+                      <a:tailEnd type="none" w="med" len="med"/>
+                    </a:lnT>
+                    <a:lnB w="12700" cap="flat" cmpd="sng" algn="ctr">
+                      <a:solidFill>
+                        <a:schemeClr val="bg2">
+                          <a:lumMod val="50000"/>
+                        </a:schemeClr>
+                      </a:solidFill>
+                      <a:prstDash val="solid"/>
+                      <a:round/>
+                      <a:headEnd type="none" w="med" len="med"/>
+                      <a:tailEnd type="none" w="med" len="med"/>
+                    </a:lnB>
+                    <a:lnTlToBr w="12700" cmpd="sng">
+                      <a:noFill/>
+                      <a:prstDash val="solid"/>
+                    </a:lnTlToBr>
+                    <a:lnBlToTr w="12700" cmpd="sng">
+                      <a:noFill/>
+                      <a:prstDash val="solid"/>
+                    </a:lnBlToTr>
+                    <a:noFill/>
+                  </a:tcPr>
+                </a:tc>
+                <a:tc>
+                  <a:txBody>
+                    <a:bodyPr/>
+                    <a:lstStyle/>
+                    <a:p>
+                      <a:pPr latinLnBrk="1"/>
+                      <a:endParaRPr lang="ko-KR" altLang="en-US"/>
+                    </a:p>
+                  </a:txBody>
+                  <a:tcPr>
+                    <a:lnL w="12700" cap="flat" cmpd="sng" algn="ctr">
+                      <a:solidFill>
+                        <a:schemeClr val="bg2">
+                          <a:lumMod val="50000"/>
+                        </a:schemeClr>
+                      </a:solidFill>
+                      <a:prstDash val="solid"/>
+                      <a:round/>
+                      <a:headEnd type="none" w="med" len="med"/>
+                      <a:tailEnd type="none" w="med" len="med"/>
+                    </a:lnL>
+                    <a:lnR w="12700" cap="flat" cmpd="sng" algn="ctr">
+                      <a:solidFill>
+                        <a:schemeClr val="bg2">
+                          <a:lumMod val="50000"/>
+                        </a:schemeClr>
+                      </a:solidFill>
+                      <a:prstDash val="solid"/>
+                      <a:round/>
+                      <a:headEnd type="none" w="med" len="med"/>
+                      <a:tailEnd type="none" w="med" len="med"/>
+                    </a:lnR>
+                    <a:lnT w="12700" cap="flat" cmpd="sng" algn="ctr">
+                      <a:solidFill>
+                        <a:schemeClr val="bg2">
+                          <a:lumMod val="50000"/>
+                        </a:schemeClr>
+                      </a:solidFill>
+                      <a:prstDash val="solid"/>
+                      <a:round/>
+                      <a:headEnd type="none" w="med" len="med"/>
+                      <a:tailEnd type="none" w="med" len="med"/>
+                    </a:lnT>
+                    <a:lnB w="12700" cap="flat" cmpd="sng" algn="ctr">
+                      <a:solidFill>
+                        <a:schemeClr val="bg2">
+                          <a:lumMod val="50000"/>
+                        </a:schemeClr>
+                      </a:solidFill>
+                      <a:prstDash val="solid"/>
+                      <a:round/>
+                      <a:headEnd type="none" w="med" len="med"/>
+                      <a:tailEnd type="none" w="med" len="med"/>
+                    </a:lnB>
+                    <a:lnTlToBr w="12700" cmpd="sng">
+                      <a:noFill/>
+                      <a:prstDash val="solid"/>
+                    </a:lnTlToBr>
+                    <a:lnBlToTr w="12700" cmpd="sng">
+                      <a:noFill/>
+                      <a:prstDash val="solid"/>
+                    </a:lnBlToTr>
+                    <a:noFill/>
+                  </a:tcPr>
+                </a:tc>
+                <a:tc>
+                  <a:txBody>
+                    <a:bodyPr/>
+                    <a:lstStyle/>
+                    <a:p>
+                      <a:pPr latinLnBrk="1"/>
+                      <a:endParaRPr lang="ko-KR" altLang="en-US" dirty="0"/>
+                    </a:p>
+                  </a:txBody>
+                  <a:tcPr>
+                    <a:lnL w="12700" cap="flat" cmpd="sng" algn="ctr">
+                      <a:solidFill>
+                        <a:schemeClr val="bg2">
+                          <a:lumMod val="50000"/>
+                        </a:schemeClr>
+                      </a:solidFill>
+                      <a:prstDash val="solid"/>
+                      <a:round/>
+                      <a:headEnd type="none" w="med" len="med"/>
+                      <a:tailEnd type="none" w="med" len="med"/>
+                    </a:lnL>
+                    <a:lnR w="12700" cap="flat" cmpd="sng" algn="ctr">
+                      <a:solidFill>
+                        <a:schemeClr val="bg2">
+                          <a:lumMod val="50000"/>
+                        </a:schemeClr>
+                      </a:solidFill>
+                      <a:prstDash val="solid"/>
+                      <a:round/>
+                      <a:headEnd type="none" w="med" len="med"/>
+                      <a:tailEnd type="none" w="med" len="med"/>
+                    </a:lnR>
+                    <a:lnT w="12700" cap="flat" cmpd="sng" algn="ctr">
+                      <a:solidFill>
+                        <a:schemeClr val="bg2">
+                          <a:lumMod val="50000"/>
+                        </a:schemeClr>
+                      </a:solidFill>
+                      <a:prstDash val="solid"/>
+                      <a:round/>
+                      <a:headEnd type="none" w="med" len="med"/>
+                      <a:tailEnd type="none" w="med" len="med"/>
+                    </a:lnT>
+                    <a:lnB w="12700" cap="flat" cmpd="sng" algn="ctr">
+                      <a:solidFill>
+                        <a:schemeClr val="bg2">
+                          <a:lumMod val="50000"/>
+                        </a:schemeClr>
+                      </a:solidFill>
+                      <a:prstDash val="solid"/>
+                      <a:round/>
+                      <a:headEnd type="none" w="med" len="med"/>
+                      <a:tailEnd type="none" w="med" len="med"/>
+                    </a:lnB>
+                    <a:lnTlToBr w="12700" cmpd="sng">
+                      <a:noFill/>
+                      <a:prstDash val="solid"/>
+                    </a:lnTlToBr>
+                    <a:lnBlToTr w="12700" cmpd="sng">
+                      <a:noFill/>
+                      <a:prstDash val="solid"/>
+                    </a:lnBlToTr>
+                    <a:noFill/>
+                  </a:tcPr>
+                </a:tc>
+                <a:tc>
+                  <a:txBody>
+                    <a:bodyPr/>
+                    <a:lstStyle/>
+                    <a:p>
+                      <a:pPr latinLnBrk="1"/>
+                      <a:endParaRPr lang="ko-KR" altLang="en-US" dirty="0"/>
+                    </a:p>
+                  </a:txBody>
+                  <a:tcPr>
+                    <a:lnL w="12700" cap="flat" cmpd="sng" algn="ctr">
+                      <a:solidFill>
+                        <a:schemeClr val="bg2">
+                          <a:lumMod val="50000"/>
+                        </a:schemeClr>
+                      </a:solidFill>
+                      <a:prstDash val="solid"/>
+                      <a:round/>
+                      <a:headEnd type="none" w="med" len="med"/>
+                      <a:tailEnd type="none" w="med" len="med"/>
+                    </a:lnL>
+                    <a:lnR w="12700" cap="flat" cmpd="sng" algn="ctr">
+                      <a:solidFill>
+                        <a:schemeClr val="bg2">
+                          <a:lumMod val="50000"/>
+                        </a:schemeClr>
+                      </a:solidFill>
+                      <a:prstDash val="solid"/>
+                      <a:round/>
+                      <a:headEnd type="none" w="med" len="med"/>
+                      <a:tailEnd type="none" w="med" len="med"/>
+                    </a:lnR>
+                    <a:lnT w="12700" cap="flat" cmpd="sng" algn="ctr">
+                      <a:solidFill>
+                        <a:schemeClr val="bg2">
+                          <a:lumMod val="50000"/>
+                        </a:schemeClr>
+                      </a:solidFill>
+                      <a:prstDash val="solid"/>
+                      <a:round/>
+                      <a:headEnd type="none" w="med" len="med"/>
+                      <a:tailEnd type="none" w="med" len="med"/>
+                    </a:lnT>
+                    <a:lnB w="12700" cap="flat" cmpd="sng" algn="ctr">
+                      <a:solidFill>
+                        <a:schemeClr val="bg2">
+                          <a:lumMod val="50000"/>
+                        </a:schemeClr>
+                      </a:solidFill>
+                      <a:prstDash val="solid"/>
+                      <a:round/>
+                      <a:headEnd type="none" w="med" len="med"/>
+                      <a:tailEnd type="none" w="med" len="med"/>
+                    </a:lnB>
+                    <a:lnTlToBr w="12700" cmpd="sng">
+                      <a:noFill/>
+                      <a:prstDash val="solid"/>
+                    </a:lnTlToBr>
+                    <a:lnBlToTr w="12700" cmpd="sng">
+                      <a:noFill/>
+                      <a:prstDash val="solid"/>
+                    </a:lnBlToTr>
+                    <a:noFill/>
+                  </a:tcPr>
+                </a:tc>
+                <a:tc>
+                  <a:txBody>
+                    <a:bodyPr/>
+                    <a:lstStyle/>
+                    <a:p>
+                      <a:pPr latinLnBrk="1"/>
+                      <a:endParaRPr lang="ko-KR" altLang="en-US" dirty="0"/>
+                    </a:p>
+                  </a:txBody>
+                  <a:tcPr>
+                    <a:lnL w="12700" cap="flat" cmpd="sng" algn="ctr">
+                      <a:solidFill>
+                        <a:schemeClr val="bg2">
+                          <a:lumMod val="50000"/>
+                        </a:schemeClr>
+                      </a:solidFill>
+                      <a:prstDash val="solid"/>
+                      <a:round/>
+                      <a:headEnd type="none" w="med" len="med"/>
+                      <a:tailEnd type="none" w="med" len="med"/>
+                    </a:lnL>
+                    <a:lnR w="12700" cap="flat" cmpd="sng" algn="ctr">
+                      <a:solidFill>
+                        <a:schemeClr val="bg2">
+                          <a:lumMod val="50000"/>
+                        </a:schemeClr>
+                      </a:solidFill>
+                      <a:prstDash val="solid"/>
+                      <a:round/>
+                      <a:headEnd type="none" w="med" len="med"/>
+                      <a:tailEnd type="none" w="med" len="med"/>
+                    </a:lnR>
+                    <a:lnT w="12700" cap="flat" cmpd="sng" algn="ctr">
+                      <a:solidFill>
+                        <a:schemeClr val="bg2">
+                          <a:lumMod val="50000"/>
+                        </a:schemeClr>
+                      </a:solidFill>
+                      <a:prstDash val="solid"/>
+                      <a:round/>
+                      <a:headEnd type="none" w="med" len="med"/>
+                      <a:tailEnd type="none" w="med" len="med"/>
+                    </a:lnT>
+                    <a:lnB w="12700" cap="flat" cmpd="sng" algn="ctr">
+                      <a:solidFill>
+                        <a:schemeClr val="bg2">
+                          <a:lumMod val="50000"/>
+                        </a:schemeClr>
+                      </a:solidFill>
+                      <a:prstDash val="solid"/>
+                      <a:round/>
+                      <a:headEnd type="none" w="med" len="med"/>
+                      <a:tailEnd type="none" w="med" len="med"/>
+                    </a:lnB>
+                    <a:lnTlToBr w="12700" cmpd="sng">
+                      <a:noFill/>
+                      <a:prstDash val="solid"/>
+                    </a:lnTlToBr>
+                    <a:lnBlToTr w="12700" cmpd="sng">
+                      <a:noFill/>
+                      <a:prstDash val="solid"/>
+                    </a:lnBlToTr>
+                    <a:noFill/>
+                  </a:tcPr>
+                </a:tc>
+                <a:tc>
+                  <a:txBody>
+                    <a:bodyPr/>
+                    <a:lstStyle/>
+                    <a:p>
+                      <a:pPr latinLnBrk="1"/>
+                      <a:endParaRPr lang="ko-KR" altLang="en-US" dirty="0"/>
+                    </a:p>
+                  </a:txBody>
+                  <a:tcPr>
+                    <a:lnL w="12700" cap="flat" cmpd="sng" algn="ctr">
+                      <a:solidFill>
+                        <a:schemeClr val="bg2">
+                          <a:lumMod val="50000"/>
+                        </a:schemeClr>
+                      </a:solidFill>
+                      <a:prstDash val="solid"/>
+                      <a:round/>
+                      <a:headEnd type="none" w="med" len="med"/>
+                      <a:tailEnd type="none" w="med" len="med"/>
+                    </a:lnL>
+                    <a:lnR w="12700" cap="flat" cmpd="sng" algn="ctr">
+                      <a:solidFill>
+                        <a:schemeClr val="bg2">
+                          <a:lumMod val="50000"/>
+                        </a:schemeClr>
+                      </a:solidFill>
+                      <a:prstDash val="solid"/>
+                      <a:round/>
+                      <a:headEnd type="none" w="med" len="med"/>
+                      <a:tailEnd type="none" w="med" len="med"/>
+                    </a:lnR>
+                    <a:lnT w="12700" cap="flat" cmpd="sng" algn="ctr">
+                      <a:solidFill>
+                        <a:schemeClr val="bg2">
+                          <a:lumMod val="50000"/>
+                        </a:schemeClr>
+                      </a:solidFill>
+                      <a:prstDash val="solid"/>
+                      <a:round/>
+                      <a:headEnd type="none" w="med" len="med"/>
+                      <a:tailEnd type="none" w="med" len="med"/>
+                    </a:lnT>
+                    <a:lnB w="12700" cap="flat" cmpd="sng" algn="ctr">
+                      <a:solidFill>
+                        <a:schemeClr val="bg2">
+                          <a:lumMod val="50000"/>
+                        </a:schemeClr>
+                      </a:solidFill>
+                      <a:prstDash val="solid"/>
+                      <a:round/>
+                      <a:headEnd type="none" w="med" len="med"/>
+                      <a:tailEnd type="none" w="med" len="med"/>
+                    </a:lnB>
+                    <a:lnTlToBr w="12700" cmpd="sng">
+                      <a:noFill/>
+                      <a:prstDash val="solid"/>
+                    </a:lnTlToBr>
+                    <a:lnBlToTr w="12700" cmpd="sng">
+                      <a:noFill/>
+                      <a:prstDash val="solid"/>
+                    </a:lnBlToTr>
+                    <a:noFill/>
+                  </a:tcPr>
+                </a:tc>
+                <a:tc>
+                  <a:txBody>
+                    <a:bodyPr/>
+                    <a:lstStyle/>
+                    <a:p>
+                      <a:pPr latinLnBrk="1"/>
+                      <a:endParaRPr lang="ko-KR" altLang="en-US" dirty="0"/>
+                    </a:p>
+                  </a:txBody>
+                  <a:tcPr>
+                    <a:lnL w="12700" cap="flat" cmpd="sng" algn="ctr">
+                      <a:solidFill>
+                        <a:schemeClr val="bg2">
+                          <a:lumMod val="50000"/>
+                        </a:schemeClr>
+                      </a:solidFill>
+                      <a:prstDash val="solid"/>
+                      <a:round/>
+                      <a:headEnd type="none" w="med" len="med"/>
+                      <a:tailEnd type="none" w="med" len="med"/>
+                    </a:lnL>
+                    <a:lnR w="12700" cap="flat" cmpd="sng" algn="ctr">
+                      <a:solidFill>
+                        <a:schemeClr val="bg2">
+                          <a:lumMod val="50000"/>
+                        </a:schemeClr>
+                      </a:solidFill>
+                      <a:prstDash val="solid"/>
+                      <a:round/>
+                      <a:headEnd type="none" w="med" len="med"/>
+                      <a:tailEnd type="none" w="med" len="med"/>
+                    </a:lnR>
+                    <a:lnT w="12700" cap="flat" cmpd="sng" algn="ctr">
+                      <a:solidFill>
+                        <a:schemeClr val="bg2">
+                          <a:lumMod val="50000"/>
+                        </a:schemeClr>
+                      </a:solidFill>
+                      <a:prstDash val="solid"/>
+                      <a:round/>
+                      <a:headEnd type="none" w="med" len="med"/>
+                      <a:tailEnd type="none" w="med" len="med"/>
+                    </a:lnT>
+                    <a:lnB w="12700" cap="flat" cmpd="sng" algn="ctr">
+                      <a:solidFill>
+                        <a:schemeClr val="bg2">
+                          <a:lumMod val="50000"/>
+                        </a:schemeClr>
+                      </a:solidFill>
+                      <a:prstDash val="solid"/>
+                      <a:round/>
+                      <a:headEnd type="none" w="med" len="med"/>
+                      <a:tailEnd type="none" w="med" len="med"/>
+                    </a:lnB>
+                    <a:lnTlToBr w="12700" cmpd="sng">
+                      <a:noFill/>
+                      <a:prstDash val="solid"/>
+                    </a:lnTlToBr>
+                    <a:lnBlToTr w="12700" cmpd="sng">
+                      <a:noFill/>
+                      <a:prstDash val="solid"/>
+                    </a:lnBlToTr>
+                    <a:noFill/>
+                  </a:tcPr>
+                </a:tc>
+                <a:tc>
+                  <a:txBody>
+                    <a:bodyPr/>
+                    <a:lstStyle/>
+                    <a:p>
+                      <a:pPr latinLnBrk="1"/>
+                      <a:endParaRPr lang="ko-KR" altLang="en-US" dirty="0"/>
+                    </a:p>
+                  </a:txBody>
+                  <a:tcPr>
+                    <a:lnL w="12700" cap="flat" cmpd="sng" algn="ctr">
+                      <a:solidFill>
+                        <a:schemeClr val="bg2">
+                          <a:lumMod val="50000"/>
+                        </a:schemeClr>
+                      </a:solidFill>
+                      <a:prstDash val="solid"/>
+                      <a:round/>
+                      <a:headEnd type="none" w="med" len="med"/>
+                      <a:tailEnd type="none" w="med" len="med"/>
+                    </a:lnL>
+                    <a:lnR w="12700" cap="flat" cmpd="sng" algn="ctr">
+                      <a:solidFill>
+                        <a:schemeClr val="bg2">
+                          <a:lumMod val="50000"/>
+                        </a:schemeClr>
+                      </a:solidFill>
+                      <a:prstDash val="solid"/>
+                      <a:round/>
+                      <a:headEnd type="none" w="med" len="med"/>
+                      <a:tailEnd type="none" w="med" len="med"/>
+                    </a:lnR>
+                    <a:lnT w="12700" cap="flat" cmpd="sng" algn="ctr">
+                      <a:solidFill>
+                        <a:schemeClr val="bg2">
+                          <a:lumMod val="50000"/>
+                        </a:schemeClr>
+                      </a:solidFill>
+                      <a:prstDash val="solid"/>
+                      <a:round/>
+                      <a:headEnd type="none" w="med" len="med"/>
+                      <a:tailEnd type="none" w="med" len="med"/>
+                    </a:lnT>
+                    <a:lnB w="12700" cap="flat" cmpd="sng" algn="ctr">
+                      <a:solidFill>
+                        <a:schemeClr val="bg2">
+                          <a:lumMod val="50000"/>
+                        </a:schemeClr>
+                      </a:solidFill>
+                      <a:prstDash val="solid"/>
+                      <a:round/>
+                      <a:headEnd type="none" w="med" len="med"/>
+                      <a:tailEnd type="none" w="med" len="med"/>
+                    </a:lnB>
+                    <a:lnTlToBr w="12700" cmpd="sng">
+                      <a:noFill/>
+                      <a:prstDash val="solid"/>
+                    </a:lnTlToBr>
+                    <a:lnBlToTr w="12700" cmpd="sng">
+                      <a:noFill/>
+                      <a:prstDash val="solid"/>
+                    </a:lnBlToTr>
+                    <a:noFill/>
+                  </a:tcPr>
+                </a:tc>
+                <a:tc>
+                  <a:txBody>
+                    <a:bodyPr/>
+                    <a:lstStyle/>
+                    <a:p>
+                      <a:pPr latinLnBrk="1"/>
+                      <a:endParaRPr lang="ko-KR" altLang="en-US" dirty="0"/>
+                    </a:p>
+                  </a:txBody>
+                  <a:tcPr>
+                    <a:lnL w="12700" cap="flat" cmpd="sng" algn="ctr">
+                      <a:solidFill>
+                        <a:schemeClr val="bg2">
+                          <a:lumMod val="50000"/>
+                        </a:schemeClr>
+                      </a:solidFill>
+                      <a:prstDash val="solid"/>
+                      <a:round/>
+                      <a:headEnd type="none" w="med" len="med"/>
+                      <a:tailEnd type="none" w="med" len="med"/>
+                    </a:lnL>
+                    <a:lnR w="12700" cap="flat" cmpd="sng" algn="ctr">
+                      <a:solidFill>
+                        <a:schemeClr val="bg2">
+                          <a:lumMod val="50000"/>
+                        </a:schemeClr>
+                      </a:solidFill>
+                      <a:prstDash val="solid"/>
+                      <a:round/>
+                      <a:headEnd type="none" w="med" len="med"/>
+                      <a:tailEnd type="none" w="med" len="med"/>
+                    </a:lnR>
+                    <a:lnT w="12700" cap="flat" cmpd="sng" algn="ctr">
+                      <a:solidFill>
+                        <a:schemeClr val="bg2">
+                          <a:lumMod val="50000"/>
+                        </a:schemeClr>
+                      </a:solidFill>
+                      <a:prstDash val="solid"/>
+                      <a:round/>
+                      <a:headEnd type="none" w="med" len="med"/>
+                      <a:tailEnd type="none" w="med" len="med"/>
+                    </a:lnT>
+                    <a:lnB w="12700" cap="flat" cmpd="sng" algn="ctr">
+                      <a:solidFill>
+                        <a:schemeClr val="bg2">
+                          <a:lumMod val="50000"/>
+                        </a:schemeClr>
+                      </a:solidFill>
+                      <a:prstDash val="solid"/>
+                      <a:round/>
+                      <a:headEnd type="none" w="med" len="med"/>
+                      <a:tailEnd type="none" w="med" len="med"/>
+                    </a:lnB>
+                    <a:lnTlToBr w="12700" cmpd="sng">
+                      <a:noFill/>
+                      <a:prstDash val="solid"/>
+                    </a:lnTlToBr>
+                    <a:lnBlToTr w="12700" cmpd="sng">
+                      <a:noFill/>
+                      <a:prstDash val="solid"/>
+                    </a:lnBlToTr>
+                    <a:noFill/>
+                  </a:tcPr>
+                </a:tc>
+                <a:tc>
+                  <a:txBody>
+                    <a:bodyPr/>
+                    <a:lstStyle/>
+                    <a:p>
+                      <a:pPr latinLnBrk="1"/>
+                      <a:endParaRPr lang="ko-KR" altLang="en-US" dirty="0"/>
+                    </a:p>
+                  </a:txBody>
+                  <a:tcPr>
+                    <a:lnL w="12700" cap="flat" cmpd="sng" algn="ctr">
+                      <a:solidFill>
+                        <a:schemeClr val="bg2">
+                          <a:lumMod val="50000"/>
+                        </a:schemeClr>
+                      </a:solidFill>
+                      <a:prstDash val="solid"/>
+                      <a:round/>
+                      <a:headEnd type="none" w="med" len="med"/>
+                      <a:tailEnd type="none" w="med" len="med"/>
+                    </a:lnL>
+                    <a:lnR w="12700" cap="flat" cmpd="sng" algn="ctr">
+                      <a:solidFill>
+                        <a:schemeClr val="bg2">
+                          <a:lumMod val="50000"/>
+                        </a:schemeClr>
+                      </a:solidFill>
+                      <a:prstDash val="solid"/>
+                      <a:round/>
+                      <a:headEnd type="none" w="med" len="med"/>
+                      <a:tailEnd type="none" w="med" len="med"/>
+                    </a:lnR>
+                    <a:lnT w="12700" cap="flat" cmpd="sng" algn="ctr">
+                      <a:solidFill>
+                        <a:schemeClr val="bg2">
+                          <a:lumMod val="50000"/>
+                        </a:schemeClr>
+                      </a:solidFill>
+                      <a:prstDash val="solid"/>
+                      <a:round/>
+                      <a:headEnd type="none" w="med" len="med"/>
+                      <a:tailEnd type="none" w="med" len="med"/>
+                    </a:lnT>
+                    <a:lnB w="12700" cap="flat" cmpd="sng" algn="ctr">
+                      <a:solidFill>
+                        <a:schemeClr val="bg2">
+                          <a:lumMod val="50000"/>
+                        </a:schemeClr>
+                      </a:solidFill>
+                      <a:prstDash val="solid"/>
+                      <a:round/>
+                      <a:headEnd type="none" w="med" len="med"/>
+                      <a:tailEnd type="none" w="med" len="med"/>
+                    </a:lnB>
+                    <a:lnTlToBr w="12700" cmpd="sng">
+                      <a:noFill/>
+                      <a:prstDash val="solid"/>
+                    </a:lnTlToBr>
+                    <a:lnBlToTr w="12700" cmpd="sng">
+                      <a:noFill/>
+                      <a:prstDash val="solid"/>
+                    </a:lnBlToTr>
+                    <a:noFill/>
+                  </a:tcPr>
+                </a:tc>
+                <a:extLst>
+                  <a:ext uri="{0D108BD9-81ED-4DB2-BD59-A6C34878D82A}">
+                    <a16:rowId xmlns:a16="http://schemas.microsoft.com/office/drawing/2014/main" val="3483218658"/>
+                  </a:ext>
+                </a:extLst>
+              </a:tr>
+              <a:tr h="507949">
+                <a:tc>
+                  <a:txBody>
+                    <a:bodyPr/>
+                    <a:lstStyle/>
+                    <a:p>
+                      <a:pPr latinLnBrk="1"/>
+                      <a:endParaRPr lang="ko-KR" altLang="en-US" dirty="0"/>
+                    </a:p>
+                  </a:txBody>
+                  <a:tcPr>
+                    <a:lnL w="12700" cap="flat" cmpd="sng" algn="ctr">
+                      <a:solidFill>
+                        <a:schemeClr val="bg2">
+                          <a:lumMod val="50000"/>
+                        </a:schemeClr>
+                      </a:solidFill>
+                      <a:prstDash val="solid"/>
+                      <a:round/>
+                      <a:headEnd type="none" w="med" len="med"/>
+                      <a:tailEnd type="none" w="med" len="med"/>
+                    </a:lnL>
+                    <a:lnR w="12700" cap="flat" cmpd="sng" algn="ctr">
+                      <a:solidFill>
+                        <a:schemeClr val="bg2">
+                          <a:lumMod val="50000"/>
+                        </a:schemeClr>
+                      </a:solidFill>
+                      <a:prstDash val="solid"/>
+                      <a:round/>
+                      <a:headEnd type="none" w="med" len="med"/>
+                      <a:tailEnd type="none" w="med" len="med"/>
+                    </a:lnR>
+                    <a:lnT w="12700" cap="flat" cmpd="sng" algn="ctr">
+                      <a:solidFill>
+                        <a:schemeClr val="bg2">
+                          <a:lumMod val="50000"/>
+                        </a:schemeClr>
+                      </a:solidFill>
+                      <a:prstDash val="solid"/>
+                      <a:round/>
+                      <a:headEnd type="none" w="med" len="med"/>
+                      <a:tailEnd type="none" w="med" len="med"/>
+                    </a:lnT>
+                    <a:lnB w="12700" cap="flat" cmpd="sng" algn="ctr">
+                      <a:solidFill>
+                        <a:schemeClr val="bg2">
+                          <a:lumMod val="50000"/>
+                        </a:schemeClr>
+                      </a:solidFill>
+                      <a:prstDash val="solid"/>
+                      <a:round/>
+                      <a:headEnd type="none" w="med" len="med"/>
+                      <a:tailEnd type="none" w="med" len="med"/>
+                    </a:lnB>
+                    <a:lnTlToBr w="12700" cmpd="sng">
+                      <a:noFill/>
+                      <a:prstDash val="solid"/>
+                    </a:lnTlToBr>
+                    <a:lnBlToTr w="12700" cmpd="sng">
+                      <a:noFill/>
+                      <a:prstDash val="solid"/>
+                    </a:lnBlToTr>
+                    <a:noFill/>
+                  </a:tcPr>
+                </a:tc>
+                <a:tc>
+                  <a:txBody>
+                    <a:bodyPr/>
+                    <a:lstStyle/>
+                    <a:p>
+                      <a:pPr latinLnBrk="1"/>
+                      <a:endParaRPr lang="ko-KR" altLang="en-US"/>
+                    </a:p>
+                  </a:txBody>
+                  <a:tcPr>
+                    <a:lnL w="12700" cap="flat" cmpd="sng" algn="ctr">
+                      <a:solidFill>
+                        <a:schemeClr val="bg2">
+                          <a:lumMod val="50000"/>
+                        </a:schemeClr>
+                      </a:solidFill>
+                      <a:prstDash val="solid"/>
+                      <a:round/>
+                      <a:headEnd type="none" w="med" len="med"/>
+                      <a:tailEnd type="none" w="med" len="med"/>
+                    </a:lnL>
+                    <a:lnR w="12700" cap="flat" cmpd="sng" algn="ctr">
+                      <a:solidFill>
+                        <a:schemeClr val="bg2">
+                          <a:lumMod val="50000"/>
+                        </a:schemeClr>
+                      </a:solidFill>
+                      <a:prstDash val="solid"/>
+                      <a:round/>
+                      <a:headEnd type="none" w="med" len="med"/>
+                      <a:tailEnd type="none" w="med" len="med"/>
+                    </a:lnR>
+                    <a:lnT w="12700" cap="flat" cmpd="sng" algn="ctr">
+                      <a:solidFill>
+                        <a:schemeClr val="bg2">
+                          <a:lumMod val="50000"/>
+                        </a:schemeClr>
+                      </a:solidFill>
+                      <a:prstDash val="solid"/>
+                      <a:round/>
+                      <a:headEnd type="none" w="med" len="med"/>
+                      <a:tailEnd type="none" w="med" len="med"/>
+                    </a:lnT>
+                    <a:lnB w="12700" cap="flat" cmpd="sng" algn="ctr">
+                      <a:solidFill>
+                        <a:schemeClr val="bg2">
+                          <a:lumMod val="50000"/>
+                        </a:schemeClr>
+                      </a:solidFill>
+                      <a:prstDash val="solid"/>
+                      <a:round/>
+                      <a:headEnd type="none" w="med" len="med"/>
+                      <a:tailEnd type="none" w="med" len="med"/>
+                    </a:lnB>
+                    <a:lnTlToBr w="12700" cmpd="sng">
+                      <a:noFill/>
+                      <a:prstDash val="solid"/>
+                    </a:lnTlToBr>
+                    <a:lnBlToTr w="12700" cmpd="sng">
+                      <a:noFill/>
+                      <a:prstDash val="solid"/>
+                    </a:lnBlToTr>
+                    <a:noFill/>
+                  </a:tcPr>
+                </a:tc>
+                <a:tc>
+                  <a:txBody>
+                    <a:bodyPr/>
+                    <a:lstStyle/>
+                    <a:p>
+                      <a:pPr latinLnBrk="1"/>
+                      <a:endParaRPr lang="ko-KR" altLang="en-US" dirty="0"/>
+                    </a:p>
+                  </a:txBody>
+                  <a:tcPr>
+                    <a:lnL w="12700" cap="flat" cmpd="sng" algn="ctr">
+                      <a:solidFill>
+                        <a:schemeClr val="bg2">
+                          <a:lumMod val="50000"/>
+                        </a:schemeClr>
+                      </a:solidFill>
+                      <a:prstDash val="solid"/>
+                      <a:round/>
+                      <a:headEnd type="none" w="med" len="med"/>
+                      <a:tailEnd type="none" w="med" len="med"/>
+                    </a:lnL>
+                    <a:lnR w="12700" cap="flat" cmpd="sng" algn="ctr">
+                      <a:solidFill>
+                        <a:schemeClr val="bg2">
+                          <a:lumMod val="50000"/>
+                        </a:schemeClr>
+                      </a:solidFill>
+                      <a:prstDash val="solid"/>
+                      <a:round/>
+                      <a:headEnd type="none" w="med" len="med"/>
+                      <a:tailEnd type="none" w="med" len="med"/>
+                    </a:lnR>
+                    <a:lnT w="12700" cap="flat" cmpd="sng" algn="ctr">
+                      <a:solidFill>
+                        <a:schemeClr val="bg2">
+                          <a:lumMod val="50000"/>
+                        </a:schemeClr>
+                      </a:solidFill>
+                      <a:prstDash val="solid"/>
+                      <a:round/>
+                      <a:headEnd type="none" w="med" len="med"/>
+                      <a:tailEnd type="none" w="med" len="med"/>
+                    </a:lnT>
+                    <a:lnB w="12700" cap="flat" cmpd="sng" algn="ctr">
+                      <a:solidFill>
+                        <a:schemeClr val="bg2">
+                          <a:lumMod val="50000"/>
+                        </a:schemeClr>
+                      </a:solidFill>
+                      <a:prstDash val="solid"/>
+                      <a:round/>
+                      <a:headEnd type="none" w="med" len="med"/>
+                      <a:tailEnd type="none" w="med" len="med"/>
+                    </a:lnB>
+                    <a:lnTlToBr w="12700" cmpd="sng">
+                      <a:noFill/>
+                      <a:prstDash val="solid"/>
+                    </a:lnTlToBr>
+                    <a:lnBlToTr w="12700" cmpd="sng">
+                      <a:noFill/>
+                      <a:prstDash val="solid"/>
+                    </a:lnBlToTr>
+                    <a:noFill/>
+                  </a:tcPr>
+                </a:tc>
+                <a:tc>
+                  <a:txBody>
+                    <a:bodyPr/>
+                    <a:lstStyle/>
+                    <a:p>
+                      <a:pPr latinLnBrk="1"/>
+                      <a:endParaRPr lang="ko-KR" altLang="en-US"/>
+                    </a:p>
+                  </a:txBody>
+                  <a:tcPr>
+                    <a:lnL w="12700" cap="flat" cmpd="sng" algn="ctr">
+                      <a:solidFill>
+                        <a:schemeClr val="bg2">
+                          <a:lumMod val="50000"/>
+                        </a:schemeClr>
+                      </a:solidFill>
+                      <a:prstDash val="solid"/>
+                      <a:round/>
+                      <a:headEnd type="none" w="med" len="med"/>
+                      <a:tailEnd type="none" w="med" len="med"/>
+                    </a:lnL>
+                    <a:lnR w="12700" cap="flat" cmpd="sng" algn="ctr">
+                      <a:solidFill>
+                        <a:schemeClr val="bg2">
+                          <a:lumMod val="50000"/>
+                        </a:schemeClr>
+                      </a:solidFill>
+                      <a:prstDash val="solid"/>
+                      <a:round/>
+                      <a:headEnd type="none" w="med" len="med"/>
+                      <a:tailEnd type="none" w="med" len="med"/>
+                    </a:lnR>
+                    <a:lnT w="12700" cap="flat" cmpd="sng" algn="ctr">
+                      <a:solidFill>
+                        <a:schemeClr val="bg2">
+                          <a:lumMod val="50000"/>
+                        </a:schemeClr>
+                      </a:solidFill>
+                      <a:prstDash val="solid"/>
+                      <a:round/>
+                      <a:headEnd type="none" w="med" len="med"/>
+                      <a:tailEnd type="none" w="med" len="med"/>
+                    </a:lnT>
+                    <a:lnB w="12700" cap="flat" cmpd="sng" algn="ctr">
+                      <a:solidFill>
+                        <a:schemeClr val="bg2">
+                          <a:lumMod val="50000"/>
+                        </a:schemeClr>
+                      </a:solidFill>
+                      <a:prstDash val="solid"/>
+                      <a:round/>
+                      <a:headEnd type="none" w="med" len="med"/>
+                      <a:tailEnd type="none" w="med" len="med"/>
+                    </a:lnB>
+                    <a:lnTlToBr w="12700" cmpd="sng">
+                      <a:noFill/>
+                      <a:prstDash val="solid"/>
+                    </a:lnTlToBr>
+                    <a:lnBlToTr w="12700" cmpd="sng">
+                      <a:noFill/>
+                      <a:prstDash val="solid"/>
+                    </a:lnBlToTr>
+                    <a:noFill/>
+                  </a:tcPr>
+                </a:tc>
+                <a:tc>
+                  <a:txBody>
+                    <a:bodyPr/>
+                    <a:lstStyle/>
+                    <a:p>
+                      <a:pPr latinLnBrk="1"/>
+                      <a:endParaRPr lang="ko-KR" altLang="en-US" dirty="0"/>
+                    </a:p>
+                  </a:txBody>
+                  <a:tcPr>
+                    <a:lnL w="12700" cap="flat" cmpd="sng" algn="ctr">
+                      <a:solidFill>
+                        <a:schemeClr val="bg2">
+                          <a:lumMod val="50000"/>
+                        </a:schemeClr>
+                      </a:solidFill>
+                      <a:prstDash val="solid"/>
+                      <a:round/>
+                      <a:headEnd type="none" w="med" len="med"/>
+                      <a:tailEnd type="none" w="med" len="med"/>
+                    </a:lnL>
+                    <a:lnR w="12700" cap="flat" cmpd="sng" algn="ctr">
+                      <a:solidFill>
+                        <a:schemeClr val="bg2">
+                          <a:lumMod val="50000"/>
+                        </a:schemeClr>
+                      </a:solidFill>
+                      <a:prstDash val="solid"/>
+                      <a:round/>
+                      <a:headEnd type="none" w="med" len="med"/>
+                      <a:tailEnd type="none" w="med" len="med"/>
+                    </a:lnR>
+                    <a:lnT w="12700" cap="flat" cmpd="sng" algn="ctr">
+                      <a:solidFill>
+                        <a:schemeClr val="bg2">
+                          <a:lumMod val="50000"/>
+                        </a:schemeClr>
+                      </a:solidFill>
+                      <a:prstDash val="solid"/>
+                      <a:round/>
+                      <a:headEnd type="none" w="med" len="med"/>
+                      <a:tailEnd type="none" w="med" len="med"/>
+                    </a:lnT>
+                    <a:lnB w="12700" cap="flat" cmpd="sng" algn="ctr">
+                      <a:solidFill>
+                        <a:schemeClr val="bg2">
+                          <a:lumMod val="50000"/>
+                        </a:schemeClr>
+                      </a:solidFill>
+                      <a:prstDash val="solid"/>
+                      <a:round/>
+                      <a:headEnd type="none" w="med" len="med"/>
+                      <a:tailEnd type="none" w="med" len="med"/>
+                    </a:lnB>
+                    <a:lnTlToBr w="12700" cmpd="sng">
+                      <a:noFill/>
+                      <a:prstDash val="solid"/>
+                    </a:lnTlToBr>
+                    <a:lnBlToTr w="12700" cmpd="sng">
+                      <a:noFill/>
+                      <a:prstDash val="solid"/>
+                    </a:lnBlToTr>
+                    <a:noFill/>
+                  </a:tcPr>
+                </a:tc>
+                <a:tc>
+                  <a:txBody>
+                    <a:bodyPr/>
+                    <a:lstStyle/>
+                    <a:p>
+                      <a:pPr latinLnBrk="1"/>
+                      <a:endParaRPr lang="ko-KR" altLang="en-US" dirty="0"/>
+                    </a:p>
+                  </a:txBody>
+                  <a:tcPr>
+                    <a:lnL w="12700" cap="flat" cmpd="sng" algn="ctr">
+                      <a:solidFill>
+                        <a:schemeClr val="bg2">
+                          <a:lumMod val="50000"/>
+                        </a:schemeClr>
+                      </a:solidFill>
+                      <a:prstDash val="solid"/>
+                      <a:round/>
+                      <a:headEnd type="none" w="med" len="med"/>
+                      <a:tailEnd type="none" w="med" len="med"/>
+                    </a:lnL>
+                    <a:lnR w="12700" cap="flat" cmpd="sng" algn="ctr">
+                      <a:solidFill>
+                        <a:schemeClr val="bg2">
+                          <a:lumMod val="50000"/>
+                        </a:schemeClr>
+                      </a:solidFill>
+                      <a:prstDash val="solid"/>
+                      <a:round/>
+                      <a:headEnd type="none" w="med" len="med"/>
+                      <a:tailEnd type="none" w="med" len="med"/>
+                    </a:lnR>
+                    <a:lnT w="12700" cap="flat" cmpd="sng" algn="ctr">
+                      <a:solidFill>
+                        <a:schemeClr val="bg2">
+                          <a:lumMod val="50000"/>
+                        </a:schemeClr>
+                      </a:solidFill>
+                      <a:prstDash val="solid"/>
+                      <a:round/>
+                      <a:headEnd type="none" w="med" len="med"/>
+                      <a:tailEnd type="none" w="med" len="med"/>
+                    </a:lnT>
+                    <a:lnB w="12700" cap="flat" cmpd="sng" algn="ctr">
+                      <a:solidFill>
+                        <a:schemeClr val="bg2">
+                          <a:lumMod val="50000"/>
+                        </a:schemeClr>
+                      </a:solidFill>
+                      <a:prstDash val="solid"/>
+                      <a:round/>
+                      <a:headEnd type="none" w="med" len="med"/>
+                      <a:tailEnd type="none" w="med" len="med"/>
+                    </a:lnB>
+                    <a:lnTlToBr w="12700" cmpd="sng">
+                      <a:noFill/>
+                      <a:prstDash val="solid"/>
+                    </a:lnTlToBr>
+                    <a:lnBlToTr w="12700" cmpd="sng">
+                      <a:noFill/>
+                      <a:prstDash val="solid"/>
+                    </a:lnBlToTr>
+                    <a:noFill/>
+                  </a:tcPr>
+                </a:tc>
+                <a:tc>
+                  <a:txBody>
+                    <a:bodyPr/>
+                    <a:lstStyle/>
+                    <a:p>
+                      <a:pPr latinLnBrk="1"/>
+                      <a:endParaRPr lang="ko-KR" altLang="en-US" dirty="0"/>
+                    </a:p>
+                  </a:txBody>
+                  <a:tcPr>
+                    <a:lnL w="12700" cap="flat" cmpd="sng" algn="ctr">
+                      <a:solidFill>
+                        <a:schemeClr val="bg2">
+                          <a:lumMod val="50000"/>
+                        </a:schemeClr>
+                      </a:solidFill>
+                      <a:prstDash val="solid"/>
+                      <a:round/>
+                      <a:headEnd type="none" w="med" len="med"/>
+                      <a:tailEnd type="none" w="med" len="med"/>
+                    </a:lnL>
+                    <a:lnR w="12700" cap="flat" cmpd="sng" algn="ctr">
+                      <a:solidFill>
+                        <a:schemeClr val="bg2">
+                          <a:lumMod val="50000"/>
+                        </a:schemeClr>
+                      </a:solidFill>
+                      <a:prstDash val="solid"/>
+                      <a:round/>
+                      <a:headEnd type="none" w="med" len="med"/>
+                      <a:tailEnd type="none" w="med" len="med"/>
+                    </a:lnR>
+                    <a:lnT w="12700" cap="flat" cmpd="sng" algn="ctr">
+                      <a:solidFill>
+                        <a:schemeClr val="bg2">
+                          <a:lumMod val="50000"/>
+                        </a:schemeClr>
+                      </a:solidFill>
+                      <a:prstDash val="solid"/>
+                      <a:round/>
+                      <a:headEnd type="none" w="med" len="med"/>
+                      <a:tailEnd type="none" w="med" len="med"/>
+                    </a:lnT>
+                    <a:lnB w="12700" cap="flat" cmpd="sng" algn="ctr">
+                      <a:solidFill>
+                        <a:schemeClr val="bg2">
+                          <a:lumMod val="50000"/>
+                        </a:schemeClr>
+                      </a:solidFill>
+                      <a:prstDash val="solid"/>
+                      <a:round/>
+                      <a:headEnd type="none" w="med" len="med"/>
+                      <a:tailEnd type="none" w="med" len="med"/>
+                    </a:lnB>
+                    <a:lnTlToBr w="12700" cmpd="sng">
+                      <a:noFill/>
+                      <a:prstDash val="solid"/>
+                    </a:lnTlToBr>
+                    <a:lnBlToTr w="12700" cmpd="sng">
+                      <a:noFill/>
+                      <a:prstDash val="solid"/>
+                    </a:lnBlToTr>
+                    <a:noFill/>
+                  </a:tcPr>
+                </a:tc>
+                <a:tc>
+                  <a:txBody>
+                    <a:bodyPr/>
+                    <a:lstStyle/>
+                    <a:p>
+                      <a:pPr latinLnBrk="1"/>
+                      <a:endParaRPr lang="ko-KR" altLang="en-US" dirty="0"/>
+                    </a:p>
+                  </a:txBody>
+                  <a:tcPr>
+                    <a:lnL w="12700" cap="flat" cmpd="sng" algn="ctr">
+                      <a:solidFill>
+                        <a:schemeClr val="bg2">
+                          <a:lumMod val="50000"/>
+                        </a:schemeClr>
+                      </a:solidFill>
+                      <a:prstDash val="solid"/>
+                      <a:round/>
+                      <a:headEnd type="none" w="med" len="med"/>
+                      <a:tailEnd type="none" w="med" len="med"/>
+                    </a:lnL>
+                    <a:lnR w="12700" cap="flat" cmpd="sng" algn="ctr">
+                      <a:solidFill>
+                        <a:schemeClr val="bg2">
+                          <a:lumMod val="50000"/>
+                        </a:schemeClr>
+                      </a:solidFill>
+                      <a:prstDash val="solid"/>
+                      <a:round/>
+                      <a:headEnd type="none" w="med" len="med"/>
+                      <a:tailEnd type="none" w="med" len="med"/>
+                    </a:lnR>
+                    <a:lnT w="12700" cap="flat" cmpd="sng" algn="ctr">
+                      <a:solidFill>
+                        <a:schemeClr val="bg2">
+                          <a:lumMod val="50000"/>
+                        </a:schemeClr>
+                      </a:solidFill>
+                      <a:prstDash val="solid"/>
+                      <a:round/>
+                      <a:headEnd type="none" w="med" len="med"/>
+                      <a:tailEnd type="none" w="med" len="med"/>
+                    </a:lnT>
+                    <a:lnB w="12700" cap="flat" cmpd="sng" algn="ctr">
+                      <a:solidFill>
+                        <a:schemeClr val="bg2">
+                          <a:lumMod val="50000"/>
+                        </a:schemeClr>
+                      </a:solidFill>
+                      <a:prstDash val="solid"/>
+                      <a:round/>
+                      <a:headEnd type="none" w="med" len="med"/>
+                      <a:tailEnd type="none" w="med" len="med"/>
+                    </a:lnB>
+                    <a:lnTlToBr w="12700" cmpd="sng">
+                      <a:noFill/>
+                      <a:prstDash val="solid"/>
+                    </a:lnTlToBr>
+                    <a:lnBlToTr w="12700" cmpd="sng">
+                      <a:noFill/>
+                      <a:prstDash val="solid"/>
+                    </a:lnBlToTr>
+                    <a:noFill/>
+                  </a:tcPr>
+                </a:tc>
+                <a:tc>
+                  <a:txBody>
+                    <a:bodyPr/>
+                    <a:lstStyle/>
+                    <a:p>
+                      <a:pPr latinLnBrk="1"/>
+                      <a:endParaRPr lang="ko-KR" altLang="en-US" dirty="0"/>
+                    </a:p>
+                  </a:txBody>
+                  <a:tcPr>
+                    <a:lnL w="12700" cap="flat" cmpd="sng" algn="ctr">
+                      <a:solidFill>
+                        <a:schemeClr val="bg2">
+                          <a:lumMod val="50000"/>
+                        </a:schemeClr>
+                      </a:solidFill>
+                      <a:prstDash val="solid"/>
+                      <a:round/>
+                      <a:headEnd type="none" w="med" len="med"/>
+                      <a:tailEnd type="none" w="med" len="med"/>
+                    </a:lnL>
+                    <a:lnR w="12700" cap="flat" cmpd="sng" algn="ctr">
+                      <a:solidFill>
+                        <a:schemeClr val="bg2">
+                          <a:lumMod val="50000"/>
+                        </a:schemeClr>
+                      </a:solidFill>
+                      <a:prstDash val="solid"/>
+                      <a:round/>
+                      <a:headEnd type="none" w="med" len="med"/>
+                      <a:tailEnd type="none" w="med" len="med"/>
+                    </a:lnR>
+                    <a:lnT w="12700" cap="flat" cmpd="sng" algn="ctr">
+                      <a:solidFill>
+                        <a:schemeClr val="bg2">
+                          <a:lumMod val="50000"/>
+                        </a:schemeClr>
+                      </a:solidFill>
+                      <a:prstDash val="solid"/>
+                      <a:round/>
+                      <a:headEnd type="none" w="med" len="med"/>
+                      <a:tailEnd type="none" w="med" len="med"/>
+                    </a:lnT>
+                    <a:lnB w="12700" cap="flat" cmpd="sng" algn="ctr">
+                      <a:solidFill>
+                        <a:schemeClr val="bg2">
+                          <a:lumMod val="50000"/>
+                        </a:schemeClr>
+                      </a:solidFill>
+                      <a:prstDash val="solid"/>
+                      <a:round/>
+                      <a:headEnd type="none" w="med" len="med"/>
+                      <a:tailEnd type="none" w="med" len="med"/>
+                    </a:lnB>
+                    <a:lnTlToBr w="12700" cmpd="sng">
+                      <a:noFill/>
+                      <a:prstDash val="solid"/>
+                    </a:lnTlToBr>
+                    <a:lnBlToTr w="12700" cmpd="sng">
+                      <a:noFill/>
+                      <a:prstDash val="solid"/>
+                    </a:lnBlToTr>
+                    <a:noFill/>
+                  </a:tcPr>
+                </a:tc>
+                <a:tc>
+                  <a:txBody>
+                    <a:bodyPr/>
+                    <a:lstStyle/>
+                    <a:p>
+                      <a:pPr latinLnBrk="1"/>
+                      <a:endParaRPr lang="ko-KR" altLang="en-US" dirty="0"/>
+                    </a:p>
+                  </a:txBody>
+                  <a:tcPr>
+                    <a:lnL w="12700" cap="flat" cmpd="sng" algn="ctr">
+                      <a:solidFill>
+                        <a:schemeClr val="bg2">
+                          <a:lumMod val="50000"/>
+                        </a:schemeClr>
+                      </a:solidFill>
+                      <a:prstDash val="solid"/>
+                      <a:round/>
+                      <a:headEnd type="none" w="med" len="med"/>
+                      <a:tailEnd type="none" w="med" len="med"/>
+                    </a:lnL>
+                    <a:lnR w="12700" cap="flat" cmpd="sng" algn="ctr">
+                      <a:solidFill>
+                        <a:schemeClr val="bg2">
+                          <a:lumMod val="50000"/>
+                        </a:schemeClr>
+                      </a:solidFill>
+                      <a:prstDash val="solid"/>
+                      <a:round/>
+                      <a:headEnd type="none" w="med" len="med"/>
+                      <a:tailEnd type="none" w="med" len="med"/>
+                    </a:lnR>
+                    <a:lnT w="12700" cap="flat" cmpd="sng" algn="ctr">
+                      <a:solidFill>
+                        <a:schemeClr val="bg2">
+                          <a:lumMod val="50000"/>
+                        </a:schemeClr>
+                      </a:solidFill>
+                      <a:prstDash val="solid"/>
+                      <a:round/>
+                      <a:headEnd type="none" w="med" len="med"/>
+                      <a:tailEnd type="none" w="med" len="med"/>
+                    </a:lnT>
+                    <a:lnB w="12700" cap="flat" cmpd="sng" algn="ctr">
+                      <a:solidFill>
+                        <a:schemeClr val="bg2">
+                          <a:lumMod val="50000"/>
+                        </a:schemeClr>
+                      </a:solidFill>
+                      <a:prstDash val="solid"/>
+                      <a:round/>
+                      <a:headEnd type="none" w="med" len="med"/>
+                      <a:tailEnd type="none" w="med" len="med"/>
+                    </a:lnB>
+                    <a:lnTlToBr w="12700" cmpd="sng">
+                      <a:noFill/>
+                      <a:prstDash val="solid"/>
+                    </a:lnTlToBr>
+                    <a:lnBlToTr w="12700" cmpd="sng">
+                      <a:noFill/>
+                      <a:prstDash val="solid"/>
+                    </a:lnBlToTr>
+                    <a:noFill/>
+                  </a:tcPr>
+                </a:tc>
+                <a:tc>
+                  <a:txBody>
+                    <a:bodyPr/>
+                    <a:lstStyle/>
+                    <a:p>
+                      <a:pPr latinLnBrk="1"/>
+                      <a:endParaRPr lang="ko-KR" altLang="en-US" dirty="0"/>
+                    </a:p>
+                  </a:txBody>
+                  <a:tcPr>
+                    <a:lnL w="12700" cap="flat" cmpd="sng" algn="ctr">
+                      <a:solidFill>
+                        <a:schemeClr val="bg2">
+                          <a:lumMod val="50000"/>
+                        </a:schemeClr>
+                      </a:solidFill>
+                      <a:prstDash val="solid"/>
+                      <a:round/>
+                      <a:headEnd type="none" w="med" len="med"/>
+                      <a:tailEnd type="none" w="med" len="med"/>
+                    </a:lnL>
+                    <a:lnR w="12700" cap="flat" cmpd="sng" algn="ctr">
+                      <a:solidFill>
+                        <a:schemeClr val="bg2">
+                          <a:lumMod val="50000"/>
+                        </a:schemeClr>
+                      </a:solidFill>
+                      <a:prstDash val="solid"/>
+                      <a:round/>
+                      <a:headEnd type="none" w="med" len="med"/>
+                      <a:tailEnd type="none" w="med" len="med"/>
+                    </a:lnR>
+                    <a:lnT w="12700" cap="flat" cmpd="sng" algn="ctr">
+                      <a:solidFill>
+                        <a:schemeClr val="bg2">
+                          <a:lumMod val="50000"/>
+                        </a:schemeClr>
+                      </a:solidFill>
+                      <a:prstDash val="solid"/>
+                      <a:round/>
+                      <a:headEnd type="none" w="med" len="med"/>
+                      <a:tailEnd type="none" w="med" len="med"/>
+                    </a:lnT>
+                    <a:lnB w="12700" cap="flat" cmpd="sng" algn="ctr">
+                      <a:solidFill>
+                        <a:schemeClr val="bg2">
+                          <a:lumMod val="50000"/>
+                        </a:schemeClr>
+                      </a:solidFill>
+                      <a:prstDash val="solid"/>
+                      <a:round/>
+                      <a:headEnd type="none" w="med" len="med"/>
+                      <a:tailEnd type="none" w="med" len="med"/>
+                    </a:lnB>
+                    <a:lnTlToBr w="12700" cmpd="sng">
+                      <a:noFill/>
+                      <a:prstDash val="solid"/>
+                    </a:lnTlToBr>
+                    <a:lnBlToTr w="12700" cmpd="sng">
+                      <a:noFill/>
+                      <a:prstDash val="solid"/>
+                    </a:lnBlToTr>
+                    <a:noFill/>
+                  </a:tcPr>
+                </a:tc>
+                <a:tc>
+                  <a:txBody>
+                    <a:bodyPr/>
+                    <a:lstStyle/>
+                    <a:p>
+                      <a:pPr latinLnBrk="1"/>
+                      <a:endParaRPr lang="ko-KR" altLang="en-US" dirty="0"/>
+                    </a:p>
+                  </a:txBody>
+                  <a:tcPr>
+                    <a:lnL w="12700" cap="flat" cmpd="sng" algn="ctr">
+                      <a:solidFill>
+                        <a:schemeClr val="bg2">
+                          <a:lumMod val="50000"/>
+                        </a:schemeClr>
+                      </a:solidFill>
+                      <a:prstDash val="solid"/>
+                      <a:round/>
+                      <a:headEnd type="none" w="med" len="med"/>
+                      <a:tailEnd type="none" w="med" len="med"/>
+                    </a:lnL>
+                    <a:lnR w="12700" cap="flat" cmpd="sng" algn="ctr">
+                      <a:solidFill>
+                        <a:schemeClr val="bg2">
+                          <a:lumMod val="50000"/>
+                        </a:schemeClr>
+                      </a:solidFill>
+                      <a:prstDash val="solid"/>
+                      <a:round/>
+                      <a:headEnd type="none" w="med" len="med"/>
+                      <a:tailEnd type="none" w="med" len="med"/>
+                    </a:lnR>
+                    <a:lnT w="12700" cap="flat" cmpd="sng" algn="ctr">
+                      <a:solidFill>
+                        <a:schemeClr val="bg2">
+                          <a:lumMod val="50000"/>
+                        </a:schemeClr>
+                      </a:solidFill>
+                      <a:prstDash val="solid"/>
+                      <a:round/>
+                      <a:headEnd type="none" w="med" len="med"/>
+                      <a:tailEnd type="none" w="med" len="med"/>
+                    </a:lnT>
+                    <a:lnB w="12700" cap="flat" cmpd="sng" algn="ctr">
+                      <a:solidFill>
+                        <a:schemeClr val="bg2">
+                          <a:lumMod val="50000"/>
+                        </a:schemeClr>
+                      </a:solidFill>
+                      <a:prstDash val="solid"/>
+                      <a:round/>
+                      <a:headEnd type="none" w="med" len="med"/>
+                      <a:tailEnd type="none" w="med" len="med"/>
+                    </a:lnB>
+                    <a:lnTlToBr w="12700" cmpd="sng">
+                      <a:noFill/>
+                      <a:prstDash val="solid"/>
+                    </a:lnTlToBr>
+                    <a:lnBlToTr w="12700" cmpd="sng">
+                      <a:noFill/>
+                      <a:prstDash val="solid"/>
+                    </a:lnBlToTr>
+                    <a:noFill/>
+                  </a:tcPr>
+                </a:tc>
+                <a:extLst>
+                  <a:ext uri="{0D108BD9-81ED-4DB2-BD59-A6C34878D82A}">
+                    <a16:rowId xmlns:a16="http://schemas.microsoft.com/office/drawing/2014/main" val="1736379714"/>
+                  </a:ext>
+                </a:extLst>
+              </a:tr>
+            </a:tbl>
+          </a:graphicData>
+        </a:graphic>
+      </p:graphicFrame>
+      <p:grpSp>
+        <p:nvGrpSpPr>
+          <p:cNvPr id="39" name="그룹 38">
+            <a:extLst>
+              <a:ext uri="{FF2B5EF4-FFF2-40B4-BE49-F238E27FC236}">
+                <a16:creationId xmlns:a16="http://schemas.microsoft.com/office/drawing/2014/main" id="{C5B72697-D20F-4FC7-9E83-961D6EE2A1D6}"/>
+              </a:ext>
+            </a:extLst>
+          </p:cNvPr>
+          <p:cNvGrpSpPr/>
+          <p:nvPr/>
+        </p:nvGrpSpPr>
+        <p:grpSpPr>
+          <a:xfrm>
+            <a:off x="4727159" y="3109534"/>
+            <a:ext cx="914400" cy="1013898"/>
+            <a:chOff x="3412435" y="3853070"/>
+            <a:chExt cx="914400" cy="1013898"/>
+          </a:xfrm>
+        </p:grpSpPr>
+        <p:pic>
+          <p:nvPicPr>
+            <p:cNvPr id="40" name="그래픽 39" descr="사용자 단색으로 채워진">
+              <a:extLst>
+                <a:ext uri="{FF2B5EF4-FFF2-40B4-BE49-F238E27FC236}">
+                  <a16:creationId xmlns:a16="http://schemas.microsoft.com/office/drawing/2014/main" id="{07BCED8E-58FA-45C5-A3BD-A35083E992B5}"/>
+                </a:ext>
+              </a:extLst>
+            </p:cNvPr>
+            <p:cNvPicPr>
+              <a:picLocks noChangeAspect="1"/>
+            </p:cNvPicPr>
+            <p:nvPr/>
+          </p:nvPicPr>
+          <p:blipFill>
+            <a:blip r:embed="rId2">
+              <a:extLst>
+                <a:ext uri="{28A0092B-C50C-407E-A947-70E740481C1C}">
+                  <a14:useLocalDpi xmlns:a14="http://schemas.microsoft.com/office/drawing/2010/main" val="0"/>
+                </a:ext>
+                <a:ext uri="{96DAC541-7B7A-43D3-8B79-37D633B846F1}">
+                  <asvg:svgBlip xmlns:asvg="http://schemas.microsoft.com/office/drawing/2016/SVG/main" r:embed="rId3"/>
+                </a:ext>
+              </a:extLst>
+            </a:blip>
+            <a:stretch>
+              <a:fillRect/>
+            </a:stretch>
+          </p:blipFill>
+          <p:spPr>
+            <a:xfrm>
+              <a:off x="3412435" y="3853070"/>
+              <a:ext cx="914400" cy="914400"/>
+            </a:xfrm>
+            <a:prstGeom prst="rect">
+              <a:avLst/>
+            </a:prstGeom>
+          </p:spPr>
+        </p:pic>
+        <p:sp>
+          <p:nvSpPr>
+            <p:cNvPr id="41" name="직사각형 40">
+              <a:extLst>
+                <a:ext uri="{FF2B5EF4-FFF2-40B4-BE49-F238E27FC236}">
+                  <a16:creationId xmlns:a16="http://schemas.microsoft.com/office/drawing/2014/main" id="{1DA87B78-4056-44ED-A4CB-8F761099F599}"/>
+                </a:ext>
+              </a:extLst>
+            </p:cNvPr>
+            <p:cNvSpPr/>
+            <p:nvPr/>
+          </p:nvSpPr>
+          <p:spPr>
+            <a:xfrm>
+              <a:off x="3457023" y="4643583"/>
+              <a:ext cx="796412" cy="223385"/>
+            </a:xfrm>
+            <a:prstGeom prst="rect">
+              <a:avLst/>
+            </a:prstGeom>
+            <a:solidFill>
+              <a:schemeClr val="bg1"/>
+            </a:solidFill>
+            <a:ln>
+              <a:noFill/>
+            </a:ln>
+          </p:spPr>
+          <p:style>
+            <a:lnRef idx="2">
+              <a:schemeClr val="accent1">
+                <a:shade val="50000"/>
+              </a:schemeClr>
+            </a:lnRef>
+            <a:fillRef idx="1">
+              <a:schemeClr val="accent1"/>
+            </a:fillRef>
+            <a:effectRef idx="0">
+              <a:schemeClr val="accent1"/>
+            </a:effectRef>
+            <a:fontRef idx="minor">
+              <a:schemeClr val="lt1"/>
+            </a:fontRef>
+          </p:style>
+          <p:txBody>
+            <a:bodyPr rtlCol="0" anchor="ctr"/>
+            <a:lstStyle/>
+            <a:p>
+              <a:pPr algn="ctr"/>
+              <a:r>
+                <a:rPr lang="ko-KR" altLang="en-US" sz="1200" dirty="0">
+                  <a:solidFill>
+                    <a:schemeClr val="tx1"/>
+                  </a:solidFill>
+                </a:rPr>
+                <a:t>공격자</a:t>
+              </a:r>
+            </a:p>
+          </p:txBody>
+        </p:sp>
+      </p:grpSp>
+      <p:grpSp>
+        <p:nvGrpSpPr>
+          <p:cNvPr id="42" name="그룹 41">
+            <a:extLst>
+              <a:ext uri="{FF2B5EF4-FFF2-40B4-BE49-F238E27FC236}">
+                <a16:creationId xmlns:a16="http://schemas.microsoft.com/office/drawing/2014/main" id="{B593B7EC-4F66-42C8-8854-41F9F8DB7D97}"/>
+              </a:ext>
+            </a:extLst>
+          </p:cNvPr>
+          <p:cNvGrpSpPr/>
+          <p:nvPr/>
+        </p:nvGrpSpPr>
+        <p:grpSpPr>
+          <a:xfrm>
+            <a:off x="6924514" y="1850974"/>
+            <a:ext cx="914400" cy="1013898"/>
+            <a:chOff x="5930347" y="3853070"/>
+            <a:chExt cx="914400" cy="1013898"/>
+          </a:xfrm>
+        </p:grpSpPr>
+        <p:pic>
+          <p:nvPicPr>
+            <p:cNvPr id="43" name="그래픽 42" descr="사용자 단색으로 채워진">
+              <a:extLst>
+                <a:ext uri="{FF2B5EF4-FFF2-40B4-BE49-F238E27FC236}">
+                  <a16:creationId xmlns:a16="http://schemas.microsoft.com/office/drawing/2014/main" id="{97D77954-32D9-470E-885E-077808E1BD29}"/>
+                </a:ext>
+              </a:extLst>
+            </p:cNvPr>
+            <p:cNvPicPr>
+              <a:picLocks noChangeAspect="1"/>
+            </p:cNvPicPr>
+            <p:nvPr/>
+          </p:nvPicPr>
+          <p:blipFill>
+            <a:blip r:embed="rId4">
+              <a:extLst>
+                <a:ext uri="{28A0092B-C50C-407E-A947-70E740481C1C}">
+                  <a14:useLocalDpi xmlns:a14="http://schemas.microsoft.com/office/drawing/2010/main" val="0"/>
+                </a:ext>
+                <a:ext uri="{96DAC541-7B7A-43D3-8B79-37D633B846F1}">
+                  <asvg:svgBlip xmlns:asvg="http://schemas.microsoft.com/office/drawing/2016/SVG/main" r:embed="rId5"/>
+                </a:ext>
+              </a:extLst>
+            </a:blip>
+            <a:stretch>
+              <a:fillRect/>
+            </a:stretch>
+          </p:blipFill>
+          <p:spPr>
+            <a:xfrm>
+              <a:off x="5930347" y="3853070"/>
+              <a:ext cx="914400" cy="914400"/>
+            </a:xfrm>
+            <a:prstGeom prst="rect">
+              <a:avLst/>
+            </a:prstGeom>
+          </p:spPr>
+        </p:pic>
+        <p:sp>
+          <p:nvSpPr>
+            <p:cNvPr id="44" name="직사각형 43">
+              <a:extLst>
+                <a:ext uri="{FF2B5EF4-FFF2-40B4-BE49-F238E27FC236}">
+                  <a16:creationId xmlns:a16="http://schemas.microsoft.com/office/drawing/2014/main" id="{53ACD948-D58E-4EA8-996E-827EFBC637D5}"/>
+                </a:ext>
+              </a:extLst>
+            </p:cNvPr>
+            <p:cNvSpPr/>
+            <p:nvPr/>
+          </p:nvSpPr>
+          <p:spPr>
+            <a:xfrm>
+              <a:off x="5989341" y="4643583"/>
+              <a:ext cx="796412" cy="223385"/>
+            </a:xfrm>
+            <a:prstGeom prst="rect">
+              <a:avLst/>
+            </a:prstGeom>
+            <a:solidFill>
+              <a:schemeClr val="bg1"/>
+            </a:solidFill>
+            <a:ln>
+              <a:noFill/>
+            </a:ln>
+          </p:spPr>
+          <p:style>
+            <a:lnRef idx="2">
+              <a:schemeClr val="accent1">
+                <a:shade val="50000"/>
+              </a:schemeClr>
+            </a:lnRef>
+            <a:fillRef idx="1">
+              <a:schemeClr val="accent1"/>
+            </a:fillRef>
+            <a:effectRef idx="0">
+              <a:schemeClr val="accent1"/>
+            </a:effectRef>
+            <a:fontRef idx="minor">
+              <a:schemeClr val="lt1"/>
+            </a:fontRef>
+          </p:style>
+          <p:txBody>
+            <a:bodyPr rtlCol="0" anchor="ctr"/>
+            <a:lstStyle/>
+            <a:p>
+              <a:pPr algn="ctr"/>
+              <a:r>
+                <a:rPr lang="ko-KR" altLang="en-US" sz="1200" dirty="0" err="1">
+                  <a:solidFill>
+                    <a:schemeClr val="tx1"/>
+                  </a:solidFill>
+                </a:rPr>
+                <a:t>피격자</a:t>
+              </a:r>
+              <a:endParaRPr lang="ko-KR" altLang="en-US" sz="1200" dirty="0">
+                <a:solidFill>
+                  <a:schemeClr val="tx1"/>
+                </a:solidFill>
+              </a:endParaRPr>
+            </a:p>
+          </p:txBody>
+        </p:sp>
+      </p:grpSp>
+      <p:sp>
+        <p:nvSpPr>
+          <p:cNvPr id="3" name="부분 원형 2">
+            <a:extLst>
+              <a:ext uri="{FF2B5EF4-FFF2-40B4-BE49-F238E27FC236}">
+                <a16:creationId xmlns:a16="http://schemas.microsoft.com/office/drawing/2014/main" id="{791D3A95-698E-4EE8-881B-0EB005455BC4}"/>
+              </a:ext>
+            </a:extLst>
+          </p:cNvPr>
+          <p:cNvSpPr/>
+          <p:nvPr/>
+        </p:nvSpPr>
+        <p:spPr>
+          <a:xfrm rot="5400000">
+            <a:off x="2667093" y="838378"/>
+            <a:ext cx="5456711" cy="5456711"/>
+          </a:xfrm>
+          <a:prstGeom prst="pie">
+            <a:avLst>
+              <a:gd name="adj1" fmla="val 12895855"/>
+              <a:gd name="adj2" fmla="val 16200000"/>
+            </a:avLst>
+          </a:prstGeom>
+          <a:solidFill>
+            <a:srgbClr val="FF0000">
+              <a:alpha val="17000"/>
+            </a:srgbClr>
+          </a:solidFill>
+          <a:ln>
+            <a:noFill/>
+          </a:ln>
+        </p:spPr>
+        <p:style>
+          <a:lnRef idx="2">
+            <a:schemeClr val="accent1">
+              <a:shade val="50000"/>
+            </a:schemeClr>
+          </a:lnRef>
+          <a:fillRef idx="1">
+            <a:schemeClr val="accent1"/>
+          </a:fillRef>
+          <a:effectRef idx="0">
+            <a:schemeClr val="accent1"/>
+          </a:effectRef>
+          <a:fontRef idx="minor">
+            <a:schemeClr val="lt1"/>
+          </a:fontRef>
+        </p:style>
+        <p:txBody>
+          <a:bodyPr rtlCol="0" anchor="ctr"/>
+          <a:lstStyle/>
+          <a:p>
+            <a:pPr algn="ctr"/>
+            <a:endParaRPr lang="ko-KR" altLang="en-US">
+              <a:solidFill>
+                <a:schemeClr val="tx1"/>
+              </a:solidFill>
+            </a:endParaRPr>
+          </a:p>
+        </p:txBody>
+      </p:sp>
+      <p:sp>
+        <p:nvSpPr>
+          <p:cNvPr id="4" name="직사각형 3">
+            <a:extLst>
+              <a:ext uri="{FF2B5EF4-FFF2-40B4-BE49-F238E27FC236}">
+                <a16:creationId xmlns:a16="http://schemas.microsoft.com/office/drawing/2014/main" id="{29AE6345-B292-4194-96C8-F09D4BAA76CA}"/>
+              </a:ext>
+            </a:extLst>
+          </p:cNvPr>
+          <p:cNvSpPr/>
+          <p:nvPr/>
+        </p:nvSpPr>
+        <p:spPr>
+          <a:xfrm>
+            <a:off x="6015751" y="4463527"/>
+            <a:ext cx="3646325" cy="667445"/>
+          </a:xfrm>
+          <a:prstGeom prst="rect">
+            <a:avLst/>
+          </a:prstGeom>
+          <a:solidFill>
+            <a:schemeClr val="bg1"/>
+          </a:solidFill>
+          <a:ln>
+            <a:solidFill>
+              <a:srgbClr val="FF0000"/>
+            </a:solidFill>
+          </a:ln>
+        </p:spPr>
+        <p:style>
+          <a:lnRef idx="2">
+            <a:schemeClr val="accent1">
+              <a:shade val="50000"/>
+            </a:schemeClr>
+          </a:lnRef>
+          <a:fillRef idx="1">
+            <a:schemeClr val="accent1"/>
+          </a:fillRef>
+          <a:effectRef idx="0">
+            <a:schemeClr val="accent1"/>
+          </a:effectRef>
+          <a:fontRef idx="minor">
+            <a:schemeClr val="lt1"/>
+          </a:fontRef>
+        </p:style>
+        <p:txBody>
+          <a:bodyPr rtlCol="0" anchor="ctr"/>
+          <a:lstStyle/>
+          <a:p>
+            <a:pPr algn="ctr"/>
+            <a:r>
+              <a:rPr lang="ko-KR" altLang="en-US" dirty="0">
+                <a:solidFill>
+                  <a:schemeClr val="tx1"/>
+                </a:solidFill>
+              </a:rPr>
+              <a:t>범위내 충돌박스가 존재하는</a:t>
+            </a:r>
+            <a:endParaRPr lang="en-US" altLang="ko-KR" dirty="0">
+              <a:solidFill>
+                <a:schemeClr val="tx1"/>
+              </a:solidFill>
+            </a:endParaRPr>
+          </a:p>
+          <a:p>
+            <a:pPr algn="ctr"/>
+            <a:r>
+              <a:rPr lang="ko-KR" altLang="en-US" dirty="0">
+                <a:solidFill>
+                  <a:schemeClr val="tx1"/>
+                </a:solidFill>
+              </a:rPr>
+              <a:t>타깃에게 타격 판정 </a:t>
+            </a:r>
+          </a:p>
+        </p:txBody>
+      </p:sp>
+      <p:cxnSp>
+        <p:nvCxnSpPr>
+          <p:cNvPr id="8" name="직선 연결선 7">
+            <a:extLst>
+              <a:ext uri="{FF2B5EF4-FFF2-40B4-BE49-F238E27FC236}">
+                <a16:creationId xmlns:a16="http://schemas.microsoft.com/office/drawing/2014/main" id="{C72047DB-95A9-4D72-A9C7-B82603371D79}"/>
+              </a:ext>
+            </a:extLst>
+          </p:cNvPr>
+          <p:cNvCxnSpPr>
+            <a:cxnSpLocks/>
+          </p:cNvCxnSpPr>
+          <p:nvPr/>
+        </p:nvCxnSpPr>
+        <p:spPr>
+          <a:xfrm>
+            <a:off x="8079371" y="3566733"/>
+            <a:ext cx="283718" cy="896794"/>
+          </a:xfrm>
+          <a:prstGeom prst="line">
+            <a:avLst/>
+          </a:prstGeom>
+          <a:ln>
+            <a:solidFill>
+              <a:srgbClr val="FF0000"/>
+            </a:solidFill>
+          </a:ln>
+        </p:spPr>
+        <p:style>
+          <a:lnRef idx="1">
+            <a:schemeClr val="accent1"/>
+          </a:lnRef>
+          <a:fillRef idx="0">
+            <a:schemeClr val="accent1"/>
+          </a:fillRef>
+          <a:effectRef idx="0">
+            <a:schemeClr val="accent1"/>
+          </a:effectRef>
+          <a:fontRef idx="minor">
+            <a:schemeClr val="tx1"/>
+          </a:fontRef>
+        </p:style>
+      </p:cxnSp>
+    </p:spTree>
+    <p:extLst>
+      <p:ext uri="{BB962C8B-B14F-4D97-AF65-F5344CB8AC3E}">
+        <p14:creationId xmlns:p14="http://schemas.microsoft.com/office/powerpoint/2010/main" val="1263571154"/>
+      </p:ext>
+    </p:extLst>
+  </p:cSld>
+  <p:clrMapOvr>
+    <a:masterClrMapping/>
+  </p:clrMapOvr>
+</p:sld>
+</file>
+
 <file path=ppt/theme/theme1.xml><?xml version="1.0" encoding="utf-8"?>
 <a:theme xmlns:a="http://schemas.openxmlformats.org/drawingml/2006/main" name="Office 테마">
   <a:themeElements>

--- a/로스트아크 역분석/경로 이미지/경로.pptx
+++ b/로스트아크 역분석/경로 이미지/경로.pptx
@@ -7,6 +7,7 @@
   <p:sldIdLst>
     <p:sldId id="256" r:id="rId2"/>
     <p:sldId id="257" r:id="rId3"/>
+    <p:sldId id="258" r:id="rId4"/>
   </p:sldIdLst>
   <p:sldSz cx="12192000" cy="6858000"/>
   <p:notesSz cx="6858000" cy="9144000"/>
@@ -260,7 +261,7 @@
           <a:p>
             <a:fld id="{4D7E4FF9-DD0C-4A0A-8926-BD89F5ED8463}" type="datetimeFigureOut">
               <a:rPr lang="ko-KR" altLang="en-US" smtClean="0"/>
-              <a:t>2022-02-10</a:t>
+              <a:t>2022-02-20</a:t>
             </a:fld>
             <a:endParaRPr lang="ko-KR" altLang="en-US"/>
           </a:p>
@@ -458,7 +459,7 @@
           <a:p>
             <a:fld id="{4D7E4FF9-DD0C-4A0A-8926-BD89F5ED8463}" type="datetimeFigureOut">
               <a:rPr lang="ko-KR" altLang="en-US" smtClean="0"/>
-              <a:t>2022-02-10</a:t>
+              <a:t>2022-02-20</a:t>
             </a:fld>
             <a:endParaRPr lang="ko-KR" altLang="en-US"/>
           </a:p>
@@ -666,7 +667,7 @@
           <a:p>
             <a:fld id="{4D7E4FF9-DD0C-4A0A-8926-BD89F5ED8463}" type="datetimeFigureOut">
               <a:rPr lang="ko-KR" altLang="en-US" smtClean="0"/>
-              <a:t>2022-02-10</a:t>
+              <a:t>2022-02-20</a:t>
             </a:fld>
             <a:endParaRPr lang="ko-KR" altLang="en-US"/>
           </a:p>
@@ -864,7 +865,7 @@
           <a:p>
             <a:fld id="{4D7E4FF9-DD0C-4A0A-8926-BD89F5ED8463}" type="datetimeFigureOut">
               <a:rPr lang="ko-KR" altLang="en-US" smtClean="0"/>
-              <a:t>2022-02-10</a:t>
+              <a:t>2022-02-20</a:t>
             </a:fld>
             <a:endParaRPr lang="ko-KR" altLang="en-US"/>
           </a:p>
@@ -1139,7 +1140,7 @@
           <a:p>
             <a:fld id="{4D7E4FF9-DD0C-4A0A-8926-BD89F5ED8463}" type="datetimeFigureOut">
               <a:rPr lang="ko-KR" altLang="en-US" smtClean="0"/>
-              <a:t>2022-02-10</a:t>
+              <a:t>2022-02-20</a:t>
             </a:fld>
             <a:endParaRPr lang="ko-KR" altLang="en-US"/>
           </a:p>
@@ -1404,7 +1405,7 @@
           <a:p>
             <a:fld id="{4D7E4FF9-DD0C-4A0A-8926-BD89F5ED8463}" type="datetimeFigureOut">
               <a:rPr lang="ko-KR" altLang="en-US" smtClean="0"/>
-              <a:t>2022-02-10</a:t>
+              <a:t>2022-02-20</a:t>
             </a:fld>
             <a:endParaRPr lang="ko-KR" altLang="en-US"/>
           </a:p>
@@ -1816,7 +1817,7 @@
           <a:p>
             <a:fld id="{4D7E4FF9-DD0C-4A0A-8926-BD89F5ED8463}" type="datetimeFigureOut">
               <a:rPr lang="ko-KR" altLang="en-US" smtClean="0"/>
-              <a:t>2022-02-10</a:t>
+              <a:t>2022-02-20</a:t>
             </a:fld>
             <a:endParaRPr lang="ko-KR" altLang="en-US"/>
           </a:p>
@@ -1957,7 +1958,7 @@
           <a:p>
             <a:fld id="{4D7E4FF9-DD0C-4A0A-8926-BD89F5ED8463}" type="datetimeFigureOut">
               <a:rPr lang="ko-KR" altLang="en-US" smtClean="0"/>
-              <a:t>2022-02-10</a:t>
+              <a:t>2022-02-20</a:t>
             </a:fld>
             <a:endParaRPr lang="ko-KR" altLang="en-US"/>
           </a:p>
@@ -2070,7 +2071,7 @@
           <a:p>
             <a:fld id="{4D7E4FF9-DD0C-4A0A-8926-BD89F5ED8463}" type="datetimeFigureOut">
               <a:rPr lang="ko-KR" altLang="en-US" smtClean="0"/>
-              <a:t>2022-02-10</a:t>
+              <a:t>2022-02-20</a:t>
             </a:fld>
             <a:endParaRPr lang="ko-KR" altLang="en-US"/>
           </a:p>
@@ -2381,7 +2382,7 @@
           <a:p>
             <a:fld id="{4D7E4FF9-DD0C-4A0A-8926-BD89F5ED8463}" type="datetimeFigureOut">
               <a:rPr lang="ko-KR" altLang="en-US" smtClean="0"/>
-              <a:t>2022-02-10</a:t>
+              <a:t>2022-02-20</a:t>
             </a:fld>
             <a:endParaRPr lang="ko-KR" altLang="en-US"/>
           </a:p>
@@ -2669,7 +2670,7 @@
           <a:p>
             <a:fld id="{4D7E4FF9-DD0C-4A0A-8926-BD89F5ED8463}" type="datetimeFigureOut">
               <a:rPr lang="ko-KR" altLang="en-US" smtClean="0"/>
-              <a:t>2022-02-10</a:t>
+              <a:t>2022-02-20</a:t>
             </a:fld>
             <a:endParaRPr lang="ko-KR" altLang="en-US"/>
           </a:p>
@@ -2910,7 +2911,7 @@
           <a:p>
             <a:fld id="{4D7E4FF9-DD0C-4A0A-8926-BD89F5ED8463}" type="datetimeFigureOut">
               <a:rPr lang="ko-KR" altLang="en-US" smtClean="0"/>
-              <a:t>2022-02-10</a:t>
+              <a:t>2022-02-20</a:t>
             </a:fld>
             <a:endParaRPr lang="ko-KR" altLang="en-US"/>
           </a:p>
@@ -22432,6 +22433,250 @@
 </p:sld>
 </file>
 
+<file path=ppt/slides/slide3.xml><?xml version="1.0" encoding="utf-8"?>
+<p:sld xmlns:a="http://schemas.openxmlformats.org/drawingml/2006/main" xmlns:r="http://schemas.openxmlformats.org/officeDocument/2006/relationships" xmlns:p="http://schemas.openxmlformats.org/presentationml/2006/main">
+  <p:cSld>
+    <p:spTree>
+      <p:nvGrpSpPr>
+        <p:cNvPr id="1" name=""/>
+        <p:cNvGrpSpPr/>
+        <p:nvPr/>
+      </p:nvGrpSpPr>
+      <p:grpSpPr>
+        <a:xfrm>
+          <a:off x="0" y="0"/>
+          <a:ext cx="0" cy="0"/>
+          <a:chOff x="0" y="0"/>
+          <a:chExt cx="0" cy="0"/>
+        </a:xfrm>
+      </p:grpSpPr>
+      <p:pic>
+        <p:nvPicPr>
+          <p:cNvPr id="5" name="그림 4" descr="실내이(가) 표시된 사진&#10;&#10;자동 생성된 설명">
+            <a:extLst>
+              <a:ext uri="{FF2B5EF4-FFF2-40B4-BE49-F238E27FC236}">
+                <a16:creationId xmlns:a16="http://schemas.microsoft.com/office/drawing/2014/main" id="{E4BB0FC3-5DE7-439D-9C5B-04912C1ADF31}"/>
+              </a:ext>
+            </a:extLst>
+          </p:cNvPr>
+          <p:cNvPicPr>
+            <a:picLocks noChangeAspect="1"/>
+          </p:cNvPicPr>
+          <p:nvPr/>
+        </p:nvPicPr>
+        <p:blipFill>
+          <a:blip r:embed="rId2">
+            <a:extLst>
+              <a:ext uri="{28A0092B-C50C-407E-A947-70E740481C1C}">
+                <a14:useLocalDpi xmlns:a14="http://schemas.microsoft.com/office/drawing/2010/main" val="0"/>
+              </a:ext>
+            </a:extLst>
+          </a:blip>
+          <a:stretch>
+            <a:fillRect/>
+          </a:stretch>
+        </p:blipFill>
+        <p:spPr>
+          <a:xfrm>
+            <a:off x="1413684" y="1250578"/>
+            <a:ext cx="2912176" cy="2697740"/>
+          </a:xfrm>
+          <a:prstGeom prst="rect">
+            <a:avLst/>
+          </a:prstGeom>
+        </p:spPr>
+      </p:pic>
+      <p:pic>
+        <p:nvPicPr>
+          <p:cNvPr id="7" name="그림 6" descr="텍스트, 엔진이(가) 표시된 사진&#10;&#10;자동 생성된 설명">
+            <a:extLst>
+              <a:ext uri="{FF2B5EF4-FFF2-40B4-BE49-F238E27FC236}">
+                <a16:creationId xmlns:a16="http://schemas.microsoft.com/office/drawing/2014/main" id="{F9146FA0-A96D-48D9-883C-9F14BCAED5E8}"/>
+              </a:ext>
+            </a:extLst>
+          </p:cNvPr>
+          <p:cNvPicPr>
+            <a:picLocks noChangeAspect="1"/>
+          </p:cNvPicPr>
+          <p:nvPr/>
+        </p:nvPicPr>
+        <p:blipFill>
+          <a:blip r:embed="rId3">
+            <a:extLst>
+              <a:ext uri="{28A0092B-C50C-407E-A947-70E740481C1C}">
+                <a14:useLocalDpi xmlns:a14="http://schemas.microsoft.com/office/drawing/2010/main" val="0"/>
+              </a:ext>
+            </a:extLst>
+          </a:blip>
+          <a:stretch>
+            <a:fillRect/>
+          </a:stretch>
+        </p:blipFill>
+        <p:spPr>
+          <a:xfrm>
+            <a:off x="7898258" y="1245316"/>
+            <a:ext cx="2792888" cy="2703002"/>
+          </a:xfrm>
+          <a:prstGeom prst="rect">
+            <a:avLst/>
+          </a:prstGeom>
+        </p:spPr>
+      </p:pic>
+      <p:pic>
+        <p:nvPicPr>
+          <p:cNvPr id="9" name="그림 8" descr="텍스트, 옅은이(가) 표시된 사진&#10;&#10;자동 생성된 설명">
+            <a:extLst>
+              <a:ext uri="{FF2B5EF4-FFF2-40B4-BE49-F238E27FC236}">
+                <a16:creationId xmlns:a16="http://schemas.microsoft.com/office/drawing/2014/main" id="{14518557-9C19-4BFF-91B2-B3E86AD6C04F}"/>
+              </a:ext>
+            </a:extLst>
+          </p:cNvPr>
+          <p:cNvPicPr>
+            <a:picLocks noChangeAspect="1"/>
+          </p:cNvPicPr>
+          <p:nvPr/>
+        </p:nvPicPr>
+        <p:blipFill>
+          <a:blip r:embed="rId4">
+            <a:extLst>
+              <a:ext uri="{28A0092B-C50C-407E-A947-70E740481C1C}">
+                <a14:useLocalDpi xmlns:a14="http://schemas.microsoft.com/office/drawing/2010/main" val="0"/>
+              </a:ext>
+            </a:extLst>
+          </a:blip>
+          <a:stretch>
+            <a:fillRect/>
+          </a:stretch>
+        </p:blipFill>
+        <p:spPr>
+          <a:xfrm>
+            <a:off x="4325860" y="1250578"/>
+            <a:ext cx="3572398" cy="2697740"/>
+          </a:xfrm>
+          <a:prstGeom prst="rect">
+            <a:avLst/>
+          </a:prstGeom>
+        </p:spPr>
+      </p:pic>
+      <p:graphicFrame>
+        <p:nvGraphicFramePr>
+          <p:cNvPr id="10" name="표 10">
+            <a:extLst>
+              <a:ext uri="{FF2B5EF4-FFF2-40B4-BE49-F238E27FC236}">
+                <a16:creationId xmlns:a16="http://schemas.microsoft.com/office/drawing/2014/main" id="{A5A97757-8C36-4845-A1BC-074A0976C242}"/>
+              </a:ext>
+            </a:extLst>
+          </p:cNvPr>
+          <p:cNvGraphicFramePr>
+            <a:graphicFrameLocks noGrp="1"/>
+          </p:cNvGraphicFramePr>
+          <p:nvPr>
+            <p:extLst>
+              <p:ext uri="{D42A27DB-BD31-4B8C-83A1-F6EECF244321}">
+                <p14:modId xmlns:p14="http://schemas.microsoft.com/office/powerpoint/2010/main" val="2832148317"/>
+              </p:ext>
+            </p:extLst>
+          </p:nvPr>
+        </p:nvGraphicFramePr>
+        <p:xfrm>
+          <a:off x="1413684" y="3954256"/>
+          <a:ext cx="9277461" cy="370840"/>
+        </p:xfrm>
+        <a:graphic>
+          <a:graphicData uri="http://schemas.openxmlformats.org/drawingml/2006/table">
+            <a:tbl>
+              <a:tblPr firstRow="1" bandRow="1">
+                <a:tableStyleId>{5940675A-B579-460E-94D1-54222C63F5DA}</a:tableStyleId>
+              </a:tblPr>
+              <a:tblGrid>
+                <a:gridCol w="2914872">
+                  <a:extLst>
+                    <a:ext uri="{9D8B030D-6E8A-4147-A177-3AD203B41FA5}">
+                      <a16:colId xmlns:a16="http://schemas.microsoft.com/office/drawing/2014/main" val="1218287951"/>
+                    </a:ext>
+                  </a:extLst>
+                </a:gridCol>
+                <a:gridCol w="3568535">
+                  <a:extLst>
+                    <a:ext uri="{9D8B030D-6E8A-4147-A177-3AD203B41FA5}">
+                      <a16:colId xmlns:a16="http://schemas.microsoft.com/office/drawing/2014/main" val="1961714226"/>
+                    </a:ext>
+                  </a:extLst>
+                </a:gridCol>
+                <a:gridCol w="2794054">
+                  <a:extLst>
+                    <a:ext uri="{9D8B030D-6E8A-4147-A177-3AD203B41FA5}">
+                      <a16:colId xmlns:a16="http://schemas.microsoft.com/office/drawing/2014/main" val="3033313569"/>
+                    </a:ext>
+                  </a:extLst>
+                </a:gridCol>
+              </a:tblGrid>
+              <a:tr h="370840">
+                <a:tc>
+                  <a:txBody>
+                    <a:bodyPr/>
+                    <a:lstStyle/>
+                    <a:p>
+                      <a:pPr algn="ctr" latinLnBrk="1"/>
+                      <a:r>
+                        <a:rPr lang="ko-KR" altLang="en-US" dirty="0"/>
+                        <a:t>준비단계</a:t>
+                      </a:r>
+                    </a:p>
+                  </a:txBody>
+                  <a:tcPr/>
+                </a:tc>
+                <a:tc>
+                  <a:txBody>
+                    <a:bodyPr/>
+                    <a:lstStyle/>
+                    <a:p>
+                      <a:pPr algn="ctr" latinLnBrk="1"/>
+                      <a:r>
+                        <a:rPr lang="ko-KR" altLang="en-US" dirty="0"/>
+                        <a:t>시전단계</a:t>
+                      </a:r>
+                    </a:p>
+                  </a:txBody>
+                  <a:tcPr/>
+                </a:tc>
+                <a:tc>
+                  <a:txBody>
+                    <a:bodyPr/>
+                    <a:lstStyle/>
+                    <a:p>
+                      <a:pPr algn="ctr" latinLnBrk="1"/>
+                      <a:r>
+                        <a:rPr lang="ko-KR" altLang="en-US" dirty="0"/>
+                        <a:t>마무리단계</a:t>
+                      </a:r>
+                    </a:p>
+                  </a:txBody>
+                  <a:tcPr/>
+                </a:tc>
+                <a:extLst>
+                  <a:ext uri="{0D108BD9-81ED-4DB2-BD59-A6C34878D82A}">
+                    <a16:rowId xmlns:a16="http://schemas.microsoft.com/office/drawing/2014/main" val="1401531079"/>
+                  </a:ext>
+                </a:extLst>
+              </a:tr>
+            </a:tbl>
+          </a:graphicData>
+        </a:graphic>
+      </p:graphicFrame>
+    </p:spTree>
+    <p:extLst>
+      <p:ext uri="{BB962C8B-B14F-4D97-AF65-F5344CB8AC3E}">
+        <p14:creationId xmlns:p14="http://schemas.microsoft.com/office/powerpoint/2010/main" val="3911516261"/>
+      </p:ext>
+    </p:extLst>
+  </p:cSld>
+  <p:clrMapOvr>
+    <a:masterClrMapping/>
+  </p:clrMapOvr>
+</p:sld>
+</file>
+
 <file path=ppt/theme/theme1.xml><?xml version="1.0" encoding="utf-8"?>
 <a:theme xmlns:a="http://schemas.openxmlformats.org/drawingml/2006/main" name="Office 테마">
   <a:themeElements>
